--- a/Homework_Neuroinformatic/Assignment 1/Task12_Group30.pptx
+++ b/Homework_Neuroinformatic/Assignment 1/Task12_Group30.pptx
@@ -196,8 +196,239 @@
 </p:cmAuthorLst>
 </file>
 
+<file path=ppt/revisionInfo.xml><?xml version="1.0" encoding="utf-8"?>
+<p1510:revInfo xmlns:a="http://schemas.openxmlformats.org/drawingml/2006/main" xmlns:r="http://schemas.openxmlformats.org/officeDocument/2006/relationships" xmlns:p1510="http://schemas.microsoft.com/office/powerpoint/2015/10/main">
+  <p1510:revLst>
+    <p1510:client id="{A8B4CD17-3160-46F5-AFB3-B4649F7C9BA5}" v="62" dt="2020-12-02T16:40:48.442"/>
+  </p1510:revLst>
+</p1510:revInfo>
+</file>
+
 <file path=ppt/changesInfos/changesInfo1.xml><?xml version="1.0" encoding="utf-8"?>
 <pc:chgInfo xmlns:a="http://schemas.openxmlformats.org/drawingml/2006/main" xmlns:r="http://schemas.openxmlformats.org/officeDocument/2006/relationships" xmlns:ac="http://schemas.microsoft.com/office/drawing/2013/main/command" xmlns:pc="http://schemas.microsoft.com/office/powerpoint/2013/main/command">
+  <pc:docChgLst>
+    <pc:chgData name="Jacqueline N" userId="7febc520ade5fca9" providerId="LiveId" clId="{A8B4CD17-3160-46F5-AFB3-B4649F7C9BA5}"/>
+    <pc:docChg chg="undo custSel modSld">
+      <pc:chgData name="Jacqueline N" userId="7febc520ade5fca9" providerId="LiveId" clId="{A8B4CD17-3160-46F5-AFB3-B4649F7C9BA5}" dt="2020-12-02T16:40:48.442" v="174" actId="207"/>
+      <pc:docMkLst>
+        <pc:docMk/>
+      </pc:docMkLst>
+      <pc:sldChg chg="modSp mod">
+        <pc:chgData name="Jacqueline N" userId="7febc520ade5fca9" providerId="LiveId" clId="{A8B4CD17-3160-46F5-AFB3-B4649F7C9BA5}" dt="2020-12-02T16:40:48.442" v="174" actId="207"/>
+        <pc:sldMkLst>
+          <pc:docMk/>
+          <pc:sldMk cId="2715235869" sldId="470"/>
+        </pc:sldMkLst>
+        <pc:spChg chg="mod">
+          <ac:chgData name="Jacqueline N" userId="7febc520ade5fca9" providerId="LiveId" clId="{A8B4CD17-3160-46F5-AFB3-B4649F7C9BA5}" dt="2020-12-02T16:36:57.046" v="153" actId="207"/>
+          <ac:spMkLst>
+            <pc:docMk/>
+            <pc:sldMk cId="2715235869" sldId="470"/>
+            <ac:spMk id="3" creationId="{F49D53F5-E361-48AA-9D64-E2CB74BB1789}"/>
+          </ac:spMkLst>
+        </pc:spChg>
+        <pc:spChg chg="mod">
+          <ac:chgData name="Jacqueline N" userId="7febc520ade5fca9" providerId="LiveId" clId="{A8B4CD17-3160-46F5-AFB3-B4649F7C9BA5}" dt="2020-12-02T16:37:18.181" v="155" actId="207"/>
+          <ac:spMkLst>
+            <pc:docMk/>
+            <pc:sldMk cId="2715235869" sldId="470"/>
+            <ac:spMk id="9" creationId="{2BE115FF-739C-45F4-9742-70AA2295266B}"/>
+          </ac:spMkLst>
+        </pc:spChg>
+        <pc:spChg chg="mod">
+          <ac:chgData name="Jacqueline N" userId="7febc520ade5fca9" providerId="LiveId" clId="{A8B4CD17-3160-46F5-AFB3-B4649F7C9BA5}" dt="2020-12-02T16:37:26.924" v="156" actId="207"/>
+          <ac:spMkLst>
+            <pc:docMk/>
+            <pc:sldMk cId="2715235869" sldId="470"/>
+            <ac:spMk id="15" creationId="{6683A4FD-E0B2-41F1-A8BD-8BAC6E54185F}"/>
+          </ac:spMkLst>
+        </pc:spChg>
+        <pc:spChg chg="mod">
+          <ac:chgData name="Jacqueline N" userId="7febc520ade5fca9" providerId="LiveId" clId="{A8B4CD17-3160-46F5-AFB3-B4649F7C9BA5}" dt="2020-12-02T16:37:04.112" v="154" actId="207"/>
+          <ac:spMkLst>
+            <pc:docMk/>
+            <pc:sldMk cId="2715235869" sldId="470"/>
+            <ac:spMk id="17" creationId="{B399B6BC-4CBC-43C1-805B-1F595CA458DC}"/>
+          </ac:spMkLst>
+        </pc:spChg>
+        <pc:spChg chg="mod">
+          <ac:chgData name="Jacqueline N" userId="7febc520ade5fca9" providerId="LiveId" clId="{A8B4CD17-3160-46F5-AFB3-B4649F7C9BA5}" dt="2020-12-02T16:40:48.442" v="174" actId="207"/>
+          <ac:spMkLst>
+            <pc:docMk/>
+            <pc:sldMk cId="2715235869" sldId="470"/>
+            <ac:spMk id="36" creationId="{4AD5FE44-EDAA-4ADE-A0E5-78773FD9C140}"/>
+          </ac:spMkLst>
+        </pc:spChg>
+        <pc:spChg chg="mod">
+          <ac:chgData name="Jacqueline N" userId="7febc520ade5fca9" providerId="LiveId" clId="{A8B4CD17-3160-46F5-AFB3-B4649F7C9BA5}" dt="2020-12-02T16:40:10.337" v="171" actId="207"/>
+          <ac:spMkLst>
+            <pc:docMk/>
+            <pc:sldMk cId="2715235869" sldId="470"/>
+            <ac:spMk id="37" creationId="{D5CAA817-B54D-4C95-8A08-6DAD3681685F}"/>
+          </ac:spMkLst>
+        </pc:spChg>
+        <pc:spChg chg="mod">
+          <ac:chgData name="Jacqueline N" userId="7febc520ade5fca9" providerId="LiveId" clId="{A8B4CD17-3160-46F5-AFB3-B4649F7C9BA5}" dt="2020-12-02T16:37:58.248" v="158" actId="207"/>
+          <ac:spMkLst>
+            <pc:docMk/>
+            <pc:sldMk cId="2715235869" sldId="470"/>
+            <ac:spMk id="38" creationId="{4870B9EC-464F-4804-A13C-01C642AA1B07}"/>
+          </ac:spMkLst>
+        </pc:spChg>
+        <pc:spChg chg="mod">
+          <ac:chgData name="Jacqueline N" userId="7febc520ade5fca9" providerId="LiveId" clId="{A8B4CD17-3160-46F5-AFB3-B4649F7C9BA5}" dt="2020-12-02T16:38:32.959" v="160" actId="207"/>
+          <ac:spMkLst>
+            <pc:docMk/>
+            <pc:sldMk cId="2715235869" sldId="470"/>
+            <ac:spMk id="40" creationId="{48175A69-1BC2-46EC-B804-F84F18BE8552}"/>
+          </ac:spMkLst>
+        </pc:spChg>
+        <pc:spChg chg="mod">
+          <ac:chgData name="Jacqueline N" userId="7febc520ade5fca9" providerId="LiveId" clId="{A8B4CD17-3160-46F5-AFB3-B4649F7C9BA5}" dt="2020-12-02T16:29:16.006" v="92" actId="20577"/>
+          <ac:spMkLst>
+            <pc:docMk/>
+            <pc:sldMk cId="2715235869" sldId="470"/>
+            <ac:spMk id="47" creationId="{AAA0B4A6-5E16-4F36-8DAD-60183C8C7444}"/>
+          </ac:spMkLst>
+        </pc:spChg>
+        <pc:spChg chg="mod">
+          <ac:chgData name="Jacqueline N" userId="7febc520ade5fca9" providerId="LiveId" clId="{A8B4CD17-3160-46F5-AFB3-B4649F7C9BA5}" dt="2020-12-02T16:39:30.456" v="166" actId="1038"/>
+          <ac:spMkLst>
+            <pc:docMk/>
+            <pc:sldMk cId="2715235869" sldId="470"/>
+            <ac:spMk id="49" creationId="{8634060B-BD67-49CA-9BD3-7C62B9EF343B}"/>
+          </ac:spMkLst>
+        </pc:spChg>
+        <pc:spChg chg="mod">
+          <ac:chgData name="Jacqueline N" userId="7febc520ade5fca9" providerId="LiveId" clId="{A8B4CD17-3160-46F5-AFB3-B4649F7C9BA5}" dt="2020-12-02T16:39:42.343" v="168" actId="2085"/>
+          <ac:spMkLst>
+            <pc:docMk/>
+            <pc:sldMk cId="2715235869" sldId="470"/>
+            <ac:spMk id="50" creationId="{42F9EAEF-BAC9-4E3C-9758-4344AFE16A26}"/>
+          </ac:spMkLst>
+        </pc:spChg>
+        <pc:spChg chg="mod">
+          <ac:chgData name="Jacqueline N" userId="7febc520ade5fca9" providerId="LiveId" clId="{A8B4CD17-3160-46F5-AFB3-B4649F7C9BA5}" dt="2020-12-02T16:39:58.994" v="170" actId="207"/>
+          <ac:spMkLst>
+            <pc:docMk/>
+            <pc:sldMk cId="2715235869" sldId="470"/>
+            <ac:spMk id="51" creationId="{93238620-E47C-4519-BE81-6D422BCEF087}"/>
+          </ac:spMkLst>
+        </pc:spChg>
+      </pc:sldChg>
+      <pc:sldChg chg="modSp mod">
+        <pc:chgData name="Jacqueline N" userId="7febc520ade5fca9" providerId="LiveId" clId="{A8B4CD17-3160-46F5-AFB3-B4649F7C9BA5}" dt="2020-12-02T16:35:41.822" v="152" actId="1036"/>
+        <pc:sldMkLst>
+          <pc:docMk/>
+          <pc:sldMk cId="1601256795" sldId="471"/>
+        </pc:sldMkLst>
+        <pc:spChg chg="mod">
+          <ac:chgData name="Jacqueline N" userId="7febc520ade5fca9" providerId="LiveId" clId="{A8B4CD17-3160-46F5-AFB3-B4649F7C9BA5}" dt="2020-12-02T16:30:59.901" v="122" actId="207"/>
+          <ac:spMkLst>
+            <pc:docMk/>
+            <pc:sldMk cId="1601256795" sldId="471"/>
+            <ac:spMk id="9" creationId="{DBE00EBD-4B32-4CE4-9F1C-44612EF9C49E}"/>
+          </ac:spMkLst>
+        </pc:spChg>
+        <pc:spChg chg="mod">
+          <ac:chgData name="Jacqueline N" userId="7febc520ade5fca9" providerId="LiveId" clId="{A8B4CD17-3160-46F5-AFB3-B4649F7C9BA5}" dt="2020-12-02T16:32:01.394" v="125" actId="207"/>
+          <ac:spMkLst>
+            <pc:docMk/>
+            <pc:sldMk cId="1601256795" sldId="471"/>
+            <ac:spMk id="10" creationId="{D72AFA65-DC95-4F65-9928-084A14578143}"/>
+          </ac:spMkLst>
+        </pc:spChg>
+        <pc:spChg chg="mod">
+          <ac:chgData name="Jacqueline N" userId="7febc520ade5fca9" providerId="LiveId" clId="{A8B4CD17-3160-46F5-AFB3-B4649F7C9BA5}" dt="2020-12-02T16:34:23.404" v="137" actId="207"/>
+          <ac:spMkLst>
+            <pc:docMk/>
+            <pc:sldMk cId="1601256795" sldId="471"/>
+            <ac:spMk id="11" creationId="{6BD1549C-CA69-4E39-A6F6-0C47FB14B8BA}"/>
+          </ac:spMkLst>
+        </pc:spChg>
+        <pc:spChg chg="mod">
+          <ac:chgData name="Jacqueline N" userId="7febc520ade5fca9" providerId="LiveId" clId="{A8B4CD17-3160-46F5-AFB3-B4649F7C9BA5}" dt="2020-12-02T16:33:23.231" v="131" actId="207"/>
+          <ac:spMkLst>
+            <pc:docMk/>
+            <pc:sldMk cId="1601256795" sldId="471"/>
+            <ac:spMk id="12" creationId="{B48F5248-9586-495B-B1DC-304E9E9A1308}"/>
+          </ac:spMkLst>
+        </pc:spChg>
+        <pc:spChg chg="mod">
+          <ac:chgData name="Jacqueline N" userId="7febc520ade5fca9" providerId="LiveId" clId="{A8B4CD17-3160-46F5-AFB3-B4649F7C9BA5}" dt="2020-12-02T16:33:04.596" v="129" actId="207"/>
+          <ac:spMkLst>
+            <pc:docMk/>
+            <pc:sldMk cId="1601256795" sldId="471"/>
+            <ac:spMk id="18" creationId="{385B32A1-70C0-4CE6-8CC4-CBBC446E5D8F}"/>
+          </ac:spMkLst>
+        </pc:spChg>
+        <pc:spChg chg="mod">
+          <ac:chgData name="Jacqueline N" userId="7febc520ade5fca9" providerId="LiveId" clId="{A8B4CD17-3160-46F5-AFB3-B4649F7C9BA5}" dt="2020-12-02T16:33:38.215" v="132" actId="207"/>
+          <ac:spMkLst>
+            <pc:docMk/>
+            <pc:sldMk cId="1601256795" sldId="471"/>
+            <ac:spMk id="19" creationId="{F4274F0E-2E69-4157-97D5-13732D2B39DD}"/>
+          </ac:spMkLst>
+        </pc:spChg>
+        <pc:spChg chg="mod">
+          <ac:chgData name="Jacqueline N" userId="7febc520ade5fca9" providerId="LiveId" clId="{A8B4CD17-3160-46F5-AFB3-B4649F7C9BA5}" dt="2020-12-02T16:33:12.696" v="130" actId="207"/>
+          <ac:spMkLst>
+            <pc:docMk/>
+            <pc:sldMk cId="1601256795" sldId="471"/>
+            <ac:spMk id="20" creationId="{1415AEA4-FE4A-4282-8F9C-B015334167E1}"/>
+          </ac:spMkLst>
+        </pc:spChg>
+        <pc:spChg chg="mod">
+          <ac:chgData name="Jacqueline N" userId="7febc520ade5fca9" providerId="LiveId" clId="{A8B4CD17-3160-46F5-AFB3-B4649F7C9BA5}" dt="2020-12-02T16:35:41.822" v="152" actId="1036"/>
+          <ac:spMkLst>
+            <pc:docMk/>
+            <pc:sldMk cId="1601256795" sldId="471"/>
+            <ac:spMk id="21" creationId="{17C90D01-FB5D-4F80-A17E-0E5FCDE78770}"/>
+          </ac:spMkLst>
+        </pc:spChg>
+        <pc:grpChg chg="mod">
+          <ac:chgData name="Jacqueline N" userId="7febc520ade5fca9" providerId="LiveId" clId="{A8B4CD17-3160-46F5-AFB3-B4649F7C9BA5}" dt="2020-12-02T16:34:09.776" v="136" actId="1076"/>
+          <ac:grpSpMkLst>
+            <pc:docMk/>
+            <pc:sldMk cId="1601256795" sldId="471"/>
+            <ac:grpSpMk id="5" creationId="{12C0D64C-D024-48DF-974D-D08D6B845070}"/>
+          </ac:grpSpMkLst>
+        </pc:grpChg>
+        <pc:graphicFrameChg chg="mod modGraphic">
+          <ac:chgData name="Jacqueline N" userId="7febc520ade5fca9" providerId="LiveId" clId="{A8B4CD17-3160-46F5-AFB3-B4649F7C9BA5}" dt="2020-12-02T16:34:02.454" v="134" actId="207"/>
+          <ac:graphicFrameMkLst>
+            <pc:docMk/>
+            <pc:sldMk cId="1601256795" sldId="471"/>
+            <ac:graphicFrameMk id="2" creationId="{A181F042-887B-4031-B59C-5AF4C3D303D4}"/>
+          </ac:graphicFrameMkLst>
+        </pc:graphicFrameChg>
+        <pc:graphicFrameChg chg="modGraphic">
+          <ac:chgData name="Jacqueline N" userId="7febc520ade5fca9" providerId="LiveId" clId="{A8B4CD17-3160-46F5-AFB3-B4649F7C9BA5}" dt="2020-12-02T16:32:33.988" v="128" actId="207"/>
+          <ac:graphicFrameMkLst>
+            <pc:docMk/>
+            <pc:sldMk cId="1601256795" sldId="471"/>
+            <ac:graphicFrameMk id="7" creationId="{12129A62-7DC2-4843-A8E3-25E9998FD021}"/>
+          </ac:graphicFrameMkLst>
+        </pc:graphicFrameChg>
+        <pc:graphicFrameChg chg="mod modGraphic">
+          <ac:chgData name="Jacqueline N" userId="7febc520ade5fca9" providerId="LiveId" clId="{A8B4CD17-3160-46F5-AFB3-B4649F7C9BA5}" dt="2020-12-02T16:32:19.267" v="127" actId="207"/>
+          <ac:graphicFrameMkLst>
+            <pc:docMk/>
+            <pc:sldMk cId="1601256795" sldId="471"/>
+            <ac:graphicFrameMk id="26" creationId="{EB9D7C16-AE5F-402A-81E0-10105BD261E9}"/>
+          </ac:graphicFrameMkLst>
+        </pc:graphicFrameChg>
+        <pc:graphicFrameChg chg="mod modGraphic">
+          <ac:chgData name="Jacqueline N" userId="7febc520ade5fca9" providerId="LiveId" clId="{A8B4CD17-3160-46F5-AFB3-B4649F7C9BA5}" dt="2020-12-02T16:35:09.331" v="147" actId="207"/>
+          <ac:graphicFrameMkLst>
+            <pc:docMk/>
+            <pc:sldMk cId="1601256795" sldId="471"/>
+            <ac:graphicFrameMk id="28" creationId="{D1D754F9-06E0-4477-B661-E2F2C1BCBB6C}"/>
+          </ac:graphicFrameMkLst>
+        </pc:graphicFrameChg>
+      </pc:sldChg>
+    </pc:docChg>
+  </pc:docChgLst>
   <pc:docChgLst>
     <pc:chgData name="Jacqueline N" userId="7febc520ade5fca9" providerId="LiveId" clId="{4D1AB832-94C7-4877-87F7-6F375BD56F3E}"/>
     <pc:docChg chg="modSld">
@@ -6595,7 +6826,20 @@
                           <a:latin typeface="+mj-lt"/>
                           <a:cs typeface="Calibri" panose="020F0502020204030204" pitchFamily="34" charset="0"/>
                         </a:rPr>
-                        <m:t>1. </m:t>
+                        <m:t>1</m:t>
+                      </m:r>
+                      <m:r>
+                        <m:rPr>
+                          <m:nor/>
+                        </m:rPr>
+                        <a:rPr lang="en-AU" u="sng" smtClean="0">
+                          <a:solidFill>
+                            <a:srgbClr val="000000"/>
+                          </a:solidFill>
+                          <a:latin typeface="+mj-lt"/>
+                          <a:cs typeface="Calibri" panose="020F0502020204030204" pitchFamily="34" charset="0"/>
+                        </a:rPr>
+                        <m:t>. </m:t>
                       </m:r>
                       <m:r>
                         <m:rPr>
@@ -18040,7 +18284,7 @@
               <a:avLst/>
             </a:prstGeom>
             <a:solidFill>
-              <a:schemeClr val="tx2">
+              <a:schemeClr val="accent5">
                 <a:lumMod val="60000"/>
                 <a:lumOff val="40000"/>
               </a:schemeClr>
@@ -18104,7 +18348,7 @@
               <a:avLst/>
             </a:prstGeom>
             <a:solidFill>
-              <a:schemeClr val="tx2">
+              <a:schemeClr val="accent6">
                 <a:lumMod val="60000"/>
                 <a:lumOff val="40000"/>
               </a:schemeClr>
@@ -18142,7 +18386,7 @@
                     <a:srgbClr val="1E3336"/>
                   </a:solidFill>
                 </a:rPr>
-                <a:t>Yourself</a:t>
+                <a:t>Self-learning</a:t>
               </a:r>
             </a:p>
           </p:txBody>
@@ -18168,7 +18412,7 @@
               <a:avLst/>
             </a:prstGeom>
             <a:solidFill>
-              <a:schemeClr val="tx2">
+              <a:schemeClr val="accent2">
                 <a:lumMod val="60000"/>
                 <a:lumOff val="40000"/>
               </a:schemeClr>
@@ -18232,7 +18476,7 @@
               <a:avLst/>
             </a:prstGeom>
             <a:solidFill>
-              <a:schemeClr val="tx2">
+              <a:schemeClr val="accent4">
                 <a:lumMod val="60000"/>
                 <a:lumOff val="40000"/>
               </a:schemeClr>
@@ -18265,13 +18509,18 @@
             <a:p>
               <a:pPr algn="ctr"/>
               <a:r>
-                <a:rPr lang="en-GB" sz="1400" b="1" dirty="0">
+                <a:rPr lang="en-GB" sz="1400" b="1" dirty="0" err="1">
                   <a:solidFill>
                     <a:srgbClr val="1E3336"/>
                   </a:solidFill>
                 </a:rPr>
-                <a:t>Someone</a:t>
+                <a:t>LetWork</a:t>
               </a:r>
+              <a:endParaRPr lang="en-GB" sz="1400" b="1" dirty="0">
+                <a:solidFill>
+                  <a:srgbClr val="1E3336"/>
+                </a:solidFill>
+              </a:endParaRPr>
             </a:p>
           </p:txBody>
         </p:sp>
@@ -18577,8 +18826,8 @@
             <a:chExt cx="3493215" cy="2614865"/>
           </a:xfrm>
         </p:grpSpPr>
-        <mc:AlternateContent xmlns:mc="http://schemas.openxmlformats.org/markup-compatibility/2006" xmlns:a14="http://schemas.microsoft.com/office/drawing/2010/main">
-          <mc:Choice Requires="a14">
+        <mc:AlternateContent xmlns:mc="http://schemas.openxmlformats.org/markup-compatibility/2006">
+          <mc:Choice xmlns:a14="http://schemas.microsoft.com/office/drawing/2010/main" Requires="a14">
             <p:sp>
               <p:nvSpPr>
                 <p:cNvPr id="36" name="Textfeld 35">
@@ -18617,7 +18866,9 @@
                         <m:r>
                           <a:rPr lang="de-DE" sz="1600" b="1" i="1" smtClean="0">
                             <a:solidFill>
-                              <a:srgbClr val="1E3336"/>
+                              <a:schemeClr val="accent5">
+                                <a:lumMod val="75000"/>
+                              </a:schemeClr>
                             </a:solidFill>
                             <a:latin typeface="Cambria Math" panose="02040503050406030204" pitchFamily="18" charset="0"/>
                           </a:rPr>
@@ -18626,7 +18877,9 @@
                         <m:r>
                           <a:rPr lang="de-DE" sz="1600" b="1" i="1" smtClean="0">
                             <a:solidFill>
-                              <a:srgbClr val="1E3336"/>
+                              <a:schemeClr val="accent5">
+                                <a:lumMod val="75000"/>
+                              </a:schemeClr>
                             </a:solidFill>
                             <a:latin typeface="Cambria Math" panose="02040503050406030204" pitchFamily="18" charset="0"/>
                           </a:rPr>
@@ -18635,7 +18888,9 @@
                         <m:r>
                           <a:rPr lang="de-DE" sz="1600" b="1" i="1" smtClean="0">
                             <a:solidFill>
-                              <a:srgbClr val="1E3336"/>
+                              <a:schemeClr val="accent5">
+                                <a:lumMod val="75000"/>
+                              </a:schemeClr>
                             </a:solidFill>
                             <a:latin typeface="Cambria Math" panose="02040503050406030204" pitchFamily="18" charset="0"/>
                           </a:rPr>
@@ -18644,7 +18899,9 @@
                         <m:r>
                           <a:rPr lang="de-DE" sz="1600" b="1" i="1" smtClean="0">
                             <a:solidFill>
-                              <a:srgbClr val="1E3336"/>
+                              <a:schemeClr val="accent5">
+                                <a:lumMod val="75000"/>
+                              </a:schemeClr>
                             </a:solidFill>
                             <a:latin typeface="Cambria Math" panose="02040503050406030204" pitchFamily="18" charset="0"/>
                           </a:rPr>
@@ -18655,14 +18912,16 @@
                   </a14:m>
                   <a:endParaRPr lang="de-DE" sz="1600" b="1" dirty="0">
                     <a:solidFill>
-                      <a:srgbClr val="1E3336"/>
+                      <a:schemeClr val="accent5">
+                        <a:lumMod val="75000"/>
+                      </a:schemeClr>
                     </a:solidFill>
                   </a:endParaRPr>
                 </a:p>
               </p:txBody>
             </p:sp>
           </mc:Choice>
-          <mc:Fallback xmlns="">
+          <mc:Fallback>
             <p:sp>
               <p:nvSpPr>
                 <p:cNvPr id="36" name="Textfeld 35">
@@ -18707,8 +18966,8 @@
             </p:sp>
           </mc:Fallback>
         </mc:AlternateContent>
-        <mc:AlternateContent xmlns:mc="http://schemas.openxmlformats.org/markup-compatibility/2006" xmlns:a14="http://schemas.microsoft.com/office/drawing/2010/main">
-          <mc:Choice Requires="a14">
+        <mc:AlternateContent xmlns:mc="http://schemas.openxmlformats.org/markup-compatibility/2006">
+          <mc:Choice xmlns:a14="http://schemas.microsoft.com/office/drawing/2010/main" Requires="a14">
             <p:sp>
               <p:nvSpPr>
                 <p:cNvPr id="37" name="Textfeld 36">
@@ -18747,7 +19006,9 @@
                         <m:r>
                           <a:rPr lang="de-DE" sz="1600" b="1" i="1" smtClean="0">
                             <a:solidFill>
-                              <a:srgbClr val="1E3336"/>
+                              <a:schemeClr val="accent4">
+                                <a:lumMod val="75000"/>
+                              </a:schemeClr>
                             </a:solidFill>
                             <a:latin typeface="Cambria Math" panose="02040503050406030204" pitchFamily="18" charset="0"/>
                           </a:rPr>
@@ -18756,7 +19017,9 @@
                         <m:r>
                           <a:rPr lang="de-DE" sz="1600" b="1" i="1" smtClean="0">
                             <a:solidFill>
-                              <a:srgbClr val="1E3336"/>
+                              <a:schemeClr val="accent4">
+                                <a:lumMod val="75000"/>
+                              </a:schemeClr>
                             </a:solidFill>
                             <a:latin typeface="Cambria Math" panose="02040503050406030204" pitchFamily="18" charset="0"/>
                           </a:rPr>
@@ -18765,16 +19028,20 @@
                         <m:r>
                           <a:rPr lang="de-DE" sz="1600" b="1" i="1" smtClean="0">
                             <a:solidFill>
-                              <a:srgbClr val="1E3336"/>
+                              <a:schemeClr val="accent4">
+                                <a:lumMod val="75000"/>
+                              </a:schemeClr>
                             </a:solidFill>
                             <a:latin typeface="Cambria Math" panose="02040503050406030204" pitchFamily="18" charset="0"/>
                           </a:rPr>
-                          <m:t>𝑺</m:t>
+                          <m:t>𝑳</m:t>
                         </m:r>
                         <m:r>
                           <a:rPr lang="de-DE" sz="1600" b="1" i="1" smtClean="0">
                             <a:solidFill>
-                              <a:srgbClr val="1E3336"/>
+                              <a:schemeClr val="accent4">
+                                <a:lumMod val="75000"/>
+                              </a:schemeClr>
                             </a:solidFill>
                             <a:latin typeface="Cambria Math" panose="02040503050406030204" pitchFamily="18" charset="0"/>
                           </a:rPr>
@@ -18783,7 +19050,9 @@
                         <m:r>
                           <a:rPr lang="de-DE" sz="1600" b="1" i="1" smtClean="0">
                             <a:solidFill>
-                              <a:srgbClr val="1E3336"/>
+                              <a:schemeClr val="accent4">
+                                <a:lumMod val="75000"/>
+                              </a:schemeClr>
                             </a:solidFill>
                             <a:latin typeface="Cambria Math" panose="02040503050406030204" pitchFamily="18" charset="0"/>
                           </a:rPr>
@@ -18792,7 +19061,9 @@
                         <m:r>
                           <a:rPr lang="de-DE" sz="1600" b="1" i="1" smtClean="0">
                             <a:solidFill>
-                              <a:srgbClr val="1E3336"/>
+                              <a:schemeClr val="accent4">
+                                <a:lumMod val="75000"/>
+                              </a:schemeClr>
                             </a:solidFill>
                             <a:latin typeface="Cambria Math" panose="02040503050406030204" pitchFamily="18" charset="0"/>
                           </a:rPr>
@@ -18803,14 +19074,16 @@
                   </a14:m>
                   <a:endParaRPr lang="de-DE" sz="1600" b="1" dirty="0">
                     <a:solidFill>
-                      <a:srgbClr val="1E3336"/>
+                      <a:schemeClr val="accent4">
+                        <a:lumMod val="75000"/>
+                      </a:schemeClr>
                     </a:solidFill>
                   </a:endParaRPr>
                 </a:p>
               </p:txBody>
             </p:sp>
           </mc:Choice>
-          <mc:Fallback xmlns="">
+          <mc:Fallback>
             <p:sp>
               <p:nvSpPr>
                 <p:cNvPr id="37" name="Textfeld 36">
@@ -18855,8 +19128,8 @@
             </p:sp>
           </mc:Fallback>
         </mc:AlternateContent>
-        <mc:AlternateContent xmlns:mc="http://schemas.openxmlformats.org/markup-compatibility/2006" xmlns:a14="http://schemas.microsoft.com/office/drawing/2010/main">
-          <mc:Choice Requires="a14">
+        <mc:AlternateContent xmlns:mc="http://schemas.openxmlformats.org/markup-compatibility/2006">
+          <mc:Choice xmlns:a14="http://schemas.microsoft.com/office/drawing/2010/main" Requires="a14">
             <p:sp>
               <p:nvSpPr>
                 <p:cNvPr id="38" name="Textfeld 37">
@@ -18895,7 +19168,9 @@
                         <m:r>
                           <a:rPr lang="de-DE" sz="1600" b="1" i="1" smtClean="0">
                             <a:solidFill>
-                              <a:srgbClr val="1E3336"/>
+                              <a:schemeClr val="accent6">
+                                <a:lumMod val="75000"/>
+                              </a:schemeClr>
                             </a:solidFill>
                             <a:latin typeface="Cambria Math" panose="02040503050406030204" pitchFamily="18" charset="0"/>
                           </a:rPr>
@@ -18904,7 +19179,9 @@
                         <m:r>
                           <a:rPr lang="de-DE" sz="1600" b="1" i="1" smtClean="0">
                             <a:solidFill>
-                              <a:srgbClr val="1E3336"/>
+                              <a:schemeClr val="accent6">
+                                <a:lumMod val="75000"/>
+                              </a:schemeClr>
                             </a:solidFill>
                             <a:latin typeface="Cambria Math" panose="02040503050406030204" pitchFamily="18" charset="0"/>
                           </a:rPr>
@@ -18913,16 +19190,20 @@
                         <m:r>
                           <a:rPr lang="de-DE" sz="1600" b="1" i="1" smtClean="0">
                             <a:solidFill>
-                              <a:srgbClr val="1E3336"/>
+                              <a:schemeClr val="accent6">
+                                <a:lumMod val="75000"/>
+                              </a:schemeClr>
                             </a:solidFill>
                             <a:latin typeface="Cambria Math" panose="02040503050406030204" pitchFamily="18" charset="0"/>
                           </a:rPr>
-                          <m:t>𝒀</m:t>
+                          <m:t>𝑺</m:t>
                         </m:r>
                         <m:r>
                           <a:rPr lang="de-DE" sz="1600" b="1" i="1" smtClean="0">
                             <a:solidFill>
-                              <a:srgbClr val="1E3336"/>
+                              <a:schemeClr val="accent6">
+                                <a:lumMod val="75000"/>
+                              </a:schemeClr>
                             </a:solidFill>
                             <a:latin typeface="Cambria Math" panose="02040503050406030204" pitchFamily="18" charset="0"/>
                           </a:rPr>
@@ -18931,7 +19212,9 @@
                         <m:r>
                           <a:rPr lang="de-DE" sz="1600" b="1" i="1" smtClean="0">
                             <a:solidFill>
-                              <a:srgbClr val="1E3336"/>
+                              <a:schemeClr val="accent6">
+                                <a:lumMod val="75000"/>
+                              </a:schemeClr>
                             </a:solidFill>
                             <a:latin typeface="Cambria Math" panose="02040503050406030204" pitchFamily="18" charset="0"/>
                           </a:rPr>
@@ -18940,7 +19223,9 @@
                         <m:r>
                           <a:rPr lang="de-DE" sz="1600" b="1" i="1" smtClean="0">
                             <a:solidFill>
-                              <a:srgbClr val="1E3336"/>
+                              <a:schemeClr val="accent6">
+                                <a:lumMod val="75000"/>
+                              </a:schemeClr>
                             </a:solidFill>
                             <a:latin typeface="Cambria Math" panose="02040503050406030204" pitchFamily="18" charset="0"/>
                           </a:rPr>
@@ -18951,14 +19236,16 @@
                   </a14:m>
                   <a:endParaRPr lang="de-DE" sz="1600" b="1" dirty="0">
                     <a:solidFill>
-                      <a:srgbClr val="1E3336"/>
+                      <a:schemeClr val="accent6">
+                        <a:lumMod val="75000"/>
+                      </a:schemeClr>
                     </a:solidFill>
                   </a:endParaRPr>
                 </a:p>
               </p:txBody>
             </p:sp>
           </mc:Choice>
-          <mc:Fallback xmlns="">
+          <mc:Fallback>
             <p:sp>
               <p:nvSpPr>
                 <p:cNvPr id="38" name="Textfeld 37">
@@ -19003,8 +19290,8 @@
             </p:sp>
           </mc:Fallback>
         </mc:AlternateContent>
-        <mc:AlternateContent xmlns:mc="http://schemas.openxmlformats.org/markup-compatibility/2006" xmlns:a14="http://schemas.microsoft.com/office/drawing/2010/main">
-          <mc:Choice Requires="a14">
+        <mc:AlternateContent xmlns:mc="http://schemas.openxmlformats.org/markup-compatibility/2006">
+          <mc:Choice xmlns:a14="http://schemas.microsoft.com/office/drawing/2010/main" Requires="a14">
             <p:sp>
               <p:nvSpPr>
                 <p:cNvPr id="40" name="Textfeld 39">
@@ -19043,7 +19330,9 @@
                         <m:r>
                           <a:rPr lang="de-DE" sz="1600" b="1" i="1" smtClean="0">
                             <a:solidFill>
-                              <a:srgbClr val="1E3336"/>
+                              <a:schemeClr val="accent2">
+                                <a:lumMod val="75000"/>
+                              </a:schemeClr>
                             </a:solidFill>
                             <a:latin typeface="Cambria Math" panose="02040503050406030204" pitchFamily="18" charset="0"/>
                           </a:rPr>
@@ -19052,7 +19341,9 @@
                         <m:r>
                           <a:rPr lang="de-DE" sz="1600" b="1" i="1" smtClean="0">
                             <a:solidFill>
-                              <a:srgbClr val="1E3336"/>
+                              <a:schemeClr val="accent2">
+                                <a:lumMod val="75000"/>
+                              </a:schemeClr>
                             </a:solidFill>
                             <a:latin typeface="Cambria Math" panose="02040503050406030204" pitchFamily="18" charset="0"/>
                           </a:rPr>
@@ -19061,7 +19352,9 @@
                         <m:r>
                           <a:rPr lang="de-DE" sz="1600" b="1" i="1" smtClean="0">
                             <a:solidFill>
-                              <a:srgbClr val="1E3336"/>
+                              <a:schemeClr val="accent2">
+                                <a:lumMod val="75000"/>
+                              </a:schemeClr>
                             </a:solidFill>
                             <a:latin typeface="Cambria Math" panose="02040503050406030204" pitchFamily="18" charset="0"/>
                           </a:rPr>
@@ -19070,7 +19363,9 @@
                         <m:r>
                           <a:rPr lang="de-DE" sz="1600" b="1" i="1" smtClean="0">
                             <a:solidFill>
-                              <a:srgbClr val="1E3336"/>
+                              <a:schemeClr val="accent2">
+                                <a:lumMod val="75000"/>
+                              </a:schemeClr>
                             </a:solidFill>
                             <a:latin typeface="Cambria Math" panose="02040503050406030204" pitchFamily="18" charset="0"/>
                           </a:rPr>
@@ -19079,16 +19374,20 @@
                         <m:r>
                           <a:rPr lang="de-DE" sz="1600" b="1" i="1" smtClean="0">
                             <a:solidFill>
-                              <a:srgbClr val="1E3336"/>
+                              <a:schemeClr val="accent2">
+                                <a:lumMod val="75000"/>
+                              </a:schemeClr>
                             </a:solidFill>
                             <a:latin typeface="Cambria Math" panose="02040503050406030204" pitchFamily="18" charset="0"/>
                           </a:rPr>
-                          <m:t>𝒀</m:t>
+                          <m:t>𝑺</m:t>
                         </m:r>
                         <m:r>
                           <a:rPr lang="de-DE" sz="1600" b="1" i="1" smtClean="0">
                             <a:solidFill>
-                              <a:srgbClr val="1E3336"/>
+                              <a:schemeClr val="accent2">
+                                <a:lumMod val="75000"/>
+                              </a:schemeClr>
                             </a:solidFill>
                             <a:latin typeface="Cambria Math" panose="02040503050406030204" pitchFamily="18" charset="0"/>
                           </a:rPr>
@@ -19097,16 +19396,20 @@
                         <m:r>
                           <a:rPr lang="de-DE" sz="1600" b="1" i="1" smtClean="0">
                             <a:solidFill>
-                              <a:srgbClr val="1E3336"/>
+                              <a:schemeClr val="accent2">
+                                <a:lumMod val="75000"/>
+                              </a:schemeClr>
                             </a:solidFill>
                             <a:latin typeface="Cambria Math" panose="02040503050406030204" pitchFamily="18" charset="0"/>
                           </a:rPr>
-                          <m:t>𝑺</m:t>
+                          <m:t>𝑳</m:t>
                         </m:r>
                         <m:r>
                           <a:rPr lang="de-DE" sz="1600" b="1" i="1" smtClean="0">
                             <a:solidFill>
-                              <a:srgbClr val="1E3336"/>
+                              <a:schemeClr val="accent2">
+                                <a:lumMod val="75000"/>
+                              </a:schemeClr>
                             </a:solidFill>
                             <a:latin typeface="Cambria Math" panose="02040503050406030204" pitchFamily="18" charset="0"/>
                           </a:rPr>
@@ -19115,7 +19418,9 @@
                         <m:r>
                           <a:rPr lang="de-DE" sz="1600" b="1" i="1" smtClean="0">
                             <a:solidFill>
-                              <a:srgbClr val="1E3336"/>
+                              <a:schemeClr val="accent2">
+                                <a:lumMod val="75000"/>
+                              </a:schemeClr>
                             </a:solidFill>
                             <a:latin typeface="Cambria Math" panose="02040503050406030204" pitchFamily="18" charset="0"/>
                           </a:rPr>
@@ -19124,7 +19429,9 @@
                         <m:r>
                           <a:rPr lang="de-DE" sz="1600" b="1" i="1" smtClean="0">
                             <a:solidFill>
-                              <a:srgbClr val="1E3336"/>
+                              <a:schemeClr val="accent2">
+                                <a:lumMod val="75000"/>
+                              </a:schemeClr>
                             </a:solidFill>
                             <a:latin typeface="Cambria Math" panose="02040503050406030204" pitchFamily="18" charset="0"/>
                           </a:rPr>
@@ -19135,14 +19442,16 @@
                   </a14:m>
                   <a:endParaRPr lang="de-DE" sz="1600" b="1" dirty="0">
                     <a:solidFill>
-                      <a:srgbClr val="1E3336"/>
+                      <a:schemeClr val="accent2">
+                        <a:lumMod val="75000"/>
+                      </a:schemeClr>
                     </a:solidFill>
                   </a:endParaRPr>
                 </a:p>
               </p:txBody>
             </p:sp>
           </mc:Choice>
-          <mc:Fallback xmlns="">
+          <mc:Fallback>
             <p:sp>
               <p:nvSpPr>
                 <p:cNvPr id="40" name="Textfeld 39">
@@ -19168,7 +19477,7 @@
                 <a:blipFill>
                   <a:blip r:embed="rId6"/>
                   <a:stretch>
-                    <a:fillRect r="-4663" b="-10714"/>
+                    <a:fillRect r="-3109" b="-10714"/>
                   </a:stretch>
                 </a:blipFill>
               </p:spPr>
@@ -19188,8 +19497,8 @@
           </mc:Fallback>
         </mc:AlternateContent>
       </p:grpSp>
-      <mc:AlternateContent xmlns:mc="http://schemas.openxmlformats.org/markup-compatibility/2006" xmlns:a14="http://schemas.microsoft.com/office/drawing/2010/main">
-        <mc:Choice Requires="a14">
+      <mc:AlternateContent xmlns:mc="http://schemas.openxmlformats.org/markup-compatibility/2006">
+        <mc:Choice xmlns:a14="http://schemas.microsoft.com/office/drawing/2010/main" Requires="a14">
           <p:sp>
             <p:nvSpPr>
               <p:cNvPr id="47" name="Textfeld 46">
@@ -19312,7 +19621,7 @@
                           <a:rPr lang="de-DE" sz="1600" b="0" i="1" smtClean="0">
                             <a:latin typeface="Cambria Math" panose="02040503050406030204" pitchFamily="18" charset="0"/>
                           </a:rPr>
-                          <m:t>𝑌</m:t>
+                          <m:t>𝑆</m:t>
                         </m:r>
                         <m:r>
                           <a:rPr lang="de-DE" sz="1600" b="0" i="1" smtClean="0">
@@ -19324,7 +19633,7 @@
                           <a:rPr lang="de-DE" sz="1600" b="0" i="1" smtClean="0">
                             <a:latin typeface="Cambria Math" panose="02040503050406030204" pitchFamily="18" charset="0"/>
                           </a:rPr>
-                          <m:t>𝑆</m:t>
+                          <m:t>𝐿</m:t>
                         </m:r>
                         <m:r>
                           <a:rPr lang="de-DE" sz="1600" b="0" i="1" smtClean="0">
@@ -19360,43 +19669,6 @@
                           </a:rPr>
                         </m:ctrlPr>
                       </m:dPr>
-                      <m:e>
-                        <m:r>
-                          <a:rPr lang="de-DE" sz="1600" b="0" i="1" smtClean="0">
-                            <a:latin typeface="Cambria Math" panose="02040503050406030204" pitchFamily="18" charset="0"/>
-                          </a:rPr>
-                          <m:t>𝑀</m:t>
-                        </m:r>
-                      </m:e>
-                    </m:d>
-                    <m:r>
-                      <a:rPr lang="de-DE" sz="1600" b="0" i="1" smtClean="0">
-                        <a:latin typeface="Cambria Math" panose="02040503050406030204" pitchFamily="18" charset="0"/>
-                      </a:rPr>
-                      <m:t> </m:t>
-                    </m:r>
-                    <m:r>
-                      <a:rPr lang="de-DE" sz="1600" b="0" i="1" smtClean="0">
-                        <a:latin typeface="Cambria Math" panose="02040503050406030204" pitchFamily="18" charset="0"/>
-                      </a:rPr>
-                      <m:t>𝑝</m:t>
-                    </m:r>
-                    <m:d>
-                      <m:dPr>
-                        <m:ctrlPr>
-                          <a:rPr lang="de-DE" sz="1600" b="0" i="1" smtClean="0">
-                            <a:latin typeface="Cambria Math" panose="02040503050406030204" pitchFamily="18" charset="0"/>
-                          </a:rPr>
-                        </m:ctrlPr>
-                      </m:dPr>
-                      <m:e>
-                        <m:r>
-                          <a:rPr lang="de-DE" sz="1600" b="0" i="1" smtClean="0">
-                            <a:latin typeface="Cambria Math" panose="02040503050406030204" pitchFamily="18" charset="0"/>
-                          </a:rPr>
-                          <m:t>𝑌</m:t>
-                        </m:r>
-                      </m:e>
                       <m:e>
                         <m:r>
                           <a:rPr lang="de-DE" sz="1600" b="0" i="1" smtClean="0">
@@ -19468,6 +19740,43 @@
                           <a:rPr lang="de-DE" sz="1600" b="0" i="1" smtClean="0">
                             <a:latin typeface="Cambria Math" panose="02040503050406030204" pitchFamily="18" charset="0"/>
                           </a:rPr>
+                          <m:t>𝐿</m:t>
+                        </m:r>
+                      </m:e>
+                      <m:e>
+                        <m:r>
+                          <a:rPr lang="de-DE" sz="1600" b="0" i="1" smtClean="0">
+                            <a:latin typeface="Cambria Math" panose="02040503050406030204" pitchFamily="18" charset="0"/>
+                          </a:rPr>
+                          <m:t>𝑀</m:t>
+                        </m:r>
+                      </m:e>
+                    </m:d>
+                    <m:r>
+                      <a:rPr lang="de-DE" sz="1600" b="0" i="1" smtClean="0">
+                        <a:latin typeface="Cambria Math" panose="02040503050406030204" pitchFamily="18" charset="0"/>
+                      </a:rPr>
+                      <m:t> </m:t>
+                    </m:r>
+                    <m:r>
+                      <a:rPr lang="de-DE" sz="1600" b="0" i="1" smtClean="0">
+                        <a:latin typeface="Cambria Math" panose="02040503050406030204" pitchFamily="18" charset="0"/>
+                      </a:rPr>
+                      <m:t>𝑝</m:t>
+                    </m:r>
+                    <m:d>
+                      <m:dPr>
+                        <m:ctrlPr>
+                          <a:rPr lang="de-DE" sz="1600" b="0" i="1" smtClean="0">
+                            <a:latin typeface="Cambria Math" panose="02040503050406030204" pitchFamily="18" charset="0"/>
+                          </a:rPr>
+                        </m:ctrlPr>
+                      </m:dPr>
+                      <m:e>
+                        <m:r>
+                          <a:rPr lang="de-DE" sz="1600" b="0" i="1" smtClean="0">
+                            <a:latin typeface="Cambria Math" panose="02040503050406030204" pitchFamily="18" charset="0"/>
+                          </a:rPr>
                           <m:t>𝐼</m:t>
                         </m:r>
                       </m:e>
@@ -19476,7 +19785,7 @@
                           <a:rPr lang="de-DE" sz="1600" b="0" i="1" smtClean="0">
                             <a:latin typeface="Cambria Math" panose="02040503050406030204" pitchFamily="18" charset="0"/>
                           </a:rPr>
-                          <m:t>𝑌</m:t>
+                          <m:t>𝑆</m:t>
                         </m:r>
                         <m:r>
                           <a:rPr lang="de-DE" sz="1600" b="0" i="1" smtClean="0">
@@ -19488,7 +19797,7 @@
                           <a:rPr lang="de-DE" sz="1600" b="0" i="1" smtClean="0">
                             <a:latin typeface="Cambria Math" panose="02040503050406030204" pitchFamily="18" charset="0"/>
                           </a:rPr>
-                          <m:t>𝑆</m:t>
+                          <m:t>𝐿</m:t>
                         </m:r>
                       </m:e>
                     </m:d>
@@ -19541,7 +19850,7 @@
                 </a:r>
                 <a:r>
                   <a:rPr lang="en-GB" sz="1600" i="1" dirty="0"/>
-                  <a:t>Yourself</a:t>
+                  <a:t>Self-learning</a:t>
                 </a:r>
                 <a:r>
                   <a:rPr lang="en-GB" sz="1600" dirty="0"/>
@@ -19593,7 +19902,7 @@
                           <a:rPr lang="de-DE" sz="1600" b="0" i="1" smtClean="0">
                             <a:latin typeface="Cambria Math" panose="02040503050406030204" pitchFamily="18" charset="0"/>
                           </a:rPr>
-                          <m:t>𝑌</m:t>
+                          <m:t>𝑆</m:t>
                         </m:r>
                         <m:r>
                           <a:rPr lang="de-DE" sz="1600" b="0" i="1" smtClean="0">
@@ -19634,7 +19943,7 @@
                           <a:rPr lang="de-DE" sz="1600" b="0" i="1" smtClean="0">
                             <a:latin typeface="Cambria Math" panose="02040503050406030204" pitchFamily="18" charset="0"/>
                           </a:rPr>
-                          <m:t>𝑌</m:t>
+                          <m:t>𝑆</m:t>
                         </m:r>
                       </m:e>
                       <m:e>
@@ -19721,8 +20030,8 @@
                   <a:t>             try to get some notes of your colleague (</a:t>
                 </a:r>
                 <a:r>
-                  <a:rPr lang="en-GB" sz="1600" i="1" dirty="0"/>
-                  <a:t>Someone</a:t>
+                  <a:rPr lang="en-GB" sz="1600" i="1" dirty="0" err="1"/>
+                  <a:t>LetWork</a:t>
                 </a:r>
                 <a:r>
                   <a:rPr lang="en-GB" sz="1600" dirty="0"/>
@@ -19768,7 +20077,7 @@
                           <a:rPr lang="de-DE" sz="1600" b="0" i="1" smtClean="0">
                             <a:latin typeface="Cambria Math" panose="02040503050406030204" pitchFamily="18" charset="0"/>
                           </a:rPr>
-                          <m:t>𝑆</m:t>
+                          <m:t>𝐿</m:t>
                         </m:r>
                         <m:r>
                           <a:rPr lang="de-DE" sz="1600" i="1">
@@ -19806,10 +20115,10 @@
                       </m:dPr>
                       <m:e>
                         <m:r>
-                          <a:rPr lang="de-DE" sz="1600" i="1">
+                          <a:rPr lang="de-DE" sz="1600" b="0" i="1" smtClean="0">
                             <a:latin typeface="Cambria Math" panose="02040503050406030204" pitchFamily="18" charset="0"/>
                           </a:rPr>
-                          <m:t>𝑆</m:t>
+                          <m:t>𝐿</m:t>
                         </m:r>
                       </m:e>
                       <m:e>
@@ -19857,7 +20166,7 @@
             </p:txBody>
           </p:sp>
         </mc:Choice>
-        <mc:Fallback xmlns="">
+        <mc:Fallback>
           <p:sp>
             <p:nvSpPr>
               <p:cNvPr id="47" name="Textfeld 46">
@@ -19916,26 +20225,21 @@
         </p:nvSpPr>
         <p:spPr>
           <a:xfrm>
-            <a:off x="860425" y="2575590"/>
+            <a:off x="857250" y="2557046"/>
             <a:ext cx="4019550" cy="338554"/>
           </a:xfrm>
           <a:prstGeom prst="rect">
             <a:avLst/>
           </a:prstGeom>
           <a:solidFill>
-            <a:schemeClr val="accent6">
-              <a:lumMod val="40000"/>
-              <a:lumOff val="60000"/>
+            <a:schemeClr val="accent2">
+              <a:lumMod val="60000"/>
+              <a:lumOff val="40000"/>
               <a:alpha val="40000"/>
             </a:schemeClr>
           </a:solidFill>
           <a:ln>
-            <a:solidFill>
-              <a:schemeClr val="accent6">
-                <a:lumMod val="40000"/>
-                <a:lumOff val="60000"/>
-              </a:schemeClr>
-            </a:solidFill>
+            <a:noFill/>
           </a:ln>
         </p:spPr>
         <p:style>
@@ -19959,7 +20263,7 @@
           <a:lstStyle/>
           <a:p>
             <a:pPr algn="ctr"/>
-            <a:endParaRPr lang="de-DE"/>
+            <a:endParaRPr lang="de-DE" dirty="0"/>
           </a:p>
         </p:txBody>
       </p:sp>
@@ -19985,18 +20289,12 @@
           </a:prstGeom>
           <a:solidFill>
             <a:schemeClr val="accent6">
-              <a:lumMod val="40000"/>
-              <a:lumOff val="60000"/>
+              <a:lumMod val="75000"/>
               <a:alpha val="40000"/>
             </a:schemeClr>
           </a:solidFill>
           <a:ln>
-            <a:solidFill>
-              <a:schemeClr val="accent6">
-                <a:lumMod val="40000"/>
-                <a:lumOff val="60000"/>
-              </a:schemeClr>
-            </a:solidFill>
+            <a:noFill/>
           </a:ln>
         </p:spPr>
         <p:style>
@@ -20045,19 +20343,14 @@
             <a:avLst/>
           </a:prstGeom>
           <a:solidFill>
-            <a:schemeClr val="accent6">
-              <a:lumMod val="40000"/>
-              <a:lumOff val="60000"/>
+            <a:schemeClr val="accent4">
+              <a:lumMod val="60000"/>
+              <a:lumOff val="40000"/>
               <a:alpha val="40000"/>
             </a:schemeClr>
           </a:solidFill>
           <a:ln>
-            <a:solidFill>
-              <a:schemeClr val="accent6">
-                <a:lumMod val="40000"/>
-                <a:lumOff val="60000"/>
-              </a:schemeClr>
-            </a:solidFill>
+            <a:noFill/>
           </a:ln>
         </p:spPr>
         <p:style>
@@ -20361,8 +20654,8 @@
           </a:p>
         </p:txBody>
       </p:sp>
-      <mc:AlternateContent xmlns:mc="http://schemas.openxmlformats.org/markup-compatibility/2006">
-        <mc:Choice xmlns:a14="http://schemas.microsoft.com/office/drawing/2010/main" Requires="a14">
+      <mc:AlternateContent xmlns:mc="http://schemas.openxmlformats.org/markup-compatibility/2006" xmlns:a14="http://schemas.microsoft.com/office/drawing/2010/main">
+        <mc:Choice Requires="a14">
           <p:graphicFrame>
             <p:nvGraphicFramePr>
               <p:cNvPr id="7" name="Tabelle 8">
@@ -20957,7 +21250,7 @@
             </a:graphic>
           </p:graphicFrame>
         </mc:Choice>
-        <mc:Fallback>
+        <mc:Fallback xmlns="">
           <p:graphicFrame>
             <p:nvGraphicFramePr>
               <p:cNvPr id="7" name="Tabelle 8">
@@ -24121,7 +24414,7 @@
               <p:nvPr>
                 <p:extLst>
                   <p:ext uri="{D42A27DB-BD31-4B8C-83A1-F6EECF244321}">
-                    <p14:modId xmlns:p14="http://schemas.microsoft.com/office/powerpoint/2010/main" val="452135858"/>
+                    <p14:modId xmlns:p14="http://schemas.microsoft.com/office/powerpoint/2010/main" val="1262619077"/>
                   </p:ext>
                 </p:extLst>
               </p:nvPr>
@@ -24207,7 +24500,14 @@
                           </a:endParaRPr>
                         </a:p>
                       </a:txBody>
-                      <a:tcPr anchor="ctr"/>
+                      <a:tcPr anchor="ctr">
+                        <a:solidFill>
+                          <a:schemeClr val="accent4">
+                            <a:lumMod val="60000"/>
+                            <a:lumOff val="40000"/>
+                          </a:schemeClr>
+                        </a:solidFill>
+                      </a:tcPr>
                     </a:tc>
                     <a:tc>
                       <a:txBody>
@@ -24240,13 +24540,13 @@
                                   <m:t>(</m:t>
                                 </m:r>
                                 <m:r>
-                                  <a:rPr lang="en-GB" sz="1300" b="1" i="1" noProof="0" smtClean="0">
+                                  <a:rPr lang="de-DE" sz="1300" b="1" i="1" noProof="0" smtClean="0">
                                     <a:solidFill>
                                       <a:schemeClr val="bg1"/>
                                     </a:solidFill>
                                     <a:latin typeface="Cambria Math" panose="02040503050406030204" pitchFamily="18" charset="0"/>
                                   </a:rPr>
-                                  <m:t>𝑺</m:t>
+                                  <m:t>𝑳</m:t>
                                 </m:r>
                                 <m:r>
                                   <a:rPr lang="en-GB" sz="1300" b="1" i="1" noProof="0" smtClean="0">
@@ -24278,14 +24578,21 @@
                               </m:oMath>
                             </m:oMathPara>
                           </a14:m>
-                          <a:endParaRPr lang="en-GB" sz="1300" b="1" noProof="0">
+                          <a:endParaRPr lang="en-GB" sz="1300" b="1" noProof="0" dirty="0">
                             <a:solidFill>
                               <a:schemeClr val="bg1"/>
                             </a:solidFill>
                           </a:endParaRPr>
                         </a:p>
                       </a:txBody>
-                      <a:tcPr anchor="ctr"/>
+                      <a:tcPr anchor="ctr">
+                        <a:solidFill>
+                          <a:schemeClr val="accent4">
+                            <a:lumMod val="60000"/>
+                            <a:lumOff val="40000"/>
+                          </a:schemeClr>
+                        </a:solidFill>
+                      </a:tcPr>
                     </a:tc>
                     <a:tc>
                       <a:txBody>
@@ -24334,13 +24641,13 @@
                                   <m:t>(</m:t>
                                 </m:r>
                                 <m:r>
-                                  <a:rPr lang="en-GB" sz="1300" b="1" i="1" noProof="0" smtClean="0">
+                                  <a:rPr lang="de-DE" sz="1300" b="1" i="1" noProof="0" smtClean="0">
                                     <a:solidFill>
                                       <a:schemeClr val="bg1"/>
                                     </a:solidFill>
                                     <a:latin typeface="Cambria Math" panose="02040503050406030204" pitchFamily="18" charset="0"/>
                                   </a:rPr>
-                                  <m:t>𝑺</m:t>
+                                  <m:t>𝑳</m:t>
                                 </m:r>
                                 <m:r>
                                   <a:rPr lang="en-GB" sz="1300" b="1" i="1" noProof="0" smtClean="0">
@@ -24379,7 +24686,14 @@
                           </a:endParaRPr>
                         </a:p>
                       </a:txBody>
-                      <a:tcPr anchor="ctr"/>
+                      <a:tcPr anchor="ctr">
+                        <a:solidFill>
+                          <a:schemeClr val="accent4">
+                            <a:lumMod val="60000"/>
+                            <a:lumOff val="40000"/>
+                          </a:schemeClr>
+                        </a:solidFill>
+                      </a:tcPr>
                     </a:tc>
                     <a:extLst>
                       <a:ext uri="{0D108BD9-81ED-4DB2-BD59-A6C34878D82A}">
@@ -24400,7 +24714,14 @@
                           </a:r>
                         </a:p>
                       </a:txBody>
-                      <a:tcPr anchor="ctr"/>
+                      <a:tcPr anchor="ctr">
+                        <a:solidFill>
+                          <a:schemeClr val="accent4">
+                            <a:lumMod val="20000"/>
+                            <a:lumOff val="80000"/>
+                          </a:schemeClr>
+                        </a:solidFill>
+                      </a:tcPr>
                     </a:tc>
                     <a:tc>
                       <a:txBody>
@@ -24414,7 +24735,14 @@
                           </a:r>
                         </a:p>
                       </a:txBody>
-                      <a:tcPr anchor="ctr"/>
+                      <a:tcPr anchor="ctr">
+                        <a:solidFill>
+                          <a:schemeClr val="accent4">
+                            <a:lumMod val="20000"/>
+                            <a:lumOff val="80000"/>
+                          </a:schemeClr>
+                        </a:solidFill>
+                      </a:tcPr>
                     </a:tc>
                     <a:tc>
                       <a:txBody>
@@ -24428,7 +24756,14 @@
                           </a:r>
                         </a:p>
                       </a:txBody>
-                      <a:tcPr anchor="ctr"/>
+                      <a:tcPr anchor="ctr">
+                        <a:solidFill>
+                          <a:schemeClr val="accent4">
+                            <a:lumMod val="20000"/>
+                            <a:lumOff val="80000"/>
+                          </a:schemeClr>
+                        </a:solidFill>
+                      </a:tcPr>
                     </a:tc>
                     <a:extLst>
                       <a:ext uri="{0D108BD9-81ED-4DB2-BD59-A6C34878D82A}">
@@ -24444,12 +24779,19 @@
                         <a:p>
                           <a:pPr algn="ctr"/>
                           <a:r>
-                            <a:rPr lang="en-GB" sz="1300" noProof="0"/>
+                            <a:rPr lang="en-GB" sz="1300" noProof="0" dirty="0"/>
                             <a:t>False</a:t>
                           </a:r>
                         </a:p>
                       </a:txBody>
-                      <a:tcPr anchor="ctr"/>
+                      <a:tcPr anchor="ctr">
+                        <a:solidFill>
+                          <a:schemeClr val="accent4">
+                            <a:lumMod val="20000"/>
+                            <a:lumOff val="80000"/>
+                          </a:schemeClr>
+                        </a:solidFill>
+                      </a:tcPr>
                     </a:tc>
                     <a:tc>
                       <a:txBody>
@@ -24463,7 +24805,14 @@
                           </a:r>
                         </a:p>
                       </a:txBody>
-                      <a:tcPr anchor="ctr"/>
+                      <a:tcPr anchor="ctr">
+                        <a:solidFill>
+                          <a:schemeClr val="accent4">
+                            <a:lumMod val="20000"/>
+                            <a:lumOff val="80000"/>
+                          </a:schemeClr>
+                        </a:solidFill>
+                      </a:tcPr>
                     </a:tc>
                     <a:tc>
                       <a:txBody>
@@ -24477,7 +24826,14 @@
                           </a:r>
                         </a:p>
                       </a:txBody>
-                      <a:tcPr anchor="ctr"/>
+                      <a:tcPr anchor="ctr">
+                        <a:solidFill>
+                          <a:schemeClr val="accent4">
+                            <a:lumMod val="20000"/>
+                            <a:lumOff val="80000"/>
+                          </a:schemeClr>
+                        </a:solidFill>
+                      </a:tcPr>
                     </a:tc>
                     <a:extLst>
                       <a:ext uri="{0D108BD9-81ED-4DB2-BD59-A6C34878D82A}">
@@ -24506,7 +24862,7 @@
               <p:nvPr>
                 <p:extLst>
                   <p:ext uri="{D42A27DB-BD31-4B8C-83A1-F6EECF244321}">
-                    <p14:modId xmlns:p14="http://schemas.microsoft.com/office/powerpoint/2010/main" val="452135858"/>
+                    <p14:modId xmlns:p14="http://schemas.microsoft.com/office/powerpoint/2010/main" val="1262619077"/>
                   </p:ext>
                 </p:extLst>
               </p:nvPr>
@@ -24615,7 +24971,14 @@
                           </a:r>
                         </a:p>
                       </a:txBody>
-                      <a:tcPr anchor="ctr"/>
+                      <a:tcPr anchor="ctr">
+                        <a:solidFill>
+                          <a:schemeClr val="accent4">
+                            <a:lumMod val="20000"/>
+                            <a:lumOff val="80000"/>
+                          </a:schemeClr>
+                        </a:solidFill>
+                      </a:tcPr>
                     </a:tc>
                     <a:tc>
                       <a:txBody>
@@ -24629,7 +24992,14 @@
                           </a:r>
                         </a:p>
                       </a:txBody>
-                      <a:tcPr anchor="ctr"/>
+                      <a:tcPr anchor="ctr">
+                        <a:solidFill>
+                          <a:schemeClr val="accent4">
+                            <a:lumMod val="20000"/>
+                            <a:lumOff val="80000"/>
+                          </a:schemeClr>
+                        </a:solidFill>
+                      </a:tcPr>
                     </a:tc>
                     <a:tc>
                       <a:txBody>
@@ -24643,7 +25013,14 @@
                           </a:r>
                         </a:p>
                       </a:txBody>
-                      <a:tcPr anchor="ctr"/>
+                      <a:tcPr anchor="ctr">
+                        <a:solidFill>
+                          <a:schemeClr val="accent4">
+                            <a:lumMod val="20000"/>
+                            <a:lumOff val="80000"/>
+                          </a:schemeClr>
+                        </a:solidFill>
+                      </a:tcPr>
                     </a:tc>
                     <a:extLst>
                       <a:ext uri="{0D108BD9-81ED-4DB2-BD59-A6C34878D82A}">
@@ -24659,12 +25036,19 @@
                         <a:p>
                           <a:pPr algn="ctr"/>
                           <a:r>
-                            <a:rPr lang="en-GB" sz="1300" noProof="0"/>
+                            <a:rPr lang="en-GB" sz="1300" noProof="0" dirty="0"/>
                             <a:t>False</a:t>
                           </a:r>
                         </a:p>
                       </a:txBody>
-                      <a:tcPr anchor="ctr"/>
+                      <a:tcPr anchor="ctr">
+                        <a:solidFill>
+                          <a:schemeClr val="accent4">
+                            <a:lumMod val="20000"/>
+                            <a:lumOff val="80000"/>
+                          </a:schemeClr>
+                        </a:solidFill>
+                      </a:tcPr>
                     </a:tc>
                     <a:tc>
                       <a:txBody>
@@ -24678,7 +25062,14 @@
                           </a:r>
                         </a:p>
                       </a:txBody>
-                      <a:tcPr anchor="ctr"/>
+                      <a:tcPr anchor="ctr">
+                        <a:solidFill>
+                          <a:schemeClr val="accent4">
+                            <a:lumMod val="20000"/>
+                            <a:lumOff val="80000"/>
+                          </a:schemeClr>
+                        </a:solidFill>
+                      </a:tcPr>
                     </a:tc>
                     <a:tc>
                       <a:txBody>
@@ -24692,7 +25083,14 @@
                           </a:r>
                         </a:p>
                       </a:txBody>
-                      <a:tcPr anchor="ctr"/>
+                      <a:tcPr anchor="ctr">
+                        <a:solidFill>
+                          <a:schemeClr val="accent4">
+                            <a:lumMod val="20000"/>
+                            <a:lumOff val="80000"/>
+                          </a:schemeClr>
+                        </a:solidFill>
+                      </a:tcPr>
                     </a:tc>
                     <a:extLst>
                       <a:ext uri="{0D108BD9-81ED-4DB2-BD59-A6C34878D82A}">
@@ -24765,9 +25163,9 @@
         <p:grpSpPr>
           <a:xfrm>
             <a:off x="2371578" y="1683662"/>
-            <a:ext cx="4538143" cy="3101151"/>
+            <a:ext cx="4538143" cy="3116938"/>
             <a:chOff x="5882010" y="444603"/>
-            <a:chExt cx="3414906" cy="2454960"/>
+            <a:chExt cx="3414906" cy="2467457"/>
           </a:xfrm>
         </p:grpSpPr>
         <p:grpSp>
@@ -24811,7 +25209,7 @@
                 <a:avLst/>
               </a:prstGeom>
               <a:solidFill>
-                <a:schemeClr val="tx2">
+                <a:schemeClr val="accent5">
                   <a:lumMod val="60000"/>
                   <a:lumOff val="40000"/>
                 </a:schemeClr>
@@ -24875,7 +25273,7 @@
                 <a:avLst/>
               </a:prstGeom>
               <a:solidFill>
-                <a:schemeClr val="tx2">
+                <a:schemeClr val="accent6">
                   <a:lumMod val="60000"/>
                   <a:lumOff val="40000"/>
                 </a:schemeClr>
@@ -24913,7 +25311,7 @@
                       <a:srgbClr val="1E3336"/>
                     </a:solidFill>
                   </a:rPr>
-                  <a:t>Yourself</a:t>
+                  <a:t>Self-learning</a:t>
                 </a:r>
               </a:p>
             </p:txBody>
@@ -24939,7 +25337,7 @@
                 <a:avLst/>
               </a:prstGeom>
               <a:solidFill>
-                <a:schemeClr val="tx2">
+                <a:schemeClr val="accent2">
                   <a:lumMod val="60000"/>
                   <a:lumOff val="40000"/>
                 </a:schemeClr>
@@ -25003,7 +25401,7 @@
                 <a:avLst/>
               </a:prstGeom>
               <a:solidFill>
-                <a:schemeClr val="tx2">
+                <a:schemeClr val="accent4">
                   <a:lumMod val="60000"/>
                   <a:lumOff val="40000"/>
                 </a:schemeClr>
@@ -25036,13 +25434,18 @@
               <a:p>
                 <a:pPr algn="ctr"/>
                 <a:r>
-                  <a:rPr lang="en-GB" sz="1600" b="1" dirty="0">
+                  <a:rPr lang="en-GB" sz="1600" b="1" dirty="0" err="1">
                     <a:solidFill>
                       <a:srgbClr val="1E3336"/>
                     </a:solidFill>
                   </a:rPr>
-                  <a:t>Someone</a:t>
+                  <a:t>LetWork</a:t>
                 </a:r>
+                <a:endParaRPr lang="en-GB" sz="1600" b="1" dirty="0">
+                  <a:solidFill>
+                    <a:srgbClr val="1E3336"/>
+                  </a:solidFill>
+                </a:endParaRPr>
               </a:p>
             </p:txBody>
           </p:sp>
@@ -25245,13 +25648,13 @@
           <p:grpSpPr>
             <a:xfrm>
               <a:off x="5882010" y="444603"/>
-              <a:ext cx="3414906" cy="2454960"/>
+              <a:ext cx="3414906" cy="2467457"/>
               <a:chOff x="5854440" y="1496762"/>
-              <a:chExt cx="3414906" cy="2454960"/>
+              <a:chExt cx="3414906" cy="2467457"/>
             </a:xfrm>
           </p:grpSpPr>
-          <mc:AlternateContent xmlns:mc="http://schemas.openxmlformats.org/markup-compatibility/2006" xmlns:a14="http://schemas.microsoft.com/office/drawing/2010/main">
-            <mc:Choice Requires="a14">
+          <mc:AlternateContent xmlns:mc="http://schemas.openxmlformats.org/markup-compatibility/2006">
+            <mc:Choice xmlns:a14="http://schemas.microsoft.com/office/drawing/2010/main" Requires="a14">
               <p:sp>
                 <p:nvSpPr>
                   <p:cNvPr id="18" name="Textfeld 17">
@@ -25290,7 +25693,9 @@
                           <m:r>
                             <a:rPr lang="de-DE" b="1" i="1" smtClean="0">
                               <a:solidFill>
-                                <a:srgbClr val="1E3336"/>
+                                <a:schemeClr val="accent5">
+                                  <a:lumMod val="75000"/>
+                                </a:schemeClr>
                               </a:solidFill>
                               <a:latin typeface="Cambria Math" panose="02040503050406030204" pitchFamily="18" charset="0"/>
                             </a:rPr>
@@ -25299,7 +25704,9 @@
                           <m:r>
                             <a:rPr lang="de-DE" b="1" i="1" smtClean="0">
                               <a:solidFill>
-                                <a:srgbClr val="1E3336"/>
+                                <a:schemeClr val="accent5">
+                                  <a:lumMod val="75000"/>
+                                </a:schemeClr>
                               </a:solidFill>
                               <a:latin typeface="Cambria Math" panose="02040503050406030204" pitchFamily="18" charset="0"/>
                             </a:rPr>
@@ -25308,7 +25715,9 @@
                           <m:r>
                             <a:rPr lang="de-DE" b="1" i="1" smtClean="0">
                               <a:solidFill>
-                                <a:srgbClr val="1E3336"/>
+                                <a:schemeClr val="accent5">
+                                  <a:lumMod val="75000"/>
+                                </a:schemeClr>
                               </a:solidFill>
                               <a:latin typeface="Cambria Math" panose="02040503050406030204" pitchFamily="18" charset="0"/>
                             </a:rPr>
@@ -25317,7 +25726,9 @@
                           <m:r>
                             <a:rPr lang="de-DE" b="1" i="1" smtClean="0">
                               <a:solidFill>
-                                <a:srgbClr val="1E3336"/>
+                                <a:schemeClr val="accent5">
+                                  <a:lumMod val="75000"/>
+                                </a:schemeClr>
                               </a:solidFill>
                               <a:latin typeface="Cambria Math" panose="02040503050406030204" pitchFamily="18" charset="0"/>
                             </a:rPr>
@@ -25328,14 +25739,16 @@
                     </a14:m>
                     <a:endParaRPr lang="de-DE" b="1" dirty="0">
                       <a:solidFill>
-                        <a:srgbClr val="1E3336"/>
+                        <a:schemeClr val="accent5">
+                          <a:lumMod val="75000"/>
+                        </a:schemeClr>
                       </a:solidFill>
                     </a:endParaRPr>
                   </a:p>
                 </p:txBody>
               </p:sp>
             </mc:Choice>
-            <mc:Fallback xmlns="">
+            <mc:Fallback>
               <p:sp>
                 <p:nvSpPr>
                   <p:cNvPr id="18" name="Textfeld 17">
@@ -25380,8 +25793,8 @@
               </p:sp>
             </mc:Fallback>
           </mc:AlternateContent>
-          <mc:AlternateContent xmlns:mc="http://schemas.openxmlformats.org/markup-compatibility/2006" xmlns:a14="http://schemas.microsoft.com/office/drawing/2010/main">
-            <mc:Choice Requires="a14">
+          <mc:AlternateContent xmlns:mc="http://schemas.openxmlformats.org/markup-compatibility/2006">
+            <mc:Choice xmlns:a14="http://schemas.microsoft.com/office/drawing/2010/main" Requires="a14">
               <p:sp>
                 <p:nvSpPr>
                   <p:cNvPr id="19" name="Textfeld 18">
@@ -25420,7 +25833,9 @@
                           <m:r>
                             <a:rPr lang="de-DE" b="1" i="1" smtClean="0">
                               <a:solidFill>
-                                <a:srgbClr val="1E3336"/>
+                                <a:schemeClr val="accent4">
+                                  <a:lumMod val="75000"/>
+                                </a:schemeClr>
                               </a:solidFill>
                               <a:latin typeface="Cambria Math" panose="02040503050406030204" pitchFamily="18" charset="0"/>
                             </a:rPr>
@@ -25429,7 +25844,9 @@
                           <m:r>
                             <a:rPr lang="de-DE" b="1" i="1" smtClean="0">
                               <a:solidFill>
-                                <a:srgbClr val="1E3336"/>
+                                <a:schemeClr val="accent4">
+                                  <a:lumMod val="75000"/>
+                                </a:schemeClr>
                               </a:solidFill>
                               <a:latin typeface="Cambria Math" panose="02040503050406030204" pitchFamily="18" charset="0"/>
                             </a:rPr>
@@ -25438,16 +25855,20 @@
                           <m:r>
                             <a:rPr lang="de-DE" b="1" i="1" smtClean="0">
                               <a:solidFill>
-                                <a:srgbClr val="1E3336"/>
+                                <a:schemeClr val="accent4">
+                                  <a:lumMod val="75000"/>
+                                </a:schemeClr>
                               </a:solidFill>
                               <a:latin typeface="Cambria Math" panose="02040503050406030204" pitchFamily="18" charset="0"/>
                             </a:rPr>
-                            <m:t>𝑺</m:t>
+                            <m:t>𝑳</m:t>
                           </m:r>
                           <m:r>
                             <a:rPr lang="de-DE" b="1" i="1" smtClean="0">
                               <a:solidFill>
-                                <a:srgbClr val="1E3336"/>
+                                <a:schemeClr val="accent4">
+                                  <a:lumMod val="75000"/>
+                                </a:schemeClr>
                               </a:solidFill>
                               <a:latin typeface="Cambria Math" panose="02040503050406030204" pitchFamily="18" charset="0"/>
                             </a:rPr>
@@ -25456,7 +25877,9 @@
                           <m:r>
                             <a:rPr lang="de-DE" b="1" i="1" smtClean="0">
                               <a:solidFill>
-                                <a:srgbClr val="1E3336"/>
+                                <a:schemeClr val="accent4">
+                                  <a:lumMod val="75000"/>
+                                </a:schemeClr>
                               </a:solidFill>
                               <a:latin typeface="Cambria Math" panose="02040503050406030204" pitchFamily="18" charset="0"/>
                             </a:rPr>
@@ -25465,7 +25888,9 @@
                           <m:r>
                             <a:rPr lang="de-DE" b="1" i="1" smtClean="0">
                               <a:solidFill>
-                                <a:srgbClr val="1E3336"/>
+                                <a:schemeClr val="accent4">
+                                  <a:lumMod val="75000"/>
+                                </a:schemeClr>
                               </a:solidFill>
                               <a:latin typeface="Cambria Math" panose="02040503050406030204" pitchFamily="18" charset="0"/>
                             </a:rPr>
@@ -25476,14 +25901,16 @@
                     </a14:m>
                     <a:endParaRPr lang="de-DE" b="1" dirty="0">
                       <a:solidFill>
-                        <a:srgbClr val="1E3336"/>
+                        <a:schemeClr val="accent4">
+                          <a:lumMod val="75000"/>
+                        </a:schemeClr>
                       </a:solidFill>
                     </a:endParaRPr>
                   </a:p>
                 </p:txBody>
               </p:sp>
             </mc:Choice>
-            <mc:Fallback xmlns="">
+            <mc:Fallback>
               <p:sp>
                 <p:nvSpPr>
                   <p:cNvPr id="19" name="Textfeld 18">
@@ -25528,8 +25955,8 @@
               </p:sp>
             </mc:Fallback>
           </mc:AlternateContent>
-          <mc:AlternateContent xmlns:mc="http://schemas.openxmlformats.org/markup-compatibility/2006" xmlns:a14="http://schemas.microsoft.com/office/drawing/2010/main">
-            <mc:Choice Requires="a14">
+          <mc:AlternateContent xmlns:mc="http://schemas.openxmlformats.org/markup-compatibility/2006">
+            <mc:Choice xmlns:a14="http://schemas.microsoft.com/office/drawing/2010/main" Requires="a14">
               <p:sp>
                 <p:nvSpPr>
                   <p:cNvPr id="20" name="Textfeld 19">
@@ -25568,7 +25995,9 @@
                           <m:r>
                             <a:rPr lang="de-DE" b="1" i="1" smtClean="0">
                               <a:solidFill>
-                                <a:srgbClr val="1E3336"/>
+                                <a:schemeClr val="accent6">
+                                  <a:lumMod val="75000"/>
+                                </a:schemeClr>
                               </a:solidFill>
                               <a:latin typeface="Cambria Math" panose="02040503050406030204" pitchFamily="18" charset="0"/>
                             </a:rPr>
@@ -25577,7 +26006,9 @@
                           <m:r>
                             <a:rPr lang="de-DE" b="1" i="1" smtClean="0">
                               <a:solidFill>
-                                <a:srgbClr val="1E3336"/>
+                                <a:schemeClr val="accent6">
+                                  <a:lumMod val="75000"/>
+                                </a:schemeClr>
                               </a:solidFill>
                               <a:latin typeface="Cambria Math" panose="02040503050406030204" pitchFamily="18" charset="0"/>
                             </a:rPr>
@@ -25586,16 +26017,20 @@
                           <m:r>
                             <a:rPr lang="de-DE" b="1" i="1" smtClean="0">
                               <a:solidFill>
-                                <a:srgbClr val="1E3336"/>
+                                <a:schemeClr val="accent6">
+                                  <a:lumMod val="75000"/>
+                                </a:schemeClr>
                               </a:solidFill>
                               <a:latin typeface="Cambria Math" panose="02040503050406030204" pitchFamily="18" charset="0"/>
                             </a:rPr>
-                            <m:t>𝒀</m:t>
+                            <m:t>𝑺</m:t>
                           </m:r>
                           <m:r>
                             <a:rPr lang="de-DE" b="1" i="1" smtClean="0">
                               <a:solidFill>
-                                <a:srgbClr val="1E3336"/>
+                                <a:schemeClr val="accent6">
+                                  <a:lumMod val="75000"/>
+                                </a:schemeClr>
                               </a:solidFill>
                               <a:latin typeface="Cambria Math" panose="02040503050406030204" pitchFamily="18" charset="0"/>
                             </a:rPr>
@@ -25604,7 +26039,9 @@
                           <m:r>
                             <a:rPr lang="de-DE" b="1" i="1" smtClean="0">
                               <a:solidFill>
-                                <a:srgbClr val="1E3336"/>
+                                <a:schemeClr val="accent6">
+                                  <a:lumMod val="75000"/>
+                                </a:schemeClr>
                               </a:solidFill>
                               <a:latin typeface="Cambria Math" panose="02040503050406030204" pitchFamily="18" charset="0"/>
                             </a:rPr>
@@ -25613,7 +26050,9 @@
                           <m:r>
                             <a:rPr lang="de-DE" b="1" i="1" smtClean="0">
                               <a:solidFill>
-                                <a:srgbClr val="1E3336"/>
+                                <a:schemeClr val="accent6">
+                                  <a:lumMod val="75000"/>
+                                </a:schemeClr>
                               </a:solidFill>
                               <a:latin typeface="Cambria Math" panose="02040503050406030204" pitchFamily="18" charset="0"/>
                             </a:rPr>
@@ -25624,14 +26063,16 @@
                     </a14:m>
                     <a:endParaRPr lang="de-DE" b="1" dirty="0">
                       <a:solidFill>
-                        <a:srgbClr val="1E3336"/>
+                        <a:schemeClr val="accent6">
+                          <a:lumMod val="75000"/>
+                        </a:schemeClr>
                       </a:solidFill>
                     </a:endParaRPr>
                   </a:p>
                 </p:txBody>
               </p:sp>
             </mc:Choice>
-            <mc:Fallback xmlns="">
+            <mc:Fallback>
               <p:sp>
                 <p:nvSpPr>
                   <p:cNvPr id="20" name="Textfeld 19">
@@ -25676,8 +26117,8 @@
               </p:sp>
             </mc:Fallback>
           </mc:AlternateContent>
-          <mc:AlternateContent xmlns:mc="http://schemas.openxmlformats.org/markup-compatibility/2006" xmlns:a14="http://schemas.microsoft.com/office/drawing/2010/main">
-            <mc:Choice Requires="a14">
+          <mc:AlternateContent xmlns:mc="http://schemas.openxmlformats.org/markup-compatibility/2006">
+            <mc:Choice xmlns:a14="http://schemas.microsoft.com/office/drawing/2010/main" Requires="a14">
               <p:sp>
                 <p:nvSpPr>
                   <p:cNvPr id="21" name="Textfeld 20">
@@ -25692,7 +26133,7 @@
                 </p:nvSpPr>
                 <p:spPr>
                   <a:xfrm>
-                    <a:off x="7042128" y="3659348"/>
+                    <a:off x="6994177" y="3671845"/>
                     <a:ext cx="889046" cy="292374"/>
                   </a:xfrm>
                   <a:prstGeom prst="rect">
@@ -25716,7 +26157,9 @@
                           <m:r>
                             <a:rPr lang="de-DE" b="1" i="1" smtClean="0">
                               <a:solidFill>
-                                <a:srgbClr val="1E3336"/>
+                                <a:schemeClr val="accent2">
+                                  <a:lumMod val="75000"/>
+                                </a:schemeClr>
                               </a:solidFill>
                               <a:latin typeface="Cambria Math" panose="02040503050406030204" pitchFamily="18" charset="0"/>
                             </a:rPr>
@@ -25725,7 +26168,9 @@
                           <m:r>
                             <a:rPr lang="de-DE" b="1" i="1" smtClean="0">
                               <a:solidFill>
-                                <a:srgbClr val="1E3336"/>
+                                <a:schemeClr val="accent2">
+                                  <a:lumMod val="75000"/>
+                                </a:schemeClr>
                               </a:solidFill>
                               <a:latin typeface="Cambria Math" panose="02040503050406030204" pitchFamily="18" charset="0"/>
                             </a:rPr>
@@ -25734,7 +26179,9 @@
                           <m:r>
                             <a:rPr lang="de-DE" b="1" i="1" smtClean="0">
                               <a:solidFill>
-                                <a:srgbClr val="1E3336"/>
+                                <a:schemeClr val="accent2">
+                                  <a:lumMod val="75000"/>
+                                </a:schemeClr>
                               </a:solidFill>
                               <a:latin typeface="Cambria Math" panose="02040503050406030204" pitchFamily="18" charset="0"/>
                             </a:rPr>
@@ -25743,7 +26190,9 @@
                           <m:r>
                             <a:rPr lang="de-DE" b="1" i="1" smtClean="0">
                               <a:solidFill>
-                                <a:srgbClr val="1E3336"/>
+                                <a:schemeClr val="accent2">
+                                  <a:lumMod val="75000"/>
+                                </a:schemeClr>
                               </a:solidFill>
                               <a:latin typeface="Cambria Math" panose="02040503050406030204" pitchFamily="18" charset="0"/>
                             </a:rPr>
@@ -25752,16 +26201,20 @@
                           <m:r>
                             <a:rPr lang="de-DE" b="1" i="1" smtClean="0">
                               <a:solidFill>
-                                <a:srgbClr val="1E3336"/>
+                                <a:schemeClr val="accent2">
+                                  <a:lumMod val="75000"/>
+                                </a:schemeClr>
                               </a:solidFill>
                               <a:latin typeface="Cambria Math" panose="02040503050406030204" pitchFamily="18" charset="0"/>
                             </a:rPr>
-                            <m:t>𝒀</m:t>
+                            <m:t>𝑺</m:t>
                           </m:r>
                           <m:r>
                             <a:rPr lang="de-DE" b="1" i="1" smtClean="0">
                               <a:solidFill>
-                                <a:srgbClr val="1E3336"/>
+                                <a:schemeClr val="accent2">
+                                  <a:lumMod val="75000"/>
+                                </a:schemeClr>
                               </a:solidFill>
                               <a:latin typeface="Cambria Math" panose="02040503050406030204" pitchFamily="18" charset="0"/>
                             </a:rPr>
@@ -25770,16 +26223,20 @@
                           <m:r>
                             <a:rPr lang="de-DE" b="1" i="1" smtClean="0">
                               <a:solidFill>
-                                <a:srgbClr val="1E3336"/>
+                                <a:schemeClr val="accent2">
+                                  <a:lumMod val="75000"/>
+                                </a:schemeClr>
                               </a:solidFill>
                               <a:latin typeface="Cambria Math" panose="02040503050406030204" pitchFamily="18" charset="0"/>
                             </a:rPr>
-                            <m:t>𝑺</m:t>
+                            <m:t>𝑳</m:t>
                           </m:r>
                           <m:r>
                             <a:rPr lang="de-DE" b="1" i="1" smtClean="0">
                               <a:solidFill>
-                                <a:srgbClr val="1E3336"/>
+                                <a:schemeClr val="accent2">
+                                  <a:lumMod val="75000"/>
+                                </a:schemeClr>
                               </a:solidFill>
                               <a:latin typeface="Cambria Math" panose="02040503050406030204" pitchFamily="18" charset="0"/>
                             </a:rPr>
@@ -25788,7 +26245,9 @@
                           <m:r>
                             <a:rPr lang="de-DE" b="1" i="1" smtClean="0">
                               <a:solidFill>
-                                <a:srgbClr val="1E3336"/>
+                                <a:schemeClr val="accent2">
+                                  <a:lumMod val="75000"/>
+                                </a:schemeClr>
                               </a:solidFill>
                               <a:latin typeface="Cambria Math" panose="02040503050406030204" pitchFamily="18" charset="0"/>
                             </a:rPr>
@@ -25797,7 +26256,9 @@
                           <m:r>
                             <a:rPr lang="de-DE" b="1" i="1" smtClean="0">
                               <a:solidFill>
-                                <a:srgbClr val="1E3336"/>
+                                <a:schemeClr val="accent2">
+                                  <a:lumMod val="75000"/>
+                                </a:schemeClr>
                               </a:solidFill>
                               <a:latin typeface="Cambria Math" panose="02040503050406030204" pitchFamily="18" charset="0"/>
                             </a:rPr>
@@ -25808,14 +26269,16 @@
                     </a14:m>
                     <a:endParaRPr lang="de-DE" b="1" dirty="0">
                       <a:solidFill>
-                        <a:srgbClr val="1E3336"/>
+                        <a:schemeClr val="accent2">
+                          <a:lumMod val="75000"/>
+                        </a:schemeClr>
                       </a:solidFill>
                     </a:endParaRPr>
                   </a:p>
                 </p:txBody>
               </p:sp>
             </mc:Choice>
-            <mc:Fallback xmlns="">
+            <mc:Fallback>
               <p:sp>
                 <p:nvSpPr>
                   <p:cNvPr id="21" name="Textfeld 20">
@@ -25832,7 +26295,7 @@
                 </p:nvSpPr>
                 <p:spPr>
                   <a:xfrm>
-                    <a:off x="7042128" y="3659348"/>
+                    <a:off x="6994177" y="3671845"/>
                     <a:ext cx="889046" cy="292374"/>
                   </a:xfrm>
                   <a:prstGeom prst="rect">
@@ -25841,7 +26304,7 @@
                   <a:blipFill>
                     <a:blip r:embed="rId7"/>
                     <a:stretch>
-                      <a:fillRect r="-16495" b="-14754"/>
+                      <a:fillRect r="-15464" b="-13115"/>
                     </a:stretch>
                   </a:blipFill>
                 </p:spPr>
@@ -25879,7 +26342,7 @@
               <p:nvPr>
                 <p:extLst>
                   <p:ext uri="{D42A27DB-BD31-4B8C-83A1-F6EECF244321}">
-                    <p14:modId xmlns:p14="http://schemas.microsoft.com/office/powerpoint/2010/main" val="190012407"/>
+                    <p14:modId xmlns:p14="http://schemas.microsoft.com/office/powerpoint/2010/main" val="1377319810"/>
                   </p:ext>
                 </p:extLst>
               </p:nvPr>
@@ -25987,7 +26450,14 @@
                           </a:endParaRPr>
                         </a:p>
                       </a:txBody>
-                      <a:tcPr anchor="ctr"/>
+                      <a:tcPr anchor="ctr">
+                        <a:solidFill>
+                          <a:schemeClr val="accent5">
+                            <a:lumMod val="60000"/>
+                            <a:lumOff val="40000"/>
+                          </a:schemeClr>
+                        </a:solidFill>
+                      </a:tcPr>
                     </a:tc>
                     <a:tc>
                       <a:txBody>
@@ -26081,7 +26551,14 @@
                           </a:endParaRPr>
                         </a:p>
                       </a:txBody>
-                      <a:tcPr anchor="ctr"/>
+                      <a:tcPr anchor="ctr">
+                        <a:solidFill>
+                          <a:schemeClr val="accent5">
+                            <a:lumMod val="60000"/>
+                            <a:lumOff val="40000"/>
+                          </a:schemeClr>
+                        </a:solidFill>
+                      </a:tcPr>
                     </a:tc>
                     <a:extLst>
                       <a:ext uri="{0D108BD9-81ED-4DB2-BD59-A6C34878D82A}">
@@ -26102,7 +26579,14 @@
                           </a:r>
                         </a:p>
                       </a:txBody>
-                      <a:tcPr anchor="ctr"/>
+                      <a:tcPr anchor="ctr">
+                        <a:solidFill>
+                          <a:schemeClr val="accent5">
+                            <a:lumMod val="20000"/>
+                            <a:lumOff val="80000"/>
+                          </a:schemeClr>
+                        </a:solidFill>
+                      </a:tcPr>
                     </a:tc>
                     <a:tc>
                       <a:txBody>
@@ -26116,7 +26600,14 @@
                           </a:r>
                         </a:p>
                       </a:txBody>
-                      <a:tcPr anchor="ctr"/>
+                      <a:tcPr anchor="ctr">
+                        <a:solidFill>
+                          <a:schemeClr val="accent5">
+                            <a:lumMod val="20000"/>
+                            <a:lumOff val="80000"/>
+                          </a:schemeClr>
+                        </a:solidFill>
+                      </a:tcPr>
                     </a:tc>
                     <a:extLst>
                       <a:ext uri="{0D108BD9-81ED-4DB2-BD59-A6C34878D82A}">
@@ -26145,7 +26636,7 @@
               <p:nvPr>
                 <p:extLst>
                   <p:ext uri="{D42A27DB-BD31-4B8C-83A1-F6EECF244321}">
-                    <p14:modId xmlns:p14="http://schemas.microsoft.com/office/powerpoint/2010/main" val="190012407"/>
+                    <p14:modId xmlns:p14="http://schemas.microsoft.com/office/powerpoint/2010/main" val="1377319810"/>
                   </p:ext>
                 </p:extLst>
               </p:nvPr>
@@ -26230,7 +26721,14 @@
                           </a:r>
                         </a:p>
                       </a:txBody>
-                      <a:tcPr anchor="ctr"/>
+                      <a:tcPr anchor="ctr">
+                        <a:solidFill>
+                          <a:schemeClr val="accent5">
+                            <a:lumMod val="20000"/>
+                            <a:lumOff val="80000"/>
+                          </a:schemeClr>
+                        </a:solidFill>
+                      </a:tcPr>
                     </a:tc>
                     <a:tc>
                       <a:txBody>
@@ -26244,7 +26742,14 @@
                           </a:r>
                         </a:p>
                       </a:txBody>
-                      <a:tcPr anchor="ctr"/>
+                      <a:tcPr anchor="ctr">
+                        <a:solidFill>
+                          <a:schemeClr val="accent5">
+                            <a:lumMod val="20000"/>
+                            <a:lumOff val="80000"/>
+                          </a:schemeClr>
+                        </a:solidFill>
+                      </a:tcPr>
                     </a:tc>
                     <a:extLst>
                       <a:ext uri="{0D108BD9-81ED-4DB2-BD59-A6C34878D82A}">
@@ -26275,7 +26780,7 @@
               <p:nvPr>
                 <p:extLst>
                   <p:ext uri="{D42A27DB-BD31-4B8C-83A1-F6EECF244321}">
-                    <p14:modId xmlns:p14="http://schemas.microsoft.com/office/powerpoint/2010/main" val="1030987043"/>
+                    <p14:modId xmlns:p14="http://schemas.microsoft.com/office/powerpoint/2010/main" val="2506978402"/>
                   </p:ext>
                 </p:extLst>
               </p:nvPr>
@@ -26361,7 +26866,14 @@
                           </a:endParaRPr>
                         </a:p>
                       </a:txBody>
-                      <a:tcPr anchor="ctr"/>
+                      <a:tcPr anchor="ctr">
+                        <a:solidFill>
+                          <a:schemeClr val="accent6">
+                            <a:lumMod val="60000"/>
+                            <a:lumOff val="40000"/>
+                          </a:schemeClr>
+                        </a:solidFill>
+                      </a:tcPr>
                     </a:tc>
                     <a:tc>
                       <a:txBody>
@@ -26400,7 +26912,7 @@
                                     </a:solidFill>
                                     <a:latin typeface="Cambria Math" panose="02040503050406030204" pitchFamily="18" charset="0"/>
                                   </a:rPr>
-                                  <m:t>𝒀</m:t>
+                                  <m:t>𝑺</m:t>
                                 </m:r>
                                 <m:r>
                                   <a:rPr lang="en-GB" sz="1300" b="1" i="1" noProof="0" smtClean="0">
@@ -26439,7 +26951,14 @@
                           </a:endParaRPr>
                         </a:p>
                       </a:txBody>
-                      <a:tcPr anchor="ctr"/>
+                      <a:tcPr anchor="ctr">
+                        <a:solidFill>
+                          <a:schemeClr val="accent6">
+                            <a:lumMod val="60000"/>
+                            <a:lumOff val="40000"/>
+                          </a:schemeClr>
+                        </a:solidFill>
+                      </a:tcPr>
                     </a:tc>
                     <a:tc>
                       <a:txBody>
@@ -26494,7 +27013,7 @@
                                     </a:solidFill>
                                     <a:latin typeface="Cambria Math" panose="02040503050406030204" pitchFamily="18" charset="0"/>
                                   </a:rPr>
-                                  <m:t>𝒀</m:t>
+                                  <m:t>𝑺</m:t>
                                 </m:r>
                                 <m:r>
                                   <a:rPr lang="en-GB" sz="1300" b="1" i="1" noProof="0" smtClean="0">
@@ -26533,7 +27052,14 @@
                           </a:endParaRPr>
                         </a:p>
                       </a:txBody>
-                      <a:tcPr anchor="ctr"/>
+                      <a:tcPr anchor="ctr">
+                        <a:solidFill>
+                          <a:schemeClr val="accent6">
+                            <a:lumMod val="60000"/>
+                            <a:lumOff val="40000"/>
+                          </a:schemeClr>
+                        </a:solidFill>
+                      </a:tcPr>
                     </a:tc>
                     <a:extLst>
                       <a:ext uri="{0D108BD9-81ED-4DB2-BD59-A6C34878D82A}">
@@ -26554,7 +27080,14 @@
                           </a:r>
                         </a:p>
                       </a:txBody>
-                      <a:tcPr anchor="ctr"/>
+                      <a:tcPr anchor="ctr">
+                        <a:solidFill>
+                          <a:schemeClr val="accent6">
+                            <a:lumMod val="20000"/>
+                            <a:lumOff val="80000"/>
+                          </a:schemeClr>
+                        </a:solidFill>
+                      </a:tcPr>
                     </a:tc>
                     <a:tc>
                       <a:txBody>
@@ -26568,7 +27101,14 @@
                           </a:r>
                         </a:p>
                       </a:txBody>
-                      <a:tcPr anchor="ctr"/>
+                      <a:tcPr anchor="ctr">
+                        <a:solidFill>
+                          <a:schemeClr val="accent6">
+                            <a:lumMod val="20000"/>
+                            <a:lumOff val="80000"/>
+                          </a:schemeClr>
+                        </a:solidFill>
+                      </a:tcPr>
                     </a:tc>
                     <a:tc>
                       <a:txBody>
@@ -26582,7 +27122,14 @@
                           </a:r>
                         </a:p>
                       </a:txBody>
-                      <a:tcPr anchor="ctr"/>
+                      <a:tcPr anchor="ctr">
+                        <a:solidFill>
+                          <a:schemeClr val="accent6">
+                            <a:lumMod val="20000"/>
+                            <a:lumOff val="80000"/>
+                          </a:schemeClr>
+                        </a:solidFill>
+                      </a:tcPr>
                     </a:tc>
                     <a:extLst>
                       <a:ext uri="{0D108BD9-81ED-4DB2-BD59-A6C34878D82A}">
@@ -26598,12 +27145,19 @@
                         <a:p>
                           <a:pPr algn="ctr"/>
                           <a:r>
-                            <a:rPr lang="en-GB" sz="1300" noProof="0"/>
+                            <a:rPr lang="en-GB" sz="1300" noProof="0" dirty="0"/>
                             <a:t>False</a:t>
                           </a:r>
                         </a:p>
                       </a:txBody>
-                      <a:tcPr anchor="ctr"/>
+                      <a:tcPr anchor="ctr">
+                        <a:solidFill>
+                          <a:schemeClr val="accent6">
+                            <a:lumMod val="20000"/>
+                            <a:lumOff val="80000"/>
+                          </a:schemeClr>
+                        </a:solidFill>
+                      </a:tcPr>
                     </a:tc>
                     <a:tc>
                       <a:txBody>
@@ -26617,7 +27171,14 @@
                           </a:r>
                         </a:p>
                       </a:txBody>
-                      <a:tcPr anchor="ctr"/>
+                      <a:tcPr anchor="ctr">
+                        <a:solidFill>
+                          <a:schemeClr val="accent6">
+                            <a:lumMod val="20000"/>
+                            <a:lumOff val="80000"/>
+                          </a:schemeClr>
+                        </a:solidFill>
+                      </a:tcPr>
                     </a:tc>
                     <a:tc>
                       <a:txBody>
@@ -26631,7 +27192,14 @@
                           </a:r>
                         </a:p>
                       </a:txBody>
-                      <a:tcPr anchor="ctr"/>
+                      <a:tcPr anchor="ctr">
+                        <a:solidFill>
+                          <a:schemeClr val="accent6">
+                            <a:lumMod val="20000"/>
+                            <a:lumOff val="80000"/>
+                          </a:schemeClr>
+                        </a:solidFill>
+                      </a:tcPr>
                     </a:tc>
                     <a:extLst>
                       <a:ext uri="{0D108BD9-81ED-4DB2-BD59-A6C34878D82A}">
@@ -26660,7 +27228,7 @@
               <p:nvPr>
                 <p:extLst>
                   <p:ext uri="{D42A27DB-BD31-4B8C-83A1-F6EECF244321}">
-                    <p14:modId xmlns:p14="http://schemas.microsoft.com/office/powerpoint/2010/main" val="1030987043"/>
+                    <p14:modId xmlns:p14="http://schemas.microsoft.com/office/powerpoint/2010/main" val="2506978402"/>
                   </p:ext>
                 </p:extLst>
               </p:nvPr>
@@ -26769,7 +27337,14 @@
                           </a:r>
                         </a:p>
                       </a:txBody>
-                      <a:tcPr anchor="ctr"/>
+                      <a:tcPr anchor="ctr">
+                        <a:solidFill>
+                          <a:schemeClr val="accent6">
+                            <a:lumMod val="20000"/>
+                            <a:lumOff val="80000"/>
+                          </a:schemeClr>
+                        </a:solidFill>
+                      </a:tcPr>
                     </a:tc>
                     <a:tc>
                       <a:txBody>
@@ -26783,7 +27358,14 @@
                           </a:r>
                         </a:p>
                       </a:txBody>
-                      <a:tcPr anchor="ctr"/>
+                      <a:tcPr anchor="ctr">
+                        <a:solidFill>
+                          <a:schemeClr val="accent6">
+                            <a:lumMod val="20000"/>
+                            <a:lumOff val="80000"/>
+                          </a:schemeClr>
+                        </a:solidFill>
+                      </a:tcPr>
                     </a:tc>
                     <a:tc>
                       <a:txBody>
@@ -26797,7 +27379,14 @@
                           </a:r>
                         </a:p>
                       </a:txBody>
-                      <a:tcPr anchor="ctr"/>
+                      <a:tcPr anchor="ctr">
+                        <a:solidFill>
+                          <a:schemeClr val="accent6">
+                            <a:lumMod val="20000"/>
+                            <a:lumOff val="80000"/>
+                          </a:schemeClr>
+                        </a:solidFill>
+                      </a:tcPr>
                     </a:tc>
                     <a:extLst>
                       <a:ext uri="{0D108BD9-81ED-4DB2-BD59-A6C34878D82A}">
@@ -26813,12 +27402,19 @@
                         <a:p>
                           <a:pPr algn="ctr"/>
                           <a:r>
-                            <a:rPr lang="en-GB" sz="1300" noProof="0"/>
+                            <a:rPr lang="en-GB" sz="1300" noProof="0" dirty="0"/>
                             <a:t>False</a:t>
                           </a:r>
                         </a:p>
                       </a:txBody>
-                      <a:tcPr anchor="ctr"/>
+                      <a:tcPr anchor="ctr">
+                        <a:solidFill>
+                          <a:schemeClr val="accent6">
+                            <a:lumMod val="20000"/>
+                            <a:lumOff val="80000"/>
+                          </a:schemeClr>
+                        </a:solidFill>
+                      </a:tcPr>
                     </a:tc>
                     <a:tc>
                       <a:txBody>
@@ -26832,7 +27428,14 @@
                           </a:r>
                         </a:p>
                       </a:txBody>
-                      <a:tcPr anchor="ctr"/>
+                      <a:tcPr anchor="ctr">
+                        <a:solidFill>
+                          <a:schemeClr val="accent6">
+                            <a:lumMod val="20000"/>
+                            <a:lumOff val="80000"/>
+                          </a:schemeClr>
+                        </a:solidFill>
+                      </a:tcPr>
                     </a:tc>
                     <a:tc>
                       <a:txBody>
@@ -26846,7 +27449,14 @@
                           </a:r>
                         </a:p>
                       </a:txBody>
-                      <a:tcPr anchor="ctr"/>
+                      <a:tcPr anchor="ctr">
+                        <a:solidFill>
+                          <a:schemeClr val="accent6">
+                            <a:lumMod val="20000"/>
+                            <a:lumOff val="80000"/>
+                          </a:schemeClr>
+                        </a:solidFill>
+                      </a:tcPr>
                     </a:tc>
                     <a:extLst>
                       <a:ext uri="{0D108BD9-81ED-4DB2-BD59-A6C34878D82A}">
@@ -26877,7 +27487,7 @@
               <p:nvPr>
                 <p:extLst>
                   <p:ext uri="{D42A27DB-BD31-4B8C-83A1-F6EECF244321}">
-                    <p14:modId xmlns:p14="http://schemas.microsoft.com/office/powerpoint/2010/main" val="3643574514"/>
+                    <p14:modId xmlns:p14="http://schemas.microsoft.com/office/powerpoint/2010/main" val="245971080"/>
                   </p:ext>
                 </p:extLst>
               </p:nvPr>
@@ -26958,7 +27568,7 @@
                                     </a:solidFill>
                                     <a:latin typeface="Cambria Math" panose="02040503050406030204" pitchFamily="18" charset="0"/>
                                   </a:rPr>
-                                  <m:t>𝒀</m:t>
+                                  <m:t>𝑺</m:t>
                                 </m:r>
                               </m:oMath>
                             </m:oMathPara>
@@ -26970,7 +27580,14 @@
                           </a:endParaRPr>
                         </a:p>
                       </a:txBody>
-                      <a:tcPr anchor="ctr"/>
+                      <a:tcPr anchor="ctr">
+                        <a:solidFill>
+                          <a:schemeClr val="accent2">
+                            <a:lumMod val="60000"/>
+                            <a:lumOff val="40000"/>
+                          </a:schemeClr>
+                        </a:solidFill>
+                      </a:tcPr>
                     </a:tc>
                     <a:tc>
                       <a:txBody>
@@ -27007,7 +27624,7 @@
                                     </a:solidFill>
                                     <a:latin typeface="Cambria Math" panose="02040503050406030204" pitchFamily="18" charset="0"/>
                                   </a:rPr>
-                                  <m:t>𝑺</m:t>
+                                  <m:t>𝑳</m:t>
                                 </m:r>
                               </m:oMath>
                             </m:oMathPara>
@@ -27019,7 +27636,14 @@
                           </a:endParaRPr>
                         </a:p>
                       </a:txBody>
-                      <a:tcPr anchor="ctr"/>
+                      <a:tcPr anchor="ctr">
+                        <a:solidFill>
+                          <a:schemeClr val="accent2">
+                            <a:lumMod val="60000"/>
+                            <a:lumOff val="40000"/>
+                          </a:schemeClr>
+                        </a:solidFill>
+                      </a:tcPr>
                     </a:tc>
                     <a:tc>
                       <a:txBody>
@@ -27097,7 +27721,14 @@
                           </a:endParaRPr>
                         </a:p>
                       </a:txBody>
-                      <a:tcPr anchor="ctr"/>
+                      <a:tcPr anchor="ctr">
+                        <a:solidFill>
+                          <a:schemeClr val="accent2">
+                            <a:lumMod val="60000"/>
+                            <a:lumOff val="40000"/>
+                          </a:schemeClr>
+                        </a:solidFill>
+                      </a:tcPr>
                     </a:tc>
                     <a:tc>
                       <a:txBody>
@@ -27191,7 +27822,14 @@
                           </a:endParaRPr>
                         </a:p>
                       </a:txBody>
-                      <a:tcPr anchor="ctr"/>
+                      <a:tcPr anchor="ctr">
+                        <a:solidFill>
+                          <a:schemeClr val="accent2">
+                            <a:lumMod val="60000"/>
+                            <a:lumOff val="40000"/>
+                          </a:schemeClr>
+                        </a:solidFill>
+                      </a:tcPr>
                     </a:tc>
                     <a:extLst>
                       <a:ext uri="{0D108BD9-81ED-4DB2-BD59-A6C34878D82A}">
@@ -27212,7 +27850,14 @@
                           </a:r>
                         </a:p>
                       </a:txBody>
-                      <a:tcPr anchor="ctr"/>
+                      <a:tcPr anchor="ctr">
+                        <a:solidFill>
+                          <a:schemeClr val="accent2">
+                            <a:lumMod val="20000"/>
+                            <a:lumOff val="80000"/>
+                          </a:schemeClr>
+                        </a:solidFill>
+                      </a:tcPr>
                     </a:tc>
                     <a:tc>
                       <a:txBody>
@@ -27226,7 +27871,14 @@
                           </a:r>
                         </a:p>
                       </a:txBody>
-                      <a:tcPr anchor="ctr"/>
+                      <a:tcPr anchor="ctr">
+                        <a:solidFill>
+                          <a:schemeClr val="accent2">
+                            <a:lumMod val="20000"/>
+                            <a:lumOff val="80000"/>
+                          </a:schemeClr>
+                        </a:solidFill>
+                      </a:tcPr>
                     </a:tc>
                     <a:tc>
                       <a:txBody>
@@ -27240,7 +27892,14 @@
                           </a:r>
                         </a:p>
                       </a:txBody>
-                      <a:tcPr anchor="ctr"/>
+                      <a:tcPr anchor="ctr">
+                        <a:solidFill>
+                          <a:schemeClr val="accent2">
+                            <a:lumMod val="20000"/>
+                            <a:lumOff val="80000"/>
+                          </a:schemeClr>
+                        </a:solidFill>
+                      </a:tcPr>
                     </a:tc>
                     <a:tc>
                       <a:txBody>
@@ -27254,7 +27913,14 @@
                           </a:r>
                         </a:p>
                       </a:txBody>
-                      <a:tcPr anchor="ctr"/>
+                      <a:tcPr anchor="ctr">
+                        <a:solidFill>
+                          <a:schemeClr val="accent2">
+                            <a:lumMod val="20000"/>
+                            <a:lumOff val="80000"/>
+                          </a:schemeClr>
+                        </a:solidFill>
+                      </a:tcPr>
                     </a:tc>
                     <a:extLst>
                       <a:ext uri="{0D108BD9-81ED-4DB2-BD59-A6C34878D82A}">
@@ -27275,7 +27941,14 @@
                           </a:r>
                         </a:p>
                       </a:txBody>
-                      <a:tcPr anchor="ctr"/>
+                      <a:tcPr anchor="ctr">
+                        <a:solidFill>
+                          <a:schemeClr val="accent2">
+                            <a:lumMod val="20000"/>
+                            <a:lumOff val="80000"/>
+                          </a:schemeClr>
+                        </a:solidFill>
+                      </a:tcPr>
                     </a:tc>
                     <a:tc>
                       <a:txBody>
@@ -27289,7 +27962,14 @@
                           </a:r>
                         </a:p>
                       </a:txBody>
-                      <a:tcPr anchor="ctr"/>
+                      <a:tcPr anchor="ctr">
+                        <a:solidFill>
+                          <a:schemeClr val="accent2">
+                            <a:lumMod val="20000"/>
+                            <a:lumOff val="80000"/>
+                          </a:schemeClr>
+                        </a:solidFill>
+                      </a:tcPr>
                     </a:tc>
                     <a:tc>
                       <a:txBody>
@@ -27303,7 +27983,14 @@
                           </a:r>
                         </a:p>
                       </a:txBody>
-                      <a:tcPr anchor="ctr"/>
+                      <a:tcPr anchor="ctr">
+                        <a:solidFill>
+                          <a:schemeClr val="accent2">
+                            <a:lumMod val="20000"/>
+                            <a:lumOff val="80000"/>
+                          </a:schemeClr>
+                        </a:solidFill>
+                      </a:tcPr>
                     </a:tc>
                     <a:tc>
                       <a:txBody>
@@ -27317,7 +28004,14 @@
                           </a:r>
                         </a:p>
                       </a:txBody>
-                      <a:tcPr anchor="ctr"/>
+                      <a:tcPr anchor="ctr">
+                        <a:solidFill>
+                          <a:schemeClr val="accent2">
+                            <a:lumMod val="20000"/>
+                            <a:lumOff val="80000"/>
+                          </a:schemeClr>
+                        </a:solidFill>
+                      </a:tcPr>
                     </a:tc>
                     <a:extLst>
                       <a:ext uri="{0D108BD9-81ED-4DB2-BD59-A6C34878D82A}">
@@ -27338,7 +28032,14 @@
                           </a:r>
                         </a:p>
                       </a:txBody>
-                      <a:tcPr anchor="ctr"/>
+                      <a:tcPr anchor="ctr">
+                        <a:solidFill>
+                          <a:schemeClr val="accent2">
+                            <a:lumMod val="20000"/>
+                            <a:lumOff val="80000"/>
+                          </a:schemeClr>
+                        </a:solidFill>
+                      </a:tcPr>
                     </a:tc>
                     <a:tc>
                       <a:txBody>
@@ -27352,7 +28053,14 @@
                           </a:r>
                         </a:p>
                       </a:txBody>
-                      <a:tcPr anchor="ctr"/>
+                      <a:tcPr anchor="ctr">
+                        <a:solidFill>
+                          <a:schemeClr val="accent2">
+                            <a:lumMod val="20000"/>
+                            <a:lumOff val="80000"/>
+                          </a:schemeClr>
+                        </a:solidFill>
+                      </a:tcPr>
                     </a:tc>
                     <a:tc>
                       <a:txBody>
@@ -27366,7 +28074,14 @@
                           </a:r>
                         </a:p>
                       </a:txBody>
-                      <a:tcPr anchor="ctr"/>
+                      <a:tcPr anchor="ctr">
+                        <a:solidFill>
+                          <a:schemeClr val="accent2">
+                            <a:lumMod val="20000"/>
+                            <a:lumOff val="80000"/>
+                          </a:schemeClr>
+                        </a:solidFill>
+                      </a:tcPr>
                     </a:tc>
                     <a:tc>
                       <a:txBody>
@@ -27380,7 +28095,14 @@
                           </a:r>
                         </a:p>
                       </a:txBody>
-                      <a:tcPr anchor="ctr"/>
+                      <a:tcPr anchor="ctr">
+                        <a:solidFill>
+                          <a:schemeClr val="accent2">
+                            <a:lumMod val="20000"/>
+                            <a:lumOff val="80000"/>
+                          </a:schemeClr>
+                        </a:solidFill>
+                      </a:tcPr>
                     </a:tc>
                     <a:extLst>
                       <a:ext uri="{0D108BD9-81ED-4DB2-BD59-A6C34878D82A}">
@@ -27401,7 +28123,14 @@
                           </a:r>
                         </a:p>
                       </a:txBody>
-                      <a:tcPr anchor="ctr"/>
+                      <a:tcPr anchor="ctr">
+                        <a:solidFill>
+                          <a:schemeClr val="accent2">
+                            <a:lumMod val="20000"/>
+                            <a:lumOff val="80000"/>
+                          </a:schemeClr>
+                        </a:solidFill>
+                      </a:tcPr>
                     </a:tc>
                     <a:tc>
                       <a:txBody>
@@ -27415,7 +28144,14 @@
                           </a:r>
                         </a:p>
                       </a:txBody>
-                      <a:tcPr anchor="ctr"/>
+                      <a:tcPr anchor="ctr">
+                        <a:solidFill>
+                          <a:schemeClr val="accent2">
+                            <a:lumMod val="20000"/>
+                            <a:lumOff val="80000"/>
+                          </a:schemeClr>
+                        </a:solidFill>
+                      </a:tcPr>
                     </a:tc>
                     <a:tc>
                       <a:txBody>
@@ -27429,7 +28165,14 @@
                           </a:r>
                         </a:p>
                       </a:txBody>
-                      <a:tcPr anchor="ctr"/>
+                      <a:tcPr anchor="ctr">
+                        <a:solidFill>
+                          <a:schemeClr val="accent2">
+                            <a:lumMod val="20000"/>
+                            <a:lumOff val="80000"/>
+                          </a:schemeClr>
+                        </a:solidFill>
+                      </a:tcPr>
                     </a:tc>
                     <a:tc>
                       <a:txBody>
@@ -27443,7 +28186,14 @@
                           </a:r>
                         </a:p>
                       </a:txBody>
-                      <a:tcPr anchor="ctr"/>
+                      <a:tcPr anchor="ctr">
+                        <a:solidFill>
+                          <a:schemeClr val="accent2">
+                            <a:lumMod val="20000"/>
+                            <a:lumOff val="80000"/>
+                          </a:schemeClr>
+                        </a:solidFill>
+                      </a:tcPr>
                     </a:tc>
                     <a:extLst>
                       <a:ext uri="{0D108BD9-81ED-4DB2-BD59-A6C34878D82A}">
@@ -27472,7 +28222,7 @@
               <p:nvPr>
                 <p:extLst>
                   <p:ext uri="{D42A27DB-BD31-4B8C-83A1-F6EECF244321}">
-                    <p14:modId xmlns:p14="http://schemas.microsoft.com/office/powerpoint/2010/main" val="3643574514"/>
+                    <p14:modId xmlns:p14="http://schemas.microsoft.com/office/powerpoint/2010/main" val="245971080"/>
                   </p:ext>
                 </p:extLst>
               </p:nvPr>
@@ -27605,7 +28355,14 @@
                           </a:r>
                         </a:p>
                       </a:txBody>
-                      <a:tcPr anchor="ctr"/>
+                      <a:tcPr anchor="ctr">
+                        <a:solidFill>
+                          <a:schemeClr val="accent2">
+                            <a:lumMod val="20000"/>
+                            <a:lumOff val="80000"/>
+                          </a:schemeClr>
+                        </a:solidFill>
+                      </a:tcPr>
                     </a:tc>
                     <a:tc>
                       <a:txBody>
@@ -27619,7 +28376,14 @@
                           </a:r>
                         </a:p>
                       </a:txBody>
-                      <a:tcPr anchor="ctr"/>
+                      <a:tcPr anchor="ctr">
+                        <a:solidFill>
+                          <a:schemeClr val="accent2">
+                            <a:lumMod val="20000"/>
+                            <a:lumOff val="80000"/>
+                          </a:schemeClr>
+                        </a:solidFill>
+                      </a:tcPr>
                     </a:tc>
                     <a:tc>
                       <a:txBody>
@@ -27633,7 +28397,14 @@
                           </a:r>
                         </a:p>
                       </a:txBody>
-                      <a:tcPr anchor="ctr"/>
+                      <a:tcPr anchor="ctr">
+                        <a:solidFill>
+                          <a:schemeClr val="accent2">
+                            <a:lumMod val="20000"/>
+                            <a:lumOff val="80000"/>
+                          </a:schemeClr>
+                        </a:solidFill>
+                      </a:tcPr>
                     </a:tc>
                     <a:tc>
                       <a:txBody>
@@ -27647,7 +28418,14 @@
                           </a:r>
                         </a:p>
                       </a:txBody>
-                      <a:tcPr anchor="ctr"/>
+                      <a:tcPr anchor="ctr">
+                        <a:solidFill>
+                          <a:schemeClr val="accent2">
+                            <a:lumMod val="20000"/>
+                            <a:lumOff val="80000"/>
+                          </a:schemeClr>
+                        </a:solidFill>
+                      </a:tcPr>
                     </a:tc>
                     <a:extLst>
                       <a:ext uri="{0D108BD9-81ED-4DB2-BD59-A6C34878D82A}">
@@ -27668,7 +28446,14 @@
                           </a:r>
                         </a:p>
                       </a:txBody>
-                      <a:tcPr anchor="ctr"/>
+                      <a:tcPr anchor="ctr">
+                        <a:solidFill>
+                          <a:schemeClr val="accent2">
+                            <a:lumMod val="20000"/>
+                            <a:lumOff val="80000"/>
+                          </a:schemeClr>
+                        </a:solidFill>
+                      </a:tcPr>
                     </a:tc>
                     <a:tc>
                       <a:txBody>
@@ -27682,7 +28467,14 @@
                           </a:r>
                         </a:p>
                       </a:txBody>
-                      <a:tcPr anchor="ctr"/>
+                      <a:tcPr anchor="ctr">
+                        <a:solidFill>
+                          <a:schemeClr val="accent2">
+                            <a:lumMod val="20000"/>
+                            <a:lumOff val="80000"/>
+                          </a:schemeClr>
+                        </a:solidFill>
+                      </a:tcPr>
                     </a:tc>
                     <a:tc>
                       <a:txBody>
@@ -27696,7 +28488,14 @@
                           </a:r>
                         </a:p>
                       </a:txBody>
-                      <a:tcPr anchor="ctr"/>
+                      <a:tcPr anchor="ctr">
+                        <a:solidFill>
+                          <a:schemeClr val="accent2">
+                            <a:lumMod val="20000"/>
+                            <a:lumOff val="80000"/>
+                          </a:schemeClr>
+                        </a:solidFill>
+                      </a:tcPr>
                     </a:tc>
                     <a:tc>
                       <a:txBody>
@@ -27710,7 +28509,14 @@
                           </a:r>
                         </a:p>
                       </a:txBody>
-                      <a:tcPr anchor="ctr"/>
+                      <a:tcPr anchor="ctr">
+                        <a:solidFill>
+                          <a:schemeClr val="accent2">
+                            <a:lumMod val="20000"/>
+                            <a:lumOff val="80000"/>
+                          </a:schemeClr>
+                        </a:solidFill>
+                      </a:tcPr>
                     </a:tc>
                     <a:extLst>
                       <a:ext uri="{0D108BD9-81ED-4DB2-BD59-A6C34878D82A}">
@@ -27731,7 +28537,14 @@
                           </a:r>
                         </a:p>
                       </a:txBody>
-                      <a:tcPr anchor="ctr"/>
+                      <a:tcPr anchor="ctr">
+                        <a:solidFill>
+                          <a:schemeClr val="accent2">
+                            <a:lumMod val="20000"/>
+                            <a:lumOff val="80000"/>
+                          </a:schemeClr>
+                        </a:solidFill>
+                      </a:tcPr>
                     </a:tc>
                     <a:tc>
                       <a:txBody>
@@ -27745,7 +28558,14 @@
                           </a:r>
                         </a:p>
                       </a:txBody>
-                      <a:tcPr anchor="ctr"/>
+                      <a:tcPr anchor="ctr">
+                        <a:solidFill>
+                          <a:schemeClr val="accent2">
+                            <a:lumMod val="20000"/>
+                            <a:lumOff val="80000"/>
+                          </a:schemeClr>
+                        </a:solidFill>
+                      </a:tcPr>
                     </a:tc>
                     <a:tc>
                       <a:txBody>
@@ -27759,7 +28579,14 @@
                           </a:r>
                         </a:p>
                       </a:txBody>
-                      <a:tcPr anchor="ctr"/>
+                      <a:tcPr anchor="ctr">
+                        <a:solidFill>
+                          <a:schemeClr val="accent2">
+                            <a:lumMod val="20000"/>
+                            <a:lumOff val="80000"/>
+                          </a:schemeClr>
+                        </a:solidFill>
+                      </a:tcPr>
                     </a:tc>
                     <a:tc>
                       <a:txBody>
@@ -27773,7 +28600,14 @@
                           </a:r>
                         </a:p>
                       </a:txBody>
-                      <a:tcPr anchor="ctr"/>
+                      <a:tcPr anchor="ctr">
+                        <a:solidFill>
+                          <a:schemeClr val="accent2">
+                            <a:lumMod val="20000"/>
+                            <a:lumOff val="80000"/>
+                          </a:schemeClr>
+                        </a:solidFill>
+                      </a:tcPr>
                     </a:tc>
                     <a:extLst>
                       <a:ext uri="{0D108BD9-81ED-4DB2-BD59-A6C34878D82A}">
@@ -27794,7 +28628,14 @@
                           </a:r>
                         </a:p>
                       </a:txBody>
-                      <a:tcPr anchor="ctr"/>
+                      <a:tcPr anchor="ctr">
+                        <a:solidFill>
+                          <a:schemeClr val="accent2">
+                            <a:lumMod val="20000"/>
+                            <a:lumOff val="80000"/>
+                          </a:schemeClr>
+                        </a:solidFill>
+                      </a:tcPr>
                     </a:tc>
                     <a:tc>
                       <a:txBody>
@@ -27808,7 +28649,14 @@
                           </a:r>
                         </a:p>
                       </a:txBody>
-                      <a:tcPr anchor="ctr"/>
+                      <a:tcPr anchor="ctr">
+                        <a:solidFill>
+                          <a:schemeClr val="accent2">
+                            <a:lumMod val="20000"/>
+                            <a:lumOff val="80000"/>
+                          </a:schemeClr>
+                        </a:solidFill>
+                      </a:tcPr>
                     </a:tc>
                     <a:tc>
                       <a:txBody>
@@ -27822,7 +28670,14 @@
                           </a:r>
                         </a:p>
                       </a:txBody>
-                      <a:tcPr anchor="ctr"/>
+                      <a:tcPr anchor="ctr">
+                        <a:solidFill>
+                          <a:schemeClr val="accent2">
+                            <a:lumMod val="20000"/>
+                            <a:lumOff val="80000"/>
+                          </a:schemeClr>
+                        </a:solidFill>
+                      </a:tcPr>
                     </a:tc>
                     <a:tc>
                       <a:txBody>
@@ -27836,7 +28691,14 @@
                           </a:r>
                         </a:p>
                       </a:txBody>
-                      <a:tcPr anchor="ctr"/>
+                      <a:tcPr anchor="ctr">
+                        <a:solidFill>
+                          <a:schemeClr val="accent2">
+                            <a:lumMod val="20000"/>
+                            <a:lumOff val="80000"/>
+                          </a:schemeClr>
+                        </a:solidFill>
+                      </a:tcPr>
                     </a:tc>
                     <a:extLst>
                       <a:ext uri="{0D108BD9-81ED-4DB2-BD59-A6C34878D82A}">
@@ -29979,7 +30841,42 @@
                           <m:nor/>
                         </m:rPr>
                         <a:rPr lang="de-DE" dirty="0"/>
-                        <m:t>=1)=0,9</m:t>
+                        <m:t>=</m:t>
+                      </m:r>
+                      <m:r>
+                        <m:rPr>
+                          <m:nor/>
+                        </m:rPr>
+                        <a:rPr lang="de-DE" dirty="0"/>
+                        <m:t>1</m:t>
+                      </m:r>
+                      <m:r>
+                        <m:rPr>
+                          <m:nor/>
+                        </m:rPr>
+                        <a:rPr lang="de-DE" dirty="0"/>
+                        <m:t>)=</m:t>
+                      </m:r>
+                      <m:r>
+                        <m:rPr>
+                          <m:nor/>
+                        </m:rPr>
+                        <a:rPr lang="de-DE" dirty="0"/>
+                        <m:t>0</m:t>
+                      </m:r>
+                      <m:r>
+                        <m:rPr>
+                          <m:nor/>
+                        </m:rPr>
+                        <a:rPr lang="de-DE" dirty="0"/>
+                        <m:t>,</m:t>
+                      </m:r>
+                      <m:r>
+                        <m:rPr>
+                          <m:nor/>
+                        </m:rPr>
+                        <a:rPr lang="de-DE" dirty="0"/>
+                        <m:t>9</m:t>
                       </m:r>
                     </m:oMath>
                   </m:oMathPara>
@@ -30020,7 +30917,42 @@
                           <m:nor/>
                         </m:rPr>
                         <a:rPr lang="de-DE" dirty="0" smtClean="0"/>
-                        <m:t>=0)=0,1</m:t>
+                        <m:t>=</m:t>
+                      </m:r>
+                      <m:r>
+                        <m:rPr>
+                          <m:nor/>
+                        </m:rPr>
+                        <a:rPr lang="de-DE" dirty="0" smtClean="0"/>
+                        <m:t>0</m:t>
+                      </m:r>
+                      <m:r>
+                        <m:rPr>
+                          <m:nor/>
+                        </m:rPr>
+                        <a:rPr lang="de-DE" dirty="0" smtClean="0"/>
+                        <m:t>)=</m:t>
+                      </m:r>
+                      <m:r>
+                        <m:rPr>
+                          <m:nor/>
+                        </m:rPr>
+                        <a:rPr lang="de-DE" dirty="0" smtClean="0"/>
+                        <m:t>0</m:t>
+                      </m:r>
+                      <m:r>
+                        <m:rPr>
+                          <m:nor/>
+                        </m:rPr>
+                        <a:rPr lang="de-DE" dirty="0" smtClean="0"/>
+                        <m:t>,</m:t>
+                      </m:r>
+                      <m:r>
+                        <m:rPr>
+                          <m:nor/>
+                        </m:rPr>
+                        <a:rPr lang="de-DE" dirty="0" smtClean="0"/>
+                        <m:t>1</m:t>
                       </m:r>
                     </m:oMath>
                   </m:oMathPara>

--- a/Homework_Neuroinformatic/Assignment 1/Task12_Group30.pptx
+++ b/Homework_Neuroinformatic/Assignment 1/Task12_Group30.pptx
@@ -1581,7 +1581,7 @@
               <a:pPr>
                 <a:defRPr/>
               </a:pPr>
-              <a:t>02.12.2020</a:t>
+              <a:t>05.12.2020</a:t>
             </a:fld>
             <a:endParaRPr lang="de-DE"/>
           </a:p>
@@ -1822,7 +1822,7 @@
               <a:pPr>
                 <a:defRPr/>
               </a:pPr>
-              <a:t>12/2/2020</a:t>
+              <a:t>12/5/2020</a:t>
             </a:fld>
             <a:endParaRPr lang="en-GB"/>
           </a:p>
@@ -6719,8 +6719,8 @@
           </a:p>
         </p:txBody>
       </p:sp>
-      <mc:AlternateContent xmlns:mc="http://schemas.openxmlformats.org/markup-compatibility/2006">
-        <mc:Choice xmlns:a14="http://schemas.microsoft.com/office/drawing/2010/main" Requires="a14">
+      <mc:AlternateContent xmlns:mc="http://schemas.openxmlformats.org/markup-compatibility/2006" xmlns:a14="http://schemas.microsoft.com/office/drawing/2010/main">
+        <mc:Choice Requires="a14">
           <p:sp>
             <p:nvSpPr>
               <p:cNvPr id="14" name="Textfeld 13">
@@ -7426,7 +7426,7 @@
             </p:txBody>
           </p:sp>
         </mc:Choice>
-        <mc:Fallback>
+        <mc:Fallback xmlns="">
           <p:sp>
             <p:nvSpPr>
               <p:cNvPr id="14" name="Textfeld 13">
@@ -7664,8 +7664,8 @@
           </a:p>
         </p:txBody>
       </p:sp>
-      <mc:AlternateContent xmlns:mc="http://schemas.openxmlformats.org/markup-compatibility/2006">
-        <mc:Choice xmlns:a14="http://schemas.microsoft.com/office/drawing/2010/main" Requires="a14">
+      <mc:AlternateContent xmlns:mc="http://schemas.openxmlformats.org/markup-compatibility/2006" xmlns:a14="http://schemas.microsoft.com/office/drawing/2010/main">
+        <mc:Choice Requires="a14">
           <p:sp>
             <p:nvSpPr>
               <p:cNvPr id="5" name="Rechteck 4">
@@ -7813,7 +7813,7 @@
             </p:txBody>
           </p:sp>
         </mc:Choice>
-        <mc:Fallback>
+        <mc:Fallback xmlns="">
           <p:sp>
             <p:nvSpPr>
               <p:cNvPr id="5" name="Rechteck 4">
@@ -7919,8 +7919,8 @@
           </a:p>
         </p:txBody>
       </p:sp>
-      <mc:AlternateContent xmlns:mc="http://schemas.openxmlformats.org/markup-compatibility/2006">
-        <mc:Choice xmlns:a14="http://schemas.microsoft.com/office/drawing/2010/main" Requires="a14">
+      <mc:AlternateContent xmlns:mc="http://schemas.openxmlformats.org/markup-compatibility/2006" xmlns:a14="http://schemas.microsoft.com/office/drawing/2010/main">
+        <mc:Choice Requires="a14">
           <p:sp>
             <p:nvSpPr>
               <p:cNvPr id="22" name="Textfeld 21">
@@ -8377,7 +8377,7 @@
             </p:txBody>
           </p:sp>
         </mc:Choice>
-        <mc:Fallback>
+        <mc:Fallback xmlns="">
           <p:sp>
             <p:nvSpPr>
               <p:cNvPr id="22" name="Textfeld 21">
@@ -9327,8 +9327,8 @@
           </a:p>
         </p:txBody>
       </p:sp>
-      <mc:AlternateContent xmlns:mc="http://schemas.openxmlformats.org/markup-compatibility/2006">
-        <mc:Choice xmlns:a14="http://schemas.microsoft.com/office/drawing/2010/main" Requires="a14">
+      <mc:AlternateContent xmlns:mc="http://schemas.openxmlformats.org/markup-compatibility/2006" xmlns:a14="http://schemas.microsoft.com/office/drawing/2010/main">
+        <mc:Choice Requires="a14">
           <p:sp>
             <p:nvSpPr>
               <p:cNvPr id="5" name="Rechteck 4">
@@ -9466,7 +9466,7 @@
             </p:txBody>
           </p:sp>
         </mc:Choice>
-        <mc:Fallback>
+        <mc:Fallback xmlns="">
           <p:sp>
             <p:nvSpPr>
               <p:cNvPr id="5" name="Rechteck 4">
@@ -9572,8 +9572,8 @@
           </a:p>
         </p:txBody>
       </p:sp>
-      <mc:AlternateContent xmlns:mc="http://schemas.openxmlformats.org/markup-compatibility/2006">
-        <mc:Choice xmlns:a14="http://schemas.microsoft.com/office/drawing/2010/main" Requires="a14">
+      <mc:AlternateContent xmlns:mc="http://schemas.openxmlformats.org/markup-compatibility/2006" xmlns:a14="http://schemas.microsoft.com/office/drawing/2010/main">
+        <mc:Choice Requires="a14">
           <p:sp>
             <p:nvSpPr>
               <p:cNvPr id="16" name="Textfeld 15">
@@ -9889,7 +9889,7 @@
             </p:txBody>
           </p:sp>
         </mc:Choice>
-        <mc:Fallback>
+        <mc:Fallback xmlns="">
           <p:sp>
             <p:nvSpPr>
               <p:cNvPr id="16" name="Textfeld 15">
@@ -9934,8 +9934,8 @@
           </p:sp>
         </mc:Fallback>
       </mc:AlternateContent>
-      <mc:AlternateContent xmlns:mc="http://schemas.openxmlformats.org/markup-compatibility/2006">
-        <mc:Choice xmlns:a14="http://schemas.microsoft.com/office/drawing/2010/main" Requires="a14">
+      <mc:AlternateContent xmlns:mc="http://schemas.openxmlformats.org/markup-compatibility/2006" xmlns:a14="http://schemas.microsoft.com/office/drawing/2010/main">
+        <mc:Choice Requires="a14">
           <p:sp>
             <p:nvSpPr>
               <p:cNvPr id="19" name="Textfeld 18">
@@ -10266,7 +10266,7 @@
             </p:txBody>
           </p:sp>
         </mc:Choice>
-        <mc:Fallback>
+        <mc:Fallback xmlns="">
           <p:sp>
             <p:nvSpPr>
               <p:cNvPr id="19" name="Textfeld 18">
@@ -10311,8 +10311,8 @@
           </p:sp>
         </mc:Fallback>
       </mc:AlternateContent>
-      <mc:AlternateContent xmlns:mc="http://schemas.openxmlformats.org/markup-compatibility/2006">
-        <mc:Choice xmlns:a14="http://schemas.microsoft.com/office/drawing/2010/main" Requires="a14">
+      <mc:AlternateContent xmlns:mc="http://schemas.openxmlformats.org/markup-compatibility/2006" xmlns:a14="http://schemas.microsoft.com/office/drawing/2010/main">
+        <mc:Choice Requires="a14">
           <p:sp>
             <p:nvSpPr>
               <p:cNvPr id="21" name="Textfeld 20">
@@ -10869,7 +10869,7 @@
             </p:txBody>
           </p:sp>
         </mc:Choice>
-        <mc:Fallback>
+        <mc:Fallback xmlns="">
           <p:sp>
             <p:nvSpPr>
               <p:cNvPr id="21" name="Textfeld 20">
@@ -11807,14 +11807,14 @@
                         <m:t>0</m:t>
                       </m:r>
                       <m:r>
-                        <a:rPr lang="en-AU" smtClean="0">
+                        <a:rPr lang="de-DE" b="0" i="0" smtClean="0">
                           <a:solidFill>
                             <a:srgbClr val="000000"/>
                           </a:solidFill>
                           <a:latin typeface="Cambria Math" panose="02040503050406030204" pitchFamily="18" charset="0"/>
                           <a:cs typeface="Calibri" panose="020F0502020204030204" pitchFamily="34" charset="0"/>
                         </a:rPr>
-                        <m:t>,</m:t>
+                        <m:t>.</m:t>
                       </m:r>
                       <m:r>
                         <a:rPr lang="en-AU" smtClean="0">
@@ -30773,8 +30773,8 @@
           </a:p>
         </p:txBody>
       </p:sp>
-      <mc:AlternateContent xmlns:mc="http://schemas.openxmlformats.org/markup-compatibility/2006">
-        <mc:Choice xmlns:a14="http://schemas.microsoft.com/office/drawing/2010/main" Requires="a14">
+      <mc:AlternateContent xmlns:mc="http://schemas.openxmlformats.org/markup-compatibility/2006" xmlns:a14="http://schemas.microsoft.com/office/drawing/2010/main">
+        <mc:Choice Requires="a14">
           <p:sp>
             <p:nvSpPr>
               <p:cNvPr id="15" name="Textfeld 14">
@@ -30863,7 +30863,7 @@
             </p:txBody>
           </p:sp>
         </mc:Choice>
-        <mc:Fallback>
+        <mc:Fallback xmlns="">
           <p:sp>
             <p:nvSpPr>
               <p:cNvPr id="15" name="Textfeld 14">
@@ -30908,8 +30908,8 @@
           </p:sp>
         </mc:Fallback>
       </mc:AlternateContent>
-      <mc:AlternateContent xmlns:mc="http://schemas.openxmlformats.org/markup-compatibility/2006">
-        <mc:Choice xmlns:a14="http://schemas.microsoft.com/office/drawing/2010/main" Requires="a14">
+      <mc:AlternateContent xmlns:mc="http://schemas.openxmlformats.org/markup-compatibility/2006" xmlns:a14="http://schemas.microsoft.com/office/drawing/2010/main">
+        <mc:Choice Requires="a14">
           <p:sp>
             <p:nvSpPr>
               <p:cNvPr id="16" name="Textfeld 15">
@@ -30994,7 +30994,7 @@
             </p:txBody>
           </p:sp>
         </mc:Choice>
-        <mc:Fallback>
+        <mc:Fallback xmlns="">
           <p:sp>
             <p:nvSpPr>
               <p:cNvPr id="16" name="Textfeld 15">
@@ -31039,8 +31039,8 @@
           </p:sp>
         </mc:Fallback>
       </mc:AlternateContent>
-      <mc:AlternateContent xmlns:mc="http://schemas.openxmlformats.org/markup-compatibility/2006">
-        <mc:Choice xmlns:a14="http://schemas.microsoft.com/office/drawing/2010/main" Requires="a14">
+      <mc:AlternateContent xmlns:mc="http://schemas.openxmlformats.org/markup-compatibility/2006" xmlns:a14="http://schemas.microsoft.com/office/drawing/2010/main">
+        <mc:Choice Requires="a14">
           <p:sp>
             <p:nvSpPr>
               <p:cNvPr id="19" name="Textfeld 18">
@@ -31121,7 +31121,7 @@
             </p:txBody>
           </p:sp>
         </mc:Choice>
-        <mc:Fallback>
+        <mc:Fallback xmlns="">
           <p:sp>
             <p:nvSpPr>
               <p:cNvPr id="19" name="Textfeld 18">
@@ -32138,7 +32138,13 @@
           <p:cNvGraphicFramePr>
             <a:graphicFrameLocks noGrp="1"/>
           </p:cNvGraphicFramePr>
-          <p:nvPr/>
+          <p:nvPr>
+            <p:extLst>
+              <p:ext uri="{D42A27DB-BD31-4B8C-83A1-F6EECF244321}">
+                <p14:modId xmlns:p14="http://schemas.microsoft.com/office/powerpoint/2010/main" val="2106000907"/>
+              </p:ext>
+            </p:extLst>
+          </p:nvPr>
         </p:nvGraphicFramePr>
         <p:xfrm>
           <a:off x="251091" y="1524000"/>
@@ -32210,7 +32216,7 @@
                       <a:pPr algn="ctr"/>
                       <a:r>
                         <a:rPr lang="de-DE" dirty="0"/>
-                        <a:t>0,9</a:t>
+                        <a:t>0.9</a:t>
                       </a:r>
                     </a:p>
                   </a:txBody>
@@ -32224,7 +32230,7 @@
                       <a:pPr algn="ctr"/>
                       <a:r>
                         <a:rPr lang="de-DE" dirty="0"/>
-                        <a:t>0,1</a:t>
+                        <a:t>0.1</a:t>
                       </a:r>
                     </a:p>
                   </a:txBody>
@@ -32252,7 +32258,13 @@
           <p:cNvGraphicFramePr>
             <a:graphicFrameLocks noGrp="1"/>
           </p:cNvGraphicFramePr>
-          <p:nvPr/>
+          <p:nvPr>
+            <p:extLst>
+              <p:ext uri="{D42A27DB-BD31-4B8C-83A1-F6EECF244321}">
+                <p14:modId xmlns:p14="http://schemas.microsoft.com/office/powerpoint/2010/main" val="2888907651"/>
+              </p:ext>
+            </p:extLst>
+          </p:nvPr>
         </p:nvGraphicFramePr>
         <p:xfrm>
           <a:off x="6541255" y="1316090"/>
@@ -32324,7 +32336,7 @@
                       <a:pPr algn="ctr"/>
                       <a:r>
                         <a:rPr lang="de-DE" dirty="0"/>
-                        <a:t>0,9</a:t>
+                        <a:t>0.9</a:t>
                       </a:r>
                     </a:p>
                   </a:txBody>
@@ -32338,7 +32350,7 @@
                       <a:pPr algn="ctr"/>
                       <a:r>
                         <a:rPr lang="de-DE" dirty="0"/>
-                        <a:t>0,1</a:t>
+                        <a:t>0.1</a:t>
                       </a:r>
                     </a:p>
                   </a:txBody>
@@ -32366,7 +32378,13 @@
           <p:cNvGraphicFramePr>
             <a:graphicFrameLocks noGrp="1"/>
           </p:cNvGraphicFramePr>
-          <p:nvPr/>
+          <p:nvPr>
+            <p:extLst>
+              <p:ext uri="{D42A27DB-BD31-4B8C-83A1-F6EECF244321}">
+                <p14:modId xmlns:p14="http://schemas.microsoft.com/office/powerpoint/2010/main" val="2590915296"/>
+              </p:ext>
+            </p:extLst>
+          </p:nvPr>
         </p:nvGraphicFramePr>
         <p:xfrm>
           <a:off x="3040545" y="3372678"/>
@@ -32506,7 +32524,7 @@
                       <a:pPr algn="ctr"/>
                       <a:r>
                         <a:rPr lang="de-DE" dirty="0"/>
-                        <a:t>0,1</a:t>
+                        <a:t>0.1</a:t>
                       </a:r>
                     </a:p>
                   </a:txBody>
@@ -32520,7 +32538,7 @@
                       <a:pPr algn="ctr"/>
                       <a:r>
                         <a:rPr lang="de-DE" dirty="0"/>
-                        <a:t>0,9</a:t>
+                        <a:t>0.9</a:t>
                       </a:r>
                     </a:p>
                   </a:txBody>
@@ -32569,7 +32587,7 @@
                       <a:pPr algn="ctr"/>
                       <a:r>
                         <a:rPr lang="de-DE" dirty="0"/>
-                        <a:t>0,2</a:t>
+                        <a:t>0.2</a:t>
                       </a:r>
                     </a:p>
                   </a:txBody>
@@ -32583,7 +32601,7 @@
                       <a:pPr algn="ctr"/>
                       <a:r>
                         <a:rPr lang="de-DE" dirty="0"/>
-                        <a:t>0,8</a:t>
+                        <a:t>0.8</a:t>
                       </a:r>
                     </a:p>
                   </a:txBody>
@@ -32632,7 +32650,7 @@
                       <a:pPr algn="ctr"/>
                       <a:r>
                         <a:rPr lang="de-DE" dirty="0"/>
-                        <a:t>0,2</a:t>
+                        <a:t>0.2</a:t>
                       </a:r>
                     </a:p>
                   </a:txBody>
@@ -32646,7 +32664,7 @@
                       <a:pPr algn="ctr"/>
                       <a:r>
                         <a:rPr lang="de-DE" dirty="0"/>
-                        <a:t>0,8</a:t>
+                        <a:t>0.8</a:t>
                       </a:r>
                     </a:p>
                   </a:txBody>
@@ -32695,7 +32713,7 @@
                       <a:pPr algn="ctr"/>
                       <a:r>
                         <a:rPr lang="de-DE" dirty="0"/>
-                        <a:t>0,8</a:t>
+                        <a:t>0.8</a:t>
                       </a:r>
                     </a:p>
                   </a:txBody>
@@ -32709,7 +32727,7 @@
                       <a:pPr algn="ctr"/>
                       <a:r>
                         <a:rPr lang="de-DE" dirty="0"/>
-                        <a:t>0,2</a:t>
+                        <a:t>0.2</a:t>
                       </a:r>
                     </a:p>
                   </a:txBody>
@@ -32725,8 +32743,8 @@
           </a:graphicData>
         </a:graphic>
       </p:graphicFrame>
-      <mc:AlternateContent xmlns:mc="http://schemas.openxmlformats.org/markup-compatibility/2006" xmlns:a14="http://schemas.microsoft.com/office/drawing/2010/main">
-        <mc:Choice Requires="a14">
+      <mc:AlternateContent xmlns:mc="http://schemas.openxmlformats.org/markup-compatibility/2006">
+        <mc:Choice xmlns:a14="http://schemas.microsoft.com/office/drawing/2010/main" Requires="a14">
           <p:sp>
             <p:nvSpPr>
               <p:cNvPr id="9" name="Textfeld 8">
@@ -32793,7 +32811,18 @@
                           <m:nor/>
                         </m:rPr>
                         <a:rPr lang="de-DE" dirty="0"/>
-                        <m:t>=1)=0,9</m:t>
+                        <m:t>=1)=0</m:t>
+                      </m:r>
+                      <m:r>
+                        <a:rPr lang="de-DE" i="1" dirty="0" smtClean="0"/>
+                        <m:t>.</m:t>
+                      </m:r>
+                      <m:r>
+                        <m:rPr>
+                          <m:nor/>
+                        </m:rPr>
+                        <a:rPr lang="de-DE" dirty="0"/>
+                        <m:t>9</m:t>
                       </m:r>
                     </m:oMath>
                   </m:oMathPara>
@@ -32834,7 +32863,18 @@
                           <m:nor/>
                         </m:rPr>
                         <a:rPr lang="de-DE" dirty="0" smtClean="0"/>
-                        <m:t>=0)=0,1</m:t>
+                        <m:t>=0)=0</m:t>
+                      </m:r>
+                      <m:r>
+                        <a:rPr lang="de-DE" i="1" dirty="0" smtClean="0"/>
+                        <m:t>.</m:t>
+                      </m:r>
+                      <m:r>
+                        <m:rPr>
+                          <m:nor/>
+                        </m:rPr>
+                        <a:rPr lang="de-DE" dirty="0" smtClean="0"/>
+                        <m:t>1</m:t>
                       </m:r>
                     </m:oMath>
                   </m:oMathPara>
@@ -32844,7 +32884,7 @@
             </p:txBody>
           </p:sp>
         </mc:Choice>
-        <mc:Fallback xmlns="">
+        <mc:Fallback>
           <p:sp>
             <p:nvSpPr>
               <p:cNvPr id="9" name="Textfeld 8">
@@ -32931,7 +32971,7 @@
               <a:rPr lang="de-DE" dirty="0">
                 <a:latin typeface="+mj-lt"/>
               </a:rPr>
-              <a:t>P(A=1)=0,9</a:t>
+              <a:t>P(A=1)=0.9</a:t>
             </a:r>
           </a:p>
           <a:p>
@@ -32939,7 +32979,7 @@
               <a:rPr lang="de-DE" dirty="0">
                 <a:latin typeface="+mj-lt"/>
               </a:rPr>
-              <a:t>P(A=0)=0,1</a:t>
+              <a:t>P(A=0)=0.1</a:t>
             </a:r>
           </a:p>
         </p:txBody>
@@ -32982,7 +33022,7 @@
               <a:rPr lang="de-DE" dirty="0">
                 <a:latin typeface="+mj-lt"/>
               </a:rPr>
-              <a:t>P(R=1|M=1,A=1)=0,8</a:t>
+              <a:t>P(R=1|M=1,A=1)=0.8</a:t>
             </a:r>
           </a:p>
           <a:p>
@@ -32991,7 +33031,7 @@
               <a:rPr lang="de-DE" dirty="0">
                 <a:latin typeface="+mj-lt"/>
               </a:rPr>
-              <a:t>P(R=1|M=1,A=0)=0,2</a:t>
+              <a:t>P(R=1|M=1,A=0)=0.2</a:t>
             </a:r>
           </a:p>
           <a:p>
@@ -33000,7 +33040,7 @@
               <a:rPr lang="de-DE" dirty="0">
                 <a:latin typeface="+mj-lt"/>
               </a:rPr>
-              <a:t>P(R=1|M=0,A=1)=0,2</a:t>
+              <a:t>P(R=1|M=0,A=1)=0.2</a:t>
             </a:r>
           </a:p>
           <a:p>
@@ -33009,7 +33049,7 @@
               <a:rPr lang="de-DE" dirty="0">
                 <a:latin typeface="+mj-lt"/>
               </a:rPr>
-              <a:t>P(R=1|M=0,A=0)=0,1</a:t>
+              <a:t>P(R=1|M=0,A=0)=0.1</a:t>
             </a:r>
           </a:p>
         </p:txBody>
@@ -33052,7 +33092,7 @@
               <a:rPr lang="de-DE" dirty="0">
                 <a:latin typeface="+mj-lt"/>
               </a:rPr>
-              <a:t>P(R=0|M=1,A=1)=0,2</a:t>
+              <a:t>P(R=0|M=1,A=1)=0.2</a:t>
             </a:r>
           </a:p>
           <a:p>
@@ -33061,7 +33101,7 @@
               <a:rPr lang="de-DE" dirty="0">
                 <a:latin typeface="+mj-lt"/>
               </a:rPr>
-              <a:t>P(R=0|M=1,A=0)=0,8</a:t>
+              <a:t>P(R=0|M=1,A=0)=0.8</a:t>
             </a:r>
           </a:p>
           <a:p>
@@ -33070,7 +33110,7 @@
               <a:rPr lang="de-DE" dirty="0">
                 <a:latin typeface="+mj-lt"/>
               </a:rPr>
-              <a:t>P(R=0|M=0,A=1)=0,8</a:t>
+              <a:t>P(R=0|M=0,A=1)=0.8</a:t>
             </a:r>
           </a:p>
           <a:p>
@@ -33079,7 +33119,7 @@
               <a:rPr lang="de-DE" dirty="0">
                 <a:latin typeface="+mj-lt"/>
               </a:rPr>
-              <a:t>P(R=0|M=0,A=0)=0,9</a:t>
+              <a:t>P(R=0|M=0,A=0)=0.9</a:t>
             </a:r>
           </a:p>
         </p:txBody>
@@ -34121,8 +34161,8 @@
           </a:fontRef>
         </p:style>
       </p:cxnSp>
-      <mc:AlternateContent xmlns:mc="http://schemas.openxmlformats.org/markup-compatibility/2006">
-        <mc:Choice xmlns:a14="http://schemas.microsoft.com/office/drawing/2010/main" Requires="a14">
+      <mc:AlternateContent xmlns:mc="http://schemas.openxmlformats.org/markup-compatibility/2006" xmlns:a14="http://schemas.microsoft.com/office/drawing/2010/main">
+        <mc:Choice Requires="a14">
           <p:sp>
             <p:nvSpPr>
               <p:cNvPr id="5" name="Rechteck 4">
@@ -34265,7 +34305,7 @@
             </p:txBody>
           </p:sp>
         </mc:Choice>
-        <mc:Fallback>
+        <mc:Fallback xmlns="">
           <p:sp>
             <p:nvSpPr>
               <p:cNvPr id="5" name="Rechteck 4">
@@ -34412,8 +34452,8 @@
           </a:p>
         </p:txBody>
       </p:sp>
-      <mc:AlternateContent xmlns:mc="http://schemas.openxmlformats.org/markup-compatibility/2006">
-        <mc:Choice xmlns:a14="http://schemas.microsoft.com/office/drawing/2010/main" Requires="a14">
+      <mc:AlternateContent xmlns:mc="http://schemas.openxmlformats.org/markup-compatibility/2006" xmlns:a14="http://schemas.microsoft.com/office/drawing/2010/main">
+        <mc:Choice Requires="a14">
           <p:sp>
             <p:nvSpPr>
               <p:cNvPr id="23" name="Textfeld 22">
@@ -34629,7 +34669,7 @@
             </p:txBody>
           </p:sp>
         </mc:Choice>
-        <mc:Fallback>
+        <mc:Fallback xmlns="">
           <p:sp>
             <p:nvSpPr>
               <p:cNvPr id="23" name="Textfeld 22">
@@ -34674,8 +34714,8 @@
           </p:sp>
         </mc:Fallback>
       </mc:AlternateContent>
-      <mc:AlternateContent xmlns:mc="http://schemas.openxmlformats.org/markup-compatibility/2006">
-        <mc:Choice xmlns:a14="http://schemas.microsoft.com/office/drawing/2010/main" Requires="a14">
+      <mc:AlternateContent xmlns:mc="http://schemas.openxmlformats.org/markup-compatibility/2006" xmlns:a14="http://schemas.microsoft.com/office/drawing/2010/main">
+        <mc:Choice Requires="a14">
           <p:sp>
             <p:nvSpPr>
               <p:cNvPr id="24" name="Textfeld 23">
@@ -35148,7 +35188,6 @@
                 </a:endParaRPr>
               </a:p>
               <a:p>
-                <a:pPr/>
                 <a:endParaRPr lang="en-AU" dirty="0">
                   <a:latin typeface="+mj-lt"/>
                   <a:cs typeface="Calibri" panose="020F0502020204030204" pitchFamily="34" charset="0"/>
@@ -35157,7 +35196,7 @@
             </p:txBody>
           </p:sp>
         </mc:Choice>
-        <mc:Fallback>
+        <mc:Fallback xmlns="">
           <p:sp>
             <p:nvSpPr>
               <p:cNvPr id="24" name="Textfeld 23">
@@ -35202,8 +35241,8 @@
           </p:sp>
         </mc:Fallback>
       </mc:AlternateContent>
-      <mc:AlternateContent xmlns:mc="http://schemas.openxmlformats.org/markup-compatibility/2006">
-        <mc:Choice xmlns:a14="http://schemas.microsoft.com/office/drawing/2010/main" Requires="a14">
+      <mc:AlternateContent xmlns:mc="http://schemas.openxmlformats.org/markup-compatibility/2006" xmlns:a14="http://schemas.microsoft.com/office/drawing/2010/main">
+        <mc:Choice Requires="a14">
           <p:sp>
             <p:nvSpPr>
               <p:cNvPr id="25" name="Textfeld 24">
@@ -35526,7 +35565,7 @@
             </p:txBody>
           </p:sp>
         </mc:Choice>
-        <mc:Fallback>
+        <mc:Fallback xmlns="">
           <p:sp>
             <p:nvSpPr>
               <p:cNvPr id="25" name="Textfeld 24">
@@ -36431,8 +36470,8 @@
           </a:p>
         </p:txBody>
       </p:sp>
-      <mc:AlternateContent xmlns:mc="http://schemas.openxmlformats.org/markup-compatibility/2006">
-        <mc:Choice xmlns:a14="http://schemas.microsoft.com/office/drawing/2010/main" Requires="a14">
+      <mc:AlternateContent xmlns:mc="http://schemas.openxmlformats.org/markup-compatibility/2006" xmlns:a14="http://schemas.microsoft.com/office/drawing/2010/main">
+        <mc:Choice Requires="a14">
           <p:sp>
             <p:nvSpPr>
               <p:cNvPr id="8" name="Textfeld 7">
@@ -36571,7 +36610,7 @@
             </p:txBody>
           </p:sp>
         </mc:Choice>
-        <mc:Fallback>
+        <mc:Fallback xmlns="">
           <p:sp>
             <p:nvSpPr>
               <p:cNvPr id="8" name="Textfeld 7">
@@ -36747,8 +36786,8 @@
           </a:p>
         </p:txBody>
       </p:sp>
-      <mc:AlternateContent xmlns:mc="http://schemas.openxmlformats.org/markup-compatibility/2006">
-        <mc:Choice xmlns:a14="http://schemas.microsoft.com/office/drawing/2010/main" Requires="a14">
+      <mc:AlternateContent xmlns:mc="http://schemas.openxmlformats.org/markup-compatibility/2006" xmlns:a14="http://schemas.microsoft.com/office/drawing/2010/main">
+        <mc:Choice Requires="a14">
           <p:sp>
             <p:nvSpPr>
               <p:cNvPr id="3" name="Rechteck 2">
@@ -36861,7 +36900,7 @@
             </p:txBody>
           </p:sp>
         </mc:Choice>
-        <mc:Fallback>
+        <mc:Fallback xmlns="">
           <p:sp>
             <p:nvSpPr>
               <p:cNvPr id="3" name="Rechteck 2">
@@ -36967,8 +37006,8 @@
           </a:p>
         </p:txBody>
       </p:sp>
-      <mc:AlternateContent xmlns:mc="http://schemas.openxmlformats.org/markup-compatibility/2006">
-        <mc:Choice xmlns:a14="http://schemas.microsoft.com/office/drawing/2010/main" Requires="a14">
+      <mc:AlternateContent xmlns:mc="http://schemas.openxmlformats.org/markup-compatibility/2006" xmlns:a14="http://schemas.microsoft.com/office/drawing/2010/main">
+        <mc:Choice Requires="a14">
           <p:sp>
             <p:nvSpPr>
               <p:cNvPr id="22" name="Textfeld 21">
@@ -37184,7 +37223,7 @@
             </p:txBody>
           </p:sp>
         </mc:Choice>
-        <mc:Fallback>
+        <mc:Fallback xmlns="">
           <p:sp>
             <p:nvSpPr>
               <p:cNvPr id="22" name="Textfeld 21">
@@ -37229,8 +37268,8 @@
           </p:sp>
         </mc:Fallback>
       </mc:AlternateContent>
-      <mc:AlternateContent xmlns:mc="http://schemas.openxmlformats.org/markup-compatibility/2006">
-        <mc:Choice xmlns:a14="http://schemas.microsoft.com/office/drawing/2010/main" Requires="a14">
+      <mc:AlternateContent xmlns:mc="http://schemas.openxmlformats.org/markup-compatibility/2006" xmlns:a14="http://schemas.microsoft.com/office/drawing/2010/main">
+        <mc:Choice Requires="a14">
           <p:sp>
             <p:nvSpPr>
               <p:cNvPr id="23" name="Textfeld 22">
@@ -37545,7 +37584,7 @@
             </p:txBody>
           </p:sp>
         </mc:Choice>
-        <mc:Fallback>
+        <mc:Fallback xmlns="">
           <p:sp>
             <p:nvSpPr>
               <p:cNvPr id="23" name="Textfeld 22">
@@ -37696,7 +37735,16 @@
                             </a:solidFill>
                             <a:latin typeface="Cambria Math" panose="02040503050406030204" pitchFamily="18" charset="0"/>
                           </a:rPr>
-                          <m:t>=0</m:t>
+                          <m:t>=</m:t>
+                        </m:r>
+                        <m:r>
+                          <a:rPr lang="en-AU" smtClean="0">
+                            <a:solidFill>
+                              <a:srgbClr val="000000"/>
+                            </a:solidFill>
+                            <a:latin typeface="Cambria Math" panose="02040503050406030204" pitchFamily="18" charset="0"/>
+                          </a:rPr>
+                          <m:t>0</m:t>
                         </m:r>
                       </m:e>
                     </m:d>
@@ -37749,7 +37797,16 @@
                             </a:solidFill>
                             <a:latin typeface="Cambria Math" panose="02040503050406030204" pitchFamily="18" charset="0"/>
                           </a:rPr>
-                          <m:t>=0</m:t>
+                          <m:t>=</m:t>
+                        </m:r>
+                        <m:r>
+                          <a:rPr lang="en-AU" smtClean="0">
+                            <a:solidFill>
+                              <a:srgbClr val="000000"/>
+                            </a:solidFill>
+                            <a:latin typeface="Cambria Math" panose="02040503050406030204" pitchFamily="18" charset="0"/>
+                          </a:rPr>
+                          <m:t>0</m:t>
                         </m:r>
                       </m:e>
                     </m:d>
@@ -37799,7 +37856,25 @@
                         </a:solidFill>
                         <a:latin typeface="Cambria Math" panose="02040503050406030204" pitchFamily="18" charset="0"/>
                       </a:rPr>
-                      <m:t>=0|</m:t>
+                      <m:t>=</m:t>
+                    </m:r>
+                    <m:r>
+                      <a:rPr lang="en-AU" smtClean="0">
+                        <a:solidFill>
+                          <a:srgbClr val="000000"/>
+                        </a:solidFill>
+                        <a:latin typeface="Cambria Math" panose="02040503050406030204" pitchFamily="18" charset="0"/>
+                      </a:rPr>
+                      <m:t>0</m:t>
+                    </m:r>
+                    <m:r>
+                      <a:rPr lang="en-AU" smtClean="0">
+                        <a:solidFill>
+                          <a:srgbClr val="000000"/>
+                        </a:solidFill>
+                        <a:latin typeface="Cambria Math" panose="02040503050406030204" pitchFamily="18" charset="0"/>
+                      </a:rPr>
+                      <m:t>|</m:t>
                     </m:r>
                     <m:r>
                       <a:rPr lang="en-AU" smtClean="0">
@@ -37817,7 +37892,25 @@
                         </a:solidFill>
                         <a:latin typeface="Cambria Math" panose="02040503050406030204" pitchFamily="18" charset="0"/>
                       </a:rPr>
-                      <m:t>=0,</m:t>
+                      <m:t>=</m:t>
+                    </m:r>
+                    <m:r>
+                      <a:rPr lang="en-AU" smtClean="0">
+                        <a:solidFill>
+                          <a:srgbClr val="000000"/>
+                        </a:solidFill>
+                        <a:latin typeface="Cambria Math" panose="02040503050406030204" pitchFamily="18" charset="0"/>
+                      </a:rPr>
+                      <m:t>0</m:t>
+                    </m:r>
+                    <m:r>
+                      <a:rPr lang="en-AU" smtClean="0">
+                        <a:solidFill>
+                          <a:srgbClr val="000000"/>
+                        </a:solidFill>
+                        <a:latin typeface="Cambria Math" panose="02040503050406030204" pitchFamily="18" charset="0"/>
+                      </a:rPr>
+                      <m:t>,</m:t>
                     </m:r>
                     <m:r>
                       <m:rPr>
@@ -37838,7 +37931,25 @@
                         </a:solidFill>
                         <a:latin typeface="Cambria Math" panose="02040503050406030204" pitchFamily="18" charset="0"/>
                       </a:rPr>
-                      <m:t>=0)</m:t>
+                      <m:t>=</m:t>
+                    </m:r>
+                    <m:r>
+                      <a:rPr lang="en-AU" smtClean="0">
+                        <a:solidFill>
+                          <a:srgbClr val="000000"/>
+                        </a:solidFill>
+                        <a:latin typeface="Cambria Math" panose="02040503050406030204" pitchFamily="18" charset="0"/>
+                      </a:rPr>
+                      <m:t>0</m:t>
+                    </m:r>
+                    <m:r>
+                      <a:rPr lang="en-AU" smtClean="0">
+                        <a:solidFill>
+                          <a:srgbClr val="000000"/>
+                        </a:solidFill>
+                        <a:latin typeface="Cambria Math" panose="02040503050406030204" pitchFamily="18" charset="0"/>
+                      </a:rPr>
+                      <m:t>)</m:t>
                     </m:r>
                   </m:oMath>
                 </a14:m>
@@ -37898,7 +38009,16 @@
                             </a:solidFill>
                             <a:latin typeface="Cambria Math" panose="02040503050406030204" pitchFamily="18" charset="0"/>
                           </a:rPr>
-                          <m:t>=1</m:t>
+                          <m:t>=</m:t>
+                        </m:r>
+                        <m:r>
+                          <a:rPr lang="en-AU" smtClean="0">
+                            <a:solidFill>
+                              <a:srgbClr val="000000"/>
+                            </a:solidFill>
+                            <a:latin typeface="Cambria Math" panose="02040503050406030204" pitchFamily="18" charset="0"/>
+                          </a:rPr>
+                          <m:t>1</m:t>
                         </m:r>
                       </m:e>
                     </m:d>
@@ -37951,7 +38071,16 @@
                             </a:solidFill>
                             <a:latin typeface="Cambria Math" panose="02040503050406030204" pitchFamily="18" charset="0"/>
                           </a:rPr>
-                          <m:t>=0</m:t>
+                          <m:t>=</m:t>
+                        </m:r>
+                        <m:r>
+                          <a:rPr lang="en-AU" smtClean="0">
+                            <a:solidFill>
+                              <a:srgbClr val="000000"/>
+                            </a:solidFill>
+                            <a:latin typeface="Cambria Math" panose="02040503050406030204" pitchFamily="18" charset="0"/>
+                          </a:rPr>
+                          <m:t>0</m:t>
                         </m:r>
                       </m:e>
                     </m:d>
@@ -38001,7 +38130,25 @@
                         </a:solidFill>
                         <a:latin typeface="Cambria Math" panose="02040503050406030204" pitchFamily="18" charset="0"/>
                       </a:rPr>
-                      <m:t>=0|</m:t>
+                      <m:t>=</m:t>
+                    </m:r>
+                    <m:r>
+                      <a:rPr lang="en-AU" smtClean="0">
+                        <a:solidFill>
+                          <a:srgbClr val="000000"/>
+                        </a:solidFill>
+                        <a:latin typeface="Cambria Math" panose="02040503050406030204" pitchFamily="18" charset="0"/>
+                      </a:rPr>
+                      <m:t>0</m:t>
+                    </m:r>
+                    <m:r>
+                      <a:rPr lang="en-AU" smtClean="0">
+                        <a:solidFill>
+                          <a:srgbClr val="000000"/>
+                        </a:solidFill>
+                        <a:latin typeface="Cambria Math" panose="02040503050406030204" pitchFamily="18" charset="0"/>
+                      </a:rPr>
+                      <m:t>|</m:t>
                     </m:r>
                     <m:r>
                       <a:rPr lang="en-AU" smtClean="0">
@@ -38019,7 +38166,25 @@
                         </a:solidFill>
                         <a:latin typeface="Cambria Math" panose="02040503050406030204" pitchFamily="18" charset="0"/>
                       </a:rPr>
-                      <m:t>=1,</m:t>
+                      <m:t>=</m:t>
+                    </m:r>
+                    <m:r>
+                      <a:rPr lang="en-AU" smtClean="0">
+                        <a:solidFill>
+                          <a:srgbClr val="000000"/>
+                        </a:solidFill>
+                        <a:latin typeface="Cambria Math" panose="02040503050406030204" pitchFamily="18" charset="0"/>
+                      </a:rPr>
+                      <m:t>1</m:t>
+                    </m:r>
+                    <m:r>
+                      <a:rPr lang="en-AU" smtClean="0">
+                        <a:solidFill>
+                          <a:srgbClr val="000000"/>
+                        </a:solidFill>
+                        <a:latin typeface="Cambria Math" panose="02040503050406030204" pitchFamily="18" charset="0"/>
+                      </a:rPr>
+                      <m:t>,</m:t>
                     </m:r>
                     <m:r>
                       <m:rPr>
@@ -38040,7 +38205,25 @@
                         </a:solidFill>
                         <a:latin typeface="Cambria Math" panose="02040503050406030204" pitchFamily="18" charset="0"/>
                       </a:rPr>
-                      <m:t>=0)</m:t>
+                      <m:t>=</m:t>
+                    </m:r>
+                    <m:r>
+                      <a:rPr lang="en-AU" smtClean="0">
+                        <a:solidFill>
+                          <a:srgbClr val="000000"/>
+                        </a:solidFill>
+                        <a:latin typeface="Cambria Math" panose="02040503050406030204" pitchFamily="18" charset="0"/>
+                      </a:rPr>
+                      <m:t>0</m:t>
+                    </m:r>
+                    <m:r>
+                      <a:rPr lang="en-AU" smtClean="0">
+                        <a:solidFill>
+                          <a:srgbClr val="000000"/>
+                        </a:solidFill>
+                        <a:latin typeface="Cambria Math" panose="02040503050406030204" pitchFamily="18" charset="0"/>
+                      </a:rPr>
+                      <m:t>)</m:t>
                     </m:r>
                   </m:oMath>
                 </a14:m>
@@ -38100,7 +38283,16 @@
                             </a:solidFill>
                             <a:latin typeface="Cambria Math" panose="02040503050406030204" pitchFamily="18" charset="0"/>
                           </a:rPr>
-                          <m:t>=0</m:t>
+                          <m:t>=</m:t>
+                        </m:r>
+                        <m:r>
+                          <a:rPr lang="en-AU" smtClean="0">
+                            <a:solidFill>
+                              <a:srgbClr val="000000"/>
+                            </a:solidFill>
+                            <a:latin typeface="Cambria Math" panose="02040503050406030204" pitchFamily="18" charset="0"/>
+                          </a:rPr>
+                          <m:t>0</m:t>
                         </m:r>
                       </m:e>
                     </m:d>
@@ -38153,7 +38345,16 @@
                             </a:solidFill>
                             <a:latin typeface="Cambria Math" panose="02040503050406030204" pitchFamily="18" charset="0"/>
                           </a:rPr>
-                          <m:t>=1</m:t>
+                          <m:t>=</m:t>
+                        </m:r>
+                        <m:r>
+                          <a:rPr lang="en-AU" smtClean="0">
+                            <a:solidFill>
+                              <a:srgbClr val="000000"/>
+                            </a:solidFill>
+                            <a:latin typeface="Cambria Math" panose="02040503050406030204" pitchFamily="18" charset="0"/>
+                          </a:rPr>
+                          <m:t>1</m:t>
                         </m:r>
                       </m:e>
                     </m:d>
@@ -38203,7 +38404,25 @@
                         </a:solidFill>
                         <a:latin typeface="Cambria Math" panose="02040503050406030204" pitchFamily="18" charset="0"/>
                       </a:rPr>
-                      <m:t>=0|</m:t>
+                      <m:t>=</m:t>
+                    </m:r>
+                    <m:r>
+                      <a:rPr lang="en-AU" smtClean="0">
+                        <a:solidFill>
+                          <a:srgbClr val="000000"/>
+                        </a:solidFill>
+                        <a:latin typeface="Cambria Math" panose="02040503050406030204" pitchFamily="18" charset="0"/>
+                      </a:rPr>
+                      <m:t>0</m:t>
+                    </m:r>
+                    <m:r>
+                      <a:rPr lang="en-AU" smtClean="0">
+                        <a:solidFill>
+                          <a:srgbClr val="000000"/>
+                        </a:solidFill>
+                        <a:latin typeface="Cambria Math" panose="02040503050406030204" pitchFamily="18" charset="0"/>
+                      </a:rPr>
+                      <m:t>|</m:t>
                     </m:r>
                     <m:r>
                       <a:rPr lang="en-AU" smtClean="0">
@@ -38221,7 +38440,25 @@
                         </a:solidFill>
                         <a:latin typeface="Cambria Math" panose="02040503050406030204" pitchFamily="18" charset="0"/>
                       </a:rPr>
-                      <m:t>=0,</m:t>
+                      <m:t>=</m:t>
+                    </m:r>
+                    <m:r>
+                      <a:rPr lang="en-AU" smtClean="0">
+                        <a:solidFill>
+                          <a:srgbClr val="000000"/>
+                        </a:solidFill>
+                        <a:latin typeface="Cambria Math" panose="02040503050406030204" pitchFamily="18" charset="0"/>
+                      </a:rPr>
+                      <m:t>0</m:t>
+                    </m:r>
+                    <m:r>
+                      <a:rPr lang="en-AU" smtClean="0">
+                        <a:solidFill>
+                          <a:srgbClr val="000000"/>
+                        </a:solidFill>
+                        <a:latin typeface="Cambria Math" panose="02040503050406030204" pitchFamily="18" charset="0"/>
+                      </a:rPr>
+                      <m:t>,</m:t>
                     </m:r>
                     <m:r>
                       <m:rPr>
@@ -38242,7 +38479,25 @@
                         </a:solidFill>
                         <a:latin typeface="Cambria Math" panose="02040503050406030204" pitchFamily="18" charset="0"/>
                       </a:rPr>
-                      <m:t>=1)</m:t>
+                      <m:t>=</m:t>
+                    </m:r>
+                    <m:r>
+                      <a:rPr lang="en-AU" smtClean="0">
+                        <a:solidFill>
+                          <a:srgbClr val="000000"/>
+                        </a:solidFill>
+                        <a:latin typeface="Cambria Math" panose="02040503050406030204" pitchFamily="18" charset="0"/>
+                      </a:rPr>
+                      <m:t>1</m:t>
+                    </m:r>
+                    <m:r>
+                      <a:rPr lang="en-AU" smtClean="0">
+                        <a:solidFill>
+                          <a:srgbClr val="000000"/>
+                        </a:solidFill>
+                        <a:latin typeface="Cambria Math" panose="02040503050406030204" pitchFamily="18" charset="0"/>
+                      </a:rPr>
+                      <m:t>)</m:t>
                     </m:r>
                   </m:oMath>
                 </a14:m>
@@ -38306,7 +38561,16 @@
                               </a:solidFill>
                               <a:latin typeface="Cambria Math" panose="02040503050406030204" pitchFamily="18" charset="0"/>
                             </a:rPr>
-                            <m:t>=1</m:t>
+                            <m:t>=</m:t>
+                          </m:r>
+                          <m:r>
+                            <a:rPr lang="en-AU" smtClean="0">
+                              <a:solidFill>
+                                <a:srgbClr val="000000"/>
+                              </a:solidFill>
+                              <a:latin typeface="Cambria Math" panose="02040503050406030204" pitchFamily="18" charset="0"/>
+                            </a:rPr>
+                            <m:t>1</m:t>
                           </m:r>
                         </m:e>
                       </m:d>
@@ -38359,7 +38623,16 @@
                               </a:solidFill>
                               <a:latin typeface="Cambria Math" panose="02040503050406030204" pitchFamily="18" charset="0"/>
                             </a:rPr>
-                            <m:t>=1</m:t>
+                            <m:t>=</m:t>
+                          </m:r>
+                          <m:r>
+                            <a:rPr lang="en-AU" smtClean="0">
+                              <a:solidFill>
+                                <a:srgbClr val="000000"/>
+                              </a:solidFill>
+                              <a:latin typeface="Cambria Math" panose="02040503050406030204" pitchFamily="18" charset="0"/>
+                            </a:rPr>
+                            <m:t>1</m:t>
                           </m:r>
                         </m:e>
                       </m:d>
@@ -38409,7 +38682,25 @@
                           </a:solidFill>
                           <a:latin typeface="Cambria Math" panose="02040503050406030204" pitchFamily="18" charset="0"/>
                         </a:rPr>
-                        <m:t>=0|</m:t>
+                        <m:t>=</m:t>
+                      </m:r>
+                      <m:r>
+                        <a:rPr lang="en-AU" smtClean="0">
+                          <a:solidFill>
+                            <a:srgbClr val="000000"/>
+                          </a:solidFill>
+                          <a:latin typeface="Cambria Math" panose="02040503050406030204" pitchFamily="18" charset="0"/>
+                        </a:rPr>
+                        <m:t>0</m:t>
+                      </m:r>
+                      <m:r>
+                        <a:rPr lang="en-AU" smtClean="0">
+                          <a:solidFill>
+                            <a:srgbClr val="000000"/>
+                          </a:solidFill>
+                          <a:latin typeface="Cambria Math" panose="02040503050406030204" pitchFamily="18" charset="0"/>
+                        </a:rPr>
+                        <m:t>|</m:t>
                       </m:r>
                       <m:r>
                         <a:rPr lang="en-AU" smtClean="0">
@@ -38427,7 +38718,25 @@
                           </a:solidFill>
                           <a:latin typeface="Cambria Math" panose="02040503050406030204" pitchFamily="18" charset="0"/>
                         </a:rPr>
-                        <m:t>=1,</m:t>
+                        <m:t>=</m:t>
+                      </m:r>
+                      <m:r>
+                        <a:rPr lang="en-AU" smtClean="0">
+                          <a:solidFill>
+                            <a:srgbClr val="000000"/>
+                          </a:solidFill>
+                          <a:latin typeface="Cambria Math" panose="02040503050406030204" pitchFamily="18" charset="0"/>
+                        </a:rPr>
+                        <m:t>1</m:t>
+                      </m:r>
+                      <m:r>
+                        <a:rPr lang="en-AU" smtClean="0">
+                          <a:solidFill>
+                            <a:srgbClr val="000000"/>
+                          </a:solidFill>
+                          <a:latin typeface="Cambria Math" panose="02040503050406030204" pitchFamily="18" charset="0"/>
+                        </a:rPr>
+                        <m:t>,</m:t>
                       </m:r>
                       <m:r>
                         <m:rPr>
@@ -38448,7 +38757,25 @@
                           </a:solidFill>
                           <a:latin typeface="Cambria Math" panose="02040503050406030204" pitchFamily="18" charset="0"/>
                         </a:rPr>
-                        <m:t>=1)</m:t>
+                        <m:t>=</m:t>
+                      </m:r>
+                      <m:r>
+                        <a:rPr lang="en-AU" smtClean="0">
+                          <a:solidFill>
+                            <a:srgbClr val="000000"/>
+                          </a:solidFill>
+                          <a:latin typeface="Cambria Math" panose="02040503050406030204" pitchFamily="18" charset="0"/>
+                        </a:rPr>
+                        <m:t>1</m:t>
+                      </m:r>
+                      <m:r>
+                        <a:rPr lang="en-AU" smtClean="0">
+                          <a:solidFill>
+                            <a:srgbClr val="000000"/>
+                          </a:solidFill>
+                          <a:latin typeface="Cambria Math" panose="02040503050406030204" pitchFamily="18" charset="0"/>
+                        </a:rPr>
+                        <m:t>)</m:t>
                       </m:r>
                     </m:oMath>
                   </m:oMathPara>
@@ -38506,11 +38833,10 @@
                     </a:solidFill>
                     <a:latin typeface="+mj-lt"/>
                   </a:rPr>
-                  <a:t> 0,315</a:t>
+                  <a:t> 0.315</a:t>
                 </a:r>
               </a:p>
               <a:p>
-                <a:pPr/>
                 <a:endParaRPr lang="en-AU" dirty="0">
                   <a:solidFill>
                     <a:srgbClr val="000000"/>
@@ -39088,8 +39414,8 @@
           </a:p>
         </p:txBody>
       </p:sp>
-      <mc:AlternateContent xmlns:mc="http://schemas.openxmlformats.org/markup-compatibility/2006">
-        <mc:Choice xmlns:a14="http://schemas.microsoft.com/office/drawing/2010/main" Requires="a14">
+      <mc:AlternateContent xmlns:mc="http://schemas.openxmlformats.org/markup-compatibility/2006" xmlns:a14="http://schemas.microsoft.com/office/drawing/2010/main">
+        <mc:Choice Requires="a14">
           <p:sp>
             <p:nvSpPr>
               <p:cNvPr id="2" name="Textfeld 1">
@@ -39860,7 +40186,7 @@
             </p:txBody>
           </p:sp>
         </mc:Choice>
-        <mc:Fallback>
+        <mc:Fallback xmlns="">
           <p:sp>
             <p:nvSpPr>
               <p:cNvPr id="2" name="Textfeld 1">
@@ -40886,13 +41212,13 @@
                       <m:t>0</m:t>
                     </m:r>
                     <m:r>
-                      <a:rPr lang="de-DE">
+                      <a:rPr lang="de-DE" b="0" i="0" smtClean="0">
                         <a:solidFill>
                           <a:srgbClr val="000000"/>
                         </a:solidFill>
                         <a:latin typeface="Cambria Math" panose="02040503050406030204" pitchFamily="18" charset="0"/>
                       </a:rPr>
-                      <m:t>,</m:t>
+                      <m:t>.</m:t>
                     </m:r>
                     <m:r>
                       <a:rPr lang="de-DE">
@@ -41012,7 +41338,7 @@
                           </a:solidFill>
                           <a:latin typeface="Cambria Math" panose="02040503050406030204" pitchFamily="18" charset="0"/>
                         </a:rPr>
-                        <m:t>,</m:t>
+                        <m:t>.</m:t>
                       </m:r>
                       <m:r>
                         <a:rPr lang="de-DE" b="0" i="1" smtClean="0">

--- a/Homework_Neuroinformatic/Assignment 1/Task12_Group30.pptx
+++ b/Homework_Neuroinformatic/Assignment 1/Task12_Group30.pptx
@@ -1581,7 +1581,7 @@
               <a:pPr>
                 <a:defRPr/>
               </a:pPr>
-              <a:t>05.12.2020</a:t>
+              <a:t>07.12.2020</a:t>
             </a:fld>
             <a:endParaRPr lang="de-DE"/>
           </a:p>
@@ -1822,7 +1822,7 @@
               <a:pPr>
                 <a:defRPr/>
               </a:pPr>
-              <a:t>12/5/2020</a:t>
+              <a:t>12/7/2020</a:t>
             </a:fld>
             <a:endParaRPr lang="en-GB"/>
           </a:p>
@@ -4022,10 +4022,9 @@
               <a:defRPr/>
             </a:pPr>
             <a:r>
-              <a:rPr lang="en-US"/>
+              <a:rPr lang="en-US" dirty="0"/>
               <a:t>Neuroinformatics - Prof. Dr. Gordon Pipa</a:t>
             </a:r>
-            <a:endParaRPr lang="en-US" dirty="0"/>
           </a:p>
         </p:txBody>
       </p:sp>
@@ -4310,7 +4309,7 @@
               <a:defRPr/>
             </a:pPr>
             <a:r>
-              <a:rPr lang="en-US"/>
+              <a:rPr lang="en-US" dirty="0"/>
               <a:t>Neuroinformatics - Prof. Dr. Gordon Pipa</a:t>
             </a:r>
           </a:p>
@@ -5893,30 +5892,14 @@
           </a:p>
           <a:p>
             <a:r>
-              <a:rPr lang="de-DE" sz="2800" dirty="0">
+              <a:rPr lang="en-US" sz="2800" dirty="0">
                 <a:solidFill>
                   <a:schemeClr val="bg1"/>
                 </a:solidFill>
               </a:rPr>
-              <a:t>Neuroinformatics </a:t>
+              <a:t>Neuroinformatics Lecture (L5)</a:t>
             </a:r>
-            <a:r>
-              <a:rPr lang="de-DE" sz="2800" dirty="0" err="1">
-                <a:solidFill>
-                  <a:schemeClr val="bg1"/>
-                </a:solidFill>
-              </a:rPr>
-              <a:t>Lecture</a:t>
-            </a:r>
-            <a:r>
-              <a:rPr lang="de-DE" sz="2800" dirty="0">
-                <a:solidFill>
-                  <a:schemeClr val="bg1"/>
-                </a:solidFill>
-              </a:rPr>
-              <a:t> (L5)</a:t>
-            </a:r>
-            <a:endParaRPr lang="de-DE" altLang="de-DE" sz="2800" b="0" dirty="0">
+            <a:endParaRPr lang="en-US" altLang="de-DE" sz="2800" b="0" dirty="0">
               <a:solidFill>
                 <a:schemeClr val="bg1"/>
               </a:solidFill>
@@ -6285,7 +6268,7 @@
         </p:nvGrpSpPr>
         <p:grpSpPr>
           <a:xfrm>
-            <a:off x="5031115" y="1023462"/>
+            <a:off x="5334000" y="1038832"/>
             <a:ext cx="3134139" cy="1709262"/>
             <a:chOff x="5031115" y="1023462"/>
             <a:chExt cx="3134139" cy="1709262"/>
@@ -6686,7 +6669,7 @@
         </p:nvSpPr>
         <p:spPr>
           <a:xfrm>
-            <a:off x="37033" y="412312"/>
+            <a:off x="152400" y="533400"/>
             <a:ext cx="4563583" cy="2031325"/>
           </a:xfrm>
           <a:prstGeom prst="rect">
@@ -6711,7 +6694,37 @@
                 <a:latin typeface="+mj-lt"/>
                 <a:cs typeface="Calibri" panose="020F0502020204030204" pitchFamily="34" charset="0"/>
               </a:rPr>
-              <a:t>Let´s  assume we could know that the recording application wouldn´t work, the microphone is broken as well and we still would like to know the probability that the recording application is responsible for an unsuccessful recording. The proper mathematical expression then would be:</a:t>
+              <a:t>Let’s assume we know that the recording app </a:t>
+            </a:r>
+            <a:r>
+              <a:rPr lang="en-GB" dirty="0">
+                <a:solidFill>
+                  <a:srgbClr val="000000"/>
+                </a:solidFill>
+                <a:latin typeface="+mj-lt"/>
+                <a:cs typeface="Calibri" panose="020F0502020204030204" pitchFamily="34" charset="0"/>
+              </a:rPr>
+              <a:t>is not working, the microphone is broken as well and we would still like to know</a:t>
+            </a:r>
+            <a:r>
+              <a:rPr lang="en-AU" dirty="0">
+                <a:solidFill>
+                  <a:srgbClr val="000000"/>
+                </a:solidFill>
+                <a:latin typeface="+mj-lt"/>
+                <a:cs typeface="Calibri" panose="020F0502020204030204" pitchFamily="34" charset="0"/>
+              </a:rPr>
+              <a:t> the probability that the recording app is responsible for a failed recording. </a:t>
+            </a:r>
+            <a:r>
+              <a:rPr lang="en-GB" dirty="0">
+                <a:solidFill>
+                  <a:srgbClr val="000000"/>
+                </a:solidFill>
+                <a:latin typeface="+mn-lt"/>
+                <a:cs typeface="Calibri" panose="020F0502020204030204" pitchFamily="34" charset="0"/>
+              </a:rPr>
+              <a:t>The correct mathematical expression then would be: </a:t>
             </a:r>
             <a:endParaRPr lang="en-AU" dirty="0">
               <a:latin typeface="+mj-lt"/>
@@ -6719,8 +6732,8 @@
           </a:p>
         </p:txBody>
       </p:sp>
-      <mc:AlternateContent xmlns:mc="http://schemas.openxmlformats.org/markup-compatibility/2006" xmlns:a14="http://schemas.microsoft.com/office/drawing/2010/main">
-        <mc:Choice Requires="a14">
+      <mc:AlternateContent xmlns:mc="http://schemas.openxmlformats.org/markup-compatibility/2006">
+        <mc:Choice xmlns:a14="http://schemas.microsoft.com/office/drawing/2010/main" Requires="a14">
           <p:sp>
             <p:nvSpPr>
               <p:cNvPr id="14" name="Textfeld 13">
@@ -6735,7 +6748,7 @@
             </p:nvSpPr>
             <p:spPr>
               <a:xfrm>
-                <a:off x="90362" y="4506276"/>
+                <a:off x="90362" y="4343400"/>
                 <a:ext cx="4958995" cy="2064027"/>
               </a:xfrm>
               <a:prstGeom prst="rect">
@@ -6764,7 +6777,7 @@
                     <a:latin typeface="+mj-lt"/>
                     <a:cs typeface="Calibri" panose="020F0502020204030204" pitchFamily="34" charset="0"/>
                   </a:rPr>
-                  <a:t>. Use product rule over M and R</a:t>
+                  <a:t>. Apply product rule over M and R:</a:t>
                 </a:r>
               </a:p>
               <a:p>
@@ -7179,7 +7192,7 @@
                           <m:ctrlPr>
                             <a:rPr lang="en-AU" i="1" smtClean="0">
                               <a:solidFill>
-                                <a:srgbClr val="000000"/>
+                                <a:schemeClr val="tx1"/>
                               </a:solidFill>
                               <a:latin typeface="Cambria Math" panose="02040503050406030204" pitchFamily="18" charset="0"/>
                             </a:rPr>
@@ -7189,7 +7202,7 @@
                           <m:r>
                             <a:rPr lang="en-AU" smtClean="0">
                               <a:solidFill>
-                                <a:srgbClr val="238D46"/>
+                                <a:schemeClr val="tx1"/>
                               </a:solidFill>
                               <a:latin typeface="Cambria Math" panose="02040503050406030204" pitchFamily="18" charset="0"/>
                             </a:rPr>
@@ -7200,7 +7213,7 @@
                               <m:ctrlPr>
                                 <a:rPr lang="en-AU" i="1" smtClean="0">
                                   <a:solidFill>
-                                    <a:srgbClr val="238D46"/>
+                                    <a:schemeClr val="tx1"/>
                                   </a:solidFill>
                                   <a:latin typeface="Cambria Math" panose="02040503050406030204" pitchFamily="18" charset="0"/>
                                 </a:rPr>
@@ -7210,7 +7223,7 @@
                               <m:r>
                                 <a:rPr lang="en-AU" smtClean="0">
                                   <a:solidFill>
-                                    <a:srgbClr val="238D46"/>
+                                    <a:schemeClr val="tx1"/>
                                   </a:solidFill>
                                   <a:latin typeface="Cambria Math" panose="02040503050406030204" pitchFamily="18" charset="0"/>
                                 </a:rPr>
@@ -7221,7 +7234,7 @@
                           <m:r>
                             <a:rPr lang="en-AU" smtClean="0">
                               <a:solidFill>
-                                <a:srgbClr val="000000"/>
+                                <a:schemeClr val="tx1"/>
                               </a:solidFill>
                               <a:latin typeface="Cambria Math" panose="02040503050406030204" pitchFamily="18" charset="0"/>
                             </a:rPr>
@@ -7230,7 +7243,7 @@
                           <m:r>
                             <a:rPr lang="en-AU" smtClean="0">
                               <a:solidFill>
-                                <a:srgbClr val="238D46"/>
+                                <a:schemeClr val="tx1"/>
                               </a:solidFill>
                               <a:latin typeface="Cambria Math" panose="02040503050406030204" pitchFamily="18" charset="0"/>
                             </a:rPr>
@@ -7241,7 +7254,7 @@
                               <m:ctrlPr>
                                 <a:rPr lang="en-AU" i="1" smtClean="0">
                                   <a:solidFill>
-                                    <a:srgbClr val="238D46"/>
+                                    <a:schemeClr val="tx1"/>
                                   </a:solidFill>
                                   <a:latin typeface="Cambria Math" panose="02040503050406030204" pitchFamily="18" charset="0"/>
                                 </a:rPr>
@@ -7251,7 +7264,7 @@
                               <m:r>
                                 <a:rPr lang="en-AU" b="0" i="1" smtClean="0">
                                   <a:solidFill>
-                                    <a:srgbClr val="238D46"/>
+                                    <a:schemeClr val="tx1"/>
                                   </a:solidFill>
                                   <a:latin typeface="Cambria Math" panose="02040503050406030204" pitchFamily="18" charset="0"/>
                                 </a:rPr>
@@ -7262,7 +7275,7 @@
                           <m:r>
                             <a:rPr lang="en-AU" smtClean="0">
                               <a:solidFill>
-                                <a:srgbClr val="000000"/>
+                                <a:schemeClr val="tx1"/>
                               </a:solidFill>
                               <a:latin typeface="Cambria Math" panose="02040503050406030204" pitchFamily="18" charset="0"/>
                             </a:rPr>
@@ -7271,7 +7284,7 @@
                           <m:r>
                             <a:rPr lang="en-AU" smtClean="0">
                               <a:solidFill>
-                                <a:srgbClr val="238D46"/>
+                                <a:schemeClr val="tx1"/>
                               </a:solidFill>
                               <a:latin typeface="Cambria Math" panose="02040503050406030204" pitchFamily="18" charset="0"/>
                             </a:rPr>
@@ -7280,7 +7293,7 @@
                           <m:r>
                             <a:rPr lang="en-AU" smtClean="0">
                               <a:solidFill>
-                                <a:srgbClr val="238D46"/>
+                                <a:schemeClr val="tx1"/>
                               </a:solidFill>
                               <a:latin typeface="Cambria Math" panose="02040503050406030204" pitchFamily="18" charset="0"/>
                             </a:rPr>
@@ -7292,7 +7305,7 @@
                             </m:rPr>
                             <a:rPr lang="en-AU" b="0" i="0" smtClean="0">
                               <a:solidFill>
-                                <a:srgbClr val="238D46"/>
+                                <a:schemeClr val="tx1"/>
                               </a:solidFill>
                               <a:latin typeface="Cambria Math" panose="02040503050406030204" pitchFamily="18" charset="0"/>
                             </a:rPr>
@@ -7301,7 +7314,7 @@
                           <m:r>
                             <a:rPr lang="en-AU" smtClean="0">
                               <a:solidFill>
-                                <a:srgbClr val="238D46"/>
+                                <a:schemeClr val="tx1"/>
                               </a:solidFill>
                               <a:latin typeface="Cambria Math" panose="02040503050406030204" pitchFamily="18" charset="0"/>
                             </a:rPr>
@@ -7310,7 +7323,7 @@
                           <m:r>
                             <a:rPr lang="en-AU" smtClean="0">
                               <a:solidFill>
-                                <a:srgbClr val="238D46"/>
+                                <a:schemeClr val="tx1"/>
                               </a:solidFill>
                               <a:latin typeface="Cambria Math" panose="02040503050406030204" pitchFamily="18" charset="0"/>
                             </a:rPr>
@@ -7319,7 +7332,7 @@
                           <m:r>
                             <a:rPr lang="en-AU" smtClean="0">
                               <a:solidFill>
-                                <a:srgbClr val="238D46"/>
+                                <a:schemeClr val="tx1"/>
                               </a:solidFill>
                               <a:latin typeface="Cambria Math" panose="02040503050406030204" pitchFamily="18" charset="0"/>
                             </a:rPr>
@@ -7331,7 +7344,7 @@
                             </m:rPr>
                             <a:rPr lang="en-AU" b="0" i="0" smtClean="0">
                               <a:solidFill>
-                                <a:srgbClr val="238D46"/>
+                                <a:schemeClr val="tx1"/>
                               </a:solidFill>
                               <a:latin typeface="Cambria Math" panose="02040503050406030204" pitchFamily="18" charset="0"/>
                             </a:rPr>
@@ -7340,7 +7353,7 @@
                           <m:r>
                             <a:rPr lang="en-AU" smtClean="0">
                               <a:solidFill>
-                                <a:srgbClr val="238D46"/>
+                                <a:schemeClr val="tx1"/>
                               </a:solidFill>
                               <a:latin typeface="Cambria Math" panose="02040503050406030204" pitchFamily="18" charset="0"/>
                             </a:rPr>
@@ -7351,7 +7364,7 @@
                           <m:r>
                             <a:rPr lang="en-AU" smtClean="0">
                               <a:solidFill>
-                                <a:srgbClr val="FF0000"/>
+                                <a:schemeClr val="tx1"/>
                               </a:solidFill>
                               <a:latin typeface="Cambria Math" panose="02040503050406030204" pitchFamily="18" charset="0"/>
                             </a:rPr>
@@ -7360,7 +7373,7 @@
                           <m:r>
                             <a:rPr lang="en-AU" smtClean="0">
                               <a:solidFill>
-                                <a:srgbClr val="FF0000"/>
+                                <a:schemeClr val="tx1"/>
                               </a:solidFill>
                               <a:latin typeface="Cambria Math" panose="02040503050406030204" pitchFamily="18" charset="0"/>
                             </a:rPr>
@@ -7369,7 +7382,7 @@
                           <m:r>
                             <a:rPr lang="en-AU" smtClean="0">
                               <a:solidFill>
-                                <a:srgbClr val="FF0000"/>
+                                <a:schemeClr val="tx1"/>
                               </a:solidFill>
                               <a:latin typeface="Cambria Math" panose="02040503050406030204" pitchFamily="18" charset="0"/>
                             </a:rPr>
@@ -7378,7 +7391,7 @@
                           <m:r>
                             <a:rPr lang="en-AU" smtClean="0">
                               <a:solidFill>
-                                <a:srgbClr val="FF0000"/>
+                                <a:schemeClr val="tx1"/>
                               </a:solidFill>
                               <a:latin typeface="Cambria Math" panose="02040503050406030204" pitchFamily="18" charset="0"/>
                             </a:rPr>
@@ -7390,7 +7403,7 @@
                             </m:rPr>
                             <a:rPr lang="en-AU" b="0" i="0" smtClean="0">
                               <a:solidFill>
-                                <a:srgbClr val="FF0000"/>
+                                <a:schemeClr val="tx1"/>
                               </a:solidFill>
                               <a:latin typeface="Cambria Math" panose="02040503050406030204" pitchFamily="18" charset="0"/>
                             </a:rPr>
@@ -7399,7 +7412,7 @@
                           <m:r>
                             <a:rPr lang="en-AU" smtClean="0">
                               <a:solidFill>
-                                <a:srgbClr val="FF0000"/>
+                                <a:schemeClr val="tx1"/>
                               </a:solidFill>
                               <a:latin typeface="Cambria Math" panose="02040503050406030204" pitchFamily="18" charset="0"/>
                             </a:rPr>
@@ -7426,7 +7439,7 @@
             </p:txBody>
           </p:sp>
         </mc:Choice>
-        <mc:Fallback xmlns="">
+        <mc:Fallback>
           <p:sp>
             <p:nvSpPr>
               <p:cNvPr id="14" name="Textfeld 13">
@@ -7443,7 +7456,7 @@
             </p:nvSpPr>
             <p:spPr>
               <a:xfrm>
-                <a:off x="90362" y="4506276"/>
+                <a:off x="90362" y="4343400"/>
                 <a:ext cx="4958995" cy="2064027"/>
               </a:xfrm>
               <a:prstGeom prst="rect">
@@ -7452,7 +7465,7 @@
               <a:blipFill>
                 <a:blip r:embed="rId3"/>
                 <a:stretch>
-                  <a:fillRect l="-1107" t="-1475"/>
+                  <a:fillRect l="-1107" t="-1775"/>
                 </a:stretch>
               </a:blipFill>
             </p:spPr>
@@ -7485,8 +7498,8 @@
         </p:nvSpPr>
         <p:spPr>
           <a:xfrm>
-            <a:off x="5629704" y="3736538"/>
-            <a:ext cx="3374822" cy="2585323"/>
+            <a:off x="5475389" y="3891677"/>
+            <a:ext cx="3592411" cy="2585323"/>
           </a:xfrm>
           <a:prstGeom prst="rect">
             <a:avLst/>
@@ -7514,9 +7527,15 @@
             <a:r>
               <a:rPr lang="en-AU" dirty="0">
                 <a:latin typeface="+mj-lt"/>
+              </a:rPr>
+              <a:t>As you can see in the tables on the previous slide</a:t>
+            </a:r>
+            <a:r>
+              <a:rPr lang="en-AU" dirty="0">
+                <a:latin typeface="+mj-lt"/>
                 <a:cs typeface="Calibri" panose="020F0502020204030204" pitchFamily="34" charset="0"/>
               </a:rPr>
-              <a:t>As we see on the tables a slide ago, there is no P(M,R) that we could directly plug in, as it is not directly given (dependent on p(M) and p(A)).</a:t>
+              <a:t>, there is no P(M,R) that we could use since it is not directly given (dependent on p(M) and p(A)).</a:t>
             </a:r>
           </a:p>
           <a:p>
@@ -7529,9 +7548,8 @@
             <a:r>
               <a:rPr lang="en-AU" dirty="0">
                 <a:latin typeface="+mj-lt"/>
-                <a:cs typeface="Calibri" panose="020F0502020204030204" pitchFamily="34" charset="0"/>
               </a:rPr>
-              <a:t>So we have to calculate it somehow out of the given information again.</a:t>
+              <a:t>So we have to calculate it somehow from the given information.</a:t>
             </a:r>
           </a:p>
         </p:txBody>
@@ -7552,8 +7570,8 @@
         </p:nvCxnSpPr>
         <p:spPr>
           <a:xfrm>
-            <a:off x="5049357" y="3200400"/>
-            <a:ext cx="0" cy="3657600"/>
+            <a:off x="5245916" y="3581400"/>
+            <a:ext cx="11884" cy="3276600"/>
           </a:xfrm>
           <a:prstGeom prst="line">
             <a:avLst/>
@@ -7590,8 +7608,8 @@
         </p:nvCxnSpPr>
         <p:spPr>
           <a:xfrm>
-            <a:off x="5049357" y="3200400"/>
-            <a:ext cx="4094643" cy="1"/>
+            <a:off x="5245916" y="3581400"/>
+            <a:ext cx="3898084" cy="0"/>
           </a:xfrm>
           <a:prstGeom prst="line">
             <a:avLst/>
@@ -7625,9 +7643,9 @@
           <p:nvPr/>
         </p:nvSpPr>
         <p:spPr>
-          <a:xfrm rot="19046801">
-            <a:off x="3902754" y="2682550"/>
-            <a:ext cx="1957669" cy="387037"/>
+          <a:xfrm rot="20250900">
+            <a:off x="4164456" y="2427621"/>
+            <a:ext cx="1964203" cy="387037"/>
           </a:xfrm>
           <a:prstGeom prst="leftRightArrow">
             <a:avLst/>
@@ -7664,8 +7682,8 @@
           </a:p>
         </p:txBody>
       </p:sp>
-      <mc:AlternateContent xmlns:mc="http://schemas.openxmlformats.org/markup-compatibility/2006" xmlns:a14="http://schemas.microsoft.com/office/drawing/2010/main">
-        <mc:Choice Requires="a14">
+      <mc:AlternateContent xmlns:mc="http://schemas.openxmlformats.org/markup-compatibility/2006">
+        <mc:Choice xmlns:a14="http://schemas.microsoft.com/office/drawing/2010/main" Requires="a14">
           <p:sp>
             <p:nvSpPr>
               <p:cNvPr id="5" name="Rechteck 4">
@@ -7680,7 +7698,7 @@
             </p:nvSpPr>
             <p:spPr>
               <a:xfrm>
-                <a:off x="90362" y="2496992"/>
+                <a:off x="202734" y="2667000"/>
                 <a:ext cx="1576520" cy="381000"/>
               </a:xfrm>
               <a:prstGeom prst="rect">
@@ -7813,7 +7831,7 @@
             </p:txBody>
           </p:sp>
         </mc:Choice>
-        <mc:Fallback xmlns="">
+        <mc:Fallback>
           <p:sp>
             <p:nvSpPr>
               <p:cNvPr id="5" name="Rechteck 4">
@@ -7830,7 +7848,7 @@
             </p:nvSpPr>
             <p:spPr>
               <a:xfrm>
-                <a:off x="90362" y="2496992"/>
+                <a:off x="202734" y="2667000"/>
                 <a:ext cx="1576520" cy="381000"/>
               </a:xfrm>
               <a:prstGeom prst="rect">
@@ -7839,7 +7857,7 @@
               <a:blipFill>
                 <a:blip r:embed="rId4"/>
                 <a:stretch>
-                  <a:fillRect t="-4545" r="-1145" b="-19697"/>
+                  <a:fillRect t="-4545" r="-1141" b="-19697"/>
                 </a:stretch>
               </a:blipFill>
               <a:ln>
@@ -7914,13 +7932,13 @@
             </a:r>
             <a:r>
               <a:rPr lang="en-US" sz="2000" b="1" dirty="0"/>
-              <a:t>Representing knowledge: Calculation approach</a:t>
+              <a:t>Representing knowledge: Explaining away</a:t>
             </a:r>
           </a:p>
         </p:txBody>
       </p:sp>
-      <mc:AlternateContent xmlns:mc="http://schemas.openxmlformats.org/markup-compatibility/2006" xmlns:a14="http://schemas.microsoft.com/office/drawing/2010/main">
-        <mc:Choice Requires="a14">
+      <mc:AlternateContent xmlns:mc="http://schemas.openxmlformats.org/markup-compatibility/2006">
+        <mc:Choice xmlns:a14="http://schemas.microsoft.com/office/drawing/2010/main" Requires="a14">
           <p:sp>
             <p:nvSpPr>
               <p:cNvPr id="22" name="Textfeld 21">
@@ -7935,7 +7953,7 @@
             </p:nvSpPr>
             <p:spPr>
               <a:xfrm>
-                <a:off x="90362" y="3148591"/>
+                <a:off x="90362" y="3200400"/>
                 <a:ext cx="4598504" cy="923330"/>
               </a:xfrm>
               <a:prstGeom prst="rect">
@@ -7967,20 +7985,7 @@
                           <a:latin typeface="+mj-lt"/>
                           <a:cs typeface="Calibri" panose="020F0502020204030204" pitchFamily="34" charset="0"/>
                         </a:rPr>
-                        <m:t>1</m:t>
-                      </m:r>
-                      <m:r>
-                        <m:rPr>
-                          <m:nor/>
-                        </m:rPr>
-                        <a:rPr lang="en-AU" u="sng" smtClean="0">
-                          <a:solidFill>
-                            <a:srgbClr val="000000"/>
-                          </a:solidFill>
-                          <a:latin typeface="+mj-lt"/>
-                          <a:cs typeface="Calibri" panose="020F0502020204030204" pitchFamily="34" charset="0"/>
-                        </a:rPr>
-                        <m:t>. </m:t>
+                        <m:t>1. </m:t>
                       </m:r>
                       <m:r>
                         <m:rPr>
@@ -8377,7 +8382,7 @@
             </p:txBody>
           </p:sp>
         </mc:Choice>
-        <mc:Fallback xmlns="">
+        <mc:Fallback>
           <p:sp>
             <p:nvSpPr>
               <p:cNvPr id="22" name="Textfeld 21">
@@ -8394,7 +8399,7 @@
             </p:nvSpPr>
             <p:spPr>
               <a:xfrm>
-                <a:off x="90362" y="3148591"/>
+                <a:off x="90362" y="3200400"/>
                 <a:ext cx="4598504" cy="923330"/>
               </a:xfrm>
               <a:prstGeom prst="rect">
@@ -8800,416 +8805,6 @@
       </p:grpSpPr>
       <p:sp>
         <p:nvSpPr>
-          <p:cNvPr id="17" name="Textfeld 16">
-            <a:extLst>
-              <a:ext uri="{FF2B5EF4-FFF2-40B4-BE49-F238E27FC236}">
-                <a16:creationId xmlns:a16="http://schemas.microsoft.com/office/drawing/2014/main" id="{5C8395DC-B1F5-4DDD-A032-8C243A19D1D7}"/>
-              </a:ext>
-            </a:extLst>
-          </p:cNvPr>
-          <p:cNvSpPr txBox="1"/>
-          <p:nvPr/>
-        </p:nvSpPr>
-        <p:spPr>
-          <a:xfrm>
-            <a:off x="5031115" y="761620"/>
-            <a:ext cx="345955" cy="370524"/>
-          </a:xfrm>
-          <a:prstGeom prst="rect">
-            <a:avLst/>
-          </a:prstGeom>
-          <a:noFill/>
-          <a:ln>
-            <a:noFill/>
-          </a:ln>
-        </p:spPr>
-        <p:txBody>
-          <a:bodyPr wrap="square" rtlCol="0">
-            <a:spAutoFit/>
-          </a:bodyPr>
-          <a:lstStyle/>
-          <a:p>
-            <a:r>
-              <a:rPr lang="en-AU" dirty="0">
-                <a:latin typeface="+mj-lt"/>
-              </a:rPr>
-              <a:t>M</a:t>
-            </a:r>
-          </a:p>
-        </p:txBody>
-      </p:sp>
-      <p:grpSp>
-        <p:nvGrpSpPr>
-          <p:cNvPr id="14" name="Gruppieren 13">
-            <a:extLst>
-              <a:ext uri="{FF2B5EF4-FFF2-40B4-BE49-F238E27FC236}">
-                <a16:creationId xmlns:a16="http://schemas.microsoft.com/office/drawing/2014/main" id="{E07BB76E-B237-4304-94B3-04B2F2B06206}"/>
-              </a:ext>
-            </a:extLst>
-          </p:cNvPr>
-          <p:cNvGrpSpPr/>
-          <p:nvPr/>
-        </p:nvGrpSpPr>
-        <p:grpSpPr>
-          <a:xfrm>
-            <a:off x="5412115" y="685800"/>
-            <a:ext cx="2753139" cy="1709262"/>
-            <a:chOff x="5412115" y="685800"/>
-            <a:chExt cx="2753139" cy="1709262"/>
-          </a:xfrm>
-        </p:grpSpPr>
-        <p:sp>
-          <p:nvSpPr>
-            <p:cNvPr id="2" name="Ellipse 1">
-              <a:extLst>
-                <a:ext uri="{FF2B5EF4-FFF2-40B4-BE49-F238E27FC236}">
-                  <a16:creationId xmlns:a16="http://schemas.microsoft.com/office/drawing/2014/main" id="{EC07FE10-2991-464B-A9BA-737FB6C547D1}"/>
-                </a:ext>
-              </a:extLst>
-            </p:cNvPr>
-            <p:cNvSpPr/>
-            <p:nvPr/>
-          </p:nvSpPr>
-          <p:spPr>
-            <a:xfrm>
-              <a:off x="5412115" y="685800"/>
-              <a:ext cx="533400" cy="522924"/>
-            </a:xfrm>
-            <a:prstGeom prst="ellipse">
-              <a:avLst/>
-            </a:prstGeom>
-            <a:solidFill>
-              <a:schemeClr val="accent1"/>
-            </a:solidFill>
-            <a:ln>
-              <a:solidFill>
-                <a:srgbClr val="FF3300"/>
-              </a:solidFill>
-            </a:ln>
-          </p:spPr>
-          <p:style>
-            <a:lnRef idx="2">
-              <a:schemeClr val="accent1">
-                <a:shade val="50000"/>
-              </a:schemeClr>
-            </a:lnRef>
-            <a:fillRef idx="1">
-              <a:schemeClr val="accent1"/>
-            </a:fillRef>
-            <a:effectRef idx="0">
-              <a:schemeClr val="accent1"/>
-            </a:effectRef>
-            <a:fontRef idx="minor">
-              <a:schemeClr val="lt1"/>
-            </a:fontRef>
-          </p:style>
-          <p:txBody>
-            <a:bodyPr rtlCol="0" anchor="ctr"/>
-            <a:lstStyle/>
-            <a:p>
-              <a:pPr algn="ctr"/>
-              <a:endParaRPr lang="en-AU">
-                <a:solidFill>
-                  <a:schemeClr val="tx1"/>
-                </a:solidFill>
-                <a:latin typeface="+mj-lt"/>
-              </a:endParaRPr>
-            </a:p>
-          </p:txBody>
-        </p:sp>
-        <p:sp>
-          <p:nvSpPr>
-            <p:cNvPr id="6" name="Ellipse 5">
-              <a:extLst>
-                <a:ext uri="{FF2B5EF4-FFF2-40B4-BE49-F238E27FC236}">
-                  <a16:creationId xmlns:a16="http://schemas.microsoft.com/office/drawing/2014/main" id="{10ABD485-FC61-4CA9-8513-C1744EF95C50}"/>
-                </a:ext>
-              </a:extLst>
-            </p:cNvPr>
-            <p:cNvSpPr/>
-            <p:nvPr/>
-          </p:nvSpPr>
-          <p:spPr>
-            <a:xfrm>
-              <a:off x="7631854" y="685800"/>
-              <a:ext cx="533400" cy="522924"/>
-            </a:xfrm>
-            <a:prstGeom prst="ellipse">
-              <a:avLst/>
-            </a:prstGeom>
-            <a:solidFill>
-              <a:schemeClr val="bg1"/>
-            </a:solidFill>
-            <a:ln>
-              <a:solidFill>
-                <a:srgbClr val="FF3300"/>
-              </a:solidFill>
-            </a:ln>
-          </p:spPr>
-          <p:style>
-            <a:lnRef idx="2">
-              <a:schemeClr val="accent1">
-                <a:shade val="50000"/>
-              </a:schemeClr>
-            </a:lnRef>
-            <a:fillRef idx="1">
-              <a:schemeClr val="accent1"/>
-            </a:fillRef>
-            <a:effectRef idx="0">
-              <a:schemeClr val="accent1"/>
-            </a:effectRef>
-            <a:fontRef idx="minor">
-              <a:schemeClr val="lt1"/>
-            </a:fontRef>
-          </p:style>
-          <p:txBody>
-            <a:bodyPr rtlCol="0" anchor="ctr"/>
-            <a:lstStyle/>
-            <a:p>
-              <a:pPr algn="ctr"/>
-              <a:endParaRPr lang="en-AU">
-                <a:solidFill>
-                  <a:schemeClr val="tx1"/>
-                </a:solidFill>
-                <a:latin typeface="+mj-lt"/>
-              </a:endParaRPr>
-            </a:p>
-          </p:txBody>
-        </p:sp>
-        <p:sp>
-          <p:nvSpPr>
-            <p:cNvPr id="7" name="Ellipse 6">
-              <a:extLst>
-                <a:ext uri="{FF2B5EF4-FFF2-40B4-BE49-F238E27FC236}">
-                  <a16:creationId xmlns:a16="http://schemas.microsoft.com/office/drawing/2014/main" id="{1DEC39EA-E72E-4725-875E-852CEC325C36}"/>
-                </a:ext>
-              </a:extLst>
-            </p:cNvPr>
-            <p:cNvSpPr/>
-            <p:nvPr/>
-          </p:nvSpPr>
-          <p:spPr>
-            <a:xfrm>
-              <a:off x="6521984" y="1872138"/>
-              <a:ext cx="533400" cy="522924"/>
-            </a:xfrm>
-            <a:prstGeom prst="ellipse">
-              <a:avLst/>
-            </a:prstGeom>
-            <a:solidFill>
-              <a:schemeClr val="accent1"/>
-            </a:solidFill>
-            <a:ln>
-              <a:solidFill>
-                <a:srgbClr val="FF3300"/>
-              </a:solidFill>
-            </a:ln>
-          </p:spPr>
-          <p:style>
-            <a:lnRef idx="2">
-              <a:schemeClr val="accent1">
-                <a:shade val="50000"/>
-              </a:schemeClr>
-            </a:lnRef>
-            <a:fillRef idx="1">
-              <a:schemeClr val="accent1"/>
-            </a:fillRef>
-            <a:effectRef idx="0">
-              <a:schemeClr val="accent1"/>
-            </a:effectRef>
-            <a:fontRef idx="minor">
-              <a:schemeClr val="lt1"/>
-            </a:fontRef>
-          </p:style>
-          <p:txBody>
-            <a:bodyPr rtlCol="0" anchor="ctr"/>
-            <a:lstStyle/>
-            <a:p>
-              <a:pPr algn="ctr"/>
-              <a:endParaRPr lang="en-AU">
-                <a:solidFill>
-                  <a:schemeClr val="tx1"/>
-                </a:solidFill>
-                <a:latin typeface="+mj-lt"/>
-              </a:endParaRPr>
-            </a:p>
-          </p:txBody>
-        </p:sp>
-        <p:cxnSp>
-          <p:nvCxnSpPr>
-            <p:cNvPr id="4" name="Gerade Verbindung mit Pfeil 3">
-              <a:extLst>
-                <a:ext uri="{FF2B5EF4-FFF2-40B4-BE49-F238E27FC236}">
-                  <a16:creationId xmlns:a16="http://schemas.microsoft.com/office/drawing/2014/main" id="{3FC44514-231E-4FB0-99D5-E9C056B8B8BC}"/>
-                </a:ext>
-              </a:extLst>
-            </p:cNvPr>
-            <p:cNvCxnSpPr>
-              <a:cxnSpLocks/>
-              <a:stCxn id="2" idx="5"/>
-              <a:endCxn id="7" idx="1"/>
-            </p:cNvCxnSpPr>
-            <p:nvPr/>
-          </p:nvCxnSpPr>
-          <p:spPr>
-            <a:xfrm>
-              <a:off x="5867400" y="1132144"/>
-              <a:ext cx="732699" cy="816574"/>
-            </a:xfrm>
-            <a:prstGeom prst="straightConnector1">
-              <a:avLst/>
-            </a:prstGeom>
-            <a:ln w="28575">
-              <a:solidFill>
-                <a:srgbClr val="FF3300"/>
-              </a:solidFill>
-              <a:tailEnd type="triangle"/>
-            </a:ln>
-          </p:spPr>
-          <p:style>
-            <a:lnRef idx="1">
-              <a:schemeClr val="accent1"/>
-            </a:lnRef>
-            <a:fillRef idx="0">
-              <a:schemeClr val="accent1"/>
-            </a:fillRef>
-            <a:effectRef idx="0">
-              <a:schemeClr val="accent1"/>
-            </a:effectRef>
-            <a:fontRef idx="minor">
-              <a:schemeClr val="tx1"/>
-            </a:fontRef>
-          </p:style>
-        </p:cxnSp>
-        <p:cxnSp>
-          <p:nvCxnSpPr>
-            <p:cNvPr id="13" name="Gerade Verbindung mit Pfeil 12">
-              <a:extLst>
-                <a:ext uri="{FF2B5EF4-FFF2-40B4-BE49-F238E27FC236}">
-                  <a16:creationId xmlns:a16="http://schemas.microsoft.com/office/drawing/2014/main" id="{9CB592AE-4BDF-49C5-8FD7-0B13B2A850FC}"/>
-                </a:ext>
-              </a:extLst>
-            </p:cNvPr>
-            <p:cNvCxnSpPr>
-              <a:cxnSpLocks/>
-              <a:stCxn id="6" idx="3"/>
-              <a:endCxn id="7" idx="7"/>
-            </p:cNvCxnSpPr>
-            <p:nvPr/>
-          </p:nvCxnSpPr>
-          <p:spPr>
-            <a:xfrm flipH="1">
-              <a:off x="6977269" y="1132144"/>
-              <a:ext cx="732700" cy="816574"/>
-            </a:xfrm>
-            <a:prstGeom prst="straightConnector1">
-              <a:avLst/>
-            </a:prstGeom>
-            <a:ln w="28575">
-              <a:solidFill>
-                <a:srgbClr val="FF3300"/>
-              </a:solidFill>
-              <a:tailEnd type="triangle"/>
-            </a:ln>
-          </p:spPr>
-          <p:style>
-            <a:lnRef idx="1">
-              <a:schemeClr val="accent1"/>
-            </a:lnRef>
-            <a:fillRef idx="0">
-              <a:schemeClr val="accent1"/>
-            </a:fillRef>
-            <a:effectRef idx="0">
-              <a:schemeClr val="accent1"/>
-            </a:effectRef>
-            <a:fontRef idx="minor">
-              <a:schemeClr val="tx1"/>
-            </a:fontRef>
-          </p:style>
-        </p:cxnSp>
-        <p:sp>
-          <p:nvSpPr>
-            <p:cNvPr id="12" name="Textfeld 11">
-              <a:extLst>
-                <a:ext uri="{FF2B5EF4-FFF2-40B4-BE49-F238E27FC236}">
-                  <a16:creationId xmlns:a16="http://schemas.microsoft.com/office/drawing/2014/main" id="{3A9855FD-FCB5-42CE-90D0-68A7D606DEDC}"/>
-                </a:ext>
-              </a:extLst>
-            </p:cNvPr>
-            <p:cNvSpPr txBox="1"/>
-            <p:nvPr/>
-          </p:nvSpPr>
-          <p:spPr>
-            <a:xfrm>
-              <a:off x="7317115" y="761620"/>
-              <a:ext cx="345955" cy="370524"/>
-            </a:xfrm>
-            <a:prstGeom prst="rect">
-              <a:avLst/>
-            </a:prstGeom>
-            <a:noFill/>
-            <a:ln>
-              <a:noFill/>
-            </a:ln>
-          </p:spPr>
-          <p:txBody>
-            <a:bodyPr wrap="square" rtlCol="0">
-              <a:spAutoFit/>
-            </a:bodyPr>
-            <a:lstStyle/>
-            <a:p>
-              <a:r>
-                <a:rPr lang="en-AU">
-                  <a:latin typeface="+mj-lt"/>
-                </a:rPr>
-                <a:t>A</a:t>
-              </a:r>
-            </a:p>
-          </p:txBody>
-        </p:sp>
-        <p:sp>
-          <p:nvSpPr>
-            <p:cNvPr id="18" name="Textfeld 17">
-              <a:extLst>
-                <a:ext uri="{FF2B5EF4-FFF2-40B4-BE49-F238E27FC236}">
-                  <a16:creationId xmlns:a16="http://schemas.microsoft.com/office/drawing/2014/main" id="{3567BA22-F0CB-4987-A1DF-8167B31F4AE9}"/>
-                </a:ext>
-              </a:extLst>
-            </p:cNvPr>
-            <p:cNvSpPr txBox="1"/>
-            <p:nvPr/>
-          </p:nvSpPr>
-          <p:spPr>
-            <a:xfrm>
-              <a:off x="6209160" y="1986628"/>
-              <a:ext cx="345955" cy="370524"/>
-            </a:xfrm>
-            <a:prstGeom prst="rect">
-              <a:avLst/>
-            </a:prstGeom>
-            <a:noFill/>
-            <a:ln>
-              <a:noFill/>
-            </a:ln>
-          </p:spPr>
-          <p:txBody>
-            <a:bodyPr wrap="square" rtlCol="0">
-              <a:spAutoFit/>
-            </a:bodyPr>
-            <a:lstStyle/>
-            <a:p>
-              <a:r>
-                <a:rPr lang="en-AU">
-                  <a:latin typeface="+mj-lt"/>
-                </a:rPr>
-                <a:t>R</a:t>
-              </a:r>
-            </a:p>
-          </p:txBody>
-        </p:sp>
-      </p:grpSp>
-      <p:sp>
-        <p:nvSpPr>
           <p:cNvPr id="24" name="Textfeld 23">
             <a:extLst>
               <a:ext uri="{FF2B5EF4-FFF2-40B4-BE49-F238E27FC236}">
@@ -9222,8 +8817,8 @@
         </p:nvSpPr>
         <p:spPr>
           <a:xfrm>
-            <a:off x="4712909" y="2819400"/>
-            <a:ext cx="4258872" cy="2862322"/>
+            <a:off x="4712909" y="3101876"/>
+            <a:ext cx="4258872" cy="2308324"/>
           </a:xfrm>
           <a:prstGeom prst="rect">
             <a:avLst/>
@@ -9249,7 +8844,7 @@
                 <a:latin typeface="+mj-lt"/>
                 <a:cs typeface="Calibri" panose="020F0502020204030204" pitchFamily="34" charset="0"/>
               </a:rPr>
-              <a:t>The probability of a malfunction in BBB (A=0) is reduced due to observing the malfunction of the microphone (M=0) knowing that a recording was not successful (R=0).</a:t>
+              <a:t>The probability of a malfunction in BBB (A=0) is reduced due to observing the malfunction of the microphone (M=0). </a:t>
             </a:r>
           </a:p>
           <a:p>
@@ -9270,7 +8865,27 @@
                 <a:latin typeface="+mj-lt"/>
                 <a:cs typeface="Calibri" panose="020F0502020204030204" pitchFamily="34" charset="0"/>
               </a:rPr>
-              <a:t>Finding out that the micro actually isn´t working properly explains that the recording wasn´t successful and thus explains away a malfunction in BBB.</a:t>
+              <a:t>Finding out that the microphone is not working explains that the recording was not successful and thus </a:t>
+            </a:r>
+            <a:r>
+              <a:rPr lang="en-AU" b="1" dirty="0">
+                <a:solidFill>
+                  <a:srgbClr val="000000"/>
+                </a:solidFill>
+                <a:latin typeface="+mj-lt"/>
+                <a:cs typeface="Calibri" panose="020F0502020204030204" pitchFamily="34" charset="0"/>
+              </a:rPr>
+              <a:t>explains away</a:t>
+            </a:r>
+            <a:r>
+              <a:rPr lang="en-AU" dirty="0">
+                <a:solidFill>
+                  <a:srgbClr val="000000"/>
+                </a:solidFill>
+                <a:latin typeface="+mj-lt"/>
+                <a:cs typeface="Calibri" panose="020F0502020204030204" pitchFamily="34" charset="0"/>
+              </a:rPr>
+              <a:t> a malfunction in BBB.</a:t>
             </a:r>
           </a:p>
         </p:txBody>
@@ -9288,9 +8903,9 @@
           <p:nvPr/>
         </p:nvSpPr>
         <p:spPr>
-          <a:xfrm>
-            <a:off x="4146942" y="1461199"/>
-            <a:ext cx="1531873" cy="387037"/>
+          <a:xfrm rot="526836">
+            <a:off x="4105554" y="1738221"/>
+            <a:ext cx="1714767" cy="387037"/>
           </a:xfrm>
           <a:prstGeom prst="leftRightArrow">
             <a:avLst/>
@@ -9327,8 +8942,8 @@
           </a:p>
         </p:txBody>
       </p:sp>
-      <mc:AlternateContent xmlns:mc="http://schemas.openxmlformats.org/markup-compatibility/2006" xmlns:a14="http://schemas.microsoft.com/office/drawing/2010/main">
-        <mc:Choice Requires="a14">
+      <mc:AlternateContent xmlns:mc="http://schemas.openxmlformats.org/markup-compatibility/2006">
+        <mc:Choice xmlns:a14="http://schemas.microsoft.com/office/drawing/2010/main" Requires="a14">
           <p:sp>
             <p:nvSpPr>
               <p:cNvPr id="5" name="Rechteck 4">
@@ -9343,7 +8958,7 @@
             </p:nvSpPr>
             <p:spPr>
               <a:xfrm>
-                <a:off x="65849" y="457200"/>
+                <a:off x="152400" y="516622"/>
                 <a:ext cx="1458151" cy="381000"/>
               </a:xfrm>
               <a:prstGeom prst="rect">
@@ -9466,7 +9081,7 @@
             </p:txBody>
           </p:sp>
         </mc:Choice>
-        <mc:Fallback xmlns="">
+        <mc:Fallback>
           <p:sp>
             <p:nvSpPr>
               <p:cNvPr id="5" name="Rechteck 4">
@@ -9483,7 +9098,7 @@
             </p:nvSpPr>
             <p:spPr>
               <a:xfrm>
-                <a:off x="65849" y="457200"/>
+                <a:off x="152400" y="516622"/>
                 <a:ext cx="1458151" cy="381000"/>
               </a:xfrm>
               <a:prstGeom prst="rect">
@@ -9567,13 +9182,13 @@
             </a:r>
             <a:r>
               <a:rPr lang="en-US" sz="2000" b="1" dirty="0"/>
-              <a:t>Representing knowledge: Calculation approach</a:t>
+              <a:t>Representing knowledge: Explaining away</a:t>
             </a:r>
           </a:p>
         </p:txBody>
       </p:sp>
-      <mc:AlternateContent xmlns:mc="http://schemas.openxmlformats.org/markup-compatibility/2006" xmlns:a14="http://schemas.microsoft.com/office/drawing/2010/main">
-        <mc:Choice Requires="a14">
+      <mc:AlternateContent xmlns:mc="http://schemas.openxmlformats.org/markup-compatibility/2006">
+        <mc:Choice xmlns:a14="http://schemas.microsoft.com/office/drawing/2010/main" Requires="a14">
           <p:sp>
             <p:nvSpPr>
               <p:cNvPr id="16" name="Textfeld 15">
@@ -9588,7 +9203,7 @@
             </p:nvSpPr>
             <p:spPr>
               <a:xfrm>
-                <a:off x="21319" y="889039"/>
+                <a:off x="21319" y="981670"/>
                 <a:ext cx="4628795" cy="923330"/>
               </a:xfrm>
               <a:prstGeom prst="rect">
@@ -9602,16 +9217,166 @@
               </a:bodyPr>
               <a:lstStyle/>
               <a:p>
-                <a:r>
-                  <a:rPr lang="en-AU" u="sng" dirty="0">
-                    <a:solidFill>
-                      <a:srgbClr val="000000"/>
-                    </a:solidFill>
-                    <a:latin typeface="+mj-lt"/>
-                    <a:cs typeface="Calibri" panose="020F0502020204030204" pitchFamily="34" charset="0"/>
-                  </a:rPr>
-                  <a:t>1. Use equation from given network again:</a:t>
-                </a:r>
+                <a:pPr/>
+                <a14:m>
+                  <m:oMathPara xmlns:m="http://schemas.openxmlformats.org/officeDocument/2006/math">
+                    <m:oMathParaPr>
+                      <m:jc m:val="left"/>
+                    </m:oMathParaPr>
+                    <m:oMath xmlns:m="http://schemas.openxmlformats.org/officeDocument/2006/math">
+                      <m:r>
+                        <m:rPr>
+                          <m:nor/>
+                        </m:rPr>
+                        <a:rPr lang="en-AU" u="sng">
+                          <a:solidFill>
+                            <a:srgbClr val="000000"/>
+                          </a:solidFill>
+                          <a:cs typeface="Calibri" panose="020F0502020204030204" pitchFamily="34" charset="0"/>
+                        </a:rPr>
+                        <m:t>1</m:t>
+                      </m:r>
+                      <m:r>
+                        <m:rPr>
+                          <m:nor/>
+                        </m:rPr>
+                        <a:rPr lang="en-AU" u="sng">
+                          <a:solidFill>
+                            <a:srgbClr val="000000"/>
+                          </a:solidFill>
+                          <a:cs typeface="Calibri" panose="020F0502020204030204" pitchFamily="34" charset="0"/>
+                        </a:rPr>
+                        <m:t>. </m:t>
+                      </m:r>
+                      <m:r>
+                        <m:rPr>
+                          <m:nor/>
+                        </m:rPr>
+                        <a:rPr lang="en-AU" u="sng">
+                          <a:solidFill>
+                            <a:srgbClr val="000000"/>
+                          </a:solidFill>
+                          <a:cs typeface="Calibri" panose="020F0502020204030204" pitchFamily="34" charset="0"/>
+                        </a:rPr>
+                        <m:t>Read</m:t>
+                      </m:r>
+                      <m:r>
+                        <m:rPr>
+                          <m:nor/>
+                        </m:rPr>
+                        <a:rPr lang="en-AU" u="sng">
+                          <a:solidFill>
+                            <a:srgbClr val="000000"/>
+                          </a:solidFill>
+                          <a:cs typeface="Calibri" panose="020F0502020204030204" pitchFamily="34" charset="0"/>
+                        </a:rPr>
+                        <m:t> </m:t>
+                      </m:r>
+                      <m:r>
+                        <m:rPr>
+                          <m:nor/>
+                        </m:rPr>
+                        <a:rPr lang="en-AU" u="sng">
+                          <a:solidFill>
+                            <a:srgbClr val="000000"/>
+                          </a:solidFill>
+                          <a:cs typeface="Calibri" panose="020F0502020204030204" pitchFamily="34" charset="0"/>
+                        </a:rPr>
+                        <m:t>equation</m:t>
+                      </m:r>
+                      <m:r>
+                        <m:rPr>
+                          <m:nor/>
+                        </m:rPr>
+                        <a:rPr lang="en-AU" u="sng">
+                          <a:solidFill>
+                            <a:srgbClr val="000000"/>
+                          </a:solidFill>
+                          <a:cs typeface="Calibri" panose="020F0502020204030204" pitchFamily="34" charset="0"/>
+                        </a:rPr>
+                        <m:t> </m:t>
+                      </m:r>
+                      <m:r>
+                        <m:rPr>
+                          <m:nor/>
+                        </m:rPr>
+                        <a:rPr lang="en-AU" u="sng">
+                          <a:solidFill>
+                            <a:srgbClr val="000000"/>
+                          </a:solidFill>
+                          <a:cs typeface="Calibri" panose="020F0502020204030204" pitchFamily="34" charset="0"/>
+                        </a:rPr>
+                        <m:t>from</m:t>
+                      </m:r>
+                      <m:r>
+                        <m:rPr>
+                          <m:nor/>
+                        </m:rPr>
+                        <a:rPr lang="en-AU" u="sng">
+                          <a:solidFill>
+                            <a:srgbClr val="000000"/>
+                          </a:solidFill>
+                          <a:cs typeface="Calibri" panose="020F0502020204030204" pitchFamily="34" charset="0"/>
+                        </a:rPr>
+                        <m:t> </m:t>
+                      </m:r>
+                      <m:r>
+                        <m:rPr>
+                          <m:nor/>
+                        </m:rPr>
+                        <a:rPr lang="en-AU" u="sng">
+                          <a:solidFill>
+                            <a:srgbClr val="000000"/>
+                          </a:solidFill>
+                          <a:cs typeface="Calibri" panose="020F0502020204030204" pitchFamily="34" charset="0"/>
+                        </a:rPr>
+                        <m:t>given</m:t>
+                      </m:r>
+                      <m:r>
+                        <m:rPr>
+                          <m:nor/>
+                        </m:rPr>
+                        <a:rPr lang="en-AU" u="sng">
+                          <a:solidFill>
+                            <a:srgbClr val="000000"/>
+                          </a:solidFill>
+                          <a:cs typeface="Calibri" panose="020F0502020204030204" pitchFamily="34" charset="0"/>
+                        </a:rPr>
+                        <m:t> </m:t>
+                      </m:r>
+                      <m:r>
+                        <m:rPr>
+                          <m:nor/>
+                        </m:rPr>
+                        <a:rPr lang="en-AU" u="sng">
+                          <a:solidFill>
+                            <a:srgbClr val="000000"/>
+                          </a:solidFill>
+                          <a:cs typeface="Calibri" panose="020F0502020204030204" pitchFamily="34" charset="0"/>
+                        </a:rPr>
+                        <m:t>network</m:t>
+                      </m:r>
+                      <m:r>
+                        <m:rPr>
+                          <m:nor/>
+                        </m:rPr>
+                        <a:rPr lang="en-AU" u="sng">
+                          <a:solidFill>
+                            <a:srgbClr val="000000"/>
+                          </a:solidFill>
+                          <a:cs typeface="Calibri" panose="020F0502020204030204" pitchFamily="34" charset="0"/>
+                        </a:rPr>
+                        <m:t>:</m:t>
+                      </m:r>
+                    </m:oMath>
+                  </m:oMathPara>
+                </a14:m>
+                <a:endParaRPr lang="en-AU" u="sng" dirty="0">
+                  <a:solidFill>
+                    <a:srgbClr val="000000"/>
+                  </a:solidFill>
+                  <a:cs typeface="Calibri" panose="020F0502020204030204" pitchFamily="34" charset="0"/>
+                </a:endParaRPr>
               </a:p>
               <a:p>
                 <a:endParaRPr lang="en-AU" dirty="0">
@@ -9889,7 +9654,7 @@
             </p:txBody>
           </p:sp>
         </mc:Choice>
-        <mc:Fallback xmlns="">
+        <mc:Fallback>
           <p:sp>
             <p:nvSpPr>
               <p:cNvPr id="16" name="Textfeld 15">
@@ -9906,7 +9671,7 @@
             </p:nvSpPr>
             <p:spPr>
               <a:xfrm>
-                <a:off x="21319" y="889039"/>
+                <a:off x="21319" y="981670"/>
                 <a:ext cx="4628795" cy="923330"/>
               </a:xfrm>
               <a:prstGeom prst="rect">
@@ -9915,7 +9680,7 @@
               <a:blipFill>
                 <a:blip r:embed="rId4"/>
                 <a:stretch>
-                  <a:fillRect l="-1053" t="-3974"/>
+                  <a:fillRect/>
                 </a:stretch>
               </a:blipFill>
             </p:spPr>
@@ -9934,8 +9699,8 @@
           </p:sp>
         </mc:Fallback>
       </mc:AlternateContent>
-      <mc:AlternateContent xmlns:mc="http://schemas.openxmlformats.org/markup-compatibility/2006" xmlns:a14="http://schemas.microsoft.com/office/drawing/2010/main">
-        <mc:Choice Requires="a14">
+      <mc:AlternateContent xmlns:mc="http://schemas.openxmlformats.org/markup-compatibility/2006">
+        <mc:Choice xmlns:a14="http://schemas.microsoft.com/office/drawing/2010/main" Requires="a14">
           <p:sp>
             <p:nvSpPr>
               <p:cNvPr id="19" name="Textfeld 18">
@@ -9950,7 +9715,7 @@
             </p:nvSpPr>
             <p:spPr>
               <a:xfrm>
-                <a:off x="65849" y="1959868"/>
+                <a:off x="65849" y="2035773"/>
                 <a:ext cx="4409770" cy="1317027"/>
               </a:xfrm>
               <a:prstGeom prst="rect">
@@ -9972,7 +9737,7 @@
                     <a:latin typeface="+mj-lt"/>
                     <a:cs typeface="Calibri" panose="020F0502020204030204" pitchFamily="34" charset="0"/>
                   </a:rPr>
-                  <a:t>2. Use sum rule over A:</a:t>
+                  <a:t>2. Apply sum rule over A:</a:t>
                 </a:r>
               </a:p>
               <a:p>
@@ -10050,7 +9815,7 @@
                       <m:r>
                         <a:rPr lang="en-AU" smtClean="0">
                           <a:solidFill>
-                            <a:srgbClr val="000000"/>
+                            <a:schemeClr val="tx1"/>
                           </a:solidFill>
                           <a:latin typeface="Cambria Math" panose="02040503050406030204" pitchFamily="18" charset="0"/>
                           <a:cs typeface="Calibri" panose="020F0502020204030204" pitchFamily="34" charset="0"/>
@@ -10060,7 +9825,7 @@
                       <m:r>
                         <a:rPr lang="en-AU" smtClean="0">
                           <a:solidFill>
-                            <a:srgbClr val="238D46"/>
+                            <a:schemeClr val="tx1"/>
                           </a:solidFill>
                           <a:latin typeface="Cambria Math" panose="02040503050406030204" pitchFamily="18" charset="0"/>
                           <a:cs typeface="Calibri" panose="020F0502020204030204" pitchFamily="34" charset="0"/>
@@ -10072,7 +9837,7 @@
                           <m:ctrlPr>
                             <a:rPr lang="en-AU" i="1" smtClean="0">
                               <a:solidFill>
-                                <a:srgbClr val="238D46"/>
+                                <a:schemeClr val="tx1"/>
                               </a:solidFill>
                               <a:latin typeface="Cambria Math" panose="02040503050406030204" pitchFamily="18" charset="0"/>
                               <a:cs typeface="Calibri" panose="020F0502020204030204" pitchFamily="34" charset="0"/>
@@ -10083,7 +9848,7 @@
                           <m:r>
                             <a:rPr lang="en-AU" smtClean="0">
                               <a:solidFill>
-                                <a:srgbClr val="238D46"/>
+                                <a:schemeClr val="tx1"/>
                               </a:solidFill>
                               <a:latin typeface="Cambria Math" panose="02040503050406030204" pitchFamily="18" charset="0"/>
                               <a:cs typeface="Calibri" panose="020F0502020204030204" pitchFamily="34" charset="0"/>
@@ -10101,7 +9866,7 @@
                           <m:ctrlPr>
                             <a:rPr lang="en-AU" i="1" smtClean="0">
                               <a:solidFill>
-                                <a:srgbClr val="000000"/>
+                                <a:schemeClr val="tx1"/>
                               </a:solidFill>
                               <a:latin typeface="Cambria Math" panose="02040503050406030204" pitchFamily="18" charset="0"/>
                               <a:cs typeface="Calibri" panose="020F0502020204030204" pitchFamily="34" charset="0"/>
@@ -10115,7 +9880,7 @@
                             </m:rPr>
                             <a:rPr lang="en-AU" b="0" i="0" smtClean="0">
                               <a:solidFill>
-                                <a:srgbClr val="000000"/>
+                                <a:schemeClr val="tx1"/>
                               </a:solidFill>
                               <a:latin typeface="Cambria Math" panose="02040503050406030204" pitchFamily="18" charset="0"/>
                               <a:cs typeface="Calibri" panose="020F0502020204030204" pitchFamily="34" charset="0"/>
@@ -10128,7 +9893,7 @@
                           <m:r>
                             <a:rPr lang="en-AU" smtClean="0">
                               <a:solidFill>
-                                <a:srgbClr val="238D46"/>
+                                <a:schemeClr val="tx1"/>
                               </a:solidFill>
                               <a:latin typeface="Cambria Math" panose="02040503050406030204" pitchFamily="18" charset="0"/>
                               <a:cs typeface="Calibri" panose="020F0502020204030204" pitchFamily="34" charset="0"/>
@@ -10140,7 +9905,7 @@
                               <m:ctrlPr>
                                 <a:rPr lang="en-AU" i="1" smtClean="0">
                                   <a:solidFill>
-                                    <a:srgbClr val="238D46"/>
+                                    <a:schemeClr val="tx1"/>
                                   </a:solidFill>
                                   <a:latin typeface="Cambria Math" panose="02040503050406030204" pitchFamily="18" charset="0"/>
                                   <a:cs typeface="Calibri" panose="020F0502020204030204" pitchFamily="34" charset="0"/>
@@ -10151,7 +9916,7 @@
                               <m:r>
                                 <a:rPr lang="en-AU" b="0" i="1" smtClean="0">
                                   <a:solidFill>
-                                    <a:srgbClr val="238D46"/>
+                                    <a:schemeClr val="tx1"/>
                                   </a:solidFill>
                                   <a:latin typeface="Cambria Math" panose="02040503050406030204" pitchFamily="18" charset="0"/>
                                   <a:cs typeface="Calibri" panose="020F0502020204030204" pitchFamily="34" charset="0"/>
@@ -10163,7 +9928,7 @@
                           <m:r>
                             <a:rPr lang="en-AU" smtClean="0">
                               <a:solidFill>
-                                <a:srgbClr val="000000"/>
+                                <a:schemeClr val="tx1"/>
                               </a:solidFill>
                               <a:latin typeface="Cambria Math" panose="02040503050406030204" pitchFamily="18" charset="0"/>
                               <a:cs typeface="Calibri" panose="020F0502020204030204" pitchFamily="34" charset="0"/>
@@ -10173,7 +9938,7 @@
                           <m:r>
                             <a:rPr lang="en-AU" smtClean="0">
                               <a:solidFill>
-                                <a:srgbClr val="238D46"/>
+                                <a:schemeClr val="tx1"/>
                               </a:solidFill>
                               <a:latin typeface="Cambria Math" panose="02040503050406030204" pitchFamily="18" charset="0"/>
                               <a:cs typeface="Calibri" panose="020F0502020204030204" pitchFamily="34" charset="0"/>
@@ -10183,7 +9948,7 @@
                           <m:r>
                             <a:rPr lang="en-AU" smtClean="0">
                               <a:solidFill>
-                                <a:srgbClr val="238D46"/>
+                                <a:schemeClr val="tx1"/>
                               </a:solidFill>
                               <a:latin typeface="Cambria Math" panose="02040503050406030204" pitchFamily="18" charset="0"/>
                               <a:cs typeface="Calibri" panose="020F0502020204030204" pitchFamily="34" charset="0"/>
@@ -10196,7 +9961,7 @@
                             </m:rPr>
                             <a:rPr lang="en-AU" b="0" i="0" smtClean="0">
                               <a:solidFill>
-                                <a:srgbClr val="238D46"/>
+                                <a:schemeClr val="tx1"/>
                               </a:solidFill>
                               <a:latin typeface="Cambria Math" panose="02040503050406030204" pitchFamily="18" charset="0"/>
                               <a:cs typeface="Calibri" panose="020F0502020204030204" pitchFamily="34" charset="0"/>
@@ -10206,7 +9971,7 @@
                           <m:r>
                             <a:rPr lang="en-AU" smtClean="0">
                               <a:solidFill>
-                                <a:srgbClr val="238D46"/>
+                                <a:schemeClr val="tx1"/>
                               </a:solidFill>
                               <a:latin typeface="Cambria Math" panose="02040503050406030204" pitchFamily="18" charset="0"/>
                               <a:cs typeface="Calibri" panose="020F0502020204030204" pitchFamily="34" charset="0"/>
@@ -10216,7 +9981,7 @@
                           <m:r>
                             <a:rPr lang="en-AU" smtClean="0">
                               <a:solidFill>
-                                <a:srgbClr val="238D46"/>
+                                <a:schemeClr val="tx1"/>
                               </a:solidFill>
                               <a:latin typeface="Cambria Math" panose="02040503050406030204" pitchFamily="18" charset="0"/>
                               <a:cs typeface="Calibri" panose="020F0502020204030204" pitchFamily="34" charset="0"/>
@@ -10226,7 +9991,7 @@
                           <m:r>
                             <a:rPr lang="en-AU" smtClean="0">
                               <a:solidFill>
-                                <a:srgbClr val="238D46"/>
+                                <a:schemeClr val="tx1"/>
                               </a:solidFill>
                               <a:latin typeface="Cambria Math" panose="02040503050406030204" pitchFamily="18" charset="0"/>
                               <a:cs typeface="Calibri" panose="020F0502020204030204" pitchFamily="34" charset="0"/>
@@ -10239,7 +10004,7 @@
                             </m:rPr>
                             <a:rPr lang="en-AU" b="0" i="0" smtClean="0">
                               <a:solidFill>
-                                <a:srgbClr val="238D46"/>
+                                <a:schemeClr val="tx1"/>
                               </a:solidFill>
                               <a:latin typeface="Cambria Math" panose="02040503050406030204" pitchFamily="18" charset="0"/>
                               <a:cs typeface="Calibri" panose="020F0502020204030204" pitchFamily="34" charset="0"/>
@@ -10249,7 +10014,7 @@
                           <m:r>
                             <a:rPr lang="en-AU" smtClean="0">
                               <a:solidFill>
-                                <a:srgbClr val="238D46"/>
+                                <a:schemeClr val="tx1"/>
                               </a:solidFill>
                               <a:latin typeface="Cambria Math" panose="02040503050406030204" pitchFamily="18" charset="0"/>
                               <a:cs typeface="Calibri" panose="020F0502020204030204" pitchFamily="34" charset="0"/>
@@ -10266,7 +10031,7 @@
             </p:txBody>
           </p:sp>
         </mc:Choice>
-        <mc:Fallback xmlns="">
+        <mc:Fallback>
           <p:sp>
             <p:nvSpPr>
               <p:cNvPr id="19" name="Textfeld 18">
@@ -10283,7 +10048,7 @@
             </p:nvSpPr>
             <p:spPr>
               <a:xfrm>
-                <a:off x="65849" y="1959868"/>
+                <a:off x="65849" y="2035773"/>
                 <a:ext cx="4409770" cy="1317027"/>
               </a:xfrm>
               <a:prstGeom prst="rect">
@@ -10311,8 +10076,8 @@
           </p:sp>
         </mc:Fallback>
       </mc:AlternateContent>
-      <mc:AlternateContent xmlns:mc="http://schemas.openxmlformats.org/markup-compatibility/2006" xmlns:a14="http://schemas.microsoft.com/office/drawing/2010/main">
-        <mc:Choice Requires="a14">
+      <mc:AlternateContent xmlns:mc="http://schemas.openxmlformats.org/markup-compatibility/2006">
+        <mc:Choice xmlns:a14="http://schemas.microsoft.com/office/drawing/2010/main" Requires="a14">
           <p:sp>
             <p:nvSpPr>
               <p:cNvPr id="21" name="Textfeld 20">
@@ -10327,7 +10092,7 @@
             </p:nvSpPr>
             <p:spPr>
               <a:xfrm>
-                <a:off x="65849" y="3314805"/>
+                <a:off x="65849" y="3505502"/>
                 <a:ext cx="4409770" cy="1295098"/>
               </a:xfrm>
               <a:prstGeom prst="rect">
@@ -10349,7 +10114,7 @@
                     <a:latin typeface="+mj-lt"/>
                     <a:cs typeface="Calibri" panose="020F0502020204030204" pitchFamily="34" charset="0"/>
                   </a:rPr>
-                  <a:t>3. Plug in into original formula:</a:t>
+                  <a:t>3. Insert into original equation:</a:t>
                 </a:r>
               </a:p>
               <a:p>
@@ -10462,7 +10227,7 @@
                           <m:ctrlPr>
                             <a:rPr lang="en-AU" i="1" smtClean="0">
                               <a:solidFill>
-                                <a:srgbClr val="000000"/>
+                                <a:schemeClr val="tx1"/>
                               </a:solidFill>
                               <a:latin typeface="Cambria Math" panose="02040503050406030204" pitchFamily="18" charset="0"/>
                               <a:cs typeface="Calibri" panose="020F0502020204030204" pitchFamily="34" charset="0"/>
@@ -10473,7 +10238,7 @@
                           <m:r>
                             <a:rPr lang="en-AU" strike="sngStrike" smtClean="0">
                               <a:solidFill>
-                                <a:srgbClr val="238D46"/>
+                                <a:schemeClr val="tx1"/>
                               </a:solidFill>
                               <a:latin typeface="Cambria Math" panose="02040503050406030204" pitchFamily="18" charset="0"/>
                               <a:cs typeface="Calibri" panose="020F0502020204030204" pitchFamily="34" charset="0"/>
@@ -10485,7 +10250,7 @@
                               <m:ctrlPr>
                                 <a:rPr lang="en-AU" i="1" strike="sngStrike" smtClean="0">
                                   <a:solidFill>
-                                    <a:srgbClr val="238D46"/>
+                                    <a:schemeClr val="tx1"/>
                                   </a:solidFill>
                                   <a:latin typeface="Cambria Math" panose="02040503050406030204" pitchFamily="18" charset="0"/>
                                   <a:cs typeface="Calibri" panose="020F0502020204030204" pitchFamily="34" charset="0"/>
@@ -10496,7 +10261,7 @@
                               <m:r>
                                 <a:rPr lang="en-AU" strike="sngStrike" smtClean="0">
                                   <a:solidFill>
-                                    <a:srgbClr val="238D46"/>
+                                    <a:schemeClr val="tx1"/>
                                   </a:solidFill>
                                   <a:latin typeface="Cambria Math" panose="02040503050406030204" pitchFamily="18" charset="0"/>
                                   <a:cs typeface="Calibri" panose="020F0502020204030204" pitchFamily="34" charset="0"/>
@@ -10508,7 +10273,7 @@
                           <m:r>
                             <a:rPr lang="en-AU" smtClean="0">
                               <a:solidFill>
-                                <a:srgbClr val="000000"/>
+                                <a:schemeClr val="tx1"/>
                               </a:solidFill>
                               <a:latin typeface="Cambria Math" panose="02040503050406030204" pitchFamily="18" charset="0"/>
                               <a:cs typeface="Calibri" panose="020F0502020204030204" pitchFamily="34" charset="0"/>
@@ -10518,7 +10283,7 @@
                           <m:r>
                             <a:rPr lang="en-AU" smtClean="0">
                               <a:solidFill>
-                                <a:srgbClr val="238D46"/>
+                                <a:schemeClr val="tx1"/>
                               </a:solidFill>
                               <a:latin typeface="Cambria Math" panose="02040503050406030204" pitchFamily="18" charset="0"/>
                               <a:cs typeface="Calibri" panose="020F0502020204030204" pitchFamily="34" charset="0"/>
@@ -10530,7 +10295,7 @@
                               <m:ctrlPr>
                                 <a:rPr lang="en-AU" i="1" smtClean="0">
                                   <a:solidFill>
-                                    <a:srgbClr val="238D46"/>
+                                    <a:schemeClr val="tx1"/>
                                   </a:solidFill>
                                   <a:latin typeface="Cambria Math" panose="02040503050406030204" pitchFamily="18" charset="0"/>
                                   <a:cs typeface="Calibri" panose="020F0502020204030204" pitchFamily="34" charset="0"/>
@@ -10541,7 +10306,7 @@
                               <m:r>
                                 <a:rPr lang="en-AU" b="0" i="1" smtClean="0">
                                   <a:solidFill>
-                                    <a:srgbClr val="238D46"/>
+                                    <a:schemeClr val="tx1"/>
                                   </a:solidFill>
                                   <a:latin typeface="Cambria Math" panose="02040503050406030204" pitchFamily="18" charset="0"/>
                                   <a:cs typeface="Calibri" panose="020F0502020204030204" pitchFamily="34" charset="0"/>
@@ -10553,7 +10318,7 @@
                           <m:r>
                             <a:rPr lang="en-AU" smtClean="0">
                               <a:solidFill>
-                                <a:srgbClr val="000000"/>
+                                <a:schemeClr val="tx1"/>
                               </a:solidFill>
                               <a:latin typeface="Cambria Math" panose="02040503050406030204" pitchFamily="18" charset="0"/>
                               <a:cs typeface="Calibri" panose="020F0502020204030204" pitchFamily="34" charset="0"/>
@@ -10563,7 +10328,7 @@
                           <m:r>
                             <a:rPr lang="en-AU" smtClean="0">
                               <a:solidFill>
-                                <a:srgbClr val="238D46"/>
+                                <a:schemeClr val="tx1"/>
                               </a:solidFill>
                               <a:latin typeface="Cambria Math" panose="02040503050406030204" pitchFamily="18" charset="0"/>
                               <a:cs typeface="Calibri" panose="020F0502020204030204" pitchFamily="34" charset="0"/>
@@ -10573,7 +10338,7 @@
                           <m:r>
                             <a:rPr lang="en-AU" smtClean="0">
                               <a:solidFill>
-                                <a:srgbClr val="238D46"/>
+                                <a:schemeClr val="tx1"/>
                               </a:solidFill>
                               <a:latin typeface="Cambria Math" panose="02040503050406030204" pitchFamily="18" charset="0"/>
                               <a:cs typeface="Calibri" panose="020F0502020204030204" pitchFamily="34" charset="0"/>
@@ -10586,7 +10351,7 @@
                             </m:rPr>
                             <a:rPr lang="en-AU" b="0" i="0" smtClean="0">
                               <a:solidFill>
-                                <a:srgbClr val="238D46"/>
+                                <a:schemeClr val="tx1"/>
                               </a:solidFill>
                               <a:latin typeface="Cambria Math" panose="02040503050406030204" pitchFamily="18" charset="0"/>
                               <a:cs typeface="Calibri" panose="020F0502020204030204" pitchFamily="34" charset="0"/>
@@ -10596,7 +10361,7 @@
                           <m:r>
                             <a:rPr lang="en-AU" smtClean="0">
                               <a:solidFill>
-                                <a:srgbClr val="238D46"/>
+                                <a:schemeClr val="tx1"/>
                               </a:solidFill>
                               <a:latin typeface="Cambria Math" panose="02040503050406030204" pitchFamily="18" charset="0"/>
                               <a:cs typeface="Calibri" panose="020F0502020204030204" pitchFamily="34" charset="0"/>
@@ -10606,7 +10371,7 @@
                           <m:r>
                             <a:rPr lang="en-AU" smtClean="0">
                               <a:solidFill>
-                                <a:srgbClr val="238D46"/>
+                                <a:schemeClr val="tx1"/>
                               </a:solidFill>
                               <a:latin typeface="Cambria Math" panose="02040503050406030204" pitchFamily="18" charset="0"/>
                               <a:cs typeface="Calibri" panose="020F0502020204030204" pitchFamily="34" charset="0"/>
@@ -10616,7 +10381,7 @@
                           <m:r>
                             <a:rPr lang="en-AU" smtClean="0">
                               <a:solidFill>
-                                <a:srgbClr val="238D46"/>
+                                <a:schemeClr val="tx1"/>
                               </a:solidFill>
                               <a:latin typeface="Cambria Math" panose="02040503050406030204" pitchFamily="18" charset="0"/>
                               <a:cs typeface="Calibri" panose="020F0502020204030204" pitchFamily="34" charset="0"/>
@@ -10629,7 +10394,7 @@
                             </m:rPr>
                             <a:rPr lang="en-AU" b="0" i="0" smtClean="0">
                               <a:solidFill>
-                                <a:srgbClr val="238D46"/>
+                                <a:schemeClr val="tx1"/>
                               </a:solidFill>
                               <a:latin typeface="Cambria Math" panose="02040503050406030204" pitchFamily="18" charset="0"/>
                               <a:cs typeface="Calibri" panose="020F0502020204030204" pitchFamily="34" charset="0"/>
@@ -10639,7 +10404,7 @@
                           <m:r>
                             <a:rPr lang="en-AU" smtClean="0">
                               <a:solidFill>
-                                <a:srgbClr val="238D46"/>
+                                <a:schemeClr val="tx1"/>
                               </a:solidFill>
                               <a:latin typeface="Cambria Math" panose="02040503050406030204" pitchFamily="18" charset="0"/>
                               <a:cs typeface="Calibri" panose="020F0502020204030204" pitchFamily="34" charset="0"/>
@@ -10651,7 +10416,7 @@
                           <m:r>
                             <a:rPr lang="en-AU" strike="sngStrike" smtClean="0">
                               <a:solidFill>
-                                <a:srgbClr val="238D46"/>
+                                <a:schemeClr val="tx1"/>
                               </a:solidFill>
                               <a:latin typeface="Cambria Math" panose="02040503050406030204" pitchFamily="18" charset="0"/>
                               <a:cs typeface="Calibri" panose="020F0502020204030204" pitchFamily="34" charset="0"/>
@@ -10663,7 +10428,7 @@
                               <m:ctrlPr>
                                 <a:rPr lang="en-AU" i="1" strike="sngStrike" smtClean="0">
                                   <a:solidFill>
-                                    <a:srgbClr val="238D46"/>
+                                    <a:schemeClr val="tx1"/>
                                   </a:solidFill>
                                   <a:latin typeface="Cambria Math" panose="02040503050406030204" pitchFamily="18" charset="0"/>
                                   <a:cs typeface="Calibri" panose="020F0502020204030204" pitchFamily="34" charset="0"/>
@@ -10674,7 +10439,7 @@
                               <m:r>
                                 <a:rPr lang="en-AU" strike="sngStrike" smtClean="0">
                                   <a:solidFill>
-                                    <a:srgbClr val="238D46"/>
+                                    <a:schemeClr val="tx1"/>
                                   </a:solidFill>
                                   <a:latin typeface="Cambria Math" panose="02040503050406030204" pitchFamily="18" charset="0"/>
                                   <a:cs typeface="Calibri" panose="020F0502020204030204" pitchFamily="34" charset="0"/>
@@ -10686,7 +10451,7 @@
                           <m:r>
                             <a:rPr lang="en-AU" smtClean="0">
                               <a:solidFill>
-                                <a:srgbClr val="000000"/>
+                                <a:schemeClr val="tx1"/>
                               </a:solidFill>
                               <a:latin typeface="Cambria Math" panose="02040503050406030204" pitchFamily="18" charset="0"/>
                               <a:cs typeface="Calibri" panose="020F0502020204030204" pitchFamily="34" charset="0"/>
@@ -10702,7 +10467,7 @@
                               <m:ctrlPr>
                                 <a:rPr lang="en-AU" i="1" smtClean="0">
                                   <a:solidFill>
-                                    <a:srgbClr val="000000"/>
+                                    <a:schemeClr val="tx1"/>
                                   </a:solidFill>
                                   <a:latin typeface="Cambria Math" panose="02040503050406030204" pitchFamily="18" charset="0"/>
                                   <a:cs typeface="Calibri" panose="020F0502020204030204" pitchFamily="34" charset="0"/>
@@ -10716,7 +10481,7 @@
                                 </m:rPr>
                                 <a:rPr lang="en-AU" b="0" i="0" smtClean="0">
                                   <a:solidFill>
-                                    <a:srgbClr val="000000"/>
+                                    <a:schemeClr val="tx1"/>
                                   </a:solidFill>
                                   <a:latin typeface="Cambria Math" panose="02040503050406030204" pitchFamily="18" charset="0"/>
                                   <a:cs typeface="Calibri" panose="020F0502020204030204" pitchFamily="34" charset="0"/>
@@ -10729,7 +10494,7 @@
                               <m:r>
                                 <a:rPr lang="en-AU" smtClean="0">
                                   <a:solidFill>
-                                    <a:srgbClr val="238D46"/>
+                                    <a:schemeClr val="tx1"/>
                                   </a:solidFill>
                                   <a:latin typeface="Cambria Math" panose="02040503050406030204" pitchFamily="18" charset="0"/>
                                   <a:cs typeface="Calibri" panose="020F0502020204030204" pitchFamily="34" charset="0"/>
@@ -10741,7 +10506,7 @@
                                   <m:ctrlPr>
                                     <a:rPr lang="en-AU" i="1" smtClean="0">
                                       <a:solidFill>
-                                        <a:srgbClr val="238D46"/>
+                                        <a:schemeClr val="tx1"/>
                                       </a:solidFill>
                                       <a:latin typeface="Cambria Math" panose="02040503050406030204" pitchFamily="18" charset="0"/>
                                       <a:cs typeface="Calibri" panose="020F0502020204030204" pitchFamily="34" charset="0"/>
@@ -10752,7 +10517,7 @@
                                   <m:r>
                                     <a:rPr lang="en-AU" b="0" i="1" smtClean="0">
                                       <a:solidFill>
-                                        <a:srgbClr val="238D46"/>
+                                        <a:schemeClr val="tx1"/>
                                       </a:solidFill>
                                       <a:latin typeface="Cambria Math" panose="02040503050406030204" pitchFamily="18" charset="0"/>
                                       <a:cs typeface="Calibri" panose="020F0502020204030204" pitchFamily="34" charset="0"/>
@@ -10764,7 +10529,7 @@
                               <m:r>
                                 <a:rPr lang="en-AU" smtClean="0">
                                   <a:solidFill>
-                                    <a:srgbClr val="000000"/>
+                                    <a:schemeClr val="tx1"/>
                                   </a:solidFill>
                                   <a:latin typeface="Cambria Math" panose="02040503050406030204" pitchFamily="18" charset="0"/>
                                   <a:cs typeface="Calibri" panose="020F0502020204030204" pitchFamily="34" charset="0"/>
@@ -10774,7 +10539,7 @@
                               <m:r>
                                 <a:rPr lang="en-AU" smtClean="0">
                                   <a:solidFill>
-                                    <a:srgbClr val="238D46"/>
+                                    <a:schemeClr val="tx1"/>
                                   </a:solidFill>
                                   <a:latin typeface="Cambria Math" panose="02040503050406030204" pitchFamily="18" charset="0"/>
                                   <a:cs typeface="Calibri" panose="020F0502020204030204" pitchFamily="34" charset="0"/>
@@ -10784,7 +10549,7 @@
                               <m:r>
                                 <a:rPr lang="en-AU" smtClean="0">
                                   <a:solidFill>
-                                    <a:srgbClr val="238D46"/>
+                                    <a:schemeClr val="tx1"/>
                                   </a:solidFill>
                                   <a:latin typeface="Cambria Math" panose="02040503050406030204" pitchFamily="18" charset="0"/>
                                   <a:cs typeface="Calibri" panose="020F0502020204030204" pitchFamily="34" charset="0"/>
@@ -10797,7 +10562,7 @@
                                 </m:rPr>
                                 <a:rPr lang="en-AU" b="0" i="0" smtClean="0">
                                   <a:solidFill>
-                                    <a:srgbClr val="238D46"/>
+                                    <a:schemeClr val="tx1"/>
                                   </a:solidFill>
                                   <a:latin typeface="Cambria Math" panose="02040503050406030204" pitchFamily="18" charset="0"/>
                                   <a:cs typeface="Calibri" panose="020F0502020204030204" pitchFamily="34" charset="0"/>
@@ -10807,7 +10572,7 @@
                               <m:r>
                                 <a:rPr lang="en-AU" smtClean="0">
                                   <a:solidFill>
-                                    <a:srgbClr val="238D46"/>
+                                    <a:schemeClr val="tx1"/>
                                   </a:solidFill>
                                   <a:latin typeface="Cambria Math" panose="02040503050406030204" pitchFamily="18" charset="0"/>
                                   <a:cs typeface="Calibri" panose="020F0502020204030204" pitchFamily="34" charset="0"/>
@@ -10817,7 +10582,7 @@
                               <m:r>
                                 <a:rPr lang="en-AU" smtClean="0">
                                   <a:solidFill>
-                                    <a:srgbClr val="238D46"/>
+                                    <a:schemeClr val="tx1"/>
                                   </a:solidFill>
                                   <a:latin typeface="Cambria Math" panose="02040503050406030204" pitchFamily="18" charset="0"/>
                                   <a:cs typeface="Calibri" panose="020F0502020204030204" pitchFamily="34" charset="0"/>
@@ -10827,7 +10592,7 @@
                               <m:r>
                                 <a:rPr lang="en-AU" smtClean="0">
                                   <a:solidFill>
-                                    <a:srgbClr val="238D46"/>
+                                    <a:schemeClr val="tx1"/>
                                   </a:solidFill>
                                   <a:latin typeface="Cambria Math" panose="02040503050406030204" pitchFamily="18" charset="0"/>
                                   <a:cs typeface="Calibri" panose="020F0502020204030204" pitchFamily="34" charset="0"/>
@@ -10840,7 +10605,7 @@
                                 </m:rPr>
                                 <a:rPr lang="en-AU" b="0" i="0" smtClean="0">
                                   <a:solidFill>
-                                    <a:srgbClr val="238D46"/>
+                                    <a:schemeClr val="tx1"/>
                                   </a:solidFill>
                                   <a:latin typeface="Cambria Math" panose="02040503050406030204" pitchFamily="18" charset="0"/>
                                   <a:cs typeface="Calibri" panose="020F0502020204030204" pitchFamily="34" charset="0"/>
@@ -10850,7 +10615,7 @@
                               <m:r>
                                 <a:rPr lang="en-AU" smtClean="0">
                                   <a:solidFill>
-                                    <a:srgbClr val="238D46"/>
+                                    <a:schemeClr val="tx1"/>
                                   </a:solidFill>
                                   <a:latin typeface="Cambria Math" panose="02040503050406030204" pitchFamily="18" charset="0"/>
                                   <a:cs typeface="Calibri" panose="020F0502020204030204" pitchFamily="34" charset="0"/>
@@ -10869,7 +10634,7 @@
             </p:txBody>
           </p:sp>
         </mc:Choice>
-        <mc:Fallback xmlns="">
+        <mc:Fallback>
           <p:sp>
             <p:nvSpPr>
               <p:cNvPr id="21" name="Textfeld 20">
@@ -10886,7 +10651,7 @@
             </p:nvSpPr>
             <p:spPr>
               <a:xfrm>
-                <a:off x="65849" y="3314805"/>
+                <a:off x="65849" y="3505502"/>
                 <a:ext cx="4409770" cy="1295098"/>
               </a:xfrm>
               <a:prstGeom prst="rect">
@@ -10895,7 +10660,7 @@
               <a:blipFill>
                 <a:blip r:embed="rId6"/>
                 <a:stretch>
-                  <a:fillRect l="-1245" t="-2830"/>
+                  <a:fillRect l="-1245" t="-2347"/>
                 </a:stretch>
               </a:blipFill>
             </p:spPr>
@@ -10930,7 +10695,7 @@
             </p:nvSpPr>
             <p:spPr>
               <a:xfrm>
-                <a:off x="65848" y="4876800"/>
+                <a:off x="65848" y="4953000"/>
                 <a:ext cx="9294123" cy="1777090"/>
               </a:xfrm>
               <a:prstGeom prst="rect">
@@ -10952,7 +10717,7 @@
                     <a:latin typeface="+mj-lt"/>
                     <a:cs typeface="Calibri" panose="020F0502020204030204" pitchFamily="34" charset="0"/>
                   </a:rPr>
-                  <a:t>4. Plug in values:</a:t>
+                  <a:t>4. Insert values:</a:t>
                 </a:r>
               </a:p>
               <a:p>
@@ -11857,7 +11622,7 @@
             </p:nvSpPr>
             <p:spPr>
               <a:xfrm>
-                <a:off x="65848" y="4876800"/>
+                <a:off x="65848" y="4953000"/>
                 <a:ext cx="9294123" cy="1777090"/>
               </a:xfrm>
               <a:prstGeom prst="rect">
@@ -11866,7 +11631,7 @@
               <a:blipFill>
                 <a:blip r:embed="rId7"/>
                 <a:stretch>
-                  <a:fillRect l="-591" t="-1712"/>
+                  <a:fillRect l="-591" t="-2062"/>
                 </a:stretch>
               </a:blipFill>
             </p:spPr>
@@ -11885,6 +11650,407 @@
           </p:sp>
         </mc:Fallback>
       </mc:AlternateContent>
+      <p:grpSp>
+        <p:nvGrpSpPr>
+          <p:cNvPr id="20" name="Gruppieren 19">
+            <a:extLst>
+              <a:ext uri="{FF2B5EF4-FFF2-40B4-BE49-F238E27FC236}">
+                <a16:creationId xmlns:a16="http://schemas.microsoft.com/office/drawing/2014/main" id="{807F73DE-4FDA-48E4-8D65-E021D1CAE3B5}"/>
+              </a:ext>
+            </a:extLst>
+          </p:cNvPr>
+          <p:cNvGrpSpPr/>
+          <p:nvPr/>
+        </p:nvGrpSpPr>
+        <p:grpSpPr>
+          <a:xfrm>
+            <a:off x="5334000" y="1038832"/>
+            <a:ext cx="3134139" cy="1709262"/>
+            <a:chOff x="5031115" y="1023462"/>
+            <a:chExt cx="3134139" cy="1709262"/>
+          </a:xfrm>
+        </p:grpSpPr>
+        <p:sp>
+          <p:nvSpPr>
+            <p:cNvPr id="23" name="Ellipse 22">
+              <a:extLst>
+                <a:ext uri="{FF2B5EF4-FFF2-40B4-BE49-F238E27FC236}">
+                  <a16:creationId xmlns:a16="http://schemas.microsoft.com/office/drawing/2014/main" id="{84BE491B-1B2F-455F-A476-802190F5FA58}"/>
+                </a:ext>
+              </a:extLst>
+            </p:cNvPr>
+            <p:cNvSpPr/>
+            <p:nvPr/>
+          </p:nvSpPr>
+          <p:spPr>
+            <a:xfrm>
+              <a:off x="5412115" y="1023462"/>
+              <a:ext cx="533400" cy="522924"/>
+            </a:xfrm>
+            <a:prstGeom prst="ellipse">
+              <a:avLst/>
+            </a:prstGeom>
+            <a:solidFill>
+              <a:schemeClr val="accent1"/>
+            </a:solidFill>
+            <a:ln>
+              <a:solidFill>
+                <a:srgbClr val="FF3300"/>
+              </a:solidFill>
+            </a:ln>
+          </p:spPr>
+          <p:style>
+            <a:lnRef idx="2">
+              <a:schemeClr val="accent1">
+                <a:shade val="50000"/>
+              </a:schemeClr>
+            </a:lnRef>
+            <a:fillRef idx="1">
+              <a:schemeClr val="accent1"/>
+            </a:fillRef>
+            <a:effectRef idx="0">
+              <a:schemeClr val="accent1"/>
+            </a:effectRef>
+            <a:fontRef idx="minor">
+              <a:schemeClr val="lt1"/>
+            </a:fontRef>
+          </p:style>
+          <p:txBody>
+            <a:bodyPr rtlCol="0" anchor="ctr"/>
+            <a:lstStyle/>
+            <a:p>
+              <a:pPr algn="ctr"/>
+              <a:endParaRPr lang="en-AU">
+                <a:latin typeface="+mj-lt"/>
+              </a:endParaRPr>
+            </a:p>
+          </p:txBody>
+        </p:sp>
+        <p:sp>
+          <p:nvSpPr>
+            <p:cNvPr id="25" name="Ellipse 24">
+              <a:extLst>
+                <a:ext uri="{FF2B5EF4-FFF2-40B4-BE49-F238E27FC236}">
+                  <a16:creationId xmlns:a16="http://schemas.microsoft.com/office/drawing/2014/main" id="{47EFC41B-0329-40FB-B173-2606E5F0312C}"/>
+                </a:ext>
+              </a:extLst>
+            </p:cNvPr>
+            <p:cNvSpPr/>
+            <p:nvPr/>
+          </p:nvSpPr>
+          <p:spPr>
+            <a:xfrm>
+              <a:off x="7631854" y="1023462"/>
+              <a:ext cx="533400" cy="522924"/>
+            </a:xfrm>
+            <a:prstGeom prst="ellipse">
+              <a:avLst/>
+            </a:prstGeom>
+            <a:solidFill>
+              <a:schemeClr val="bg1"/>
+            </a:solidFill>
+            <a:ln>
+              <a:solidFill>
+                <a:srgbClr val="FF3300"/>
+              </a:solidFill>
+            </a:ln>
+          </p:spPr>
+          <p:style>
+            <a:lnRef idx="2">
+              <a:schemeClr val="accent1">
+                <a:shade val="50000"/>
+              </a:schemeClr>
+            </a:lnRef>
+            <a:fillRef idx="1">
+              <a:schemeClr val="accent1"/>
+            </a:fillRef>
+            <a:effectRef idx="0">
+              <a:schemeClr val="accent1"/>
+            </a:effectRef>
+            <a:fontRef idx="minor">
+              <a:schemeClr val="lt1"/>
+            </a:fontRef>
+          </p:style>
+          <p:txBody>
+            <a:bodyPr rtlCol="0" anchor="ctr"/>
+            <a:lstStyle/>
+            <a:p>
+              <a:pPr algn="ctr"/>
+              <a:endParaRPr lang="en-AU">
+                <a:latin typeface="+mj-lt"/>
+              </a:endParaRPr>
+            </a:p>
+          </p:txBody>
+        </p:sp>
+        <p:sp>
+          <p:nvSpPr>
+            <p:cNvPr id="27" name="Ellipse 26">
+              <a:extLst>
+                <a:ext uri="{FF2B5EF4-FFF2-40B4-BE49-F238E27FC236}">
+                  <a16:creationId xmlns:a16="http://schemas.microsoft.com/office/drawing/2014/main" id="{4592EBDF-9FC7-44BB-A4EF-60AF7DF25C8F}"/>
+                </a:ext>
+              </a:extLst>
+            </p:cNvPr>
+            <p:cNvSpPr/>
+            <p:nvPr/>
+          </p:nvSpPr>
+          <p:spPr>
+            <a:xfrm>
+              <a:off x="6521984" y="2209800"/>
+              <a:ext cx="533400" cy="522924"/>
+            </a:xfrm>
+            <a:prstGeom prst="ellipse">
+              <a:avLst/>
+            </a:prstGeom>
+            <a:solidFill>
+              <a:schemeClr val="accent1"/>
+            </a:solidFill>
+            <a:ln>
+              <a:solidFill>
+                <a:srgbClr val="FF3300"/>
+              </a:solidFill>
+            </a:ln>
+          </p:spPr>
+          <p:style>
+            <a:lnRef idx="2">
+              <a:schemeClr val="accent1">
+                <a:shade val="50000"/>
+              </a:schemeClr>
+            </a:lnRef>
+            <a:fillRef idx="1">
+              <a:schemeClr val="accent1"/>
+            </a:fillRef>
+            <a:effectRef idx="0">
+              <a:schemeClr val="accent1"/>
+            </a:effectRef>
+            <a:fontRef idx="minor">
+              <a:schemeClr val="lt1"/>
+            </a:fontRef>
+          </p:style>
+          <p:txBody>
+            <a:bodyPr rtlCol="0" anchor="ctr"/>
+            <a:lstStyle/>
+            <a:p>
+              <a:pPr algn="ctr"/>
+              <a:endParaRPr lang="en-AU">
+                <a:latin typeface="+mj-lt"/>
+              </a:endParaRPr>
+            </a:p>
+          </p:txBody>
+        </p:sp>
+        <p:cxnSp>
+          <p:nvCxnSpPr>
+            <p:cNvPr id="28" name="Gerade Verbindung mit Pfeil 27">
+              <a:extLst>
+                <a:ext uri="{FF2B5EF4-FFF2-40B4-BE49-F238E27FC236}">
+                  <a16:creationId xmlns:a16="http://schemas.microsoft.com/office/drawing/2014/main" id="{21DD6B9A-FA65-41D3-8626-9F435001BC02}"/>
+                </a:ext>
+              </a:extLst>
+            </p:cNvPr>
+            <p:cNvCxnSpPr>
+              <a:cxnSpLocks/>
+              <a:stCxn id="23" idx="5"/>
+              <a:endCxn id="27" idx="1"/>
+            </p:cNvCxnSpPr>
+            <p:nvPr/>
+          </p:nvCxnSpPr>
+          <p:spPr>
+            <a:xfrm>
+              <a:off x="5867400" y="1469806"/>
+              <a:ext cx="732699" cy="816574"/>
+            </a:xfrm>
+            <a:prstGeom prst="straightConnector1">
+              <a:avLst/>
+            </a:prstGeom>
+            <a:ln w="28575">
+              <a:solidFill>
+                <a:srgbClr val="FF3300"/>
+              </a:solidFill>
+              <a:tailEnd type="triangle"/>
+            </a:ln>
+          </p:spPr>
+          <p:style>
+            <a:lnRef idx="1">
+              <a:schemeClr val="accent1"/>
+            </a:lnRef>
+            <a:fillRef idx="0">
+              <a:schemeClr val="accent1"/>
+            </a:fillRef>
+            <a:effectRef idx="0">
+              <a:schemeClr val="accent1"/>
+            </a:effectRef>
+            <a:fontRef idx="minor">
+              <a:schemeClr val="tx1"/>
+            </a:fontRef>
+          </p:style>
+        </p:cxnSp>
+        <p:cxnSp>
+          <p:nvCxnSpPr>
+            <p:cNvPr id="29" name="Gerade Verbindung mit Pfeil 28">
+              <a:extLst>
+                <a:ext uri="{FF2B5EF4-FFF2-40B4-BE49-F238E27FC236}">
+                  <a16:creationId xmlns:a16="http://schemas.microsoft.com/office/drawing/2014/main" id="{D95C69F4-6B4D-40E8-982C-C5C1C3EA12C7}"/>
+                </a:ext>
+              </a:extLst>
+            </p:cNvPr>
+            <p:cNvCxnSpPr>
+              <a:cxnSpLocks/>
+              <a:stCxn id="25" idx="3"/>
+              <a:endCxn id="27" idx="7"/>
+            </p:cNvCxnSpPr>
+            <p:nvPr/>
+          </p:nvCxnSpPr>
+          <p:spPr>
+            <a:xfrm flipH="1">
+              <a:off x="6977269" y="1469806"/>
+              <a:ext cx="732700" cy="816574"/>
+            </a:xfrm>
+            <a:prstGeom prst="straightConnector1">
+              <a:avLst/>
+            </a:prstGeom>
+            <a:ln w="28575">
+              <a:solidFill>
+                <a:srgbClr val="FF3300"/>
+              </a:solidFill>
+              <a:tailEnd type="triangle"/>
+            </a:ln>
+          </p:spPr>
+          <p:style>
+            <a:lnRef idx="1">
+              <a:schemeClr val="accent1"/>
+            </a:lnRef>
+            <a:fillRef idx="0">
+              <a:schemeClr val="accent1"/>
+            </a:fillRef>
+            <a:effectRef idx="0">
+              <a:schemeClr val="accent1"/>
+            </a:effectRef>
+            <a:fontRef idx="minor">
+              <a:schemeClr val="tx1"/>
+            </a:fontRef>
+          </p:style>
+        </p:cxnSp>
+        <p:sp>
+          <p:nvSpPr>
+            <p:cNvPr id="30" name="Textfeld 29">
+              <a:extLst>
+                <a:ext uri="{FF2B5EF4-FFF2-40B4-BE49-F238E27FC236}">
+                  <a16:creationId xmlns:a16="http://schemas.microsoft.com/office/drawing/2014/main" id="{AF1F27CD-D519-40D9-AA4E-3B77CA3EDA8E}"/>
+                </a:ext>
+              </a:extLst>
+            </p:cNvPr>
+            <p:cNvSpPr txBox="1"/>
+            <p:nvPr/>
+          </p:nvSpPr>
+          <p:spPr>
+            <a:xfrm>
+              <a:off x="7317115" y="1099282"/>
+              <a:ext cx="345955" cy="370524"/>
+            </a:xfrm>
+            <a:prstGeom prst="rect">
+              <a:avLst/>
+            </a:prstGeom>
+            <a:noFill/>
+            <a:ln>
+              <a:noFill/>
+            </a:ln>
+          </p:spPr>
+          <p:txBody>
+            <a:bodyPr wrap="square" rtlCol="0">
+              <a:spAutoFit/>
+            </a:bodyPr>
+            <a:lstStyle/>
+            <a:p>
+              <a:r>
+                <a:rPr lang="en-AU">
+                  <a:latin typeface="+mj-lt"/>
+                </a:rPr>
+                <a:t>A</a:t>
+              </a:r>
+            </a:p>
+          </p:txBody>
+        </p:sp>
+        <p:sp>
+          <p:nvSpPr>
+            <p:cNvPr id="31" name="Textfeld 30">
+              <a:extLst>
+                <a:ext uri="{FF2B5EF4-FFF2-40B4-BE49-F238E27FC236}">
+                  <a16:creationId xmlns:a16="http://schemas.microsoft.com/office/drawing/2014/main" id="{2C916E13-B443-4FD9-9C19-F3DB36B7B469}"/>
+                </a:ext>
+              </a:extLst>
+            </p:cNvPr>
+            <p:cNvSpPr txBox="1"/>
+            <p:nvPr/>
+          </p:nvSpPr>
+          <p:spPr>
+            <a:xfrm>
+              <a:off x="5031115" y="1099282"/>
+              <a:ext cx="345955" cy="370524"/>
+            </a:xfrm>
+            <a:prstGeom prst="rect">
+              <a:avLst/>
+            </a:prstGeom>
+            <a:noFill/>
+            <a:ln>
+              <a:noFill/>
+            </a:ln>
+          </p:spPr>
+          <p:txBody>
+            <a:bodyPr wrap="square" rtlCol="0">
+              <a:spAutoFit/>
+            </a:bodyPr>
+            <a:lstStyle/>
+            <a:p>
+              <a:r>
+                <a:rPr lang="en-AU" dirty="0">
+                  <a:latin typeface="+mj-lt"/>
+                </a:rPr>
+                <a:t>M</a:t>
+              </a:r>
+            </a:p>
+          </p:txBody>
+        </p:sp>
+        <p:sp>
+          <p:nvSpPr>
+            <p:cNvPr id="32" name="Textfeld 31">
+              <a:extLst>
+                <a:ext uri="{FF2B5EF4-FFF2-40B4-BE49-F238E27FC236}">
+                  <a16:creationId xmlns:a16="http://schemas.microsoft.com/office/drawing/2014/main" id="{B538953E-8652-48EF-8D5E-F634A1D1B6BC}"/>
+                </a:ext>
+              </a:extLst>
+            </p:cNvPr>
+            <p:cNvSpPr txBox="1"/>
+            <p:nvPr/>
+          </p:nvSpPr>
+          <p:spPr>
+            <a:xfrm>
+              <a:off x="6209160" y="2324290"/>
+              <a:ext cx="345955" cy="370524"/>
+            </a:xfrm>
+            <a:prstGeom prst="rect">
+              <a:avLst/>
+            </a:prstGeom>
+            <a:noFill/>
+            <a:ln>
+              <a:noFill/>
+            </a:ln>
+          </p:spPr>
+          <p:txBody>
+            <a:bodyPr wrap="square" rtlCol="0">
+              <a:spAutoFit/>
+            </a:bodyPr>
+            <a:lstStyle/>
+            <a:p>
+              <a:r>
+                <a:rPr lang="en-AU">
+                  <a:latin typeface="+mj-lt"/>
+                </a:rPr>
+                <a:t>R</a:t>
+              </a:r>
+            </a:p>
+          </p:txBody>
+        </p:sp>
+      </p:grpSp>
     </p:spTree>
     <p:extLst>
       <p:ext uri="{BB962C8B-B14F-4D97-AF65-F5344CB8AC3E}">
@@ -13425,8 +13591,8 @@
           </a:p>
         </p:txBody>
       </p:sp>
-      <mc:AlternateContent xmlns:mc="http://schemas.openxmlformats.org/markup-compatibility/2006" xmlns:a14="http://schemas.microsoft.com/office/drawing/2010/main">
-        <mc:Choice Requires="a14">
+      <mc:AlternateContent xmlns:mc="http://schemas.openxmlformats.org/markup-compatibility/2006">
+        <mc:Choice xmlns:a14="http://schemas.microsoft.com/office/drawing/2010/main" Requires="a14">
           <p:sp>
             <p:nvSpPr>
               <p:cNvPr id="12" name="Rectangle 3">
@@ -13645,7 +13811,7 @@
                     <a:latin typeface="+mj-lt"/>
                     <a:cs typeface="Times New Roman" panose="02020603050405020304" pitchFamily="18" charset="0"/>
                   </a:rPr>
-                  <a:t>(4pts) There might be more than one correct statements.</a:t>
+                  <a:t>(4pts) There might be more than one correct statement.</a:t>
                 </a:r>
               </a:p>
               <a:p>
@@ -13685,7 +13851,7 @@
                     <a:latin typeface="+mj-lt"/>
                     <a:cs typeface="Times New Roman" panose="02020603050405020304" pitchFamily="18" charset="0"/>
                   </a:rPr>
-                  <a:t>The topology of graphical networks defines the conditional</a:t>
+                  <a:t>The topology of graphical networks defines the Conditional</a:t>
                 </a:r>
               </a:p>
               <a:p>
@@ -13703,14 +13869,28 @@
                     <a:latin typeface="+mj-lt"/>
                     <a:cs typeface="Times New Roman" panose="02020603050405020304" pitchFamily="18" charset="0"/>
                   </a:rPr>
-                  <a:t>     </a:t>
+                  <a:t>     P</a:t>
                 </a:r>
                 <a:r>
                   <a:rPr lang="en-US" sz="1600" b="0" dirty="0">
                     <a:latin typeface="+mj-lt"/>
                     <a:cs typeface="Times New Roman" panose="02020603050405020304" pitchFamily="18" charset="0"/>
                   </a:rPr>
-                  <a:t>probability table (CPT) for each node.</a:t>
+                  <a:t>robability </a:t>
+                </a:r>
+                <a:r>
+                  <a:rPr lang="en-US" sz="1600" dirty="0">
+                    <a:latin typeface="+mj-lt"/>
+                    <a:cs typeface="Times New Roman" panose="02020603050405020304" pitchFamily="18" charset="0"/>
+                  </a:rPr>
+                  <a:t>T</a:t>
+                </a:r>
+                <a:r>
+                  <a:rPr lang="en-US" sz="1600" b="0" dirty="0">
+                    <a:latin typeface="+mj-lt"/>
+                    <a:cs typeface="Times New Roman" panose="02020603050405020304" pitchFamily="18" charset="0"/>
+                  </a:rPr>
+                  <a:t>able (CPT) for each node.</a:t>
                 </a:r>
                 <a:endParaRPr lang="en-US" sz="1600" dirty="0">
                   <a:latin typeface="+mj-lt"/>
@@ -13786,7 +13966,7 @@
                     <a:latin typeface="+mj-lt"/>
                     <a:cs typeface="Times New Roman" panose="02020603050405020304" pitchFamily="18" charset="0"/>
                   </a:rPr>
-                  <a:t>A conditioning case is the possible combination of values for the </a:t>
+                  <a:t>A conditioning case is a possible combination of values for the </a:t>
                 </a:r>
               </a:p>
               <a:p>
@@ -13844,7 +14024,7 @@
                     <a:latin typeface="+mj-lt"/>
                     <a:cs typeface="Calibri" panose="020F0502020204030204" pitchFamily="34" charset="0"/>
                   </a:rPr>
-                  <a:t>Based on the explaining away example from the slides before: Calculate the                       probability that the microphone (M) did not work when you already know that                the recording application (A) and the session recording (R) did not work.     </a:t>
+                  <a:t>Based on the explaining away example from the previous slides: Calculate              the probability that the microphone (M) does not work when you already              know that the recording app (A) and the session recording (R) do not work.     </a:t>
                 </a:r>
                 <a:endParaRPr lang="de-DE" sz="1600" i="1" dirty="0">
                   <a:solidFill>
@@ -14036,7 +14216,7 @@
             </p:txBody>
           </p:sp>
         </mc:Choice>
-        <mc:Fallback xmlns="">
+        <mc:Fallback>
           <p:sp>
             <p:nvSpPr>
               <p:cNvPr id="12" name="Rectangle 3">
@@ -14062,7 +14242,7 @@
               <a:blipFill>
                 <a:blip r:embed="rId4"/>
                 <a:stretch>
-                  <a:fillRect l="-296" t="-811" r="-5704"/>
+                  <a:fillRect l="-296" t="-811"/>
                 </a:stretch>
               </a:blipFill>
               <a:ln w="9525">
@@ -14101,7 +14281,7 @@
         </p:nvSpPr>
         <p:spPr>
           <a:xfrm>
-            <a:off x="4764075" y="4653248"/>
+            <a:off x="3784160" y="4735187"/>
             <a:ext cx="533400" cy="522924"/>
           </a:xfrm>
           <a:prstGeom prst="ellipse">
@@ -14153,7 +14333,7 @@
         </p:nvSpPr>
         <p:spPr>
           <a:xfrm>
-            <a:off x="6983814" y="4653248"/>
+            <a:off x="6003899" y="4735187"/>
             <a:ext cx="533400" cy="522924"/>
           </a:xfrm>
           <a:prstGeom prst="ellipse">
@@ -14207,7 +14387,7 @@
         </p:nvSpPr>
         <p:spPr>
           <a:xfrm>
-            <a:off x="5873944" y="5839586"/>
+            <a:off x="4894029" y="5921525"/>
             <a:ext cx="533400" cy="522924"/>
           </a:xfrm>
           <a:prstGeom prst="ellipse">
@@ -14265,7 +14445,7 @@
         </p:nvCxnSpPr>
         <p:spPr>
           <a:xfrm>
-            <a:off x="5219360" y="5099592"/>
+            <a:off x="4239445" y="5181531"/>
             <a:ext cx="732699" cy="816574"/>
           </a:xfrm>
           <a:prstGeom prst="straightConnector1">
@@ -14311,7 +14491,7 @@
         </p:nvCxnSpPr>
         <p:spPr>
           <a:xfrm flipH="1">
-            <a:off x="6329229" y="5099592"/>
+            <a:off x="5349314" y="5181531"/>
             <a:ext cx="732700" cy="816574"/>
           </a:xfrm>
           <a:prstGeom prst="straightConnector1">
@@ -14353,7 +14533,7 @@
         </p:nvSpPr>
         <p:spPr>
           <a:xfrm>
-            <a:off x="6669075" y="4729068"/>
+            <a:off x="5689160" y="4811007"/>
             <a:ext cx="345955" cy="370524"/>
           </a:xfrm>
           <a:prstGeom prst="rect">
@@ -14391,7 +14571,7 @@
         </p:nvSpPr>
         <p:spPr>
           <a:xfrm>
-            <a:off x="4383075" y="4729068"/>
+            <a:off x="3403160" y="4811007"/>
             <a:ext cx="345955" cy="370524"/>
           </a:xfrm>
           <a:prstGeom prst="rect">
@@ -14429,7 +14609,7 @@
         </p:nvSpPr>
         <p:spPr>
           <a:xfrm>
-            <a:off x="5561120" y="5954076"/>
+            <a:off x="4581205" y="6036015"/>
             <a:ext cx="345955" cy="370524"/>
           </a:xfrm>
           <a:prstGeom prst="rect">
@@ -15295,7 +15475,7 @@
                 <a:latin typeface="+mj-lt"/>
                 <a:cs typeface="Times New Roman" panose="02020603050405020304" pitchFamily="18" charset="0"/>
               </a:rPr>
-              <a:t>(4pts) There might be more than one correct statements.</a:t>
+              <a:t>(4pts) There might be more than one correct statement.</a:t>
             </a:r>
           </a:p>
           <a:p>
@@ -15335,7 +15515,7 @@
                 <a:latin typeface="+mj-lt"/>
                 <a:cs typeface="Times New Roman" panose="02020603050405020304" pitchFamily="18" charset="0"/>
               </a:rPr>
-              <a:t>The topology of graphical networks defines the conditional</a:t>
+              <a:t>The topology of graphical networks defines the Conditional</a:t>
             </a:r>
           </a:p>
           <a:p>
@@ -15353,14 +15533,28 @@
                 <a:latin typeface="+mj-lt"/>
                 <a:cs typeface="Times New Roman" panose="02020603050405020304" pitchFamily="18" charset="0"/>
               </a:rPr>
-              <a:t>     </a:t>
+              <a:t>     P</a:t>
             </a:r>
             <a:r>
               <a:rPr lang="en-US" sz="1600" b="0" dirty="0">
                 <a:latin typeface="+mj-lt"/>
                 <a:cs typeface="Times New Roman" panose="02020603050405020304" pitchFamily="18" charset="0"/>
               </a:rPr>
-              <a:t>probability table (CPT) for each node.</a:t>
+              <a:t>robability </a:t>
+            </a:r>
+            <a:r>
+              <a:rPr lang="en-US" sz="1600" dirty="0">
+                <a:latin typeface="+mj-lt"/>
+                <a:cs typeface="Times New Roman" panose="02020603050405020304" pitchFamily="18" charset="0"/>
+              </a:rPr>
+              <a:t>T</a:t>
+            </a:r>
+            <a:r>
+              <a:rPr lang="en-US" sz="1600" b="0" dirty="0">
+                <a:latin typeface="+mj-lt"/>
+                <a:cs typeface="Times New Roman" panose="02020603050405020304" pitchFamily="18" charset="0"/>
+              </a:rPr>
+              <a:t>able (CPT) for each node.</a:t>
             </a:r>
             <a:endParaRPr lang="en-US" sz="1600" dirty="0">
               <a:latin typeface="+mj-lt"/>
@@ -15436,7 +15630,7 @@
                 <a:latin typeface="+mj-lt"/>
                 <a:cs typeface="Times New Roman" panose="02020603050405020304" pitchFamily="18" charset="0"/>
               </a:rPr>
-              <a:t>A conditioning case is the possible combination of values for the </a:t>
+              <a:t>A conditioning case is a possible combination of values for the </a:t>
             </a:r>
           </a:p>
           <a:p>
@@ -15952,8 +16146,8 @@
           </a:p>
         </p:txBody>
       </p:sp>
-      <mc:AlternateContent xmlns:mc="http://schemas.openxmlformats.org/markup-compatibility/2006" xmlns:a14="http://schemas.microsoft.com/office/drawing/2010/main">
-        <mc:Choice Requires="a14">
+      <mc:AlternateContent xmlns:mc="http://schemas.openxmlformats.org/markup-compatibility/2006">
+        <mc:Choice xmlns:a14="http://schemas.microsoft.com/office/drawing/2010/main" Requires="a14">
           <p:sp>
             <p:nvSpPr>
               <p:cNvPr id="6" name="Rectangle 3">
@@ -16153,7 +16347,7 @@
                     <a:latin typeface="+mj-lt"/>
                     <a:cs typeface="Calibri" panose="020F0502020204030204" pitchFamily="34" charset="0"/>
                   </a:rPr>
-                  <a:t>Based on the explaining away example from the slides before: Calculate the                       probability that the microphone (M) did not work when you already know that                the recording application (A) and the session recording (R) did not work. </a:t>
+                  <a:t>Based on the explaining away example from the previous slides: Calculate                                                             the probability that the microphone (M) does not work when you already                          know that the recording app (A) and the session recording (R) do not work. </a:t>
                 </a:r>
                 <a14:m>
                   <m:oMath xmlns:m="http://schemas.openxmlformats.org/officeDocument/2006/math">
@@ -16164,7 +16358,16 @@
                         </a:solidFill>
                         <a:latin typeface="Cambria Math" panose="02040503050406030204" pitchFamily="18" charset="0"/>
                       </a:rPr>
-                      <m:t>                  </m:t>
+                      <m:t>                </m:t>
+                    </m:r>
+                    <m:r>
+                      <a:rPr lang="de-DE" sz="1200" b="0" i="0" smtClean="0">
+                        <a:solidFill>
+                          <a:srgbClr val="000000"/>
+                        </a:solidFill>
+                        <a:latin typeface="Cambria Math" panose="02040503050406030204" pitchFamily="18" charset="0"/>
+                      </a:rPr>
+                      <m:t>  </m:t>
                     </m:r>
                   </m:oMath>
                 </a14:m>
@@ -16316,7 +16519,7 @@
                         <m:rPr>
                           <m:nor/>
                         </m:rPr>
-                        <a:rPr lang="de-DE" sz="1200" dirty="0" smtClean="0">
+                        <a:rPr lang="de-DE" sz="1300" dirty="0" smtClean="0">
                           <a:solidFill>
                             <a:srgbClr val="000000"/>
                           </a:solidFill>
@@ -16329,7 +16532,7 @@
                         <m:rPr>
                           <m:nor/>
                         </m:rPr>
-                        <a:rPr lang="en-US" sz="1200" smtClean="0">
+                        <a:rPr lang="en-US" sz="1300" smtClean="0">
                           <a:solidFill>
                             <a:srgbClr val="000000"/>
                           </a:solidFill>
@@ -16342,20 +16545,20 @@
                         <m:rPr>
                           <m:nor/>
                         </m:rPr>
-                        <a:rPr lang="en-US" sz="1200" b="1" i="0" smtClean="0">
+                        <a:rPr lang="de-DE" sz="1300" b="1" i="0" smtClean="0">
                           <a:solidFill>
                             <a:srgbClr val="000000"/>
                           </a:solidFill>
                           <a:latin typeface="+mj-lt"/>
                           <a:cs typeface="Calibri" panose="020F0502020204030204" pitchFamily="34" charset="0"/>
                         </a:rPr>
-                        <m:t>Equation</m:t>
+                        <m:t>Read</m:t>
                       </m:r>
                       <m:r>
                         <m:rPr>
                           <m:nor/>
                         </m:rPr>
-                        <a:rPr lang="en-US" sz="1200" b="1" i="0" smtClean="0">
+                        <a:rPr lang="de-DE" sz="1300" b="1" i="0" smtClean="0">
                           <a:solidFill>
                             <a:srgbClr val="000000"/>
                           </a:solidFill>
@@ -16368,7 +16571,46 @@
                         <m:rPr>
                           <m:nor/>
                         </m:rPr>
-                        <a:rPr lang="en-US" sz="1200" smtClean="0">
+                        <a:rPr lang="de-DE" sz="1300" b="1" i="0" smtClean="0">
+                          <a:solidFill>
+                            <a:srgbClr val="000000"/>
+                          </a:solidFill>
+                          <a:latin typeface="+mj-lt"/>
+                          <a:cs typeface="Calibri" panose="020F0502020204030204" pitchFamily="34" charset="0"/>
+                        </a:rPr>
+                        <m:t>e</m:t>
+                      </m:r>
+                      <m:r>
+                        <m:rPr>
+                          <m:nor/>
+                        </m:rPr>
+                        <a:rPr lang="en-US" sz="1300" b="1" i="0" smtClean="0">
+                          <a:solidFill>
+                            <a:srgbClr val="000000"/>
+                          </a:solidFill>
+                          <a:latin typeface="+mj-lt"/>
+                          <a:cs typeface="Calibri" panose="020F0502020204030204" pitchFamily="34" charset="0"/>
+                        </a:rPr>
+                        <m:t>quation</m:t>
+                      </m:r>
+                      <m:r>
+                        <m:rPr>
+                          <m:nor/>
+                        </m:rPr>
+                        <a:rPr lang="en-US" sz="1300" b="1" i="0" smtClean="0">
+                          <a:solidFill>
+                            <a:srgbClr val="000000"/>
+                          </a:solidFill>
+                          <a:latin typeface="+mj-lt"/>
+                          <a:cs typeface="Calibri" panose="020F0502020204030204" pitchFamily="34" charset="0"/>
+                        </a:rPr>
+                        <m:t> </m:t>
+                      </m:r>
+                      <m:r>
+                        <m:rPr>
+                          <m:nor/>
+                        </m:rPr>
+                        <a:rPr lang="en-US" sz="1300" smtClean="0">
                           <a:solidFill>
                             <a:srgbClr val="000000"/>
                           </a:solidFill>
@@ -16381,7 +16623,7 @@
                         <m:rPr>
                           <m:nor/>
                         </m:rPr>
-                        <a:rPr lang="en-US" sz="1200" smtClean="0">
+                        <a:rPr lang="en-US" sz="1300" smtClean="0">
                           <a:solidFill>
                             <a:srgbClr val="000000"/>
                           </a:solidFill>
@@ -16394,7 +16636,7 @@
                         <m:rPr>
                           <m:nor/>
                         </m:rPr>
-                        <a:rPr lang="en-US" sz="1200" smtClean="0">
+                        <a:rPr lang="en-US" sz="1300" smtClean="0">
                           <a:solidFill>
                             <a:srgbClr val="000000"/>
                           </a:solidFill>
@@ -16407,7 +16649,7 @@
                         <m:rPr>
                           <m:nor/>
                         </m:rPr>
-                        <a:rPr lang="en-US" sz="1200" smtClean="0">
+                        <a:rPr lang="en-US" sz="1300" smtClean="0">
                           <a:solidFill>
                             <a:srgbClr val="000000"/>
                           </a:solidFill>
@@ -16420,7 +16662,7 @@
                         <m:rPr>
                           <m:nor/>
                         </m:rPr>
-                        <a:rPr lang="en-US" sz="1200" smtClean="0">
+                        <a:rPr lang="en-US" sz="1300" smtClean="0">
                           <a:solidFill>
                             <a:srgbClr val="000000"/>
                           </a:solidFill>
@@ -16433,7 +16675,7 @@
                         <m:rPr>
                           <m:nor/>
                         </m:rPr>
-                        <a:rPr lang="en-US" sz="1200" smtClean="0">
+                        <a:rPr lang="en-US" sz="1300" smtClean="0">
                           <a:solidFill>
                             <a:srgbClr val="000000"/>
                           </a:solidFill>
@@ -16445,7 +16687,7 @@
                     </m:oMath>
                   </m:oMathPara>
                 </a14:m>
-                <a:endParaRPr lang="en-US" sz="1200" dirty="0">
+                <a:endParaRPr lang="en-US" sz="1300" dirty="0">
                   <a:solidFill>
                     <a:srgbClr val="000000"/>
                   </a:solidFill>
@@ -16454,7 +16696,7 @@
                 </a:endParaRPr>
               </a:p>
               <a:p>
-                <a:endParaRPr lang="en-US" sz="1200" dirty="0">
+                <a:endParaRPr lang="en-US" sz="1300" dirty="0">
                   <a:solidFill>
                     <a:srgbClr val="000000"/>
                   </a:solidFill>
@@ -16471,7 +16713,7 @@
                     </m:oMathParaPr>
                     <m:oMath xmlns:m="http://schemas.openxmlformats.org/officeDocument/2006/math">
                       <m:r>
-                        <a:rPr lang="en-US" sz="1200" b="0" i="1">
+                        <a:rPr lang="en-US" sz="1300" b="0" i="1">
                           <a:solidFill>
                             <a:srgbClr val="000000"/>
                           </a:solidFill>
@@ -16483,7 +16725,7 @@
                       <m:d>
                         <m:dPr>
                           <m:ctrlPr>
-                            <a:rPr lang="en-US" sz="1200" b="0" i="1">
+                            <a:rPr lang="en-US" sz="1300" b="0" i="1">
                               <a:solidFill>
                                 <a:srgbClr val="000000"/>
                               </a:solidFill>
@@ -16494,7 +16736,7 @@
                         </m:dPr>
                         <m:e>
                           <m:r>
-                            <a:rPr lang="en-US" sz="1200" b="0" i="1">
+                            <a:rPr lang="en-US" sz="1300" b="0" i="1">
                               <a:solidFill>
                                 <a:srgbClr val="000000"/>
                               </a:solidFill>
@@ -16504,7 +16746,7 @@
                             <m:t>𝑀</m:t>
                           </m:r>
                           <m:r>
-                            <a:rPr lang="en-US" sz="1200" b="0" i="1">
+                            <a:rPr lang="en-US" sz="1300" b="0" i="1">
                               <a:solidFill>
                                 <a:srgbClr val="000000"/>
                               </a:solidFill>
@@ -16514,7 +16756,7 @@
                             <m:t>,</m:t>
                           </m:r>
                           <m:r>
-                            <a:rPr lang="en-US" sz="1200" b="0" i="1" smtClean="0">
+                            <a:rPr lang="en-US" sz="1300" b="0" i="1" smtClean="0">
                               <a:solidFill>
                                 <a:srgbClr val="000000"/>
                               </a:solidFill>
@@ -16524,7 +16766,7 @@
                             <m:t>𝐴</m:t>
                           </m:r>
                           <m:r>
-                            <a:rPr lang="en-US" sz="1200" b="0" i="1">
+                            <a:rPr lang="en-US" sz="1300" b="0" i="1">
                               <a:solidFill>
                                 <a:srgbClr val="000000"/>
                               </a:solidFill>
@@ -16534,7 +16776,7 @@
                             <m:t>,</m:t>
                           </m:r>
                           <m:r>
-                            <a:rPr lang="en-US" sz="1200" b="0" i="1" smtClean="0">
+                            <a:rPr lang="en-US" sz="1300" b="0" i="1" smtClean="0">
                               <a:solidFill>
                                 <a:srgbClr val="000000"/>
                               </a:solidFill>
@@ -16546,7 +16788,7 @@
                         </m:e>
                       </m:d>
                       <m:r>
-                        <a:rPr lang="en-US" sz="1200" b="0" i="1">
+                        <a:rPr lang="en-US" sz="1300" b="0" i="1">
                           <a:solidFill>
                             <a:srgbClr val="000000"/>
                           </a:solidFill>
@@ -16556,7 +16798,7 @@
                         <m:t>=</m:t>
                       </m:r>
                       <m:r>
-                        <a:rPr lang="en-US" sz="1200" b="0" i="1">
+                        <a:rPr lang="en-US" sz="1300" b="0" i="1">
                           <a:solidFill>
                             <a:srgbClr val="000000"/>
                           </a:solidFill>
@@ -16568,7 +16810,7 @@
                       <m:d>
                         <m:dPr>
                           <m:ctrlPr>
-                            <a:rPr lang="en-US" sz="1200" b="0" i="1">
+                            <a:rPr lang="en-US" sz="1300" b="0" i="1">
                               <a:solidFill>
                                 <a:srgbClr val="000000"/>
                               </a:solidFill>
@@ -16579,7 +16821,7 @@
                         </m:dPr>
                         <m:e>
                           <m:r>
-                            <a:rPr lang="en-US" sz="1200" b="0" i="1">
+                            <a:rPr lang="en-US" sz="1300" b="0" i="1">
                               <a:solidFill>
                                 <a:srgbClr val="000000"/>
                               </a:solidFill>
@@ -16591,7 +16833,7 @@
                         </m:e>
                       </m:d>
                       <m:r>
-                        <a:rPr lang="en-US" sz="1200" b="0" i="1">
+                        <a:rPr lang="en-US" sz="1300" b="0" i="1">
                           <a:solidFill>
                             <a:srgbClr val="000000"/>
                           </a:solidFill>
@@ -16601,7 +16843,7 @@
                         <m:t>∗</m:t>
                       </m:r>
                       <m:r>
-                        <a:rPr lang="en-US" sz="1200" b="0" i="1">
+                        <a:rPr lang="en-US" sz="1300" b="0" i="1">
                           <a:solidFill>
                             <a:srgbClr val="000000"/>
                           </a:solidFill>
@@ -16613,7 +16855,7 @@
                       <m:d>
                         <m:dPr>
                           <m:ctrlPr>
-                            <a:rPr lang="en-US" sz="1200" b="0" i="1">
+                            <a:rPr lang="en-US" sz="1300" b="0" i="1">
                               <a:solidFill>
                                 <a:srgbClr val="000000"/>
                               </a:solidFill>
@@ -16624,7 +16866,7 @@
                         </m:dPr>
                         <m:e>
                           <m:r>
-                            <a:rPr lang="en-US" sz="1200" b="0" i="1" smtClean="0">
+                            <a:rPr lang="en-US" sz="1300" b="0" i="1" smtClean="0">
                               <a:solidFill>
                                 <a:srgbClr val="000000"/>
                               </a:solidFill>
@@ -16636,7 +16878,7 @@
                         </m:e>
                       </m:d>
                       <m:r>
-                        <a:rPr lang="en-US" sz="1200" b="0" i="1">
+                        <a:rPr lang="en-US" sz="1300" b="0" i="1">
                           <a:solidFill>
                             <a:srgbClr val="000000"/>
                           </a:solidFill>
@@ -16646,7 +16888,7 @@
                         <m:t>∗</m:t>
                       </m:r>
                       <m:r>
-                        <a:rPr lang="en-US" sz="1200" b="0" i="1">
+                        <a:rPr lang="en-US" sz="1300" b="0" i="1">
                           <a:solidFill>
                             <a:srgbClr val="000000"/>
                           </a:solidFill>
@@ -16658,7 +16900,7 @@
                       <m:d>
                         <m:dPr>
                           <m:ctrlPr>
-                            <a:rPr lang="en-US" sz="1200" b="0" i="1">
+                            <a:rPr lang="en-US" sz="1300" b="0" i="1">
                               <a:solidFill>
                                 <a:srgbClr val="000000"/>
                               </a:solidFill>
@@ -16669,7 +16911,7 @@
                         </m:dPr>
                         <m:e>
                           <m:r>
-                            <a:rPr lang="en-US" sz="1200" b="0" i="1" smtClean="0">
+                            <a:rPr lang="en-US" sz="1300" b="0" i="1" smtClean="0">
                               <a:solidFill>
                                 <a:srgbClr val="000000"/>
                               </a:solidFill>
@@ -16681,7 +16923,7 @@
                         </m:e>
                         <m:e>
                           <m:r>
-                            <a:rPr lang="en-US" sz="1200" b="0" i="1">
+                            <a:rPr lang="en-US" sz="1300" b="0" i="1">
                               <a:solidFill>
                                 <a:srgbClr val="000000"/>
                               </a:solidFill>
@@ -16691,7 +16933,7 @@
                             <m:t>𝑀</m:t>
                           </m:r>
                           <m:r>
-                            <a:rPr lang="en-US" sz="1200" b="0" i="1">
+                            <a:rPr lang="en-US" sz="1300" b="0" i="1">
                               <a:solidFill>
                                 <a:srgbClr val="000000"/>
                               </a:solidFill>
@@ -16701,7 +16943,7 @@
                             <m:t>,</m:t>
                           </m:r>
                           <m:r>
-                            <a:rPr lang="en-US" sz="1200" b="0" i="1" smtClean="0">
+                            <a:rPr lang="en-US" sz="1300" b="0" i="1" smtClean="0">
                               <a:solidFill>
                                 <a:srgbClr val="000000"/>
                               </a:solidFill>
@@ -16715,35 +16957,35 @@
                     </m:oMath>
                   </m:oMathPara>
                 </a14:m>
-                <a:endParaRPr lang="en-US" sz="1200" b="0" i="1" dirty="0">
+                <a:endParaRPr lang="en-US" sz="1300" b="0" i="1" dirty="0">
                   <a:latin typeface="Cambria Math" panose="02040503050406030204" pitchFamily="18" charset="0"/>
                   <a:ea typeface="Cambria Math" panose="02040503050406030204" pitchFamily="18" charset="0"/>
                 </a:endParaRPr>
               </a:p>
               <a:p>
-                <a:endParaRPr lang="en-US" sz="1200" b="0" dirty="0">
+                <a:endParaRPr lang="en-US" sz="1300" b="0" dirty="0">
                   <a:latin typeface="+mj-lt"/>
                 </a:endParaRPr>
               </a:p>
               <a:p>
                 <a:r>
-                  <a:rPr lang="en-US" sz="1200" dirty="0">
+                  <a:rPr lang="en-US" sz="1300" dirty="0">
                     <a:latin typeface="+mj-lt"/>
                     <a:cs typeface="Calibri" panose="020F0502020204030204" pitchFamily="34" charset="0"/>
                   </a:rPr>
                   <a:t>	2</a:t>
                 </a:r>
                 <a:r>
-                  <a:rPr lang="en-US" sz="1200" dirty="0">
+                  <a:rPr lang="en-US" sz="1300" dirty="0">
                     <a:solidFill>
                       <a:srgbClr val="000000"/>
                     </a:solidFill>
                     <a:latin typeface="+mj-lt"/>
                     <a:cs typeface="Calibri" panose="020F0502020204030204" pitchFamily="34" charset="0"/>
                   </a:rPr>
-                  <a:t>. Product rule over A and R</a:t>
+                  <a:t>. Apply product rule over A and R:</a:t>
                 </a:r>
-                <a:endParaRPr lang="en-US" sz="1200" b="0" dirty="0">
+                <a:endParaRPr lang="en-US" sz="1300" b="0" dirty="0">
                   <a:solidFill>
                     <a:srgbClr val="000000"/>
                   </a:solidFill>
@@ -16752,7 +16994,7 @@
                 </a:endParaRPr>
               </a:p>
               <a:p>
-                <a:endParaRPr lang="en-US" sz="1200" dirty="0">
+                <a:endParaRPr lang="en-US" sz="1300" dirty="0">
                   <a:solidFill>
                     <a:srgbClr val="000000"/>
                   </a:solidFill>
@@ -16769,7 +17011,7 @@
                     </m:oMathParaPr>
                     <m:oMath xmlns:m="http://schemas.openxmlformats.org/officeDocument/2006/math">
                       <m:r>
-                        <a:rPr lang="en-US" sz="1200" b="0" i="1">
+                        <a:rPr lang="en-US" sz="1300" b="0" i="1">
                           <a:solidFill>
                             <a:srgbClr val="000000"/>
                           </a:solidFill>
@@ -16780,7 +17022,7 @@
                       <m:d>
                         <m:dPr>
                           <m:ctrlPr>
-                            <a:rPr lang="en-US" sz="1200" b="0" i="1">
+                            <a:rPr lang="en-US" sz="1300" b="0" i="1">
                               <a:solidFill>
                                 <a:srgbClr val="000000"/>
                               </a:solidFill>
@@ -16790,7 +17032,7 @@
                         </m:dPr>
                         <m:e>
                           <m:r>
-                            <a:rPr lang="en-US" sz="1200" b="0" i="1" smtClean="0">
+                            <a:rPr lang="en-US" sz="1300" b="0" i="1" smtClean="0">
                               <a:solidFill>
                                 <a:srgbClr val="000000"/>
                               </a:solidFill>
@@ -16799,7 +17041,7 @@
                             <m:t>𝑀</m:t>
                           </m:r>
                           <m:r>
-                            <a:rPr lang="en-US" sz="1200" b="0" i="1">
+                            <a:rPr lang="en-US" sz="1300" b="0" i="1">
                               <a:solidFill>
                                 <a:srgbClr val="000000"/>
                               </a:solidFill>
@@ -16808,7 +17050,7 @@
                             <m:t>|</m:t>
                           </m:r>
                           <m:r>
-                            <a:rPr lang="en-US" sz="1200" b="0" i="1" smtClean="0">
+                            <a:rPr lang="en-US" sz="1300" b="0" i="1" smtClean="0">
                               <a:solidFill>
                                 <a:srgbClr val="000000"/>
                               </a:solidFill>
@@ -16817,7 +17059,7 @@
                             <m:t>𝐴</m:t>
                           </m:r>
                           <m:r>
-                            <a:rPr lang="en-US" sz="1200" b="0" i="1">
+                            <a:rPr lang="en-US" sz="1300" b="0" i="1">
                               <a:solidFill>
                                 <a:srgbClr val="000000"/>
                               </a:solidFill>
@@ -16826,7 +17068,7 @@
                             <m:t>,</m:t>
                           </m:r>
                           <m:r>
-                            <a:rPr lang="en-US" sz="1200" b="0" i="1" smtClean="0">
+                            <a:rPr lang="en-US" sz="1300" b="0" i="1" smtClean="0">
                               <a:solidFill>
                                 <a:srgbClr val="000000"/>
                               </a:solidFill>
@@ -16837,7 +17079,7 @@
                         </m:e>
                       </m:d>
                       <m:r>
-                        <a:rPr lang="en-US" sz="1200" b="0" i="1">
+                        <a:rPr lang="en-US" sz="1300" b="0" i="1">
                           <a:solidFill>
                             <a:srgbClr val="000000"/>
                           </a:solidFill>
@@ -16848,7 +17090,7 @@
                       <m:f>
                         <m:fPr>
                           <m:ctrlPr>
-                            <a:rPr lang="en-US" sz="1200" b="0" i="1">
+                            <a:rPr lang="en-US" sz="1300" b="0" i="1">
                               <a:solidFill>
                                 <a:srgbClr val="000000"/>
                               </a:solidFill>
@@ -16858,7 +17100,7 @@
                         </m:fPr>
                         <m:num>
                           <m:r>
-                            <a:rPr lang="en-US" sz="1200" b="0" i="1">
+                            <a:rPr lang="en-US" sz="1300" b="0" i="1">
                               <a:solidFill>
                                 <a:srgbClr val="000000"/>
                               </a:solidFill>
@@ -16869,7 +17111,7 @@
                           <m:d>
                             <m:dPr>
                               <m:ctrlPr>
-                                <a:rPr lang="en-US" sz="1200" b="0" i="1">
+                                <a:rPr lang="en-US" sz="1300" b="0" i="1">
                                   <a:solidFill>
                                     <a:srgbClr val="000000"/>
                                   </a:solidFill>
@@ -16879,7 +17121,7 @@
                             </m:dPr>
                             <m:e>
                               <m:r>
-                                <a:rPr lang="en-US" sz="1200" b="0" i="1">
+                                <a:rPr lang="en-US" sz="1300" b="0" i="1">
                                   <a:solidFill>
                                     <a:srgbClr val="000000"/>
                                   </a:solidFill>
@@ -16890,7 +17132,7 @@
                             </m:e>
                           </m:d>
                           <m:r>
-                            <a:rPr lang="en-US" sz="1200" b="0" i="1">
+                            <a:rPr lang="en-US" sz="1300" b="0" i="1">
                               <a:solidFill>
                                 <a:srgbClr val="000000"/>
                               </a:solidFill>
@@ -16899,7 +17141,7 @@
                             <m:t>∗</m:t>
                           </m:r>
                           <m:r>
-                            <a:rPr lang="en-US" sz="1200" b="0" i="1">
+                            <a:rPr lang="en-US" sz="1300" b="0" i="1">
                               <a:solidFill>
                                 <a:srgbClr val="000000"/>
                               </a:solidFill>
@@ -16910,7 +17152,7 @@
                           <m:d>
                             <m:dPr>
                               <m:ctrlPr>
-                                <a:rPr lang="en-US" sz="1200" b="0" i="1">
+                                <a:rPr lang="en-US" sz="1300" b="0" i="1">
                                   <a:solidFill>
                                     <a:srgbClr val="000000"/>
                                   </a:solidFill>
@@ -16920,7 +17162,7 @@
                             </m:dPr>
                             <m:e>
                               <m:r>
-                                <a:rPr lang="en-US" sz="1200" b="0" i="1" smtClean="0">
+                                <a:rPr lang="en-US" sz="1300" b="0" i="1" smtClean="0">
                                   <a:solidFill>
                                     <a:srgbClr val="000000"/>
                                   </a:solidFill>
@@ -16931,7 +17173,7 @@
                             </m:e>
                           </m:d>
                           <m:r>
-                            <a:rPr lang="en-US" sz="1200" b="0" i="1">
+                            <a:rPr lang="en-US" sz="1300" b="0" i="1">
                               <a:solidFill>
                                 <a:srgbClr val="000000"/>
                               </a:solidFill>
@@ -16940,7 +17182,7 @@
                             <m:t>∗</m:t>
                           </m:r>
                           <m:r>
-                            <a:rPr lang="en-US" sz="1200" b="0" i="1">
+                            <a:rPr lang="en-US" sz="1300" b="0" i="1">
                               <a:solidFill>
                                 <a:srgbClr val="000000"/>
                               </a:solidFill>
@@ -16949,7 +17191,7 @@
                             <m:t>𝑃</m:t>
                           </m:r>
                           <m:r>
-                            <a:rPr lang="en-US" sz="1200" b="0" i="1">
+                            <a:rPr lang="en-US" sz="1300" b="0" i="1">
                               <a:solidFill>
                                 <a:srgbClr val="000000"/>
                               </a:solidFill>
@@ -16958,7 +17200,7 @@
                             <m:t>(</m:t>
                           </m:r>
                           <m:r>
-                            <a:rPr lang="en-US" sz="1200" b="0" i="1" smtClean="0">
+                            <a:rPr lang="en-US" sz="1300" b="0" i="1" smtClean="0">
                               <a:solidFill>
                                 <a:srgbClr val="000000"/>
                               </a:solidFill>
@@ -16967,7 +17209,7 @@
                             <m:t>𝑅</m:t>
                           </m:r>
                           <m:r>
-                            <a:rPr lang="en-US" sz="1200" b="0" i="1">
+                            <a:rPr lang="en-US" sz="1300" b="0" i="1">
                               <a:solidFill>
                                 <a:srgbClr val="000000"/>
                               </a:solidFill>
@@ -16976,7 +17218,7 @@
                             <m:t>|</m:t>
                           </m:r>
                           <m:r>
-                            <a:rPr lang="en-US" sz="1200" b="0" i="1">
+                            <a:rPr lang="en-US" sz="1300" b="0" i="1">
                               <a:solidFill>
                                 <a:srgbClr val="000000"/>
                               </a:solidFill>
@@ -16985,7 +17227,7 @@
                             <m:t>𝑀</m:t>
                           </m:r>
                           <m:r>
-                            <a:rPr lang="en-US" sz="1200" b="0" i="1">
+                            <a:rPr lang="en-US" sz="1300" b="0" i="1">
                               <a:solidFill>
                                 <a:srgbClr val="000000"/>
                               </a:solidFill>
@@ -16994,7 +17236,7 @@
                             <m:t>,</m:t>
                           </m:r>
                           <m:r>
-                            <a:rPr lang="en-US" sz="1200" b="0" i="1" smtClean="0">
+                            <a:rPr lang="en-US" sz="1300" b="0" i="1" smtClean="0">
                               <a:solidFill>
                                 <a:srgbClr val="000000"/>
                               </a:solidFill>
@@ -17003,7 +17245,7 @@
                             <m:t>𝐴</m:t>
                           </m:r>
                           <m:r>
-                            <a:rPr lang="en-US" sz="1200" b="0" i="1">
+                            <a:rPr lang="en-US" sz="1300" b="0" i="1">
                               <a:solidFill>
                                 <a:srgbClr val="000000"/>
                               </a:solidFill>
@@ -17014,7 +17256,7 @@
                         </m:num>
                         <m:den>
                           <m:r>
-                            <a:rPr lang="en-US" sz="1200" b="0" i="1">
+                            <a:rPr lang="en-US" sz="1300" b="0" i="1">
                               <a:solidFill>
                                 <a:srgbClr val="000000"/>
                               </a:solidFill>
@@ -17023,7 +17265,7 @@
                             <m:t>𝑃</m:t>
                           </m:r>
                           <m:r>
-                            <a:rPr lang="en-US" sz="1200" b="0" i="1">
+                            <a:rPr lang="en-US" sz="1300" b="0" i="1">
                               <a:solidFill>
                                 <a:srgbClr val="000000"/>
                               </a:solidFill>
@@ -17032,7 +17274,7 @@
                             <m:t>(</m:t>
                           </m:r>
                           <m:r>
-                            <a:rPr lang="en-US" sz="1200" b="0" i="1" smtClean="0">
+                            <a:rPr lang="en-US" sz="1300" b="0" i="1" smtClean="0">
                               <a:solidFill>
                                 <a:srgbClr val="000000"/>
                               </a:solidFill>
@@ -17041,7 +17283,7 @@
                             <m:t>𝐴</m:t>
                           </m:r>
                           <m:r>
-                            <a:rPr lang="en-US" sz="1200" b="0" i="1">
+                            <a:rPr lang="en-US" sz="1300" b="0" i="1">
                               <a:solidFill>
                                 <a:srgbClr val="000000"/>
                               </a:solidFill>
@@ -17050,7 +17292,7 @@
                             <m:t>,</m:t>
                           </m:r>
                           <m:r>
-                            <a:rPr lang="en-US" sz="1200" b="0" i="1" smtClean="0">
+                            <a:rPr lang="en-US" sz="1300" b="0" i="1" smtClean="0">
                               <a:solidFill>
                                 <a:srgbClr val="000000"/>
                               </a:solidFill>
@@ -17059,7 +17301,7 @@
                             <m:t>𝑅</m:t>
                           </m:r>
                           <m:r>
-                            <a:rPr lang="en-US" sz="1200" b="0" i="1">
+                            <a:rPr lang="en-US" sz="1300" b="0" i="1">
                               <a:solidFill>
                                 <a:srgbClr val="000000"/>
                               </a:solidFill>
@@ -17072,24 +17314,24 @@
                     </m:oMath>
                   </m:oMathPara>
                 </a14:m>
-                <a:endParaRPr lang="en-US" sz="1200" b="0" i="1" dirty="0">
+                <a:endParaRPr lang="en-US" sz="1300" b="0" i="1" dirty="0">
                   <a:latin typeface="+mj-lt"/>
                 </a:endParaRPr>
               </a:p>
               <a:p>
                 <a:r>
-                  <a:rPr lang="en-US" sz="1200" dirty="0">
+                  <a:rPr lang="en-US" sz="1300" dirty="0">
                     <a:solidFill>
                       <a:srgbClr val="000000"/>
                     </a:solidFill>
                     <a:latin typeface="+mj-lt"/>
                     <a:cs typeface="Calibri" panose="020F0502020204030204" pitchFamily="34" charset="0"/>
                   </a:rPr>
-                  <a:t>	3. Sum rule over M:</a:t>
+                  <a:t>	3. Apply sum rule over M:</a:t>
                 </a:r>
               </a:p>
               <a:p>
-                <a:endParaRPr lang="en-US" sz="1200" dirty="0">
+                <a:endParaRPr lang="en-US" sz="1300" dirty="0">
                   <a:solidFill>
                     <a:srgbClr val="000000"/>
                   </a:solidFill>
@@ -17106,7 +17348,7 @@
                     </m:oMathParaPr>
                     <m:oMath xmlns:m="http://schemas.openxmlformats.org/officeDocument/2006/math">
                       <m:r>
-                        <a:rPr lang="en-US" sz="1200" b="0" i="1">
+                        <a:rPr lang="en-US" sz="1300" b="0" i="1">
                           <a:solidFill>
                             <a:srgbClr val="000000"/>
                           </a:solidFill>
@@ -17116,7 +17358,7 @@
                         <m:t>𝑃</m:t>
                       </m:r>
                       <m:r>
-                        <a:rPr lang="en-US" sz="1200" b="0" i="1">
+                        <a:rPr lang="en-US" sz="1300" b="0" i="1">
                           <a:solidFill>
                             <a:srgbClr val="000000"/>
                           </a:solidFill>
@@ -17126,7 +17368,7 @@
                         <m:t>(</m:t>
                       </m:r>
                       <m:r>
-                        <a:rPr lang="en-US" sz="1200" b="0" i="1" smtClean="0">
+                        <a:rPr lang="en-US" sz="1300" b="0" i="1" smtClean="0">
                           <a:solidFill>
                             <a:srgbClr val="000000"/>
                           </a:solidFill>
@@ -17136,7 +17378,7 @@
                         <m:t>𝐴</m:t>
                       </m:r>
                       <m:r>
-                        <a:rPr lang="en-US" sz="1200" b="0" i="1">
+                        <a:rPr lang="en-US" sz="1300" b="0" i="1">
                           <a:solidFill>
                             <a:srgbClr val="000000"/>
                           </a:solidFill>
@@ -17146,7 +17388,7 @@
                         <m:t>,</m:t>
                       </m:r>
                       <m:r>
-                        <a:rPr lang="en-US" sz="1200" b="0" i="1" smtClean="0">
+                        <a:rPr lang="en-US" sz="1300" b="0" i="1" smtClean="0">
                           <a:solidFill>
                             <a:srgbClr val="000000"/>
                           </a:solidFill>
@@ -17156,7 +17398,7 @@
                         <m:t>𝑅</m:t>
                       </m:r>
                       <m:r>
-                        <a:rPr lang="en-US" sz="1200" b="0" i="1">
+                        <a:rPr lang="en-US" sz="1300" b="0" i="1">
                           <a:solidFill>
                             <a:srgbClr val="000000"/>
                           </a:solidFill>
@@ -17166,7 +17408,7 @@
                         <m:t>)=</m:t>
                       </m:r>
                       <m:r>
-                        <a:rPr lang="en-US" sz="1200" b="0" i="1">
+                        <a:rPr lang="en-US" sz="1300" b="0" i="1">
                           <a:solidFill>
                             <a:srgbClr val="000000"/>
                           </a:solidFill>
@@ -17178,7 +17420,7 @@
                       <m:d>
                         <m:dPr>
                           <m:ctrlPr>
-                            <a:rPr lang="en-US" sz="1200" b="0" i="1">
+                            <a:rPr lang="en-US" sz="1300" b="0" i="1">
                               <a:solidFill>
                                 <a:srgbClr val="000000"/>
                               </a:solidFill>
@@ -17189,7 +17431,7 @@
                         </m:dPr>
                         <m:e>
                           <m:r>
-                            <a:rPr lang="en-US" sz="1200" b="0" i="1">
+                            <a:rPr lang="en-US" sz="1300" b="0" i="1">
                               <a:solidFill>
                                 <a:srgbClr val="000000"/>
                               </a:solidFill>
@@ -17207,7 +17449,7 @@
                           <m:grow m:val="on"/>
                           <m:supHide m:val="on"/>
                           <m:ctrlPr>
-                            <a:rPr lang="en-US" sz="1200" b="0" i="1">
+                            <a:rPr lang="en-US" sz="1300" b="0" i="1">
                               <a:solidFill>
                                 <a:srgbClr val="000000"/>
                               </a:solidFill>
@@ -17218,7 +17460,7 @@
                         </m:naryPr>
                         <m:sub>
                           <m:r>
-                            <a:rPr lang="en-US" sz="1200" b="0" i="1" smtClean="0">
+                            <a:rPr lang="en-US" sz="1300" b="0" i="1" smtClean="0">
                               <a:solidFill>
                                 <a:srgbClr val="000000"/>
                               </a:solidFill>
@@ -17231,7 +17473,7 @@
                         <m:sup/>
                         <m:e>
                           <m:r>
-                            <a:rPr lang="en-US" sz="1200" b="0" i="1">
+                            <a:rPr lang="en-US" sz="1300" b="0" i="1">
                               <a:solidFill>
                                 <a:srgbClr val="000000"/>
                               </a:solidFill>
@@ -17243,7 +17485,7 @@
                           <m:d>
                             <m:dPr>
                               <m:ctrlPr>
-                                <a:rPr lang="en-US" sz="1200" b="0" i="1">
+                                <a:rPr lang="en-US" sz="1300" b="0" i="1">
                                   <a:solidFill>
                                     <a:srgbClr val="000000"/>
                                   </a:solidFill>
@@ -17254,7 +17496,7 @@
                             </m:dPr>
                             <m:e>
                               <m:r>
-                                <a:rPr lang="en-US" sz="1200" b="0" i="1">
+                                <a:rPr lang="en-US" sz="1300" b="0" i="1">
                                   <a:solidFill>
                                     <a:srgbClr val="000000"/>
                                   </a:solidFill>
@@ -17266,7 +17508,7 @@
                             </m:e>
                           </m:d>
                           <m:r>
-                            <a:rPr lang="en-US" sz="1200" b="0" i="1">
+                            <a:rPr lang="en-US" sz="1300" b="0" i="1">
                               <a:solidFill>
                                 <a:srgbClr val="000000"/>
                               </a:solidFill>
@@ -17276,7 +17518,7 @@
                             <m:t>∗</m:t>
                           </m:r>
                           <m:r>
-                            <a:rPr lang="en-US" sz="1200" b="0" i="1">
+                            <a:rPr lang="en-US" sz="1300" b="0" i="1">
                               <a:solidFill>
                                 <a:srgbClr val="000000"/>
                               </a:solidFill>
@@ -17286,7 +17528,7 @@
                             <m:t>𝑃</m:t>
                           </m:r>
                           <m:r>
-                            <a:rPr lang="en-US" sz="1200" b="0" i="1">
+                            <a:rPr lang="en-US" sz="1300" b="0" i="1">
                               <a:solidFill>
                                 <a:srgbClr val="000000"/>
                               </a:solidFill>
@@ -17296,7 +17538,7 @@
                             <m:t>(</m:t>
                           </m:r>
                           <m:r>
-                            <a:rPr lang="en-US" sz="1200" b="0" i="1" smtClean="0">
+                            <a:rPr lang="en-US" sz="1300" b="0" i="1" smtClean="0">
                               <a:solidFill>
                                 <a:srgbClr val="000000"/>
                               </a:solidFill>
@@ -17306,7 +17548,7 @@
                             <m:t>𝑅</m:t>
                           </m:r>
                           <m:r>
-                            <a:rPr lang="en-US" sz="1200" b="0" i="1">
+                            <a:rPr lang="en-US" sz="1300" b="0" i="1">
                               <a:solidFill>
                                 <a:srgbClr val="000000"/>
                               </a:solidFill>
@@ -17316,7 +17558,7 @@
                             <m:t>|</m:t>
                           </m:r>
                           <m:r>
-                            <a:rPr lang="en-US" sz="1200" b="0" i="1">
+                            <a:rPr lang="en-US" sz="1300" b="0" i="1">
                               <a:solidFill>
                                 <a:srgbClr val="000000"/>
                               </a:solidFill>
@@ -17326,7 +17568,7 @@
                             <m:t>𝑀</m:t>
                           </m:r>
                           <m:r>
-                            <a:rPr lang="en-US" sz="1200" b="0" i="1">
+                            <a:rPr lang="en-US" sz="1300" b="0" i="1">
                               <a:solidFill>
                                 <a:srgbClr val="000000"/>
                               </a:solidFill>
@@ -17336,7 +17578,7 @@
                             <m:t>,</m:t>
                           </m:r>
                           <m:r>
-                            <a:rPr lang="en-US" sz="1200" b="0" i="1" smtClean="0">
+                            <a:rPr lang="en-US" sz="1300" b="0" i="1" smtClean="0">
                               <a:solidFill>
                                 <a:srgbClr val="000000"/>
                               </a:solidFill>
@@ -17346,7 +17588,7 @@
                             <m:t>𝐴</m:t>
                           </m:r>
                           <m:r>
-                            <a:rPr lang="en-US" sz="1200" b="0" i="1">
+                            <a:rPr lang="en-US" sz="1300" b="0" i="1">
                               <a:solidFill>
                                 <a:srgbClr val="000000"/>
                               </a:solidFill>
@@ -17360,7 +17602,7 @@
                     </m:oMath>
                   </m:oMathPara>
                 </a14:m>
-                <a:endParaRPr lang="en-US" sz="1200" b="0" i="1" dirty="0">
+                <a:endParaRPr lang="en-US" sz="1300" b="0" i="1" dirty="0">
                   <a:solidFill>
                     <a:srgbClr val="000000"/>
                   </a:solidFill>
@@ -17370,18 +17612,18 @@
               </a:p>
               <a:p>
                 <a:r>
-                  <a:rPr lang="en-US" sz="1200" dirty="0">
+                  <a:rPr lang="en-US" sz="1300" dirty="0">
                     <a:solidFill>
                       <a:srgbClr val="000000"/>
                     </a:solidFill>
                     <a:latin typeface="+mj-lt"/>
                     <a:cs typeface="Calibri" panose="020F0502020204030204" pitchFamily="34" charset="0"/>
                   </a:rPr>
-                  <a:t>	4. Plug in into original formula:</a:t>
+                  <a:t>	4. Insert into original equation:</a:t>
                 </a:r>
               </a:p>
               <a:p>
-                <a:endParaRPr lang="en-US" sz="1200" dirty="0">
+                <a:endParaRPr lang="en-US" sz="1300" dirty="0">
                   <a:solidFill>
                     <a:srgbClr val="000000"/>
                   </a:solidFill>
@@ -17398,7 +17640,7 @@
                     </m:oMathParaPr>
                     <m:oMath xmlns:m="http://schemas.openxmlformats.org/officeDocument/2006/math">
                       <m:r>
-                        <a:rPr lang="en-US" sz="1200" b="0" i="1">
+                        <a:rPr lang="en-US" sz="1300" b="0" i="1">
                           <a:solidFill>
                             <a:srgbClr val="000000"/>
                           </a:solidFill>
@@ -17410,7 +17652,7 @@
                       <m:d>
                         <m:dPr>
                           <m:ctrlPr>
-                            <a:rPr lang="en-US" sz="1200" b="0" i="1">
+                            <a:rPr lang="en-US" sz="1300" b="0" i="1">
                               <a:solidFill>
                                 <a:srgbClr val="000000"/>
                               </a:solidFill>
@@ -17421,7 +17663,7 @@
                         </m:dPr>
                         <m:e>
                           <m:r>
-                            <a:rPr lang="en-US" sz="1200" b="0" i="1" smtClean="0">
+                            <a:rPr lang="en-US" sz="1300" b="0" i="1" smtClean="0">
                               <a:solidFill>
                                 <a:srgbClr val="000000"/>
                               </a:solidFill>
@@ -17431,7 +17673,7 @@
                             <m:t>𝑀</m:t>
                           </m:r>
                           <m:r>
-                            <a:rPr lang="en-US" sz="1200" b="0" i="1">
+                            <a:rPr lang="en-US" sz="1300" b="0" i="1">
                               <a:solidFill>
                                 <a:srgbClr val="000000"/>
                               </a:solidFill>
@@ -17441,7 +17683,7 @@
                             <m:t>|</m:t>
                           </m:r>
                           <m:r>
-                            <a:rPr lang="en-US" sz="1200" b="0" i="1" smtClean="0">
+                            <a:rPr lang="en-US" sz="1300" b="0" i="1" smtClean="0">
                               <a:solidFill>
                                 <a:srgbClr val="000000"/>
                               </a:solidFill>
@@ -17451,7 +17693,7 @@
                             <m:t>𝐴</m:t>
                           </m:r>
                           <m:r>
-                            <a:rPr lang="en-US" sz="1200" b="0" i="1">
+                            <a:rPr lang="en-US" sz="1300" b="0" i="1">
                               <a:solidFill>
                                 <a:srgbClr val="000000"/>
                               </a:solidFill>
@@ -17461,7 +17703,7 @@
                             <m:t>,</m:t>
                           </m:r>
                           <m:r>
-                            <a:rPr lang="en-US" sz="1200" b="0" i="1" smtClean="0">
+                            <a:rPr lang="en-US" sz="1300" b="0" i="1" smtClean="0">
                               <a:solidFill>
                                 <a:srgbClr val="000000"/>
                               </a:solidFill>
@@ -17473,7 +17715,7 @@
                         </m:e>
                       </m:d>
                       <m:r>
-                        <a:rPr lang="en-US" sz="1200" b="0" i="1">
+                        <a:rPr lang="en-US" sz="1300" b="0" i="1">
                           <a:solidFill>
                             <a:srgbClr val="000000"/>
                           </a:solidFill>
@@ -17485,7 +17727,7 @@
                       <m:f>
                         <m:fPr>
                           <m:ctrlPr>
-                            <a:rPr lang="en-US" sz="1200" b="0" i="1">
+                            <a:rPr lang="en-US" sz="1300" b="0" i="1">
                               <a:solidFill>
                                 <a:srgbClr val="000000"/>
                               </a:solidFill>
@@ -17496,7 +17738,7 @@
                         </m:fPr>
                         <m:num>
                           <m:r>
-                            <a:rPr lang="en-US" sz="1200" b="0" i="1">
+                            <a:rPr lang="en-US" sz="1300" b="0" i="1">
                               <a:solidFill>
                                 <a:srgbClr val="000000"/>
                               </a:solidFill>
@@ -17508,7 +17750,7 @@
                           <m:d>
                             <m:dPr>
                               <m:ctrlPr>
-                                <a:rPr lang="en-US" sz="1200" b="0" i="1">
+                                <a:rPr lang="en-US" sz="1300" b="0" i="1">
                                   <a:solidFill>
                                     <a:srgbClr val="000000"/>
                                   </a:solidFill>
@@ -17519,7 +17761,7 @@
                             </m:dPr>
                             <m:e>
                               <m:r>
-                                <a:rPr lang="en-US" sz="1200" b="0" i="1">
+                                <a:rPr lang="en-US" sz="1300" b="0" i="1">
                                   <a:solidFill>
                                     <a:srgbClr val="000000"/>
                                   </a:solidFill>
@@ -17531,7 +17773,7 @@
                             </m:e>
                           </m:d>
                           <m:r>
-                            <a:rPr lang="en-US" sz="1200" b="0" i="1">
+                            <a:rPr lang="en-US" sz="1300" b="0" i="1">
                               <a:solidFill>
                                 <a:srgbClr val="000000"/>
                               </a:solidFill>
@@ -17541,7 +17783,7 @@
                             <m:t>∗</m:t>
                           </m:r>
                           <m:r>
-                            <a:rPr lang="en-US" sz="1200" b="0" i="1" strike="sngStrike">
+                            <a:rPr lang="en-US" sz="1300" b="0" i="1" strike="sngStrike">
                               <a:solidFill>
                                 <a:srgbClr val="000000"/>
                               </a:solidFill>
@@ -17553,7 +17795,7 @@
                           <m:d>
                             <m:dPr>
                               <m:ctrlPr>
-                                <a:rPr lang="en-US" sz="1200" b="0" i="1" strike="sngStrike">
+                                <a:rPr lang="en-US" sz="1300" b="0" i="1" strike="sngStrike">
                                   <a:solidFill>
                                     <a:srgbClr val="000000"/>
                                   </a:solidFill>
@@ -17564,7 +17806,7 @@
                             </m:dPr>
                             <m:e>
                               <m:r>
-                                <a:rPr lang="en-US" sz="1200" b="0" i="1" strike="sngStrike" smtClean="0">
+                                <a:rPr lang="en-US" sz="1300" b="0" i="1" strike="sngStrike" smtClean="0">
                                   <a:solidFill>
                                     <a:srgbClr val="000000"/>
                                   </a:solidFill>
@@ -17576,7 +17818,7 @@
                             </m:e>
                           </m:d>
                           <m:r>
-                            <a:rPr lang="en-US" sz="1200" b="0" i="1">
+                            <a:rPr lang="en-US" sz="1300" b="0" i="1">
                               <a:solidFill>
                                 <a:srgbClr val="000000"/>
                               </a:solidFill>
@@ -17586,7 +17828,7 @@
                             <m:t>∗</m:t>
                           </m:r>
                           <m:r>
-                            <a:rPr lang="en-US" sz="1200" b="0" i="1">
+                            <a:rPr lang="en-US" sz="1300" b="0" i="1">
                               <a:solidFill>
                                 <a:srgbClr val="000000"/>
                               </a:solidFill>
@@ -17596,7 +17838,7 @@
                             <m:t>𝑃</m:t>
                           </m:r>
                           <m:r>
-                            <a:rPr lang="en-US" sz="1200" b="0" i="1">
+                            <a:rPr lang="en-US" sz="1300" b="0" i="1">
                               <a:solidFill>
                                 <a:srgbClr val="000000"/>
                               </a:solidFill>
@@ -17606,7 +17848,7 @@
                             <m:t>(</m:t>
                           </m:r>
                           <m:r>
-                            <a:rPr lang="en-US" sz="1200" b="0" i="1" smtClean="0">
+                            <a:rPr lang="en-US" sz="1300" b="0" i="1" smtClean="0">
                               <a:solidFill>
                                 <a:srgbClr val="000000"/>
                               </a:solidFill>
@@ -17616,7 +17858,7 @@
                             <m:t>𝑅</m:t>
                           </m:r>
                           <m:r>
-                            <a:rPr lang="en-US" sz="1200" b="0" i="1">
+                            <a:rPr lang="en-US" sz="1300" b="0" i="1">
                               <a:solidFill>
                                 <a:srgbClr val="000000"/>
                               </a:solidFill>
@@ -17626,7 +17868,7 @@
                             <m:t>|</m:t>
                           </m:r>
                           <m:r>
-                            <a:rPr lang="en-US" sz="1200" b="0" i="1">
+                            <a:rPr lang="en-US" sz="1300" b="0" i="1">
                               <a:solidFill>
                                 <a:srgbClr val="000000"/>
                               </a:solidFill>
@@ -17636,7 +17878,7 @@
                             <m:t>𝑀</m:t>
                           </m:r>
                           <m:r>
-                            <a:rPr lang="en-US" sz="1200" b="0" i="1">
+                            <a:rPr lang="en-US" sz="1300" b="0" i="1">
                               <a:solidFill>
                                 <a:srgbClr val="000000"/>
                               </a:solidFill>
@@ -17646,7 +17888,7 @@
                             <m:t>,</m:t>
                           </m:r>
                           <m:r>
-                            <a:rPr lang="en-US" sz="1200" b="0" i="1" smtClean="0">
+                            <a:rPr lang="en-US" sz="1300" b="0" i="1" smtClean="0">
                               <a:solidFill>
                                 <a:srgbClr val="000000"/>
                               </a:solidFill>
@@ -17656,7 +17898,7 @@
                             <m:t>𝐴</m:t>
                           </m:r>
                           <m:r>
-                            <a:rPr lang="en-US" sz="1200" b="0" i="1">
+                            <a:rPr lang="en-US" sz="1300" b="0" i="1">
                               <a:solidFill>
                                 <a:srgbClr val="000000"/>
                               </a:solidFill>
@@ -17668,7 +17910,7 @@
                         </m:num>
                         <m:den>
                           <m:r>
-                            <a:rPr lang="en-US" sz="1200" b="0" i="1" strike="sngStrike">
+                            <a:rPr lang="en-US" sz="1300" b="0" i="1" strike="sngStrike">
                               <a:solidFill>
                                 <a:srgbClr val="000000"/>
                               </a:solidFill>
@@ -17680,7 +17922,7 @@
                           <m:d>
                             <m:dPr>
                               <m:ctrlPr>
-                                <a:rPr lang="en-US" sz="1200" b="0" i="1" strike="sngStrike">
+                                <a:rPr lang="en-US" sz="1300" b="0" i="1" strike="sngStrike">
                                   <a:solidFill>
                                     <a:srgbClr val="000000"/>
                                   </a:solidFill>
@@ -17691,7 +17933,7 @@
                             </m:dPr>
                             <m:e>
                               <m:r>
-                                <a:rPr lang="en-US" sz="1200" b="0" i="1" strike="sngStrike" smtClean="0">
+                                <a:rPr lang="en-US" sz="1300" b="0" i="1" strike="sngStrike" smtClean="0">
                                   <a:solidFill>
                                     <a:srgbClr val="000000"/>
                                   </a:solidFill>
@@ -17703,7 +17945,7 @@
                             </m:e>
                           </m:d>
                           <m:r>
-                            <a:rPr lang="en-US" sz="1200" b="0" i="1">
+                            <a:rPr lang="en-US" sz="1300" b="0" i="1">
                               <a:solidFill>
                                 <a:srgbClr val="000000"/>
                               </a:solidFill>
@@ -17719,7 +17961,7 @@
                               <m:grow m:val="on"/>
                               <m:supHide m:val="on"/>
                               <m:ctrlPr>
-                                <a:rPr lang="en-US" sz="1200" b="0" i="1">
+                                <a:rPr lang="en-US" sz="1300" b="0" i="1">
                                   <a:solidFill>
                                     <a:srgbClr val="000000"/>
                                   </a:solidFill>
@@ -17734,7 +17976,7 @@
                                   <m:brk/>
                                   <m:aln/>
                                 </m:rPr>
-                                <a:rPr lang="en-US" sz="1200" b="0" i="1" smtClean="0">
+                                <a:rPr lang="en-US" sz="1300" b="0" i="1" smtClean="0">
                                   <a:solidFill>
                                     <a:srgbClr val="000000"/>
                                   </a:solidFill>
@@ -17747,7 +17989,7 @@
                             <m:sup/>
                             <m:e>
                               <m:r>
-                                <a:rPr lang="en-US" sz="1200" b="0" i="1">
+                                <a:rPr lang="en-US" sz="1300" b="0" i="1">
                                   <a:solidFill>
                                     <a:srgbClr val="000000"/>
                                   </a:solidFill>
@@ -17759,7 +18001,7 @@
                               <m:d>
                                 <m:dPr>
                                   <m:ctrlPr>
-                                    <a:rPr lang="en-US" sz="1200" b="0" i="1">
+                                    <a:rPr lang="en-US" sz="1300" b="0" i="1">
                                       <a:solidFill>
                                         <a:srgbClr val="000000"/>
                                       </a:solidFill>
@@ -17770,7 +18012,7 @@
                                 </m:dPr>
                                 <m:e>
                                   <m:r>
-                                    <a:rPr lang="en-US" sz="1200" b="0" i="1" smtClean="0">
+                                    <a:rPr lang="en-US" sz="1300" b="0" i="1" smtClean="0">
                                       <a:solidFill>
                                         <a:srgbClr val="000000"/>
                                       </a:solidFill>
@@ -17782,7 +18024,7 @@
                                 </m:e>
                               </m:d>
                               <m:r>
-                                <a:rPr lang="en-US" sz="1200" b="0" i="1">
+                                <a:rPr lang="en-US" sz="1300" b="0" i="1">
                                   <a:solidFill>
                                     <a:srgbClr val="000000"/>
                                   </a:solidFill>
@@ -17792,7 +18034,7 @@
                                 <m:t>∗</m:t>
                               </m:r>
                               <m:r>
-                                <a:rPr lang="en-US" sz="1200" b="0" i="1">
+                                <a:rPr lang="en-US" sz="1300" b="0" i="1">
                                   <a:solidFill>
                                     <a:srgbClr val="000000"/>
                                   </a:solidFill>
@@ -17802,7 +18044,7 @@
                                 <m:t>𝑃</m:t>
                               </m:r>
                               <m:r>
-                                <a:rPr lang="en-US" sz="1200" b="0" i="1">
+                                <a:rPr lang="en-US" sz="1300" b="0" i="1">
                                   <a:solidFill>
                                     <a:srgbClr val="000000"/>
                                   </a:solidFill>
@@ -17812,7 +18054,7 @@
                                 <m:t>(</m:t>
                               </m:r>
                               <m:r>
-                                <a:rPr lang="en-US" sz="1200" b="0" i="1" smtClean="0">
+                                <a:rPr lang="en-US" sz="1300" b="0" i="1" smtClean="0">
                                   <a:solidFill>
                                     <a:srgbClr val="000000"/>
                                   </a:solidFill>
@@ -17822,7 +18064,7 @@
                                 <m:t>𝑅</m:t>
                               </m:r>
                               <m:r>
-                                <a:rPr lang="en-US" sz="1200" b="0" i="1">
+                                <a:rPr lang="en-US" sz="1300" b="0" i="1">
                                   <a:solidFill>
                                     <a:srgbClr val="000000"/>
                                   </a:solidFill>
@@ -17832,7 +18074,7 @@
                                 <m:t>|</m:t>
                               </m:r>
                               <m:r>
-                                <a:rPr lang="en-US" sz="1200" b="0" i="1">
+                                <a:rPr lang="en-US" sz="1300" b="0" i="1">
                                   <a:solidFill>
                                     <a:srgbClr val="000000"/>
                                   </a:solidFill>
@@ -17842,7 +18084,7 @@
                                 <m:t>𝑀</m:t>
                               </m:r>
                               <m:r>
-                                <a:rPr lang="en-US" sz="1200" b="0" i="1">
+                                <a:rPr lang="en-US" sz="1300" b="0" i="1">
                                   <a:solidFill>
                                     <a:srgbClr val="000000"/>
                                   </a:solidFill>
@@ -17852,7 +18094,7 @@
                                 <m:t>,</m:t>
                               </m:r>
                               <m:r>
-                                <a:rPr lang="en-US" sz="1200" b="0" i="1" smtClean="0">
+                                <a:rPr lang="en-US" sz="1300" b="0" i="1" smtClean="0">
                                   <a:solidFill>
                                     <a:srgbClr val="000000"/>
                                   </a:solidFill>
@@ -17862,7 +18104,7 @@
                                 <m:t>𝐴</m:t>
                               </m:r>
                               <m:r>
-                                <a:rPr lang="en-US" sz="1200" b="0" i="1">
+                                <a:rPr lang="en-US" sz="1300" b="0" i="1">
                                   <a:solidFill>
                                     <a:srgbClr val="000000"/>
                                   </a:solidFill>
@@ -17878,7 +18120,7 @@
                     </m:oMath>
                   </m:oMathPara>
                 </a14:m>
-                <a:endParaRPr lang="en-US" sz="1200" b="0" i="1" dirty="0">
+                <a:endParaRPr lang="en-US" sz="1300" b="0" i="1" dirty="0">
                   <a:solidFill>
                     <a:srgbClr val="000000"/>
                   </a:solidFill>
@@ -17887,7 +18129,7 @@
                 </a:endParaRPr>
               </a:p>
               <a:p>
-                <a:endParaRPr lang="en-US" sz="1200" b="0" i="1" dirty="0">
+                <a:endParaRPr lang="en-US" sz="1300" b="0" i="1" dirty="0">
                   <a:solidFill>
                     <a:srgbClr val="000000"/>
                   </a:solidFill>
@@ -17897,7 +18139,7 @@
               </a:p>
               <a:p>
                 <a:r>
-                  <a:rPr lang="en-US" sz="1200" b="0" i="1" dirty="0">
+                  <a:rPr lang="en-US" sz="1300" b="0" i="1" dirty="0">
                     <a:solidFill>
                       <a:srgbClr val="000000"/>
                     </a:solidFill>
@@ -17907,7 +18149,7 @@
                   <a:t>	</a:t>
                 </a:r>
                 <a:r>
-                  <a:rPr lang="de-DE" sz="1200" dirty="0">
+                  <a:rPr lang="de-DE" sz="1300" dirty="0">
                     <a:solidFill>
                       <a:srgbClr val="000000"/>
                     </a:solidFill>
@@ -17918,7 +18160,7 @@
                 <a14:m>
                   <m:oMath xmlns:m="http://schemas.openxmlformats.org/officeDocument/2006/math">
                     <m:r>
-                      <a:rPr lang="de-DE" sz="1200" b="1" i="1">
+                      <a:rPr lang="de-DE" sz="1300" b="1" i="1">
                         <a:solidFill>
                           <a:srgbClr val="000000"/>
                         </a:solidFill>
@@ -17930,7 +18172,7 @@
                     <m:d>
                       <m:dPr>
                         <m:ctrlPr>
-                          <a:rPr lang="de-DE" sz="1200" i="1">
+                          <a:rPr lang="de-DE" sz="1300" i="1">
                             <a:solidFill>
                               <a:srgbClr val="000000"/>
                             </a:solidFill>
@@ -17941,7 +18183,7 @@
                       </m:dPr>
                       <m:e>
                         <m:r>
-                          <a:rPr lang="de-DE" sz="1200" b="1" i="1" smtClean="0">
+                          <a:rPr lang="de-DE" sz="1300" b="1" i="1" smtClean="0">
                             <a:solidFill>
                               <a:srgbClr val="000000"/>
                             </a:solidFill>
@@ -17951,7 +18193,7 @@
                           <m:t>𝑴</m:t>
                         </m:r>
                         <m:r>
-                          <a:rPr lang="de-DE" sz="1200" b="1" i="1">
+                          <a:rPr lang="de-DE" sz="1300" b="1" i="1">
                             <a:solidFill>
                               <a:srgbClr val="000000"/>
                             </a:solidFill>
@@ -17961,7 +18203,7 @@
                           <m:t>=</m:t>
                         </m:r>
                         <m:r>
-                          <a:rPr lang="de-DE" sz="1200" b="1" i="1">
+                          <a:rPr lang="de-DE" sz="1300" b="1" i="1">
                             <a:solidFill>
                               <a:srgbClr val="000000"/>
                             </a:solidFill>
@@ -17973,7 +18215,7 @@
                       </m:e>
                       <m:e>
                         <m:r>
-                          <a:rPr lang="de-DE" sz="1200" b="1" i="1" smtClean="0">
+                          <a:rPr lang="de-DE" sz="1300" b="1" i="1" smtClean="0">
                             <a:solidFill>
                               <a:srgbClr val="000000"/>
                             </a:solidFill>
@@ -17983,7 +18225,7 @@
                           <m:t>𝑨</m:t>
                         </m:r>
                         <m:r>
-                          <a:rPr lang="de-DE" sz="1200" b="1" i="1">
+                          <a:rPr lang="de-DE" sz="1300" b="1" i="1">
                             <a:solidFill>
                               <a:srgbClr val="000000"/>
                             </a:solidFill>
@@ -17993,7 +18235,7 @@
                           <m:t>=</m:t>
                         </m:r>
                         <m:r>
-                          <a:rPr lang="de-DE" sz="1200" b="1" i="1">
+                          <a:rPr lang="de-DE" sz="1300" b="1" i="1">
                             <a:solidFill>
                               <a:srgbClr val="000000"/>
                             </a:solidFill>
@@ -18003,7 +18245,7 @@
                           <m:t>𝟎</m:t>
                         </m:r>
                         <m:r>
-                          <a:rPr lang="de-DE" sz="1200" b="1" i="1">
+                          <a:rPr lang="de-DE" sz="1300" b="1" i="1">
                             <a:solidFill>
                               <a:srgbClr val="000000"/>
                             </a:solidFill>
@@ -18013,7 +18255,7 @@
                           <m:t>,</m:t>
                         </m:r>
                         <m:r>
-                          <a:rPr lang="de-DE" sz="1200" b="1" i="1" smtClean="0">
+                          <a:rPr lang="de-DE" sz="1300" b="1" i="1" smtClean="0">
                             <a:solidFill>
                               <a:srgbClr val="000000"/>
                             </a:solidFill>
@@ -18023,7 +18265,7 @@
                           <m:t>𝑹</m:t>
                         </m:r>
                         <m:r>
-                          <a:rPr lang="de-DE" sz="1200" b="1" i="1">
+                          <a:rPr lang="de-DE" sz="1300" b="1" i="1">
                             <a:solidFill>
                               <a:srgbClr val="000000"/>
                             </a:solidFill>
@@ -18033,7 +18275,7 @@
                           <m:t>=</m:t>
                         </m:r>
                         <m:r>
-                          <a:rPr lang="de-DE" sz="1200" b="1" i="1">
+                          <a:rPr lang="de-DE" sz="1300" b="1" i="1">
                             <a:solidFill>
                               <a:srgbClr val="000000"/>
                             </a:solidFill>
@@ -18047,7 +18289,7 @@
                   </m:oMath>
                 </a14:m>
                 <a:r>
-                  <a:rPr lang="en-US" sz="1200" i="1" dirty="0">
+                  <a:rPr lang="en-US" sz="1300" i="1" dirty="0">
                     <a:solidFill>
                       <a:srgbClr val="000000"/>
                     </a:solidFill>
@@ -18059,7 +18301,7 @@
                 <a14:m>
                   <m:oMath xmlns:m="http://schemas.openxmlformats.org/officeDocument/2006/math">
                     <m:r>
-                      <a:rPr lang="de-DE" sz="1200" b="1" i="1">
+                      <a:rPr lang="de-DE" sz="1300" b="1" i="1">
                         <a:solidFill>
                           <a:srgbClr val="000000"/>
                         </a:solidFill>
@@ -18069,7 +18311,7 @@
                       <m:t>≈</m:t>
                     </m:r>
                     <m:r>
-                      <a:rPr lang="de-DE" sz="1200" b="1" i="1">
+                      <a:rPr lang="de-DE" sz="1300" b="1" i="1">
                         <a:solidFill>
                           <a:srgbClr val="000000"/>
                         </a:solidFill>
@@ -18079,17 +18321,17 @@
                       <m:t>𝟎</m:t>
                     </m:r>
                     <m:r>
-                      <a:rPr lang="de-DE" sz="1200" b="1" i="1">
+                      <a:rPr lang="de-DE" sz="1300" b="1" i="1" smtClean="0">
                         <a:solidFill>
                           <a:srgbClr val="000000"/>
                         </a:solidFill>
                         <a:latin typeface="Cambria Math" panose="02040503050406030204" pitchFamily="18" charset="0"/>
                         <a:cs typeface="Calibri" panose="020F0502020204030204" pitchFamily="34" charset="0"/>
                       </a:rPr>
-                      <m:t>,</m:t>
+                      <m:t>.</m:t>
                     </m:r>
                     <m:r>
-                      <a:rPr lang="de-DE" sz="1200" b="1" i="1">
+                      <a:rPr lang="de-DE" sz="1300" b="1" i="1">
                         <a:solidFill>
                           <a:srgbClr val="000000"/>
                         </a:solidFill>
@@ -18100,7 +18342,7 @@
                     </m:r>
                   </m:oMath>
                 </a14:m>
-                <a:endParaRPr lang="en-US" sz="1200" i="1" dirty="0">
+                <a:endParaRPr lang="en-US" sz="1300" i="1" dirty="0">
                   <a:solidFill>
                     <a:srgbClr val="000000"/>
                   </a:solidFill>
@@ -18111,7 +18353,7 @@
             </p:txBody>
           </p:sp>
         </mc:Choice>
-        <mc:Fallback xmlns="">
+        <mc:Fallback>
           <p:sp>
             <p:nvSpPr>
               <p:cNvPr id="6" name="Rectangle 3">
@@ -18137,7 +18379,7 @@
               <a:blipFill>
                 <a:blip r:embed="rId3"/>
                 <a:stretch>
-                  <a:fillRect l="-296" t="-319" r="-5704"/>
+                  <a:fillRect l="-296" t="-319" r="-24741" b="-956"/>
                 </a:stretch>
               </a:blipFill>
               <a:ln w="9525">
@@ -18232,7 +18474,7 @@
         </p:nvSpPr>
         <p:spPr>
           <a:xfrm>
-            <a:off x="5095461" y="2384416"/>
+            <a:off x="5009762" y="2742182"/>
             <a:ext cx="533400" cy="522924"/>
           </a:xfrm>
           <a:prstGeom prst="ellipse">
@@ -18284,7 +18526,7 @@
         </p:nvSpPr>
         <p:spPr>
           <a:xfrm>
-            <a:off x="7315200" y="2384416"/>
+            <a:off x="7229501" y="2742182"/>
             <a:ext cx="533400" cy="522924"/>
           </a:xfrm>
           <a:prstGeom prst="ellipse">
@@ -18338,7 +18580,7 @@
         </p:nvSpPr>
         <p:spPr>
           <a:xfrm>
-            <a:off x="6205330" y="3570754"/>
+            <a:off x="6119631" y="3928520"/>
             <a:ext cx="533400" cy="522924"/>
           </a:xfrm>
           <a:prstGeom prst="ellipse">
@@ -18396,7 +18638,7 @@
         </p:nvCxnSpPr>
         <p:spPr>
           <a:xfrm>
-            <a:off x="5550746" y="2830760"/>
+            <a:off x="5465047" y="3188526"/>
             <a:ext cx="732699" cy="816574"/>
           </a:xfrm>
           <a:prstGeom prst="straightConnector1">
@@ -18442,7 +18684,7 @@
         </p:nvCxnSpPr>
         <p:spPr>
           <a:xfrm flipH="1">
-            <a:off x="6660615" y="2830760"/>
+            <a:off x="6574916" y="3188526"/>
             <a:ext cx="732700" cy="816574"/>
           </a:xfrm>
           <a:prstGeom prst="straightConnector1">
@@ -18484,7 +18726,7 @@
         </p:nvSpPr>
         <p:spPr>
           <a:xfrm>
-            <a:off x="7000461" y="2460236"/>
+            <a:off x="6914762" y="2818002"/>
             <a:ext cx="345955" cy="370524"/>
           </a:xfrm>
           <a:prstGeom prst="rect">
@@ -18522,7 +18764,7 @@
         </p:nvSpPr>
         <p:spPr>
           <a:xfrm>
-            <a:off x="5892506" y="3685244"/>
+            <a:off x="5806807" y="4043010"/>
             <a:ext cx="345955" cy="370524"/>
           </a:xfrm>
           <a:prstGeom prst="rect">
@@ -18749,7 +18991,7 @@
         </p:nvSpPr>
         <p:spPr>
           <a:xfrm>
-            <a:off x="4733899" y="2461634"/>
+            <a:off x="4648200" y="2819400"/>
             <a:ext cx="345955" cy="370524"/>
           </a:xfrm>
           <a:prstGeom prst="rect">
@@ -19707,18 +19949,13 @@
             <a:p>
               <a:pPr algn="ctr"/>
               <a:r>
-                <a:rPr lang="en-GB" sz="1400" b="1" dirty="0" err="1">
+                <a:rPr lang="en-GB" sz="1400" b="1" dirty="0">
                   <a:solidFill>
                     <a:srgbClr val="1E3336"/>
                   </a:solidFill>
                 </a:rPr>
                 <a:t>LetWork</a:t>
               </a:r>
-              <a:endParaRPr lang="en-GB" sz="1400" b="1" dirty="0">
-                <a:solidFill>
-                  <a:srgbClr val="1E3336"/>
-                </a:solidFill>
-              </a:endParaRPr>
             </a:p>
           </p:txBody>
         </p:sp>
@@ -19940,23 +20177,26 @@
               </a:lnSpc>
             </a:pPr>
             <a:r>
-              <a:rPr lang="en-GB" sz="1800" b="0" dirty="0">
+              <a:rPr lang="en-GB" dirty="0">
                 <a:latin typeface="+mn-lt"/>
               </a:rPr>
-              <a:t>With knowing the </a:t>
+              <a:t>Knowing the </a:t>
             </a:r>
             <a:r>
-              <a:rPr lang="en-GB" sz="1800" b="1" dirty="0">
+              <a:rPr lang="en-GB" b="1" dirty="0">
                 <a:latin typeface="+mn-lt"/>
               </a:rPr>
               <a:t>probabilities</a:t>
             </a:r>
             <a:r>
-              <a:rPr lang="en-GB" sz="1800" b="0" dirty="0">
+              <a:rPr lang="en-GB" dirty="0">
                 <a:latin typeface="+mn-lt"/>
               </a:rPr>
-              <a:t>, there is a way to easily represent the topology of the network, using concrete numbers of the probabilities.</a:t>
+              <a:t>, there is a way to easily represent the topology of the network with concrete probability values.</a:t>
             </a:r>
+            <a:endParaRPr lang="en-GB" sz="1800" b="0" dirty="0">
+              <a:latin typeface="+mn-lt"/>
+            </a:endParaRPr>
           </a:p>
         </p:txBody>
       </p:sp>
@@ -19993,7 +20233,7 @@
                 <a:latin typeface="+mn-lt"/>
                 <a:sym typeface="Wingdings" panose="05000000000000000000" pitchFamily="2" charset="2"/>
               </a:rPr>
-              <a:t> using Conditional Probability Tables (CPT)</a:t>
+              <a:t> Conditional Probability Tables (CPT)</a:t>
             </a:r>
             <a:endParaRPr lang="en-GB" sz="2000" b="1" dirty="0">
               <a:latin typeface="+mn-lt"/>
@@ -20695,8 +20935,8 @@
           </mc:Fallback>
         </mc:AlternateContent>
       </p:grpSp>
-      <mc:AlternateContent xmlns:mc="http://schemas.openxmlformats.org/markup-compatibility/2006" xmlns:a14="http://schemas.microsoft.com/office/drawing/2010/main">
-        <mc:Choice Requires="a14">
+      <mc:AlternateContent xmlns:mc="http://schemas.openxmlformats.org/markup-compatibility/2006">
+        <mc:Choice xmlns:a14="http://schemas.microsoft.com/office/drawing/2010/main" Requires="a14">
           <p:sp>
             <p:nvSpPr>
               <p:cNvPr id="47" name="Textfeld 46">
@@ -20731,8 +20971,12 @@
                   </a:lnSpc>
                 </a:pPr>
                 <a:r>
+                  <a:rPr lang="en-GB" sz="1600" dirty="0"/>
+                  <a:t>Example</a:t>
+                </a:r>
+                <a:r>
                   <a:rPr lang="en-GB" sz="1600" b="0" dirty="0"/>
-                  <a:t>e.g.: 	When do I have information about the content of   </a:t>
+                  <a:t>: When do I have information about the content of   </a:t>
                 </a:r>
               </a:p>
               <a:p>
@@ -21025,7 +21269,7 @@
                 </a:pPr>
                 <a:r>
                   <a:rPr lang="en-GB" sz="1600" dirty="0"/>
-                  <a:t>	1. I can visit the lecture (</a:t>
+                  <a:t>	1. I attend the lecture (</a:t>
                 </a:r>
                 <a:r>
                   <a:rPr lang="en-GB" sz="1600" i="1" dirty="0"/>
@@ -21033,18 +21277,7 @@
                 </a:r>
                 <a:r>
                   <a:rPr lang="en-GB" sz="1600" dirty="0"/>
-                  <a:t>) and write </a:t>
-                </a:r>
-              </a:p>
-              <a:p>
-                <a:pPr marL="800100" lvl="2" indent="0" eaLnBrk="1" hangingPunct="1">
-                  <a:lnSpc>
-                    <a:spcPct val="90000"/>
-                  </a:lnSpc>
-                </a:pPr>
-                <a:r>
-                  <a:rPr lang="en-GB" sz="1600" dirty="0"/>
-                  <a:t>      down notes (</a:t>
+                  <a:t>) and take notes 		    (</a:t>
                 </a:r>
                 <a:r>
                   <a:rPr lang="en-GB" sz="1600" i="1" dirty="0"/>
@@ -21052,7 +21285,7 @@
                 </a:r>
                 <a:r>
                   <a:rPr lang="en-GB" sz="1600" dirty="0"/>
-                  <a:t>) by my self.</a:t>
+                  <a:t>) by myself.</a:t>
                 </a:r>
               </a:p>
               <a:p>
@@ -21202,7 +21435,7 @@
                 </a:pPr>
                 <a:r>
                   <a:rPr lang="en-GB" sz="1600" b="0" dirty="0"/>
-                  <a:t>	2. I don’t go to the lecture</a:t>
+                  <a:t>	2. I do not go to the lecture</a:t>
                 </a:r>
                 <a:r>
                   <a:rPr lang="en-GB" sz="1600" dirty="0"/>
@@ -21214,21 +21447,10 @@
                 </a:r>
                 <a:r>
                   <a:rPr lang="en-GB" sz="1600" dirty="0"/>
-                  <a:t>) and you </a:t>
-                </a:r>
-              </a:p>
-              <a:p>
-                <a:pPr marL="400050" lvl="1" indent="0" eaLnBrk="1" hangingPunct="1">
-                  <a:lnSpc>
-                    <a:spcPct val="90000"/>
-                  </a:lnSpc>
-                </a:pPr>
-                <a:r>
-                  <a:rPr lang="en-GB" sz="1600" dirty="0"/>
-                  <a:t>             try to get some notes of your colleague (</a:t>
+                  <a:t>) and get notes 	    from my fellow students (</a:t>
                 </a:r>
                 <a:r>
-                  <a:rPr lang="en-GB" sz="1600" i="1" dirty="0" err="1"/>
+                  <a:rPr lang="en-GB" sz="1600" i="1" dirty="0"/>
                   <a:t>LetWork</a:t>
                 </a:r>
                 <a:r>
@@ -21364,7 +21586,7 @@
             </p:txBody>
           </p:sp>
         </mc:Choice>
-        <mc:Fallback xmlns="">
+        <mc:Fallback>
           <p:sp>
             <p:nvSpPr>
               <p:cNvPr id="47" name="Textfeld 46">
@@ -21390,7 +21612,7 @@
               <a:blipFill>
                 <a:blip r:embed="rId7"/>
                 <a:stretch>
-                  <a:fillRect t="-1598"/>
+                  <a:fillRect t="-1598" r="-304"/>
                 </a:stretch>
               </a:blipFill>
             </p:spPr>
@@ -21804,50 +22026,6 @@
               <a:rPr lang="en-GB" sz="2000" dirty="0"/>
               <a:t>Representing knowledge example</a:t>
             </a:r>
-            <a:endParaRPr lang="de-DE" sz="2000" dirty="0"/>
-          </a:p>
-        </p:txBody>
-      </p:sp>
-      <p:sp>
-        <p:nvSpPr>
-          <p:cNvPr id="5" name="Textfeld 4">
-            <a:extLst>
-              <a:ext uri="{FF2B5EF4-FFF2-40B4-BE49-F238E27FC236}">
-                <a16:creationId xmlns:a16="http://schemas.microsoft.com/office/drawing/2014/main" id="{C719E773-409A-46F7-A5EF-FF7539781887}"/>
-              </a:ext>
-            </a:extLst>
-          </p:cNvPr>
-          <p:cNvSpPr txBox="1"/>
-          <p:nvPr/>
-        </p:nvSpPr>
-        <p:spPr>
-          <a:xfrm>
-            <a:off x="152400" y="609600"/>
-            <a:ext cx="6629400" cy="707886"/>
-          </a:xfrm>
-          <a:prstGeom prst="rect">
-            <a:avLst/>
-          </a:prstGeom>
-          <a:noFill/>
-        </p:spPr>
-        <p:txBody>
-          <a:bodyPr wrap="square" rtlCol="0">
-            <a:spAutoFit/>
-          </a:bodyPr>
-          <a:lstStyle/>
-          <a:p>
-            <a:r>
-              <a:rPr lang="en-GB" sz="2000" b="1" dirty="0">
-                <a:latin typeface="+mn-lt"/>
-                <a:sym typeface="Wingdings" panose="05000000000000000000" pitchFamily="2" charset="2"/>
-              </a:rPr>
-              <a:t>How does it work with CPTs?</a:t>
-            </a:r>
-            <a:endParaRPr lang="en-GB" sz="2000" b="1" dirty="0">
-              <a:latin typeface="+mn-lt"/>
-            </a:endParaRPr>
-          </a:p>
-          <a:p>
             <a:endParaRPr lang="de-DE" sz="2000" dirty="0"/>
           </a:p>
         </p:txBody>
@@ -24166,14 +24344,15 @@
           </p:cNvPr>
           <p:cNvCxnSpPr>
             <a:cxnSpLocks/>
+            <a:stCxn id="45" idx="1"/>
             <a:endCxn id="33" idx="3"/>
           </p:cNvCxnSpPr>
           <p:nvPr/>
         </p:nvCxnSpPr>
         <p:spPr>
           <a:xfrm flipH="1">
-            <a:off x="5410200" y="4299030"/>
-            <a:ext cx="675120" cy="120570"/>
+            <a:off x="5410200" y="4288643"/>
+            <a:ext cx="609600" cy="130957"/>
           </a:xfrm>
           <a:prstGeom prst="straightConnector1">
             <a:avLst/>
@@ -24202,53 +24381,6 @@
       </p:cxnSp>
       <p:sp>
         <p:nvSpPr>
-          <p:cNvPr id="38" name="Textfeld 37">
-            <a:extLst>
-              <a:ext uri="{FF2B5EF4-FFF2-40B4-BE49-F238E27FC236}">
-                <a16:creationId xmlns:a16="http://schemas.microsoft.com/office/drawing/2014/main" id="{87CDC434-DA4B-4559-BC7C-748E5A47A6FE}"/>
-              </a:ext>
-            </a:extLst>
-          </p:cNvPr>
-          <p:cNvSpPr txBox="1"/>
-          <p:nvPr/>
-        </p:nvSpPr>
-        <p:spPr>
-          <a:xfrm>
-            <a:off x="6075813" y="3377126"/>
-            <a:ext cx="3179084" cy="584775"/>
-          </a:xfrm>
-          <a:prstGeom prst="rect">
-            <a:avLst/>
-          </a:prstGeom>
-          <a:noFill/>
-        </p:spPr>
-        <p:txBody>
-          <a:bodyPr wrap="square" rtlCol="0">
-            <a:spAutoFit/>
-          </a:bodyPr>
-          <a:lstStyle/>
-          <a:p>
-            <a:r>
-              <a:rPr lang="en-GB" sz="1600" b="1" u="sng" dirty="0">
-                <a:solidFill>
-                  <a:srgbClr val="FF0000"/>
-                </a:solidFill>
-              </a:rPr>
-              <a:t>Area</a:t>
-            </a:r>
-            <a:r>
-              <a:rPr lang="en-GB" sz="1600" b="1" dirty="0">
-                <a:solidFill>
-                  <a:srgbClr val="FF0000"/>
-                </a:solidFill>
-              </a:rPr>
-              <a:t> which is represented by the table.</a:t>
-            </a:r>
-          </a:p>
-        </p:txBody>
-      </p:sp>
-      <p:sp>
-        <p:nvSpPr>
           <p:cNvPr id="45" name="Textfeld 44">
             <a:extLst>
               <a:ext uri="{FF2B5EF4-FFF2-40B4-BE49-F238E27FC236}">
@@ -24261,8 +24393,8 @@
         </p:nvSpPr>
         <p:spPr>
           <a:xfrm>
-            <a:off x="6024343" y="4110627"/>
-            <a:ext cx="3179084" cy="830997"/>
+            <a:off x="6019800" y="3996255"/>
+            <a:ext cx="3179084" cy="584775"/>
           </a:xfrm>
           <a:prstGeom prst="rect">
             <a:avLst/>
@@ -24289,17 +24421,23 @@
                   <a:srgbClr val="00B050"/>
                 </a:solidFill>
               </a:rPr>
-              <a:t> of the node you are looking on (here d). </a:t>
+              <a:t> of the considered node</a:t>
             </a:r>
-          </a:p>
-          <a:p>
+            <a:r>
+              <a:rPr lang="en-GB" sz="1600" b="1" dirty="0">
+                <a:solidFill>
+                  <a:srgbClr val="339966"/>
+                </a:solidFill>
+              </a:rPr>
+              <a:t> (h</a:t>
+            </a:r>
             <a:r>
               <a:rPr lang="en-GB" sz="1600" b="1" dirty="0">
                 <a:solidFill>
                   <a:srgbClr val="00B050"/>
                 </a:solidFill>
               </a:rPr>
-              <a:t>These one are given.</a:t>
+              <a:t>ere d).</a:t>
             </a:r>
           </a:p>
         </p:txBody>
@@ -24428,7 +24566,7 @@
         <p:spPr>
           <a:xfrm flipH="1" flipV="1">
             <a:off x="2016448" y="5410200"/>
-            <a:ext cx="457302" cy="533400"/>
+            <a:ext cx="193352" cy="645805"/>
           </a:xfrm>
           <a:prstGeom prst="straightConnector1">
             <a:avLst/>
@@ -24475,8 +24613,8 @@
         </p:nvCxnSpPr>
         <p:spPr>
           <a:xfrm>
-            <a:off x="1810175" y="1981200"/>
-            <a:ext cx="209125" cy="927184"/>
+            <a:off x="1803075" y="1858510"/>
+            <a:ext cx="216225" cy="1049874"/>
           </a:xfrm>
           <a:prstGeom prst="straightConnector1">
             <a:avLst/>
@@ -24517,7 +24655,7 @@
         </p:nvSpPr>
         <p:spPr>
           <a:xfrm>
-            <a:off x="112195" y="1396425"/>
+            <a:off x="105095" y="1273735"/>
             <a:ext cx="3395959" cy="584775"/>
           </a:xfrm>
           <a:prstGeom prst="rect">
@@ -24545,7 +24683,7 @@
                   <a:srgbClr val="7030A0"/>
                 </a:solidFill>
               </a:rPr>
-              <a:t> of the parent nodes of the node you are looking at.</a:t>
+              <a:t> of the parent nodes for the considered node.</a:t>
             </a:r>
           </a:p>
         </p:txBody>
@@ -24564,8 +24702,8 @@
         </p:nvSpPr>
         <p:spPr>
           <a:xfrm>
-            <a:off x="2535916" y="5759245"/>
-            <a:ext cx="4172330" cy="830997"/>
+            <a:off x="958451" y="6056005"/>
+            <a:ext cx="4172330" cy="584775"/>
           </a:xfrm>
           <a:prstGeom prst="rect">
             <a:avLst/>
@@ -24586,7 +24724,7 @@
                   </a:schemeClr>
                 </a:solidFill>
               </a:rPr>
-              <a:t>Condition cases </a:t>
+              <a:t>Conditional cases </a:t>
             </a:r>
             <a:r>
               <a:rPr lang="en-GB" sz="1600" b="1" dirty="0">
@@ -24596,7 +24734,7 @@
                   </a:schemeClr>
                 </a:solidFill>
               </a:rPr>
-              <a:t>of the conditions from the parent nodes of the node you are looking at.</a:t>
+              <a:t>of the parent nodes for the considered node.</a:t>
             </a:r>
           </a:p>
         </p:txBody>
@@ -24628,7 +24766,7 @@
           </a:solidFill>
           <a:ln>
             <a:solidFill>
-              <a:srgbClr val="339966"/>
+              <a:srgbClr val="FFC000"/>
             </a:solidFill>
           </a:ln>
         </p:spPr>
@@ -24681,7 +24819,7 @@
           </a:prstGeom>
           <a:ln w="38100">
             <a:solidFill>
-              <a:srgbClr val="339966"/>
+              <a:srgbClr val="FFC000"/>
             </a:solidFill>
             <a:tailEnd type="triangle"/>
           </a:ln>
@@ -24715,8 +24853,8 @@
         </p:nvSpPr>
         <p:spPr>
           <a:xfrm>
-            <a:off x="6040087" y="4977825"/>
-            <a:ext cx="3103913" cy="584775"/>
+            <a:off x="6074183" y="4977824"/>
+            <a:ext cx="3103913" cy="830997"/>
           </a:xfrm>
           <a:prstGeom prst="rect">
             <a:avLst/>
@@ -24730,12 +24868,12 @@
           <a:lstStyle/>
           <a:p>
             <a:r>
-              <a:rPr lang="en-GB" sz="1600" b="1" u="sng" dirty="0">
+              <a:rPr lang="en-GB" sz="1600" b="1" dirty="0">
                 <a:solidFill>
-                  <a:srgbClr val="339966"/>
+                  <a:srgbClr val="FFC000"/>
                 </a:solidFill>
               </a:rPr>
-              <a:t>! The sum of the probabilities of condition cases must be 1.</a:t>
+              <a:t>The probabilities of each conditional case must sum up to 1.</a:t>
             </a:r>
           </a:p>
         </p:txBody>
@@ -24754,7 +24892,7 @@
         </p:nvSpPr>
         <p:spPr>
           <a:xfrm>
-            <a:off x="2319041" y="2006025"/>
+            <a:off x="2412847" y="1949242"/>
             <a:ext cx="3395959" cy="584775"/>
           </a:xfrm>
           <a:prstGeom prst="rect">
@@ -24782,7 +24920,7 @@
                   <a:srgbClr val="0000FF"/>
                 </a:solidFill>
               </a:rPr>
-              <a:t> of each case from the node you are looking at.</a:t>
+              <a:t> of each case for the considered node.</a:t>
             </a:r>
           </a:p>
         </p:txBody>
@@ -24849,6 +24987,7 @@
             </a:extLst>
           </p:cNvPr>
           <p:cNvCxnSpPr>
+            <a:cxnSpLocks/>
             <a:stCxn id="73" idx="2"/>
             <a:endCxn id="78" idx="0"/>
           </p:cNvCxnSpPr>
@@ -24856,8 +24995,8 @@
         </p:nvCxnSpPr>
         <p:spPr>
           <a:xfrm>
-            <a:off x="4017021" y="2590800"/>
-            <a:ext cx="208695" cy="317584"/>
+            <a:off x="4110827" y="2534017"/>
+            <a:ext cx="114889" cy="374367"/>
           </a:xfrm>
           <a:prstGeom prst="straightConnector1">
             <a:avLst/>
@@ -24884,6 +25023,202 @@
           </a:fontRef>
         </p:style>
       </p:cxnSp>
+      <p:sp>
+        <p:nvSpPr>
+          <p:cNvPr id="39" name="Rectangle 3">
+            <a:extLst>
+              <a:ext uri="{FF2B5EF4-FFF2-40B4-BE49-F238E27FC236}">
+                <a16:creationId xmlns:a16="http://schemas.microsoft.com/office/drawing/2014/main" id="{CB5D9744-BFAC-40FD-8396-5E138ED6D9BF}"/>
+              </a:ext>
+            </a:extLst>
+          </p:cNvPr>
+          <p:cNvSpPr txBox="1">
+            <a:spLocks/>
+          </p:cNvSpPr>
+          <p:nvPr/>
+        </p:nvSpPr>
+        <p:spPr bwMode="auto">
+          <a:xfrm>
+            <a:off x="228600" y="609600"/>
+            <a:ext cx="8686800" cy="457200"/>
+          </a:xfrm>
+          <a:prstGeom prst="rect">
+            <a:avLst/>
+          </a:prstGeom>
+          <a:noFill/>
+          <a:ln w="9525">
+            <a:noFill/>
+            <a:miter lim="800000"/>
+            <a:headEnd/>
+            <a:tailEnd/>
+          </a:ln>
+        </p:spPr>
+        <p:txBody>
+          <a:bodyPr vert="horz" wrap="square" lIns="91440" tIns="45720" rIns="91440" bIns="45720" numCol="1" anchor="t" anchorCtr="0" compatLnSpc="1">
+            <a:prstTxWarp prst="textNoShape">
+              <a:avLst/>
+            </a:prstTxWarp>
+          </a:bodyPr>
+          <a:lstStyle>
+            <a:lvl1pPr marL="342900" indent="-342900" algn="l" rtl="0" eaLnBrk="0" fontAlgn="base" hangingPunct="0">
+              <a:spcBef>
+                <a:spcPct val="20000"/>
+              </a:spcBef>
+              <a:spcAft>
+                <a:spcPct val="0"/>
+              </a:spcAft>
+              <a:buFont typeface="Arial" charset="0"/>
+              <a:defRPr sz="2400" b="1" kern="1200">
+                <a:solidFill>
+                  <a:schemeClr val="tx1"/>
+                </a:solidFill>
+                <a:latin typeface="+mn-lt"/>
+                <a:ea typeface="+mn-ea"/>
+                <a:cs typeface="+mn-cs"/>
+              </a:defRPr>
+            </a:lvl1pPr>
+            <a:lvl2pPr marL="742950" indent="-285750" algn="l" rtl="0" eaLnBrk="0" fontAlgn="base" hangingPunct="0">
+              <a:spcBef>
+                <a:spcPct val="20000"/>
+              </a:spcBef>
+              <a:spcAft>
+                <a:spcPct val="0"/>
+              </a:spcAft>
+              <a:buFont typeface="Arial" charset="0"/>
+              <a:defRPr sz="2000" kern="1200">
+                <a:solidFill>
+                  <a:schemeClr val="tx1"/>
+                </a:solidFill>
+                <a:latin typeface="+mn-lt"/>
+                <a:ea typeface="+mn-ea"/>
+                <a:cs typeface="+mn-cs"/>
+              </a:defRPr>
+            </a:lvl2pPr>
+            <a:lvl3pPr marL="1143000" indent="-228600" algn="l" rtl="0" eaLnBrk="0" fontAlgn="base" hangingPunct="0">
+              <a:spcBef>
+                <a:spcPct val="20000"/>
+              </a:spcBef>
+              <a:spcAft>
+                <a:spcPct val="0"/>
+              </a:spcAft>
+              <a:buFont typeface="Arial" charset="0"/>
+              <a:defRPr sz="2000" kern="1200">
+                <a:solidFill>
+                  <a:schemeClr val="tx1"/>
+                </a:solidFill>
+                <a:latin typeface="+mn-lt"/>
+                <a:ea typeface="+mn-ea"/>
+                <a:cs typeface="+mn-cs"/>
+              </a:defRPr>
+            </a:lvl3pPr>
+            <a:lvl4pPr marL="1600200" indent="-228600" algn="l" rtl="0" eaLnBrk="0" fontAlgn="base" hangingPunct="0">
+              <a:spcBef>
+                <a:spcPct val="20000"/>
+              </a:spcBef>
+              <a:spcAft>
+                <a:spcPct val="0"/>
+              </a:spcAft>
+              <a:buFont typeface="Arial" charset="0"/>
+              <a:defRPr sz="2000" kern="1200">
+                <a:solidFill>
+                  <a:schemeClr val="tx1"/>
+                </a:solidFill>
+                <a:latin typeface="+mn-lt"/>
+                <a:ea typeface="+mn-ea"/>
+                <a:cs typeface="+mn-cs"/>
+              </a:defRPr>
+            </a:lvl4pPr>
+            <a:lvl5pPr marL="2057400" indent="-228600" algn="l" rtl="0" eaLnBrk="0" fontAlgn="base" hangingPunct="0">
+              <a:spcBef>
+                <a:spcPct val="20000"/>
+              </a:spcBef>
+              <a:spcAft>
+                <a:spcPct val="0"/>
+              </a:spcAft>
+              <a:buFont typeface="Arial" charset="0"/>
+              <a:defRPr sz="2000" kern="1200">
+                <a:solidFill>
+                  <a:schemeClr val="tx1"/>
+                </a:solidFill>
+                <a:latin typeface="+mn-lt"/>
+                <a:ea typeface="+mn-ea"/>
+                <a:cs typeface="+mn-cs"/>
+              </a:defRPr>
+            </a:lvl5pPr>
+            <a:lvl6pPr marL="2514600" indent="-228600" algn="l" defTabSz="914400" rtl="0" eaLnBrk="1" latinLnBrk="0" hangingPunct="1">
+              <a:spcBef>
+                <a:spcPct val="20000"/>
+              </a:spcBef>
+              <a:buFont typeface="Arial" pitchFamily="34" charset="0"/>
+              <a:buChar char="•"/>
+              <a:defRPr sz="2000" kern="1200">
+                <a:solidFill>
+                  <a:schemeClr val="tx1"/>
+                </a:solidFill>
+                <a:latin typeface="+mn-lt"/>
+                <a:ea typeface="+mn-ea"/>
+                <a:cs typeface="+mn-cs"/>
+              </a:defRPr>
+            </a:lvl6pPr>
+            <a:lvl7pPr marL="2971800" indent="-228600" algn="l" defTabSz="914400" rtl="0" eaLnBrk="1" latinLnBrk="0" hangingPunct="1">
+              <a:spcBef>
+                <a:spcPct val="20000"/>
+              </a:spcBef>
+              <a:buFont typeface="Arial" pitchFamily="34" charset="0"/>
+              <a:buChar char="•"/>
+              <a:defRPr sz="2000" kern="1200">
+                <a:solidFill>
+                  <a:schemeClr val="tx1"/>
+                </a:solidFill>
+                <a:latin typeface="+mn-lt"/>
+                <a:ea typeface="+mn-ea"/>
+                <a:cs typeface="+mn-cs"/>
+              </a:defRPr>
+            </a:lvl7pPr>
+            <a:lvl8pPr marL="3429000" indent="-228600" algn="l" defTabSz="914400" rtl="0" eaLnBrk="1" latinLnBrk="0" hangingPunct="1">
+              <a:spcBef>
+                <a:spcPct val="20000"/>
+              </a:spcBef>
+              <a:buFont typeface="Arial" pitchFamily="34" charset="0"/>
+              <a:buChar char="•"/>
+              <a:defRPr sz="2000" kern="1200">
+                <a:solidFill>
+                  <a:schemeClr val="tx1"/>
+                </a:solidFill>
+                <a:latin typeface="+mn-lt"/>
+                <a:ea typeface="+mn-ea"/>
+                <a:cs typeface="+mn-cs"/>
+              </a:defRPr>
+            </a:lvl8pPr>
+            <a:lvl9pPr marL="3886200" indent="-228600" algn="l" defTabSz="914400" rtl="0" eaLnBrk="1" latinLnBrk="0" hangingPunct="1">
+              <a:spcBef>
+                <a:spcPct val="20000"/>
+              </a:spcBef>
+              <a:buFont typeface="Arial" pitchFamily="34" charset="0"/>
+              <a:buChar char="•"/>
+              <a:defRPr sz="2000" kern="1200">
+                <a:solidFill>
+                  <a:schemeClr val="tx1"/>
+                </a:solidFill>
+                <a:latin typeface="+mn-lt"/>
+                <a:ea typeface="+mn-ea"/>
+                <a:cs typeface="+mn-cs"/>
+              </a:defRPr>
+            </a:lvl9pPr>
+          </a:lstStyle>
+          <a:p>
+            <a:pPr marL="0" indent="0" eaLnBrk="1" hangingPunct="1">
+              <a:lnSpc>
+                <a:spcPct val="90000"/>
+              </a:lnSpc>
+            </a:pPr>
+            <a:r>
+              <a:rPr lang="en-GB" sz="2000" dirty="0"/>
+              <a:t>How do CPTs work?</a:t>
+            </a:r>
+          </a:p>
+        </p:txBody>
+      </p:sp>
     </p:spTree>
     <p:extLst>
       <p:ext uri="{BB962C8B-B14F-4D97-AF65-F5344CB8AC3E}">
@@ -26302,50 +26637,6 @@
           </p:graphicFrame>
         </mc:Fallback>
       </mc:AlternateContent>
-      <p:sp>
-        <p:nvSpPr>
-          <p:cNvPr id="3" name="Textfeld 2">
-            <a:extLst>
-              <a:ext uri="{FF2B5EF4-FFF2-40B4-BE49-F238E27FC236}">
-                <a16:creationId xmlns:a16="http://schemas.microsoft.com/office/drawing/2014/main" id="{9A4F6804-B7FB-4036-83F9-7A7C9E1992B6}"/>
-              </a:ext>
-            </a:extLst>
-          </p:cNvPr>
-          <p:cNvSpPr txBox="1"/>
-          <p:nvPr/>
-        </p:nvSpPr>
-        <p:spPr>
-          <a:xfrm>
-            <a:off x="152400" y="533400"/>
-            <a:ext cx="5867400" cy="707886"/>
-          </a:xfrm>
-          <a:prstGeom prst="rect">
-            <a:avLst/>
-          </a:prstGeom>
-          <a:noFill/>
-        </p:spPr>
-        <p:txBody>
-          <a:bodyPr wrap="square" rtlCol="0">
-            <a:spAutoFit/>
-          </a:bodyPr>
-          <a:lstStyle/>
-          <a:p>
-            <a:r>
-              <a:rPr lang="en-GB" sz="2000" b="1" dirty="0">
-                <a:latin typeface="+mn-lt"/>
-                <a:sym typeface="Wingdings" panose="05000000000000000000" pitchFamily="2" charset="2"/>
-              </a:rPr>
-              <a:t>Example: CPTs using for real world problems.</a:t>
-            </a:r>
-            <a:endParaRPr lang="en-GB" sz="2000" b="1" dirty="0">
-              <a:latin typeface="+mn-lt"/>
-            </a:endParaRPr>
-          </a:p>
-          <a:p>
-            <a:endParaRPr lang="de-DE" sz="2000" dirty="0"/>
-          </a:p>
-        </p:txBody>
-      </p:sp>
       <p:grpSp>
         <p:nvGrpSpPr>
           <p:cNvPr id="5" name="Gruppieren 4">
@@ -26632,18 +26923,13 @@
               <a:p>
                 <a:pPr algn="ctr"/>
                 <a:r>
-                  <a:rPr lang="en-GB" sz="1600" b="1" dirty="0" err="1">
+                  <a:rPr lang="en-GB" sz="1600" b="1" dirty="0">
                     <a:solidFill>
                       <a:srgbClr val="1E3336"/>
                     </a:solidFill>
                   </a:rPr>
                   <a:t>LetWork</a:t>
                 </a:r>
-                <a:endParaRPr lang="en-GB" sz="1600" b="1" dirty="0">
-                  <a:solidFill>
-                    <a:srgbClr val="1E3336"/>
-                  </a:solidFill>
-                </a:endParaRPr>
               </a:p>
             </p:txBody>
           </p:sp>
@@ -28668,8 +28954,8 @@
           </p:graphicFrame>
         </mc:Fallback>
       </mc:AlternateContent>
-      <mc:AlternateContent xmlns:mc="http://schemas.openxmlformats.org/markup-compatibility/2006" xmlns:a14="http://schemas.microsoft.com/office/drawing/2010/main">
-        <mc:Choice Requires="a14">
+      <mc:AlternateContent xmlns:mc="http://schemas.openxmlformats.org/markup-compatibility/2006">
+        <mc:Choice xmlns:a14="http://schemas.microsoft.com/office/drawing/2010/main" Requires="a14">
           <p:graphicFrame>
             <p:nvGraphicFramePr>
               <p:cNvPr id="28" name="Tabelle 8">
@@ -28685,13 +28971,13 @@
               <p:nvPr>
                 <p:extLst>
                   <p:ext uri="{D42A27DB-BD31-4B8C-83A1-F6EECF244321}">
-                    <p14:modId xmlns:p14="http://schemas.microsoft.com/office/powerpoint/2010/main" val="245971080"/>
+                    <p14:modId xmlns:p14="http://schemas.microsoft.com/office/powerpoint/2010/main" val="588876501"/>
                   </p:ext>
                 </p:extLst>
               </p:nvPr>
             </p:nvGraphicFramePr>
             <p:xfrm>
-              <a:off x="2940454" y="4851400"/>
+              <a:off x="2940454" y="4865082"/>
               <a:ext cx="3200401" cy="1854200"/>
             </p:xfrm>
             <a:graphic>
@@ -29404,7 +29690,7 @@
             </a:graphic>
           </p:graphicFrame>
         </mc:Choice>
-        <mc:Fallback xmlns="">
+        <mc:Fallback>
           <p:graphicFrame>
             <p:nvGraphicFramePr>
               <p:cNvPr id="28" name="Tabelle 8">
@@ -29420,13 +29706,13 @@
               <p:nvPr>
                 <p:extLst>
                   <p:ext uri="{D42A27DB-BD31-4B8C-83A1-F6EECF244321}">
-                    <p14:modId xmlns:p14="http://schemas.microsoft.com/office/powerpoint/2010/main" val="245971080"/>
+                    <p14:modId xmlns:p14="http://schemas.microsoft.com/office/powerpoint/2010/main" val="588876501"/>
                   </p:ext>
                 </p:extLst>
               </p:nvPr>
             </p:nvGraphicFramePr>
             <p:xfrm>
-              <a:off x="2940454" y="4851400"/>
+              <a:off x="2940454" y="4865082"/>
               <a:ext cx="3200401" cy="1854200"/>
             </p:xfrm>
             <a:graphic>
@@ -29471,14 +29757,14 @@
                         <a:bodyPr/>
                         <a:lstStyle/>
                         <a:p>
-                          <a:endParaRPr lang="de-DE"/>
+                          <a:endParaRPr lang="en-US"/>
                         </a:p>
                       </a:txBody>
                       <a:tcPr anchor="ctr">
                         <a:blipFill>
                           <a:blip r:embed="rId10"/>
                           <a:stretch>
-                            <a:fillRect l="-909" t="-1639" r="-381818" b="-404918"/>
+                            <a:fillRect l="-909" t="-1639" r="-381818" b="-403279"/>
                           </a:stretch>
                         </a:blipFill>
                       </a:tcPr>
@@ -29488,14 +29774,14 @@
                         <a:bodyPr/>
                         <a:lstStyle/>
                         <a:p>
-                          <a:endParaRPr lang="de-DE"/>
+                          <a:endParaRPr lang="en-US"/>
                         </a:p>
                       </a:txBody>
                       <a:tcPr anchor="ctr">
                         <a:blipFill>
                           <a:blip r:embed="rId10"/>
                           <a:stretch>
-                            <a:fillRect l="-100909" t="-1639" r="-281818" b="-404918"/>
+                            <a:fillRect l="-100909" t="-1639" r="-281818" b="-403279"/>
                           </a:stretch>
                         </a:blipFill>
                       </a:tcPr>
@@ -29505,14 +29791,14 @@
                         <a:bodyPr/>
                         <a:lstStyle/>
                         <a:p>
-                          <a:endParaRPr lang="de-DE"/>
+                          <a:endParaRPr lang="en-US"/>
                         </a:p>
                       </a:txBody>
                       <a:tcPr anchor="ctr">
                         <a:blipFill>
                           <a:blip r:embed="rId10"/>
                           <a:stretch>
-                            <a:fillRect l="-142581" t="-1639" r="-100000" b="-404918"/>
+                            <a:fillRect l="-142581" t="-1639" r="-100000" b="-403279"/>
                           </a:stretch>
                         </a:blipFill>
                       </a:tcPr>
@@ -29522,14 +29808,14 @@
                         <a:bodyPr/>
                         <a:lstStyle/>
                         <a:p>
-                          <a:endParaRPr lang="de-DE"/>
+                          <a:endParaRPr lang="en-US"/>
                         </a:p>
                       </a:txBody>
                       <a:tcPr anchor="ctr">
                         <a:blipFill>
                           <a:blip r:embed="rId10"/>
                           <a:stretch>
-                            <a:fillRect l="-249007" t="-1639" r="-2649" b="-404918"/>
+                            <a:fillRect l="-249007" t="-1639" r="-2649" b="-403279"/>
                           </a:stretch>
                         </a:blipFill>
                       </a:tcPr>
@@ -29910,6 +30196,208 @@
           </p:graphicFrame>
         </mc:Fallback>
       </mc:AlternateContent>
+      <p:sp>
+        <p:nvSpPr>
+          <p:cNvPr id="23" name="Rectangle 3">
+            <a:extLst>
+              <a:ext uri="{FF2B5EF4-FFF2-40B4-BE49-F238E27FC236}">
+                <a16:creationId xmlns:a16="http://schemas.microsoft.com/office/drawing/2014/main" id="{FA2C6C66-E62B-42D0-A313-D6DAB416389C}"/>
+              </a:ext>
+            </a:extLst>
+          </p:cNvPr>
+          <p:cNvSpPr txBox="1">
+            <a:spLocks/>
+          </p:cNvSpPr>
+          <p:nvPr/>
+        </p:nvSpPr>
+        <p:spPr bwMode="auto">
+          <a:xfrm>
+            <a:off x="228600" y="609600"/>
+            <a:ext cx="8686800" cy="457200"/>
+          </a:xfrm>
+          <a:prstGeom prst="rect">
+            <a:avLst/>
+          </a:prstGeom>
+          <a:noFill/>
+          <a:ln w="9525">
+            <a:noFill/>
+            <a:miter lim="800000"/>
+            <a:headEnd/>
+            <a:tailEnd/>
+          </a:ln>
+        </p:spPr>
+        <p:txBody>
+          <a:bodyPr vert="horz" wrap="square" lIns="91440" tIns="45720" rIns="91440" bIns="45720" numCol="1" anchor="t" anchorCtr="0" compatLnSpc="1">
+            <a:prstTxWarp prst="textNoShape">
+              <a:avLst/>
+            </a:prstTxWarp>
+          </a:bodyPr>
+          <a:lstStyle>
+            <a:lvl1pPr marL="342900" indent="-342900" algn="l" rtl="0" eaLnBrk="0" fontAlgn="base" hangingPunct="0">
+              <a:spcBef>
+                <a:spcPct val="20000"/>
+              </a:spcBef>
+              <a:spcAft>
+                <a:spcPct val="0"/>
+              </a:spcAft>
+              <a:buFont typeface="Arial" charset="0"/>
+              <a:defRPr sz="2400" b="1" kern="1200">
+                <a:solidFill>
+                  <a:schemeClr val="tx1"/>
+                </a:solidFill>
+                <a:latin typeface="+mn-lt"/>
+                <a:ea typeface="+mn-ea"/>
+                <a:cs typeface="+mn-cs"/>
+              </a:defRPr>
+            </a:lvl1pPr>
+            <a:lvl2pPr marL="742950" indent="-285750" algn="l" rtl="0" eaLnBrk="0" fontAlgn="base" hangingPunct="0">
+              <a:spcBef>
+                <a:spcPct val="20000"/>
+              </a:spcBef>
+              <a:spcAft>
+                <a:spcPct val="0"/>
+              </a:spcAft>
+              <a:buFont typeface="Arial" charset="0"/>
+              <a:defRPr sz="2000" kern="1200">
+                <a:solidFill>
+                  <a:schemeClr val="tx1"/>
+                </a:solidFill>
+                <a:latin typeface="+mn-lt"/>
+                <a:ea typeface="+mn-ea"/>
+                <a:cs typeface="+mn-cs"/>
+              </a:defRPr>
+            </a:lvl2pPr>
+            <a:lvl3pPr marL="1143000" indent="-228600" algn="l" rtl="0" eaLnBrk="0" fontAlgn="base" hangingPunct="0">
+              <a:spcBef>
+                <a:spcPct val="20000"/>
+              </a:spcBef>
+              <a:spcAft>
+                <a:spcPct val="0"/>
+              </a:spcAft>
+              <a:buFont typeface="Arial" charset="0"/>
+              <a:defRPr sz="2000" kern="1200">
+                <a:solidFill>
+                  <a:schemeClr val="tx1"/>
+                </a:solidFill>
+                <a:latin typeface="+mn-lt"/>
+                <a:ea typeface="+mn-ea"/>
+                <a:cs typeface="+mn-cs"/>
+              </a:defRPr>
+            </a:lvl3pPr>
+            <a:lvl4pPr marL="1600200" indent="-228600" algn="l" rtl="0" eaLnBrk="0" fontAlgn="base" hangingPunct="0">
+              <a:spcBef>
+                <a:spcPct val="20000"/>
+              </a:spcBef>
+              <a:spcAft>
+                <a:spcPct val="0"/>
+              </a:spcAft>
+              <a:buFont typeface="Arial" charset="0"/>
+              <a:defRPr sz="2000" kern="1200">
+                <a:solidFill>
+                  <a:schemeClr val="tx1"/>
+                </a:solidFill>
+                <a:latin typeface="+mn-lt"/>
+                <a:ea typeface="+mn-ea"/>
+                <a:cs typeface="+mn-cs"/>
+              </a:defRPr>
+            </a:lvl4pPr>
+            <a:lvl5pPr marL="2057400" indent="-228600" algn="l" rtl="0" eaLnBrk="0" fontAlgn="base" hangingPunct="0">
+              <a:spcBef>
+                <a:spcPct val="20000"/>
+              </a:spcBef>
+              <a:spcAft>
+                <a:spcPct val="0"/>
+              </a:spcAft>
+              <a:buFont typeface="Arial" charset="0"/>
+              <a:defRPr sz="2000" kern="1200">
+                <a:solidFill>
+                  <a:schemeClr val="tx1"/>
+                </a:solidFill>
+                <a:latin typeface="+mn-lt"/>
+                <a:ea typeface="+mn-ea"/>
+                <a:cs typeface="+mn-cs"/>
+              </a:defRPr>
+            </a:lvl5pPr>
+            <a:lvl6pPr marL="2514600" indent="-228600" algn="l" defTabSz="914400" rtl="0" eaLnBrk="1" latinLnBrk="0" hangingPunct="1">
+              <a:spcBef>
+                <a:spcPct val="20000"/>
+              </a:spcBef>
+              <a:buFont typeface="Arial" pitchFamily="34" charset="0"/>
+              <a:buChar char="•"/>
+              <a:defRPr sz="2000" kern="1200">
+                <a:solidFill>
+                  <a:schemeClr val="tx1"/>
+                </a:solidFill>
+                <a:latin typeface="+mn-lt"/>
+                <a:ea typeface="+mn-ea"/>
+                <a:cs typeface="+mn-cs"/>
+              </a:defRPr>
+            </a:lvl6pPr>
+            <a:lvl7pPr marL="2971800" indent="-228600" algn="l" defTabSz="914400" rtl="0" eaLnBrk="1" latinLnBrk="0" hangingPunct="1">
+              <a:spcBef>
+                <a:spcPct val="20000"/>
+              </a:spcBef>
+              <a:buFont typeface="Arial" pitchFamily="34" charset="0"/>
+              <a:buChar char="•"/>
+              <a:defRPr sz="2000" kern="1200">
+                <a:solidFill>
+                  <a:schemeClr val="tx1"/>
+                </a:solidFill>
+                <a:latin typeface="+mn-lt"/>
+                <a:ea typeface="+mn-ea"/>
+                <a:cs typeface="+mn-cs"/>
+              </a:defRPr>
+            </a:lvl7pPr>
+            <a:lvl8pPr marL="3429000" indent="-228600" algn="l" defTabSz="914400" rtl="0" eaLnBrk="1" latinLnBrk="0" hangingPunct="1">
+              <a:spcBef>
+                <a:spcPct val="20000"/>
+              </a:spcBef>
+              <a:buFont typeface="Arial" pitchFamily="34" charset="0"/>
+              <a:buChar char="•"/>
+              <a:defRPr sz="2000" kern="1200">
+                <a:solidFill>
+                  <a:schemeClr val="tx1"/>
+                </a:solidFill>
+                <a:latin typeface="+mn-lt"/>
+                <a:ea typeface="+mn-ea"/>
+                <a:cs typeface="+mn-cs"/>
+              </a:defRPr>
+            </a:lvl8pPr>
+            <a:lvl9pPr marL="3886200" indent="-228600" algn="l" defTabSz="914400" rtl="0" eaLnBrk="1" latinLnBrk="0" hangingPunct="1">
+              <a:spcBef>
+                <a:spcPct val="20000"/>
+              </a:spcBef>
+              <a:buFont typeface="Arial" pitchFamily="34" charset="0"/>
+              <a:buChar char="•"/>
+              <a:defRPr sz="2000" kern="1200">
+                <a:solidFill>
+                  <a:schemeClr val="tx1"/>
+                </a:solidFill>
+                <a:latin typeface="+mn-lt"/>
+                <a:ea typeface="+mn-ea"/>
+                <a:cs typeface="+mn-cs"/>
+              </a:defRPr>
+            </a:lvl9pPr>
+          </a:lstStyle>
+          <a:p>
+            <a:pPr marL="0" indent="0" eaLnBrk="1" hangingPunct="1">
+              <a:lnSpc>
+                <a:spcPct val="90000"/>
+              </a:lnSpc>
+            </a:pPr>
+            <a:r>
+              <a:rPr lang="en-GB" sz="2000" b="1" dirty="0">
+                <a:latin typeface="+mn-lt"/>
+                <a:sym typeface="Wingdings" panose="05000000000000000000" pitchFamily="2" charset="2"/>
+              </a:rPr>
+              <a:t>Example: Using CPTs for real world problems.</a:t>
+            </a:r>
+            <a:endParaRPr lang="en-GB" sz="2000" b="1" dirty="0">
+              <a:latin typeface="+mn-lt"/>
+            </a:endParaRPr>
+          </a:p>
+        </p:txBody>
+      </p:sp>
     </p:spTree>
     <p:extLst>
       <p:ext uri="{BB962C8B-B14F-4D97-AF65-F5344CB8AC3E}">
@@ -30195,7 +30683,7 @@
         <p:spPr>
           <a:xfrm>
             <a:off x="457199" y="800100"/>
-            <a:ext cx="4798219" cy="2019300"/>
+            <a:ext cx="5066434" cy="2019300"/>
           </a:xfrm>
         </p:spPr>
         <p:txBody>
@@ -30208,22 +30696,8 @@
               </a:lnSpc>
             </a:pPr>
             <a:r>
-              <a:rPr lang="en-AU" sz="1800" dirty="0">
-                <a:latin typeface="+mj-lt"/>
-              </a:rPr>
-              <a:t>It is worth spending a moment to understand further the possible surprising behaviour of the graph. Consider a particular instance of such a graph corresponding to a problem with three binary random variables related to a working recording using </a:t>
-            </a:r>
-            <a:r>
-              <a:rPr lang="en-AU" sz="1800" dirty="0" err="1">
-                <a:latin typeface="+mj-lt"/>
-              </a:rPr>
-              <a:t>BigBlueButton</a:t>
-            </a:r>
-            <a:r>
-              <a:rPr lang="en-AU" sz="1800" dirty="0">
-                <a:latin typeface="+mj-lt"/>
-              </a:rPr>
-              <a:t>.</a:t>
+              <a:rPr lang="en-AU" sz="1800" dirty="0"/>
+              <a:t>It is worth spending a moment to understand further the possible surprising behaviour of the graph. Consider a particular instance of such a graph corresponding to a problem with three binary random variables related to a working lecture recording using BigBlueButton.</a:t>
             </a:r>
           </a:p>
           <a:p>
@@ -30289,7 +30763,7 @@
         </p:blipFill>
         <p:spPr bwMode="auto">
           <a:xfrm>
-            <a:off x="5640521" y="851631"/>
+            <a:off x="5904633" y="928211"/>
             <a:ext cx="2747962" cy="1648777"/>
           </a:xfrm>
           <a:prstGeom prst="rect">
@@ -30773,8 +31247,8 @@
           </a:p>
         </p:txBody>
       </p:sp>
-      <mc:AlternateContent xmlns:mc="http://schemas.openxmlformats.org/markup-compatibility/2006" xmlns:a14="http://schemas.microsoft.com/office/drawing/2010/main">
-        <mc:Choice Requires="a14">
+      <mc:AlternateContent xmlns:mc="http://schemas.openxmlformats.org/markup-compatibility/2006">
+        <mc:Choice xmlns:a14="http://schemas.microsoft.com/office/drawing/2010/main" Requires="a14">
           <p:sp>
             <p:nvSpPr>
               <p:cNvPr id="15" name="Textfeld 14">
@@ -30844,10 +31318,16 @@
                   <a:t> - </a:t>
                 </a:r>
                 <a:r>
+                  <a:rPr lang="en-AU" sz="1800" b="1" dirty="0">
+                    <a:latin typeface="+mj-lt"/>
+                  </a:rPr>
+                  <a:t>M</a:t>
+                </a:r>
+                <a:r>
                   <a:rPr lang="en-AU" sz="1800" b="0" dirty="0">
                     <a:latin typeface="+mj-lt"/>
                   </a:rPr>
-                  <a:t>Microphone state – that is either working (M=1) or not working (M=0; broken, connection issues, not plugged in etc.)</a:t>
+                  <a:t>icrophone state - either working (M=1) or not working (M=0; broken, connection issues, not plugged in etc.)</a:t>
                 </a:r>
               </a:p>
               <a:p>
@@ -30863,7 +31343,7 @@
             </p:txBody>
           </p:sp>
         </mc:Choice>
-        <mc:Fallback xmlns="">
+        <mc:Fallback>
           <p:sp>
             <p:nvSpPr>
               <p:cNvPr id="15" name="Textfeld 14">
@@ -30889,7 +31369,7 @@
               <a:blipFill>
                 <a:blip r:embed="rId4"/>
                 <a:stretch>
-                  <a:fillRect l="-1042" t="-5618" r="-911"/>
+                  <a:fillRect l="-1042" t="-5618" r="-1563"/>
                 </a:stretch>
               </a:blipFill>
             </p:spPr>
@@ -30908,8 +31388,8 @@
           </p:sp>
         </mc:Fallback>
       </mc:AlternateContent>
-      <mc:AlternateContent xmlns:mc="http://schemas.openxmlformats.org/markup-compatibility/2006" xmlns:a14="http://schemas.microsoft.com/office/drawing/2010/main">
-        <mc:Choice Requires="a14">
+      <mc:AlternateContent xmlns:mc="http://schemas.openxmlformats.org/markup-compatibility/2006">
+        <mc:Choice xmlns:a14="http://schemas.microsoft.com/office/drawing/2010/main" Requires="a14">
           <p:sp>
             <p:nvSpPr>
               <p:cNvPr id="16" name="Textfeld 15">
@@ -30978,7 +31458,15 @@
                 </a:r>
                 <a:r>
                   <a:rPr lang="en-AU" dirty="0"/>
-                  <a:t>- Recording app in BBB – That is working properly (A=1) or has a malfunction due to server issues (A=0)</a:t>
+                  <a:t>- Recording </a:t>
+                </a:r>
+                <a:r>
+                  <a:rPr lang="en-AU" b="1" dirty="0"/>
+                  <a:t>A</a:t>
+                </a:r>
+                <a:r>
+                  <a:rPr lang="en-AU" dirty="0"/>
+                  <a:t>pp in BBB - either works properly (A=1) or has a malfunction due to server issues (A=0)</a:t>
                 </a:r>
               </a:p>
               <a:p>
@@ -30994,7 +31482,7 @@
             </p:txBody>
           </p:sp>
         </mc:Choice>
-        <mc:Fallback xmlns="">
+        <mc:Fallback>
           <p:sp>
             <p:nvSpPr>
               <p:cNvPr id="16" name="Textfeld 15">
@@ -31020,7 +31508,7 @@
               <a:blipFill>
                 <a:blip r:embed="rId5"/>
                 <a:stretch>
-                  <a:fillRect l="-1042" t="-5028" r="-1563"/>
+                  <a:fillRect l="-1042" t="-5028"/>
                 </a:stretch>
               </a:blipFill>
             </p:spPr>
@@ -31039,8 +31527,8 @@
           </p:sp>
         </mc:Fallback>
       </mc:AlternateContent>
-      <mc:AlternateContent xmlns:mc="http://schemas.openxmlformats.org/markup-compatibility/2006" xmlns:a14="http://schemas.microsoft.com/office/drawing/2010/main">
-        <mc:Choice Requires="a14">
+      <mc:AlternateContent xmlns:mc="http://schemas.openxmlformats.org/markup-compatibility/2006">
+        <mc:Choice xmlns:a14="http://schemas.microsoft.com/office/drawing/2010/main" Requires="a14">
           <p:sp>
             <p:nvSpPr>
               <p:cNvPr id="19" name="Textfeld 18">
@@ -31105,7 +31593,15 @@
                 </a14:m>
                 <a:r>
                   <a:rPr lang="en-AU" dirty="0"/>
-                  <a:t> - Recorded session – That was successful (R=1) or unsuccessful (R=0)</a:t>
+                  <a:t> - Session </a:t>
+                </a:r>
+                <a:r>
+                  <a:rPr lang="en-AU" b="1" dirty="0"/>
+                  <a:t>R</a:t>
+                </a:r>
+                <a:r>
+                  <a:rPr lang="en-AU" dirty="0"/>
+                  <a:t>ecording - was either successful (R=1) or unsuccessful (R=0)</a:t>
                 </a:r>
               </a:p>
               <a:p>
@@ -31121,7 +31617,7 @@
             </p:txBody>
           </p:sp>
         </mc:Choice>
-        <mc:Fallback xmlns="">
+        <mc:Fallback>
           <p:sp>
             <p:nvSpPr>
               <p:cNvPr id="19" name="Textfeld 18">
@@ -32743,8 +33239,8 @@
           </a:graphicData>
         </a:graphic>
       </p:graphicFrame>
-      <mc:AlternateContent xmlns:mc="http://schemas.openxmlformats.org/markup-compatibility/2006">
-        <mc:Choice xmlns:a14="http://schemas.microsoft.com/office/drawing/2010/main" Requires="a14">
+      <mc:AlternateContent xmlns:mc="http://schemas.openxmlformats.org/markup-compatibility/2006" xmlns:a14="http://schemas.microsoft.com/office/drawing/2010/main">
+        <mc:Choice Requires="a14">
           <p:sp>
             <p:nvSpPr>
               <p:cNvPr id="9" name="Textfeld 8">
@@ -32811,10 +33307,33 @@
                           <m:nor/>
                         </m:rPr>
                         <a:rPr lang="de-DE" dirty="0"/>
-                        <m:t>=1)=0</m:t>
+                        <m:t>=</m:t>
                       </m:r>
                       <m:r>
-                        <a:rPr lang="de-DE" i="1" dirty="0" smtClean="0"/>
+                        <m:rPr>
+                          <m:nor/>
+                        </m:rPr>
+                        <a:rPr lang="de-DE" dirty="0"/>
+                        <m:t>1</m:t>
+                      </m:r>
+                      <m:r>
+                        <m:rPr>
+                          <m:nor/>
+                        </m:rPr>
+                        <a:rPr lang="de-DE" dirty="0"/>
+                        <m:t>)=</m:t>
+                      </m:r>
+                      <m:r>
+                        <m:rPr>
+                          <m:nor/>
+                        </m:rPr>
+                        <a:rPr lang="de-DE" dirty="0"/>
+                        <m:t>0</m:t>
+                      </m:r>
+                      <m:r>
+                        <a:rPr lang="de-DE" i="1" dirty="0" smtClean="0">
+                          <a:latin typeface="Cambria Math" panose="02040503050406030204" pitchFamily="18" charset="0"/>
+                        </a:rPr>
                         <m:t>.</m:t>
                       </m:r>
                       <m:r>
@@ -32863,10 +33382,33 @@
                           <m:nor/>
                         </m:rPr>
                         <a:rPr lang="de-DE" dirty="0" smtClean="0"/>
-                        <m:t>=0)=0</m:t>
+                        <m:t>=</m:t>
                       </m:r>
                       <m:r>
-                        <a:rPr lang="de-DE" i="1" dirty="0" smtClean="0"/>
+                        <m:rPr>
+                          <m:nor/>
+                        </m:rPr>
+                        <a:rPr lang="de-DE" dirty="0" smtClean="0"/>
+                        <m:t>0</m:t>
+                      </m:r>
+                      <m:r>
+                        <m:rPr>
+                          <m:nor/>
+                        </m:rPr>
+                        <a:rPr lang="de-DE" dirty="0" smtClean="0"/>
+                        <m:t>)=</m:t>
+                      </m:r>
+                      <m:r>
+                        <m:rPr>
+                          <m:nor/>
+                        </m:rPr>
+                        <a:rPr lang="de-DE" dirty="0" smtClean="0"/>
+                        <m:t>0</m:t>
+                      </m:r>
+                      <m:r>
+                        <a:rPr lang="de-DE" i="1" dirty="0" smtClean="0">
+                          <a:latin typeface="Cambria Math" panose="02040503050406030204" pitchFamily="18" charset="0"/>
+                        </a:rPr>
                         <m:t>.</m:t>
                       </m:r>
                       <m:r>
@@ -32884,7 +33426,7 @@
             </p:txBody>
           </p:sp>
         </mc:Choice>
-        <mc:Fallback>
+        <mc:Fallback xmlns="">
           <p:sp>
             <p:nvSpPr>
               <p:cNvPr id="9" name="Textfeld 8">
@@ -33598,7 +34140,7 @@
             <a:p>
               <a:r>
                 <a:rPr lang="en-AU" dirty="0">
-                  <a:latin typeface="Calibri" panose="020F0502020204030204" pitchFamily="34" charset="0"/>
+                  <a:latin typeface="+mj-lt"/>
                   <a:cs typeface="Calibri" panose="020F0502020204030204" pitchFamily="34" charset="0"/>
                 </a:rPr>
                 <a:t>M</a:t>
@@ -33921,8 +34463,8 @@
               <a:lstStyle/>
               <a:p>
                 <a:r>
-                  <a:rPr lang="en-AU">
-                    <a:latin typeface="Calibri" panose="020F0502020204030204" pitchFamily="34" charset="0"/>
+                  <a:rPr lang="en-AU" dirty="0">
+                    <a:latin typeface="+mj-lt"/>
                     <a:cs typeface="Calibri" panose="020F0502020204030204" pitchFamily="34" charset="0"/>
                   </a:rPr>
                   <a:t>A</a:t>
@@ -33962,8 +34504,8 @@
               <a:lstStyle/>
               <a:p>
                 <a:r>
-                  <a:rPr lang="en-AU">
-                    <a:latin typeface="Calibri" panose="020F0502020204030204" pitchFamily="34" charset="0"/>
+                  <a:rPr lang="en-AU" dirty="0">
+                    <a:latin typeface="+mj-lt"/>
                     <a:cs typeface="Calibri" panose="020F0502020204030204" pitchFamily="34" charset="0"/>
                   </a:rPr>
                   <a:t>R</a:t>
@@ -33987,7 +34529,7 @@
         </p:nvSpPr>
         <p:spPr>
           <a:xfrm>
-            <a:off x="5127472" y="3922791"/>
+            <a:off x="5232973" y="4063396"/>
             <a:ext cx="3855824" cy="2308324"/>
           </a:xfrm>
           <a:prstGeom prst="rect">
@@ -34019,7 +34561,15 @@
           <a:p>
             <a:r>
               <a:rPr lang="en-AU" dirty="0"/>
-              <a:t>As we see on the tables a slide ago, there is no P(R) that we could directly plug in, as it is not directly given (dependent on p(M) and p(A)).</a:t>
+              <a:t>As you can see in the tables on the previous slide, there is no P(R) </a:t>
+            </a:r>
+            <a:r>
+              <a:rPr lang="en-GB" dirty="0"/>
+              <a:t>that we could use </a:t>
+            </a:r>
+            <a:r>
+              <a:rPr lang="en-AU" dirty="0"/>
+              <a:t>since it is not directly given (depending on p(M) and p(A)).</a:t>
             </a:r>
           </a:p>
           <a:p>
@@ -34028,7 +34578,7 @@
           <a:p>
             <a:r>
               <a:rPr lang="en-AU" dirty="0"/>
-              <a:t>So we have to calculate it somehow out of the given information.</a:t>
+              <a:t>So we have to calculate it somehow from the given information.</a:t>
             </a:r>
           </a:p>
         </p:txBody>
@@ -34047,8 +34597,8 @@
         </p:nvSpPr>
         <p:spPr>
           <a:xfrm rot="20221331">
-            <a:off x="4275133" y="2242024"/>
-            <a:ext cx="1414322" cy="387037"/>
+            <a:off x="4261034" y="2172659"/>
+            <a:ext cx="1769697" cy="387037"/>
           </a:xfrm>
           <a:prstGeom prst="leftRightArrow">
             <a:avLst/>
@@ -34100,9 +34650,9 @@
           <p:nvPr/>
         </p:nvCxnSpPr>
         <p:spPr>
-          <a:xfrm>
-            <a:off x="4856832" y="3200400"/>
-            <a:ext cx="0" cy="3657600"/>
+          <a:xfrm flipH="1">
+            <a:off x="5127078" y="3657600"/>
+            <a:ext cx="394" cy="3200400"/>
           </a:xfrm>
           <a:prstGeom prst="line">
             <a:avLst/>
@@ -34138,9 +34688,9 @@
           <p:nvPr/>
         </p:nvCxnSpPr>
         <p:spPr>
-          <a:xfrm flipV="1">
-            <a:off x="4856832" y="3200400"/>
-            <a:ext cx="4287168" cy="1"/>
+          <a:xfrm>
+            <a:off x="5127472" y="3657600"/>
+            <a:ext cx="4016528" cy="0"/>
           </a:xfrm>
           <a:prstGeom prst="line">
             <a:avLst/>
@@ -34440,15 +34990,22 @@
           <a:lstStyle/>
           <a:p>
             <a:r>
-              <a:rPr lang="en-AU" dirty="0">
+              <a:rPr lang="en-GB" dirty="0">
                 <a:solidFill>
                   <a:srgbClr val="000000"/>
                 </a:solidFill>
-                <a:latin typeface="+mj-lt"/>
+                <a:latin typeface="+mn-lt"/>
                 <a:cs typeface="Calibri" panose="020F0502020204030204" pitchFamily="34" charset="0"/>
               </a:rPr>
-              <a:t>Let’s assume we know that the recording wasn´t working. The proper mathematical expression than would be:</a:t>
+              <a:t>Let’s assume we know that the recording does not work. The correct mathematical expression then would be: </a:t>
             </a:r>
+            <a:endParaRPr lang="en-AU" dirty="0">
+              <a:solidFill>
+                <a:srgbClr val="000000"/>
+              </a:solidFill>
+              <a:latin typeface="+mn-lt"/>
+              <a:cs typeface="Calibri" panose="020F0502020204030204" pitchFamily="34" charset="0"/>
+            </a:endParaRPr>
           </a:p>
         </p:txBody>
       </p:sp>
@@ -34714,8 +35271,8 @@
           </p:sp>
         </mc:Fallback>
       </mc:AlternateContent>
-      <mc:AlternateContent xmlns:mc="http://schemas.openxmlformats.org/markup-compatibility/2006" xmlns:a14="http://schemas.microsoft.com/office/drawing/2010/main">
-        <mc:Choice Requires="a14">
+      <mc:AlternateContent xmlns:mc="http://schemas.openxmlformats.org/markup-compatibility/2006">
+        <mc:Choice xmlns:a14="http://schemas.microsoft.com/office/drawing/2010/main" Requires="a14">
           <p:sp>
             <p:nvSpPr>
               <p:cNvPr id="24" name="Textfeld 23">
@@ -34749,7 +35306,7 @@
                     <a:latin typeface="+mj-lt"/>
                     <a:cs typeface="Calibri" panose="020F0502020204030204" pitchFamily="34" charset="0"/>
                   </a:rPr>
-                  <a:t>2. Using product rule</a:t>
+                  <a:t>2. Apply product rule:</a:t>
                 </a:r>
               </a:p>
               <a:p>
@@ -35196,7 +35753,7 @@
             </p:txBody>
           </p:sp>
         </mc:Choice>
-        <mc:Fallback xmlns="">
+        <mc:Fallback>
           <p:sp>
             <p:nvSpPr>
               <p:cNvPr id="24" name="Textfeld 23">
@@ -35241,8 +35798,8 @@
           </p:sp>
         </mc:Fallback>
       </mc:AlternateContent>
-      <mc:AlternateContent xmlns:mc="http://schemas.openxmlformats.org/markup-compatibility/2006" xmlns:a14="http://schemas.microsoft.com/office/drawing/2010/main">
-        <mc:Choice Requires="a14">
+      <mc:AlternateContent xmlns:mc="http://schemas.openxmlformats.org/markup-compatibility/2006">
+        <mc:Choice xmlns:a14="http://schemas.microsoft.com/office/drawing/2010/main" Requires="a14">
           <p:sp>
             <p:nvSpPr>
               <p:cNvPr id="25" name="Textfeld 24">
@@ -35276,7 +35833,7 @@
                     <a:latin typeface="+mj-lt"/>
                     <a:cs typeface="Calibri" panose="020F0502020204030204" pitchFamily="34" charset="0"/>
                   </a:rPr>
-                  <a:t>3. Marginalize over M</a:t>
+                  <a:t>3. Marginalize over M:</a:t>
                 </a:r>
                 <a:endParaRPr lang="en-AU" dirty="0">
                   <a:latin typeface="+mj-lt"/>
@@ -35359,6 +35916,9 @@
                             <m:fPr>
                               <m:ctrlPr>
                                 <a:rPr lang="en-AU" i="1" smtClean="0">
+                                  <a:solidFill>
+                                    <a:schemeClr val="tx1"/>
+                                  </a:solidFill>
                                   <a:latin typeface="Cambria Math" panose="02040503050406030204" pitchFamily="18" charset="0"/>
                                 </a:rPr>
                               </m:ctrlPr>
@@ -35367,7 +35927,7 @@
                               <m:r>
                                 <a:rPr lang="en-AU" i="1" smtClean="0">
                                   <a:solidFill>
-                                    <a:srgbClr val="238D46"/>
+                                    <a:schemeClr val="tx1"/>
                                   </a:solidFill>
                                   <a:latin typeface="Cambria Math" panose="02040503050406030204" pitchFamily="18" charset="0"/>
                                 </a:rPr>
@@ -35378,7 +35938,7 @@
                                   <m:ctrlPr>
                                     <a:rPr lang="en-AU" i="1" smtClean="0">
                                       <a:solidFill>
-                                        <a:srgbClr val="238D46"/>
+                                        <a:schemeClr val="tx1"/>
                                       </a:solidFill>
                                       <a:latin typeface="Cambria Math" panose="02040503050406030204" pitchFamily="18" charset="0"/>
                                     </a:rPr>
@@ -35388,7 +35948,7 @@
                                   <m:r>
                                     <a:rPr lang="en-AU" i="1" smtClean="0">
                                       <a:solidFill>
-                                        <a:srgbClr val="238D46"/>
+                                        <a:schemeClr val="tx1"/>
                                       </a:solidFill>
                                       <a:latin typeface="Cambria Math" panose="02040503050406030204" pitchFamily="18" charset="0"/>
                                     </a:rPr>
@@ -35398,6 +35958,9 @@
                               </m:d>
                               <m:r>
                                 <a:rPr lang="en-AU" i="1" smtClean="0">
+                                  <a:solidFill>
+                                    <a:schemeClr val="tx1"/>
+                                  </a:solidFill>
                                   <a:latin typeface="Cambria Math" panose="02040503050406030204" pitchFamily="18" charset="0"/>
                                 </a:rPr>
                                 <m:t>∗</m:t>
@@ -35405,7 +35968,7 @@
                               <m:r>
                                 <a:rPr lang="en-AU" i="1" smtClean="0">
                                   <a:solidFill>
-                                    <a:srgbClr val="238D46"/>
+                                    <a:schemeClr val="tx1"/>
                                   </a:solidFill>
                                   <a:latin typeface="Cambria Math" panose="02040503050406030204" pitchFamily="18" charset="0"/>
                                 </a:rPr>
@@ -35416,7 +35979,7 @@
                                   <m:ctrlPr>
                                     <a:rPr lang="en-AU" i="1" smtClean="0">
                                       <a:solidFill>
-                                        <a:srgbClr val="238D46"/>
+                                        <a:schemeClr val="tx1"/>
                                       </a:solidFill>
                                       <a:latin typeface="Cambria Math" panose="02040503050406030204" pitchFamily="18" charset="0"/>
                                     </a:rPr>
@@ -35426,7 +35989,7 @@
                                   <m:r>
                                     <a:rPr lang="en-AU" b="0" i="1" smtClean="0">
                                       <a:solidFill>
-                                        <a:srgbClr val="238D46"/>
+                                        <a:schemeClr val="tx1"/>
                                       </a:solidFill>
                                       <a:latin typeface="Cambria Math" panose="02040503050406030204" pitchFamily="18" charset="0"/>
                                     </a:rPr>
@@ -35436,6 +35999,9 @@
                               </m:d>
                               <m:r>
                                 <a:rPr lang="en-AU" i="1" smtClean="0">
+                                  <a:solidFill>
+                                    <a:schemeClr val="tx1"/>
+                                  </a:solidFill>
                                   <a:latin typeface="Cambria Math" panose="02040503050406030204" pitchFamily="18" charset="0"/>
                                 </a:rPr>
                                 <m:t>∗</m:t>
@@ -35443,7 +36009,7 @@
                               <m:r>
                                 <a:rPr lang="en-AU" i="1" smtClean="0">
                                   <a:solidFill>
-                                    <a:srgbClr val="238D46"/>
+                                    <a:schemeClr val="tx1"/>
                                   </a:solidFill>
                                   <a:latin typeface="Cambria Math" panose="02040503050406030204" pitchFamily="18" charset="0"/>
                                 </a:rPr>
@@ -35452,7 +36018,7 @@
                               <m:r>
                                 <a:rPr lang="en-AU" i="1" smtClean="0">
                                   <a:solidFill>
-                                    <a:srgbClr val="238D46"/>
+                                    <a:schemeClr val="tx1"/>
                                   </a:solidFill>
                                   <a:latin typeface="Cambria Math" panose="02040503050406030204" pitchFamily="18" charset="0"/>
                                 </a:rPr>
@@ -35461,7 +36027,7 @@
                               <m:r>
                                 <a:rPr lang="en-AU" b="0" i="1" smtClean="0">
                                   <a:solidFill>
-                                    <a:srgbClr val="238D46"/>
+                                    <a:schemeClr val="tx1"/>
                                   </a:solidFill>
                                   <a:latin typeface="Cambria Math" panose="02040503050406030204" pitchFamily="18" charset="0"/>
                                 </a:rPr>
@@ -35470,7 +36036,7 @@
                               <m:r>
                                 <a:rPr lang="en-AU" i="1" smtClean="0">
                                   <a:solidFill>
-                                    <a:srgbClr val="238D46"/>
+                                    <a:schemeClr val="tx1"/>
                                   </a:solidFill>
                                   <a:latin typeface="Cambria Math" panose="02040503050406030204" pitchFamily="18" charset="0"/>
                                 </a:rPr>
@@ -35479,7 +36045,7 @@
                               <m:r>
                                 <a:rPr lang="en-AU" i="1" smtClean="0">
                                   <a:solidFill>
-                                    <a:srgbClr val="238D46"/>
+                                    <a:schemeClr val="tx1"/>
                                   </a:solidFill>
                                   <a:latin typeface="Cambria Math" panose="02040503050406030204" pitchFamily="18" charset="0"/>
                                 </a:rPr>
@@ -35488,7 +36054,7 @@
                               <m:r>
                                 <a:rPr lang="en-AU" i="1" smtClean="0">
                                   <a:solidFill>
-                                    <a:srgbClr val="238D46"/>
+                                    <a:schemeClr val="tx1"/>
                                   </a:solidFill>
                                   <a:latin typeface="Cambria Math" panose="02040503050406030204" pitchFamily="18" charset="0"/>
                                 </a:rPr>
@@ -35497,7 +36063,7 @@
                               <m:r>
                                 <a:rPr lang="en-AU" b="0" i="1" smtClean="0">
                                   <a:solidFill>
-                                    <a:srgbClr val="238D46"/>
+                                    <a:schemeClr val="tx1"/>
                                   </a:solidFill>
                                   <a:latin typeface="Cambria Math" panose="02040503050406030204" pitchFamily="18" charset="0"/>
                                 </a:rPr>
@@ -35506,7 +36072,7 @@
                               <m:r>
                                 <a:rPr lang="en-AU" i="1" smtClean="0">
                                   <a:solidFill>
-                                    <a:srgbClr val="238D46"/>
+                                    <a:schemeClr val="tx1"/>
                                   </a:solidFill>
                                   <a:latin typeface="Cambria Math" panose="02040503050406030204" pitchFamily="18" charset="0"/>
                                 </a:rPr>
@@ -35517,7 +36083,7 @@
                               <m:r>
                                 <a:rPr lang="en-AU" i="1" smtClean="0">
                                   <a:solidFill>
-                                    <a:srgbClr val="FF0000"/>
+                                    <a:schemeClr val="tx1"/>
                                   </a:solidFill>
                                   <a:latin typeface="Cambria Math" panose="02040503050406030204" pitchFamily="18" charset="0"/>
                                 </a:rPr>
@@ -35526,7 +36092,7 @@
                               <m:r>
                                 <a:rPr lang="en-AU" i="1" smtClean="0">
                                   <a:solidFill>
-                                    <a:srgbClr val="FF0000"/>
+                                    <a:schemeClr val="tx1"/>
                                   </a:solidFill>
                                   <a:latin typeface="Cambria Math" panose="02040503050406030204" pitchFamily="18" charset="0"/>
                                 </a:rPr>
@@ -35535,7 +36101,7 @@
                               <m:r>
                                 <a:rPr lang="en-AU" b="0" i="1" smtClean="0">
                                   <a:solidFill>
-                                    <a:srgbClr val="FF0000"/>
+                                    <a:schemeClr val="tx1"/>
                                   </a:solidFill>
                                   <a:latin typeface="Cambria Math" panose="02040503050406030204" pitchFamily="18" charset="0"/>
                                 </a:rPr>
@@ -35544,7 +36110,7 @@
                               <m:r>
                                 <a:rPr lang="en-AU" i="1" smtClean="0">
                                   <a:solidFill>
-                                    <a:srgbClr val="FF0000"/>
+                                    <a:schemeClr val="tx1"/>
                                   </a:solidFill>
                                   <a:latin typeface="Cambria Math" panose="02040503050406030204" pitchFamily="18" charset="0"/>
                                 </a:rPr>
@@ -35565,7 +36131,7 @@
             </p:txBody>
           </p:sp>
         </mc:Choice>
-        <mc:Fallback xmlns="">
+        <mc:Fallback>
           <p:sp>
             <p:nvSpPr>
               <p:cNvPr id="25" name="Textfeld 24">
@@ -36040,395 +36606,6 @@
           <a:chExt cx="0" cy="0"/>
         </a:xfrm>
       </p:grpSpPr>
-      <p:grpSp>
-        <p:nvGrpSpPr>
-          <p:cNvPr id="5" name="Gruppieren 4">
-            <a:extLst>
-              <a:ext uri="{FF2B5EF4-FFF2-40B4-BE49-F238E27FC236}">
-                <a16:creationId xmlns:a16="http://schemas.microsoft.com/office/drawing/2014/main" id="{A1597B89-D478-4B7E-B550-EC7CCB3BD2C4}"/>
-              </a:ext>
-            </a:extLst>
-          </p:cNvPr>
-          <p:cNvGrpSpPr/>
-          <p:nvPr/>
-        </p:nvGrpSpPr>
-        <p:grpSpPr>
-          <a:xfrm>
-            <a:off x="5242847" y="1023462"/>
-            <a:ext cx="3134139" cy="1709262"/>
-            <a:chOff x="5242847" y="1023462"/>
-            <a:chExt cx="3134139" cy="1709262"/>
-          </a:xfrm>
-        </p:grpSpPr>
-        <p:sp>
-          <p:nvSpPr>
-            <p:cNvPr id="2" name="Ellipse 1">
-              <a:extLst>
-                <a:ext uri="{FF2B5EF4-FFF2-40B4-BE49-F238E27FC236}">
-                  <a16:creationId xmlns:a16="http://schemas.microsoft.com/office/drawing/2014/main" id="{EC07FE10-2991-464B-A9BA-737FB6C547D1}"/>
-                </a:ext>
-              </a:extLst>
-            </p:cNvPr>
-            <p:cNvSpPr/>
-            <p:nvPr/>
-          </p:nvSpPr>
-          <p:spPr>
-            <a:xfrm>
-              <a:off x="5623847" y="1023462"/>
-              <a:ext cx="533400" cy="522924"/>
-            </a:xfrm>
-            <a:prstGeom prst="ellipse">
-              <a:avLst/>
-            </a:prstGeom>
-            <a:solidFill>
-              <a:schemeClr val="bg1"/>
-            </a:solidFill>
-            <a:ln>
-              <a:solidFill>
-                <a:srgbClr val="FF3300"/>
-              </a:solidFill>
-            </a:ln>
-          </p:spPr>
-          <p:style>
-            <a:lnRef idx="2">
-              <a:schemeClr val="accent1">
-                <a:shade val="50000"/>
-              </a:schemeClr>
-            </a:lnRef>
-            <a:fillRef idx="1">
-              <a:schemeClr val="accent1"/>
-            </a:fillRef>
-            <a:effectRef idx="0">
-              <a:schemeClr val="accent1"/>
-            </a:effectRef>
-            <a:fontRef idx="minor">
-              <a:schemeClr val="lt1"/>
-            </a:fontRef>
-          </p:style>
-          <p:txBody>
-            <a:bodyPr rtlCol="0" anchor="ctr"/>
-            <a:lstStyle/>
-            <a:p>
-              <a:pPr algn="ctr"/>
-              <a:endParaRPr lang="en-AU"/>
-            </a:p>
-          </p:txBody>
-        </p:sp>
-        <p:sp>
-          <p:nvSpPr>
-            <p:cNvPr id="6" name="Ellipse 5">
-              <a:extLst>
-                <a:ext uri="{FF2B5EF4-FFF2-40B4-BE49-F238E27FC236}">
-                  <a16:creationId xmlns:a16="http://schemas.microsoft.com/office/drawing/2014/main" id="{10ABD485-FC61-4CA9-8513-C1744EF95C50}"/>
-                </a:ext>
-              </a:extLst>
-            </p:cNvPr>
-            <p:cNvSpPr/>
-            <p:nvPr/>
-          </p:nvSpPr>
-          <p:spPr>
-            <a:xfrm>
-              <a:off x="7843586" y="1023462"/>
-              <a:ext cx="533400" cy="522924"/>
-            </a:xfrm>
-            <a:prstGeom prst="ellipse">
-              <a:avLst/>
-            </a:prstGeom>
-            <a:solidFill>
-              <a:schemeClr val="bg1"/>
-            </a:solidFill>
-            <a:ln>
-              <a:solidFill>
-                <a:srgbClr val="FF3300"/>
-              </a:solidFill>
-            </a:ln>
-          </p:spPr>
-          <p:style>
-            <a:lnRef idx="2">
-              <a:schemeClr val="accent1">
-                <a:shade val="50000"/>
-              </a:schemeClr>
-            </a:lnRef>
-            <a:fillRef idx="1">
-              <a:schemeClr val="accent1"/>
-            </a:fillRef>
-            <a:effectRef idx="0">
-              <a:schemeClr val="accent1"/>
-            </a:effectRef>
-            <a:fontRef idx="minor">
-              <a:schemeClr val="lt1"/>
-            </a:fontRef>
-          </p:style>
-          <p:txBody>
-            <a:bodyPr rtlCol="0" anchor="ctr"/>
-            <a:lstStyle/>
-            <a:p>
-              <a:pPr algn="ctr"/>
-              <a:endParaRPr lang="en-AU"/>
-            </a:p>
-          </p:txBody>
-        </p:sp>
-        <p:sp>
-          <p:nvSpPr>
-            <p:cNvPr id="7" name="Ellipse 6">
-              <a:extLst>
-                <a:ext uri="{FF2B5EF4-FFF2-40B4-BE49-F238E27FC236}">
-                  <a16:creationId xmlns:a16="http://schemas.microsoft.com/office/drawing/2014/main" id="{1DEC39EA-E72E-4725-875E-852CEC325C36}"/>
-                </a:ext>
-              </a:extLst>
-            </p:cNvPr>
-            <p:cNvSpPr/>
-            <p:nvPr/>
-          </p:nvSpPr>
-          <p:spPr>
-            <a:xfrm>
-              <a:off x="6733716" y="2209800"/>
-              <a:ext cx="533400" cy="522924"/>
-            </a:xfrm>
-            <a:prstGeom prst="ellipse">
-              <a:avLst/>
-            </a:prstGeom>
-            <a:solidFill>
-              <a:schemeClr val="accent1"/>
-            </a:solidFill>
-            <a:ln>
-              <a:solidFill>
-                <a:srgbClr val="FF3300"/>
-              </a:solidFill>
-            </a:ln>
-          </p:spPr>
-          <p:style>
-            <a:lnRef idx="2">
-              <a:schemeClr val="accent1">
-                <a:shade val="50000"/>
-              </a:schemeClr>
-            </a:lnRef>
-            <a:fillRef idx="1">
-              <a:schemeClr val="accent1"/>
-            </a:fillRef>
-            <a:effectRef idx="0">
-              <a:schemeClr val="accent1"/>
-            </a:effectRef>
-            <a:fontRef idx="minor">
-              <a:schemeClr val="lt1"/>
-            </a:fontRef>
-          </p:style>
-          <p:txBody>
-            <a:bodyPr rtlCol="0" anchor="ctr"/>
-            <a:lstStyle/>
-            <a:p>
-              <a:pPr algn="ctr"/>
-              <a:endParaRPr lang="en-AU"/>
-            </a:p>
-          </p:txBody>
-        </p:sp>
-        <p:cxnSp>
-          <p:nvCxnSpPr>
-            <p:cNvPr id="4" name="Gerade Verbindung mit Pfeil 3">
-              <a:extLst>
-                <a:ext uri="{FF2B5EF4-FFF2-40B4-BE49-F238E27FC236}">
-                  <a16:creationId xmlns:a16="http://schemas.microsoft.com/office/drawing/2014/main" id="{3FC44514-231E-4FB0-99D5-E9C056B8B8BC}"/>
-                </a:ext>
-              </a:extLst>
-            </p:cNvPr>
-            <p:cNvCxnSpPr>
-              <a:cxnSpLocks/>
-              <a:stCxn id="2" idx="5"/>
-              <a:endCxn id="7" idx="1"/>
-            </p:cNvCxnSpPr>
-            <p:nvPr/>
-          </p:nvCxnSpPr>
-          <p:spPr>
-            <a:xfrm>
-              <a:off x="6079132" y="1469806"/>
-              <a:ext cx="732699" cy="816574"/>
-            </a:xfrm>
-            <a:prstGeom prst="straightConnector1">
-              <a:avLst/>
-            </a:prstGeom>
-            <a:ln w="28575">
-              <a:solidFill>
-                <a:srgbClr val="FF3300"/>
-              </a:solidFill>
-              <a:tailEnd type="triangle"/>
-            </a:ln>
-          </p:spPr>
-          <p:style>
-            <a:lnRef idx="1">
-              <a:schemeClr val="accent1"/>
-            </a:lnRef>
-            <a:fillRef idx="0">
-              <a:schemeClr val="accent1"/>
-            </a:fillRef>
-            <a:effectRef idx="0">
-              <a:schemeClr val="accent1"/>
-            </a:effectRef>
-            <a:fontRef idx="minor">
-              <a:schemeClr val="tx1"/>
-            </a:fontRef>
-          </p:style>
-        </p:cxnSp>
-        <p:cxnSp>
-          <p:nvCxnSpPr>
-            <p:cNvPr id="13" name="Gerade Verbindung mit Pfeil 12">
-              <a:extLst>
-                <a:ext uri="{FF2B5EF4-FFF2-40B4-BE49-F238E27FC236}">
-                  <a16:creationId xmlns:a16="http://schemas.microsoft.com/office/drawing/2014/main" id="{9CB592AE-4BDF-49C5-8FD7-0B13B2A850FC}"/>
-                </a:ext>
-              </a:extLst>
-            </p:cNvPr>
-            <p:cNvCxnSpPr>
-              <a:cxnSpLocks/>
-              <a:stCxn id="6" idx="3"/>
-              <a:endCxn id="7" idx="7"/>
-            </p:cNvCxnSpPr>
-            <p:nvPr/>
-          </p:nvCxnSpPr>
-          <p:spPr>
-            <a:xfrm flipH="1">
-              <a:off x="7189001" y="1469806"/>
-              <a:ext cx="732700" cy="816574"/>
-            </a:xfrm>
-            <a:prstGeom prst="straightConnector1">
-              <a:avLst/>
-            </a:prstGeom>
-            <a:ln w="28575">
-              <a:solidFill>
-                <a:srgbClr val="FF3300"/>
-              </a:solidFill>
-              <a:tailEnd type="triangle"/>
-            </a:ln>
-          </p:spPr>
-          <p:style>
-            <a:lnRef idx="1">
-              <a:schemeClr val="accent1"/>
-            </a:lnRef>
-            <a:fillRef idx="0">
-              <a:schemeClr val="accent1"/>
-            </a:fillRef>
-            <a:effectRef idx="0">
-              <a:schemeClr val="accent1"/>
-            </a:effectRef>
-            <a:fontRef idx="minor">
-              <a:schemeClr val="tx1"/>
-            </a:fontRef>
-          </p:style>
-        </p:cxnSp>
-        <p:sp>
-          <p:nvSpPr>
-            <p:cNvPr id="12" name="Textfeld 11">
-              <a:extLst>
-                <a:ext uri="{FF2B5EF4-FFF2-40B4-BE49-F238E27FC236}">
-                  <a16:creationId xmlns:a16="http://schemas.microsoft.com/office/drawing/2014/main" id="{3A9855FD-FCB5-42CE-90D0-68A7D606DEDC}"/>
-                </a:ext>
-              </a:extLst>
-            </p:cNvPr>
-            <p:cNvSpPr txBox="1"/>
-            <p:nvPr/>
-          </p:nvSpPr>
-          <p:spPr>
-            <a:xfrm>
-              <a:off x="7528847" y="1099282"/>
-              <a:ext cx="345955" cy="370524"/>
-            </a:xfrm>
-            <a:prstGeom prst="rect">
-              <a:avLst/>
-            </a:prstGeom>
-            <a:noFill/>
-            <a:ln>
-              <a:noFill/>
-            </a:ln>
-          </p:spPr>
-          <p:txBody>
-            <a:bodyPr wrap="square" rtlCol="0">
-              <a:spAutoFit/>
-            </a:bodyPr>
-            <a:lstStyle/>
-            <a:p>
-              <a:r>
-                <a:rPr lang="en-AU"/>
-                <a:t>A</a:t>
-              </a:r>
-            </a:p>
-          </p:txBody>
-        </p:sp>
-        <p:sp>
-          <p:nvSpPr>
-            <p:cNvPr id="17" name="Textfeld 16">
-              <a:extLst>
-                <a:ext uri="{FF2B5EF4-FFF2-40B4-BE49-F238E27FC236}">
-                  <a16:creationId xmlns:a16="http://schemas.microsoft.com/office/drawing/2014/main" id="{5C8395DC-B1F5-4DDD-A032-8C243A19D1D7}"/>
-                </a:ext>
-              </a:extLst>
-            </p:cNvPr>
-            <p:cNvSpPr txBox="1"/>
-            <p:nvPr/>
-          </p:nvSpPr>
-          <p:spPr>
-            <a:xfrm>
-              <a:off x="5242847" y="1099282"/>
-              <a:ext cx="345955" cy="370524"/>
-            </a:xfrm>
-            <a:prstGeom prst="rect">
-              <a:avLst/>
-            </a:prstGeom>
-            <a:noFill/>
-            <a:ln>
-              <a:noFill/>
-            </a:ln>
-          </p:spPr>
-          <p:txBody>
-            <a:bodyPr wrap="square" rtlCol="0">
-              <a:spAutoFit/>
-            </a:bodyPr>
-            <a:lstStyle/>
-            <a:p>
-              <a:r>
-                <a:rPr lang="en-AU"/>
-                <a:t>M</a:t>
-              </a:r>
-            </a:p>
-          </p:txBody>
-        </p:sp>
-        <p:sp>
-          <p:nvSpPr>
-            <p:cNvPr id="18" name="Textfeld 17">
-              <a:extLst>
-                <a:ext uri="{FF2B5EF4-FFF2-40B4-BE49-F238E27FC236}">
-                  <a16:creationId xmlns:a16="http://schemas.microsoft.com/office/drawing/2014/main" id="{3567BA22-F0CB-4987-A1DF-8167B31F4AE9}"/>
-                </a:ext>
-              </a:extLst>
-            </p:cNvPr>
-            <p:cNvSpPr txBox="1"/>
-            <p:nvPr/>
-          </p:nvSpPr>
-          <p:spPr>
-            <a:xfrm>
-              <a:off x="6420892" y="2324290"/>
-              <a:ext cx="345955" cy="370524"/>
-            </a:xfrm>
-            <a:prstGeom prst="rect">
-              <a:avLst/>
-            </a:prstGeom>
-            <a:noFill/>
-            <a:ln>
-              <a:noFill/>
-            </a:ln>
-          </p:spPr>
-          <p:txBody>
-            <a:bodyPr wrap="square" rtlCol="0">
-              <a:spAutoFit/>
-            </a:bodyPr>
-            <a:lstStyle/>
-            <a:p>
-              <a:r>
-                <a:rPr lang="en-AU"/>
-                <a:t>R</a:t>
-              </a:r>
-            </a:p>
-          </p:txBody>
-        </p:sp>
-      </p:grpSp>
       <p:sp>
         <p:nvSpPr>
           <p:cNvPr id="21" name="Textfeld 20">
@@ -36470,8 +36647,8 @@
           </a:p>
         </p:txBody>
       </p:sp>
-      <mc:AlternateContent xmlns:mc="http://schemas.openxmlformats.org/markup-compatibility/2006" xmlns:a14="http://schemas.microsoft.com/office/drawing/2010/main">
-        <mc:Choice Requires="a14">
+      <mc:AlternateContent xmlns:mc="http://schemas.openxmlformats.org/markup-compatibility/2006">
+        <mc:Choice xmlns:a14="http://schemas.microsoft.com/office/drawing/2010/main" Requires="a14">
           <p:sp>
             <p:nvSpPr>
               <p:cNvPr id="8" name="Textfeld 7">
@@ -36486,8 +36663,8 @@
             </p:nvSpPr>
             <p:spPr>
               <a:xfrm>
-                <a:off x="5280862" y="4289206"/>
-                <a:ext cx="3816278" cy="1477328"/>
+                <a:off x="6079132" y="4552756"/>
+                <a:ext cx="2768911" cy="2031325"/>
               </a:xfrm>
               <a:prstGeom prst="rect">
                 <a:avLst/>
@@ -36518,7 +36695,7 @@
               <a:p>
                 <a:r>
                   <a:rPr lang="en-AU" dirty="0"/>
-                  <a:t>Now that we calculated P(R=0) we can return to our original task:</a:t>
+                  <a:t>Now that we have calculated P(R=0), we can return to our original task:</a:t>
                 </a:r>
               </a:p>
               <a:p>
@@ -36526,83 +36703,85 @@
               </a:p>
               <a:p>
                 <a14:m>
-                  <m:oMath xmlns:m="http://schemas.openxmlformats.org/officeDocument/2006/math">
-                    <m:r>
-                      <a:rPr lang="en-AU" i="1">
-                        <a:solidFill>
-                          <a:schemeClr val="tx1"/>
-                        </a:solidFill>
-                        <a:latin typeface="Cambria Math" panose="02040503050406030204" pitchFamily="18" charset="0"/>
-                      </a:rPr>
-                      <m:t>𝑃</m:t>
-                    </m:r>
-                    <m:d>
-                      <m:dPr>
-                        <m:ctrlPr>
-                          <a:rPr lang="en-AU" i="1">
-                            <a:solidFill>
-                              <a:schemeClr val="tx1"/>
-                            </a:solidFill>
-                            <a:latin typeface="Cambria Math" panose="02040503050406030204" pitchFamily="18" charset="0"/>
-                          </a:rPr>
-                        </m:ctrlPr>
-                      </m:dPr>
-                      <m:e>
-                        <m:r>
-                          <a:rPr lang="en-AU" i="1">
-                            <a:solidFill>
-                              <a:schemeClr val="tx1"/>
-                            </a:solidFill>
-                            <a:latin typeface="Cambria Math" panose="02040503050406030204" pitchFamily="18" charset="0"/>
-                          </a:rPr>
-                          <m:t>𝐴</m:t>
-                        </m:r>
-                      </m:e>
-                      <m:e>
-                        <m:r>
-                          <a:rPr lang="en-AU" i="1">
-                            <a:solidFill>
-                              <a:schemeClr val="tx1"/>
-                            </a:solidFill>
-                            <a:latin typeface="Cambria Math" panose="02040503050406030204" pitchFamily="18" charset="0"/>
-                          </a:rPr>
-                          <m:t>𝑅</m:t>
-                        </m:r>
-                      </m:e>
-                    </m:d>
-                    <m:r>
-                      <a:rPr lang="en-AU" i="1">
-                        <a:solidFill>
-                          <a:schemeClr val="tx1"/>
-                        </a:solidFill>
-                        <a:latin typeface="Cambria Math" panose="02040503050406030204" pitchFamily="18" charset="0"/>
-                      </a:rPr>
-                      <m:t>=</m:t>
-                    </m:r>
-                    <m:r>
-                      <a:rPr lang="de-DE" i="1">
-                        <a:solidFill>
-                          <a:schemeClr val="tx1"/>
-                        </a:solidFill>
-                        <a:latin typeface="Cambria Math" panose="02040503050406030204" pitchFamily="18" charset="0"/>
-                      </a:rPr>
-                      <m:t> </m:t>
-                    </m:r>
-                    <m:r>
-                      <a:rPr lang="en-AU" i="1">
-                        <a:solidFill>
-                          <a:schemeClr val="tx1"/>
-                        </a:solidFill>
-                        <a:latin typeface="Cambria Math" panose="02040503050406030204" pitchFamily="18" charset="0"/>
-                      </a:rPr>
-                      <m:t>?</m:t>
-                    </m:r>
-                  </m:oMath>
+                  <m:oMathPara xmlns:m="http://schemas.openxmlformats.org/officeDocument/2006/math">
+                    <m:oMathParaPr>
+                      <m:jc m:val="centerGroup"/>
+                    </m:oMathParaPr>
+                    <m:oMath xmlns:m="http://schemas.openxmlformats.org/officeDocument/2006/math">
+                      <m:r>
+                        <a:rPr lang="en-AU" i="1">
+                          <a:solidFill>
+                            <a:schemeClr val="tx1"/>
+                          </a:solidFill>
+                          <a:latin typeface="Cambria Math" panose="02040503050406030204" pitchFamily="18" charset="0"/>
+                        </a:rPr>
+                        <m:t>𝑃</m:t>
+                      </m:r>
+                      <m:d>
+                        <m:dPr>
+                          <m:ctrlPr>
+                            <a:rPr lang="en-AU" i="1">
+                              <a:solidFill>
+                                <a:schemeClr val="tx1"/>
+                              </a:solidFill>
+                              <a:latin typeface="Cambria Math" panose="02040503050406030204" pitchFamily="18" charset="0"/>
+                            </a:rPr>
+                          </m:ctrlPr>
+                        </m:dPr>
+                        <m:e>
+                          <m:r>
+                            <a:rPr lang="en-AU" i="1">
+                              <a:solidFill>
+                                <a:schemeClr val="tx1"/>
+                              </a:solidFill>
+                              <a:latin typeface="Cambria Math" panose="02040503050406030204" pitchFamily="18" charset="0"/>
+                            </a:rPr>
+                            <m:t>𝐴</m:t>
+                          </m:r>
+                        </m:e>
+                        <m:e>
+                          <m:r>
+                            <a:rPr lang="en-AU" i="1">
+                              <a:solidFill>
+                                <a:schemeClr val="tx1"/>
+                              </a:solidFill>
+                              <a:latin typeface="Cambria Math" panose="02040503050406030204" pitchFamily="18" charset="0"/>
+                            </a:rPr>
+                            <m:t>𝑅</m:t>
+                          </m:r>
+                        </m:e>
+                      </m:d>
+                      <m:r>
+                        <a:rPr lang="en-AU" i="1">
+                          <a:solidFill>
+                            <a:schemeClr val="tx1"/>
+                          </a:solidFill>
+                          <a:latin typeface="Cambria Math" panose="02040503050406030204" pitchFamily="18" charset="0"/>
+                        </a:rPr>
+                        <m:t>=</m:t>
+                      </m:r>
+                      <m:r>
+                        <a:rPr lang="de-DE" i="1">
+                          <a:solidFill>
+                            <a:schemeClr val="tx1"/>
+                          </a:solidFill>
+                          <a:latin typeface="Cambria Math" panose="02040503050406030204" pitchFamily="18" charset="0"/>
+                        </a:rPr>
+                        <m:t> </m:t>
+                      </m:r>
+                      <m:r>
+                        <a:rPr lang="en-AU" i="1">
+                          <a:solidFill>
+                            <a:schemeClr val="tx1"/>
+                          </a:solidFill>
+                          <a:latin typeface="Cambria Math" panose="02040503050406030204" pitchFamily="18" charset="0"/>
+                        </a:rPr>
+                        <m:t>?</m:t>
+                      </m:r>
+                    </m:oMath>
+                  </m:oMathPara>
                 </a14:m>
-                <a:r>
-                  <a:rPr lang="en-AU" dirty="0"/>
-                  <a:t>.</a:t>
-                </a:r>
+                <a:endParaRPr lang="en-AU" dirty="0"/>
               </a:p>
               <a:p>
                 <a:endParaRPr lang="en-AU" dirty="0"/>
@@ -36610,7 +36789,7 @@
             </p:txBody>
           </p:sp>
         </mc:Choice>
-        <mc:Fallback xmlns="">
+        <mc:Fallback>
           <p:sp>
             <p:nvSpPr>
               <p:cNvPr id="8" name="Textfeld 7">
@@ -36627,8 +36806,8 @@
             </p:nvSpPr>
             <p:spPr>
               <a:xfrm>
-                <a:off x="5280862" y="4289206"/>
-                <a:ext cx="3816278" cy="1477328"/>
+                <a:off x="6079132" y="4552756"/>
+                <a:ext cx="2768911" cy="2031325"/>
               </a:xfrm>
               <a:prstGeom prst="rect">
                 <a:avLst/>
@@ -36636,7 +36815,7 @@
               <a:blipFill>
                 <a:blip r:embed="rId3"/>
                 <a:stretch>
-                  <a:fillRect l="-1278" t="-2479"/>
+                  <a:fillRect l="-1762" t="-1802" r="-441"/>
                 </a:stretch>
               </a:blipFill>
               <a:ln>
@@ -36674,8 +36853,8 @@
         </p:nvCxnSpPr>
         <p:spPr>
           <a:xfrm>
-            <a:off x="5181600" y="3200400"/>
-            <a:ext cx="0" cy="3657600"/>
+            <a:off x="5588802" y="4164051"/>
+            <a:ext cx="35045" cy="2693949"/>
           </a:xfrm>
           <a:prstGeom prst="line">
             <a:avLst/>
@@ -36712,8 +36891,8 @@
         </p:nvCxnSpPr>
         <p:spPr>
           <a:xfrm>
-            <a:off x="5202787" y="3200400"/>
-            <a:ext cx="3941213" cy="1"/>
+            <a:off x="5588802" y="4163187"/>
+            <a:ext cx="3555198" cy="864"/>
           </a:xfrm>
           <a:prstGeom prst="line">
             <a:avLst/>
@@ -36748,8 +36927,8 @@
         </p:nvSpPr>
         <p:spPr>
           <a:xfrm rot="621029">
-            <a:off x="4128105" y="1684574"/>
-            <a:ext cx="1414322" cy="387037"/>
+            <a:off x="4308731" y="1676678"/>
+            <a:ext cx="1661207" cy="387037"/>
           </a:xfrm>
           <a:prstGeom prst="leftRightArrow">
             <a:avLst/>
@@ -36786,8 +36965,8 @@
           </a:p>
         </p:txBody>
       </p:sp>
-      <mc:AlternateContent xmlns:mc="http://schemas.openxmlformats.org/markup-compatibility/2006" xmlns:a14="http://schemas.microsoft.com/office/drawing/2010/main">
-        <mc:Choice Requires="a14">
+      <mc:AlternateContent xmlns:mc="http://schemas.openxmlformats.org/markup-compatibility/2006">
+        <mc:Choice xmlns:a14="http://schemas.microsoft.com/office/drawing/2010/main" Requires="a14">
           <p:sp>
             <p:nvSpPr>
               <p:cNvPr id="3" name="Rechteck 2">
@@ -36802,7 +36981,7 @@
             </p:nvSpPr>
             <p:spPr>
               <a:xfrm>
-                <a:off x="0" y="423710"/>
+                <a:off x="228600" y="566956"/>
                 <a:ext cx="1219200" cy="381000"/>
               </a:xfrm>
               <a:prstGeom prst="rect">
@@ -36900,7 +37079,7 @@
             </p:txBody>
           </p:sp>
         </mc:Choice>
-        <mc:Fallback xmlns="">
+        <mc:Fallback>
           <p:sp>
             <p:nvSpPr>
               <p:cNvPr id="3" name="Rechteck 2">
@@ -36917,7 +37096,7 @@
             </p:nvSpPr>
             <p:spPr>
               <a:xfrm>
-                <a:off x="0" y="423710"/>
+                <a:off x="228600" y="566956"/>
                 <a:ext cx="1219200" cy="381000"/>
               </a:xfrm>
               <a:prstGeom prst="rect">
@@ -37006,8 +37185,8 @@
           </a:p>
         </p:txBody>
       </p:sp>
-      <mc:AlternateContent xmlns:mc="http://schemas.openxmlformats.org/markup-compatibility/2006" xmlns:a14="http://schemas.microsoft.com/office/drawing/2010/main">
-        <mc:Choice Requires="a14">
+      <mc:AlternateContent xmlns:mc="http://schemas.openxmlformats.org/markup-compatibility/2006">
+        <mc:Choice xmlns:a14="http://schemas.microsoft.com/office/drawing/2010/main" Requires="a14">
           <p:sp>
             <p:nvSpPr>
               <p:cNvPr id="22" name="Textfeld 21">
@@ -37022,7 +37201,7 @@
             </p:nvSpPr>
             <p:spPr>
               <a:xfrm>
-                <a:off x="152400" y="933527"/>
+                <a:off x="152400" y="1057870"/>
                 <a:ext cx="4419600" cy="923330"/>
               </a:xfrm>
               <a:prstGeom prst="rect">
@@ -37223,7 +37402,7 @@
             </p:txBody>
           </p:sp>
         </mc:Choice>
-        <mc:Fallback xmlns="">
+        <mc:Fallback>
           <p:sp>
             <p:nvSpPr>
               <p:cNvPr id="22" name="Textfeld 21">
@@ -37240,7 +37419,7 @@
             </p:nvSpPr>
             <p:spPr>
               <a:xfrm>
-                <a:off x="152400" y="933527"/>
+                <a:off x="152400" y="1057870"/>
                 <a:ext cx="4419600" cy="923330"/>
               </a:xfrm>
               <a:prstGeom prst="rect">
@@ -37249,7 +37428,7 @@
               <a:blipFill>
                 <a:blip r:embed="rId5"/>
                 <a:stretch>
-                  <a:fillRect l="-1103" t="-3289"/>
+                  <a:fillRect l="-1103" t="-3974"/>
                 </a:stretch>
               </a:blipFill>
             </p:spPr>
@@ -37268,8 +37447,8 @@
           </p:sp>
         </mc:Fallback>
       </mc:AlternateContent>
-      <mc:AlternateContent xmlns:mc="http://schemas.openxmlformats.org/markup-compatibility/2006" xmlns:a14="http://schemas.microsoft.com/office/drawing/2010/main">
-        <mc:Choice Requires="a14">
+      <mc:AlternateContent xmlns:mc="http://schemas.openxmlformats.org/markup-compatibility/2006">
+        <mc:Choice xmlns:a14="http://schemas.microsoft.com/office/drawing/2010/main" Requires="a14">
           <p:sp>
             <p:nvSpPr>
               <p:cNvPr id="23" name="Textfeld 22">
@@ -37284,7 +37463,7 @@
             </p:nvSpPr>
             <p:spPr>
               <a:xfrm>
-                <a:off x="152400" y="2135191"/>
+                <a:off x="152400" y="2241674"/>
                 <a:ext cx="4419600" cy="1339726"/>
               </a:xfrm>
               <a:prstGeom prst="rect">
@@ -37305,7 +37484,7 @@
                     </a:solidFill>
                     <a:latin typeface="+mj-lt"/>
                   </a:rPr>
-                  <a:t>2. Just marginalize over M and A</a:t>
+                  <a:t>2. Marginalize over M and A:</a:t>
                 </a:r>
               </a:p>
               <a:p>
@@ -37372,7 +37551,7 @@
                           <m:ctrlPr>
                             <a:rPr lang="en-AU" i="1" smtClean="0">
                               <a:solidFill>
-                                <a:srgbClr val="000000"/>
+                                <a:schemeClr val="tx1"/>
                               </a:solidFill>
                               <a:latin typeface="Cambria Math" panose="02040503050406030204" pitchFamily="18" charset="0"/>
                             </a:rPr>
@@ -37382,7 +37561,7 @@
                           <m:r>
                             <a:rPr lang="en-AU" smtClean="0">
                               <a:solidFill>
-                                <a:srgbClr val="000000"/>
+                                <a:schemeClr val="tx1"/>
                               </a:solidFill>
                               <a:latin typeface="Cambria Math" panose="02040503050406030204" pitchFamily="18" charset="0"/>
                             </a:rPr>
@@ -37391,7 +37570,7 @@
                           <m:r>
                             <a:rPr lang="en-AU" smtClean="0">
                               <a:solidFill>
-                                <a:srgbClr val="000000"/>
+                                <a:schemeClr val="tx1"/>
                               </a:solidFill>
                               <a:latin typeface="Cambria Math" panose="02040503050406030204" pitchFamily="18" charset="0"/>
                             </a:rPr>
@@ -37400,7 +37579,7 @@
                           <m:r>
                             <a:rPr lang="en-AU" b="0" i="1" smtClean="0">
                               <a:solidFill>
-                                <a:srgbClr val="000000"/>
+                                <a:schemeClr val="tx1"/>
                               </a:solidFill>
                               <a:latin typeface="Cambria Math" panose="02040503050406030204" pitchFamily="18" charset="0"/>
                             </a:rPr>
@@ -37412,7 +37591,7 @@
                           <m:r>
                             <a:rPr lang="en-AU" smtClean="0">
                               <a:solidFill>
-                                <a:srgbClr val="238D46"/>
+                                <a:schemeClr val="tx1"/>
                               </a:solidFill>
                               <a:latin typeface="Cambria Math" panose="02040503050406030204" pitchFamily="18" charset="0"/>
                             </a:rPr>
@@ -37423,7 +37602,7 @@
                               <m:ctrlPr>
                                 <a:rPr lang="en-AU" i="1" smtClean="0">
                                   <a:solidFill>
-                                    <a:srgbClr val="238D46"/>
+                                    <a:schemeClr val="tx1"/>
                                   </a:solidFill>
                                   <a:latin typeface="Cambria Math" panose="02040503050406030204" pitchFamily="18" charset="0"/>
                                 </a:rPr>
@@ -37433,7 +37612,7 @@
                               <m:r>
                                 <a:rPr lang="en-AU" smtClean="0">
                                   <a:solidFill>
-                                    <a:srgbClr val="238D46"/>
+                                    <a:schemeClr val="tx1"/>
                                   </a:solidFill>
                                   <a:latin typeface="Cambria Math" panose="02040503050406030204" pitchFamily="18" charset="0"/>
                                 </a:rPr>
@@ -37444,7 +37623,7 @@
                           <m:r>
                             <a:rPr lang="en-AU" smtClean="0">
                               <a:solidFill>
-                                <a:srgbClr val="000000"/>
+                                <a:schemeClr val="tx1"/>
                               </a:solidFill>
                               <a:latin typeface="Cambria Math" panose="02040503050406030204" pitchFamily="18" charset="0"/>
                             </a:rPr>
@@ -37453,7 +37632,7 @@
                           <m:r>
                             <a:rPr lang="en-AU" smtClean="0">
                               <a:solidFill>
-                                <a:srgbClr val="238D46"/>
+                                <a:schemeClr val="tx1"/>
                               </a:solidFill>
                               <a:latin typeface="Cambria Math" panose="02040503050406030204" pitchFamily="18" charset="0"/>
                             </a:rPr>
@@ -37464,7 +37643,7 @@
                               <m:ctrlPr>
                                 <a:rPr lang="en-AU" i="1" smtClean="0">
                                   <a:solidFill>
-                                    <a:srgbClr val="238D46"/>
+                                    <a:schemeClr val="tx1"/>
                                   </a:solidFill>
                                   <a:latin typeface="Cambria Math" panose="02040503050406030204" pitchFamily="18" charset="0"/>
                                 </a:rPr>
@@ -37474,7 +37653,7 @@
                               <m:r>
                                 <a:rPr lang="en-AU" b="0" i="1" smtClean="0">
                                   <a:solidFill>
-                                    <a:srgbClr val="238D46"/>
+                                    <a:schemeClr val="tx1"/>
                                   </a:solidFill>
                                   <a:latin typeface="Cambria Math" panose="02040503050406030204" pitchFamily="18" charset="0"/>
                                 </a:rPr>
@@ -37485,7 +37664,7 @@
                           <m:r>
                             <a:rPr lang="en-AU" smtClean="0">
                               <a:solidFill>
-                                <a:srgbClr val="000000"/>
+                                <a:schemeClr val="tx1"/>
                               </a:solidFill>
                               <a:latin typeface="Cambria Math" panose="02040503050406030204" pitchFamily="18" charset="0"/>
                             </a:rPr>
@@ -37494,7 +37673,7 @@
                           <m:r>
                             <a:rPr lang="en-AU" smtClean="0">
                               <a:solidFill>
-                                <a:srgbClr val="238D46"/>
+                                <a:schemeClr val="tx1"/>
                               </a:solidFill>
                               <a:latin typeface="Cambria Math" panose="02040503050406030204" pitchFamily="18" charset="0"/>
                             </a:rPr>
@@ -37503,7 +37682,7 @@
                           <m:r>
                             <a:rPr lang="en-AU" smtClean="0">
                               <a:solidFill>
-                                <a:srgbClr val="238D46"/>
+                                <a:schemeClr val="tx1"/>
                               </a:solidFill>
                               <a:latin typeface="Cambria Math" panose="02040503050406030204" pitchFamily="18" charset="0"/>
                             </a:rPr>
@@ -37515,7 +37694,7 @@
                             </m:rPr>
                             <a:rPr lang="en-AU" b="0" i="0" smtClean="0">
                               <a:solidFill>
-                                <a:srgbClr val="238D46"/>
+                                <a:schemeClr val="tx1"/>
                               </a:solidFill>
                               <a:latin typeface="Cambria Math" panose="02040503050406030204" pitchFamily="18" charset="0"/>
                             </a:rPr>
@@ -37524,7 +37703,7 @@
                           <m:r>
                             <a:rPr lang="en-AU" smtClean="0">
                               <a:solidFill>
-                                <a:srgbClr val="238D46"/>
+                                <a:schemeClr val="tx1"/>
                               </a:solidFill>
                               <a:latin typeface="Cambria Math" panose="02040503050406030204" pitchFamily="18" charset="0"/>
                             </a:rPr>
@@ -37533,7 +37712,7 @@
                           <m:r>
                             <a:rPr lang="en-AU" smtClean="0">
                               <a:solidFill>
-                                <a:srgbClr val="238D46"/>
+                                <a:schemeClr val="tx1"/>
                               </a:solidFill>
                               <a:latin typeface="Cambria Math" panose="02040503050406030204" pitchFamily="18" charset="0"/>
                             </a:rPr>
@@ -37542,7 +37721,7 @@
                           <m:r>
                             <a:rPr lang="en-AU" smtClean="0">
                               <a:solidFill>
-                                <a:srgbClr val="238D46"/>
+                                <a:schemeClr val="tx1"/>
                               </a:solidFill>
                               <a:latin typeface="Cambria Math" panose="02040503050406030204" pitchFamily="18" charset="0"/>
                             </a:rPr>
@@ -37554,7 +37733,7 @@
                             </m:rPr>
                             <a:rPr lang="en-AU" b="0" i="0" smtClean="0">
                               <a:solidFill>
-                                <a:srgbClr val="238D46"/>
+                                <a:schemeClr val="tx1"/>
                               </a:solidFill>
                               <a:latin typeface="Cambria Math" panose="02040503050406030204" pitchFamily="18" charset="0"/>
                             </a:rPr>
@@ -37563,7 +37742,7 @@
                           <m:r>
                             <a:rPr lang="en-AU" smtClean="0">
                               <a:solidFill>
-                                <a:srgbClr val="238D46"/>
+                                <a:schemeClr val="tx1"/>
                               </a:solidFill>
                               <a:latin typeface="Cambria Math" panose="02040503050406030204" pitchFamily="18" charset="0"/>
                             </a:rPr>
@@ -37584,7 +37763,7 @@
             </p:txBody>
           </p:sp>
         </mc:Choice>
-        <mc:Fallback xmlns="">
+        <mc:Fallback>
           <p:sp>
             <p:nvSpPr>
               <p:cNvPr id="23" name="Textfeld 22">
@@ -37601,7 +37780,7 @@
             </p:nvSpPr>
             <p:spPr>
               <a:xfrm>
-                <a:off x="152400" y="2135191"/>
+                <a:off x="152400" y="2241674"/>
                 <a:ext cx="4419600" cy="1339726"/>
               </a:xfrm>
               <a:prstGeom prst="rect">
@@ -37610,7 +37789,7 @@
               <a:blipFill>
                 <a:blip r:embed="rId6"/>
                 <a:stretch>
-                  <a:fillRect l="-1103" t="-2273"/>
+                  <a:fillRect l="-1103" t="-2727"/>
                 </a:stretch>
               </a:blipFill>
             </p:spPr>
@@ -37645,8 +37824,8 @@
             </p:nvSpPr>
             <p:spPr>
               <a:xfrm>
-                <a:off x="152399" y="3689474"/>
-                <a:ext cx="5029199" cy="3139321"/>
+                <a:off x="152399" y="3794879"/>
+                <a:ext cx="5029199" cy="2862322"/>
               </a:xfrm>
               <a:prstGeom prst="rect">
                 <a:avLst/>
@@ -37666,7 +37845,7 @@
                     </a:solidFill>
                     <a:latin typeface="+mj-lt"/>
                   </a:rPr>
-                  <a:t>3. Plug in values</a:t>
+                  <a:t>3. Insert values:</a:t>
                 </a:r>
               </a:p>
               <a:p>
@@ -37684,7 +37863,8 @@
                     <a:solidFill>
                       <a:srgbClr val="000000"/>
                     </a:solidFill>
-                    <a:latin typeface="+mj-lt"/>
+                    <a:latin typeface="Cambria Math" panose="02040503050406030204" pitchFamily="18" charset="0"/>
+                    <a:ea typeface="Cambria Math" panose="02040503050406030204" pitchFamily="18" charset="0"/>
                   </a:rPr>
                   <a:t>P(R=0) = </a:t>
                 </a:r>
@@ -38796,20 +38976,13 @@
                 </a:endParaRPr>
               </a:p>
               <a:p>
-                <a:endParaRPr lang="en-AU" dirty="0">
-                  <a:solidFill>
-                    <a:srgbClr val="000000"/>
-                  </a:solidFill>
-                  <a:latin typeface="+mj-lt"/>
-                </a:endParaRPr>
-              </a:p>
-              <a:p>
                 <a:r>
                   <a:rPr lang="en-AU" dirty="0">
                     <a:solidFill>
                       <a:srgbClr val="000000"/>
                     </a:solidFill>
-                    <a:latin typeface="+mj-lt"/>
+                    <a:latin typeface="Cambria Math" panose="02040503050406030204" pitchFamily="18" charset="0"/>
+                    <a:ea typeface="Cambria Math" panose="02040503050406030204" pitchFamily="18" charset="0"/>
                   </a:rPr>
                   <a:t>P(R=0) </a:t>
                 </a:r>
@@ -38821,6 +38994,7 @@
                           <a:srgbClr val="000000"/>
                         </a:solidFill>
                         <a:latin typeface="Cambria Math" panose="02040503050406030204" pitchFamily="18" charset="0"/>
+                        <a:ea typeface="Cambria Math" panose="02040503050406030204" pitchFamily="18" charset="0"/>
                       </a:rPr>
                       <m:t>≈</m:t>
                     </m:r>
@@ -38831,7 +39005,8 @@
                     <a:solidFill>
                       <a:srgbClr val="000000"/>
                     </a:solidFill>
-                    <a:latin typeface="+mj-lt"/>
+                    <a:latin typeface="Cambria Math" panose="02040503050406030204" pitchFamily="18" charset="0"/>
+                    <a:ea typeface="Cambria Math" panose="02040503050406030204" pitchFamily="18" charset="0"/>
                   </a:rPr>
                   <a:t> 0.315</a:t>
                 </a:r>
@@ -38864,8 +39039,8 @@
             </p:nvSpPr>
             <p:spPr>
               <a:xfrm>
-                <a:off x="152399" y="3689474"/>
-                <a:ext cx="5029199" cy="3139321"/>
+                <a:off x="152399" y="3794879"/>
+                <a:ext cx="5029199" cy="2862322"/>
               </a:xfrm>
               <a:prstGeom prst="rect">
                 <a:avLst/>
@@ -38873,7 +39048,7 @@
               <a:blipFill>
                 <a:blip r:embed="rId7"/>
                 <a:stretch>
-                  <a:fillRect l="-970" t="-971" r="-364"/>
+                  <a:fillRect l="-970" t="-1279" r="-364"/>
                 </a:stretch>
               </a:blipFill>
             </p:spPr>
@@ -38892,6 +39067,434 @@
           </p:sp>
         </mc:Fallback>
       </mc:AlternateContent>
+      <p:grpSp>
+        <p:nvGrpSpPr>
+          <p:cNvPr id="25" name="Gruppieren 24">
+            <a:extLst>
+              <a:ext uri="{FF2B5EF4-FFF2-40B4-BE49-F238E27FC236}">
+                <a16:creationId xmlns:a16="http://schemas.microsoft.com/office/drawing/2014/main" id="{D17C4D1A-3790-415A-B253-F9D7B140CDC9}"/>
+              </a:ext>
+            </a:extLst>
+          </p:cNvPr>
+          <p:cNvGrpSpPr/>
+          <p:nvPr/>
+        </p:nvGrpSpPr>
+        <p:grpSpPr>
+          <a:xfrm>
+            <a:off x="5214731" y="1023462"/>
+            <a:ext cx="3134139" cy="1709262"/>
+            <a:chOff x="5214731" y="1023462"/>
+            <a:chExt cx="3134139" cy="1709262"/>
+          </a:xfrm>
+        </p:grpSpPr>
+        <p:sp>
+          <p:nvSpPr>
+            <p:cNvPr id="26" name="Textfeld 25">
+              <a:extLst>
+                <a:ext uri="{FF2B5EF4-FFF2-40B4-BE49-F238E27FC236}">
+                  <a16:creationId xmlns:a16="http://schemas.microsoft.com/office/drawing/2014/main" id="{371E16A8-24B5-4104-A205-45B494E24909}"/>
+                </a:ext>
+              </a:extLst>
+            </p:cNvPr>
+            <p:cNvSpPr txBox="1"/>
+            <p:nvPr/>
+          </p:nvSpPr>
+          <p:spPr>
+            <a:xfrm>
+              <a:off x="5214731" y="1099282"/>
+              <a:ext cx="345955" cy="370524"/>
+            </a:xfrm>
+            <a:prstGeom prst="rect">
+              <a:avLst/>
+            </a:prstGeom>
+            <a:noFill/>
+            <a:ln>
+              <a:noFill/>
+            </a:ln>
+          </p:spPr>
+          <p:txBody>
+            <a:bodyPr wrap="square" rtlCol="0">
+              <a:spAutoFit/>
+            </a:bodyPr>
+            <a:lstStyle/>
+            <a:p>
+              <a:r>
+                <a:rPr lang="en-AU" dirty="0">
+                  <a:latin typeface="+mj-lt"/>
+                  <a:cs typeface="Calibri" panose="020F0502020204030204" pitchFamily="34" charset="0"/>
+                </a:rPr>
+                <a:t>M</a:t>
+              </a:r>
+            </a:p>
+          </p:txBody>
+        </p:sp>
+        <p:grpSp>
+          <p:nvGrpSpPr>
+            <p:cNvPr id="27" name="Gruppieren 26">
+              <a:extLst>
+                <a:ext uri="{FF2B5EF4-FFF2-40B4-BE49-F238E27FC236}">
+                  <a16:creationId xmlns:a16="http://schemas.microsoft.com/office/drawing/2014/main" id="{2220E1B7-F35D-44D1-83F1-0FDE407B5923}"/>
+                </a:ext>
+              </a:extLst>
+            </p:cNvPr>
+            <p:cNvGrpSpPr/>
+            <p:nvPr/>
+          </p:nvGrpSpPr>
+          <p:grpSpPr>
+            <a:xfrm>
+              <a:off x="5595731" y="1023462"/>
+              <a:ext cx="2753139" cy="1709262"/>
+              <a:chOff x="5595731" y="1023462"/>
+              <a:chExt cx="2753139" cy="1709262"/>
+            </a:xfrm>
+          </p:grpSpPr>
+          <p:sp>
+            <p:nvSpPr>
+              <p:cNvPr id="28" name="Ellipse 27">
+                <a:extLst>
+                  <a:ext uri="{FF2B5EF4-FFF2-40B4-BE49-F238E27FC236}">
+                    <a16:creationId xmlns:a16="http://schemas.microsoft.com/office/drawing/2014/main" id="{E0C03CDB-4729-4669-9C71-E6E7F80BCB05}"/>
+                  </a:ext>
+                </a:extLst>
+              </p:cNvPr>
+              <p:cNvSpPr/>
+              <p:nvPr/>
+            </p:nvSpPr>
+            <p:spPr>
+              <a:xfrm>
+                <a:off x="5595731" y="1023462"/>
+                <a:ext cx="533400" cy="522924"/>
+              </a:xfrm>
+              <a:prstGeom prst="ellipse">
+                <a:avLst/>
+              </a:prstGeom>
+              <a:solidFill>
+                <a:schemeClr val="bg1"/>
+              </a:solidFill>
+              <a:ln>
+                <a:solidFill>
+                  <a:srgbClr val="FF3300"/>
+                </a:solidFill>
+              </a:ln>
+            </p:spPr>
+            <p:style>
+              <a:lnRef idx="2">
+                <a:schemeClr val="accent1">
+                  <a:shade val="50000"/>
+                </a:schemeClr>
+              </a:lnRef>
+              <a:fillRef idx="1">
+                <a:schemeClr val="accent1"/>
+              </a:fillRef>
+              <a:effectRef idx="0">
+                <a:schemeClr val="accent1"/>
+              </a:effectRef>
+              <a:fontRef idx="minor">
+                <a:schemeClr val="lt1"/>
+              </a:fontRef>
+            </p:style>
+            <p:txBody>
+              <a:bodyPr rtlCol="0" anchor="ctr"/>
+              <a:lstStyle/>
+              <a:p>
+                <a:pPr algn="ctr"/>
+                <a:endParaRPr lang="en-AU">
+                  <a:latin typeface="Calibri" panose="020F0502020204030204" pitchFamily="34" charset="0"/>
+                  <a:cs typeface="Calibri" panose="020F0502020204030204" pitchFamily="34" charset="0"/>
+                </a:endParaRPr>
+              </a:p>
+            </p:txBody>
+          </p:sp>
+          <p:sp>
+            <p:nvSpPr>
+              <p:cNvPr id="29" name="Ellipse 28">
+                <a:extLst>
+                  <a:ext uri="{FF2B5EF4-FFF2-40B4-BE49-F238E27FC236}">
+                    <a16:creationId xmlns:a16="http://schemas.microsoft.com/office/drawing/2014/main" id="{DF20C6BA-F0B8-4124-ABE2-E5BFF34F9EDC}"/>
+                  </a:ext>
+                </a:extLst>
+              </p:cNvPr>
+              <p:cNvSpPr/>
+              <p:nvPr/>
+            </p:nvSpPr>
+            <p:spPr>
+              <a:xfrm>
+                <a:off x="7815470" y="1023462"/>
+                <a:ext cx="533400" cy="522924"/>
+              </a:xfrm>
+              <a:prstGeom prst="ellipse">
+                <a:avLst/>
+              </a:prstGeom>
+              <a:solidFill>
+                <a:schemeClr val="bg1"/>
+              </a:solidFill>
+              <a:ln>
+                <a:solidFill>
+                  <a:srgbClr val="FF3300"/>
+                </a:solidFill>
+              </a:ln>
+            </p:spPr>
+            <p:style>
+              <a:lnRef idx="2">
+                <a:schemeClr val="accent1">
+                  <a:shade val="50000"/>
+                </a:schemeClr>
+              </a:lnRef>
+              <a:fillRef idx="1">
+                <a:schemeClr val="accent1"/>
+              </a:fillRef>
+              <a:effectRef idx="0">
+                <a:schemeClr val="accent1"/>
+              </a:effectRef>
+              <a:fontRef idx="minor">
+                <a:schemeClr val="lt1"/>
+              </a:fontRef>
+            </p:style>
+            <p:txBody>
+              <a:bodyPr rtlCol="0" anchor="ctr"/>
+              <a:lstStyle/>
+              <a:p>
+                <a:pPr algn="ctr"/>
+                <a:endParaRPr lang="en-AU">
+                  <a:latin typeface="Calibri" panose="020F0502020204030204" pitchFamily="34" charset="0"/>
+                  <a:cs typeface="Calibri" panose="020F0502020204030204" pitchFamily="34" charset="0"/>
+                </a:endParaRPr>
+              </a:p>
+            </p:txBody>
+          </p:sp>
+          <p:sp>
+            <p:nvSpPr>
+              <p:cNvPr id="30" name="Ellipse 29">
+                <a:extLst>
+                  <a:ext uri="{FF2B5EF4-FFF2-40B4-BE49-F238E27FC236}">
+                    <a16:creationId xmlns:a16="http://schemas.microsoft.com/office/drawing/2014/main" id="{4A6A4A7F-4936-48E0-A7F6-1B10BD7D5E9B}"/>
+                  </a:ext>
+                </a:extLst>
+              </p:cNvPr>
+              <p:cNvSpPr/>
+              <p:nvPr/>
+            </p:nvSpPr>
+            <p:spPr>
+              <a:xfrm>
+                <a:off x="6705600" y="2209800"/>
+                <a:ext cx="533400" cy="522924"/>
+              </a:xfrm>
+              <a:prstGeom prst="ellipse">
+                <a:avLst/>
+              </a:prstGeom>
+              <a:solidFill>
+                <a:schemeClr val="accent1"/>
+              </a:solidFill>
+              <a:ln>
+                <a:solidFill>
+                  <a:srgbClr val="FF3300"/>
+                </a:solidFill>
+              </a:ln>
+            </p:spPr>
+            <p:style>
+              <a:lnRef idx="2">
+                <a:schemeClr val="accent1">
+                  <a:shade val="50000"/>
+                </a:schemeClr>
+              </a:lnRef>
+              <a:fillRef idx="1">
+                <a:schemeClr val="accent1"/>
+              </a:fillRef>
+              <a:effectRef idx="0">
+                <a:schemeClr val="accent1"/>
+              </a:effectRef>
+              <a:fontRef idx="minor">
+                <a:schemeClr val="lt1"/>
+              </a:fontRef>
+            </p:style>
+            <p:txBody>
+              <a:bodyPr rtlCol="0" anchor="ctr"/>
+              <a:lstStyle/>
+              <a:p>
+                <a:pPr algn="ctr"/>
+                <a:endParaRPr lang="en-AU">
+                  <a:latin typeface="Calibri" panose="020F0502020204030204" pitchFamily="34" charset="0"/>
+                  <a:cs typeface="Calibri" panose="020F0502020204030204" pitchFamily="34" charset="0"/>
+                </a:endParaRPr>
+              </a:p>
+            </p:txBody>
+          </p:sp>
+          <p:cxnSp>
+            <p:nvCxnSpPr>
+              <p:cNvPr id="31" name="Gerade Verbindung mit Pfeil 30">
+                <a:extLst>
+                  <a:ext uri="{FF2B5EF4-FFF2-40B4-BE49-F238E27FC236}">
+                    <a16:creationId xmlns:a16="http://schemas.microsoft.com/office/drawing/2014/main" id="{D105552B-BA20-4215-862F-785E12BA0BDA}"/>
+                  </a:ext>
+                </a:extLst>
+              </p:cNvPr>
+              <p:cNvCxnSpPr>
+                <a:cxnSpLocks/>
+                <a:stCxn id="28" idx="5"/>
+                <a:endCxn id="30" idx="1"/>
+              </p:cNvCxnSpPr>
+              <p:nvPr/>
+            </p:nvCxnSpPr>
+            <p:spPr>
+              <a:xfrm>
+                <a:off x="6051016" y="1469806"/>
+                <a:ext cx="732699" cy="816574"/>
+              </a:xfrm>
+              <a:prstGeom prst="straightConnector1">
+                <a:avLst/>
+              </a:prstGeom>
+              <a:ln w="28575">
+                <a:solidFill>
+                  <a:srgbClr val="FF3300"/>
+                </a:solidFill>
+                <a:tailEnd type="triangle"/>
+              </a:ln>
+            </p:spPr>
+            <p:style>
+              <a:lnRef idx="1">
+                <a:schemeClr val="accent1"/>
+              </a:lnRef>
+              <a:fillRef idx="0">
+                <a:schemeClr val="accent1"/>
+              </a:fillRef>
+              <a:effectRef idx="0">
+                <a:schemeClr val="accent1"/>
+              </a:effectRef>
+              <a:fontRef idx="minor">
+                <a:schemeClr val="tx1"/>
+              </a:fontRef>
+            </p:style>
+          </p:cxnSp>
+          <p:cxnSp>
+            <p:nvCxnSpPr>
+              <p:cNvPr id="32" name="Gerade Verbindung mit Pfeil 31">
+                <a:extLst>
+                  <a:ext uri="{FF2B5EF4-FFF2-40B4-BE49-F238E27FC236}">
+                    <a16:creationId xmlns:a16="http://schemas.microsoft.com/office/drawing/2014/main" id="{F28B28BD-052B-430E-9DFA-6B6982D7218E}"/>
+                  </a:ext>
+                </a:extLst>
+              </p:cNvPr>
+              <p:cNvCxnSpPr>
+                <a:cxnSpLocks/>
+                <a:stCxn id="29" idx="3"/>
+                <a:endCxn id="30" idx="7"/>
+              </p:cNvCxnSpPr>
+              <p:nvPr/>
+            </p:nvCxnSpPr>
+            <p:spPr>
+              <a:xfrm flipH="1">
+                <a:off x="7160885" y="1469806"/>
+                <a:ext cx="732700" cy="816574"/>
+              </a:xfrm>
+              <a:prstGeom prst="straightConnector1">
+                <a:avLst/>
+              </a:prstGeom>
+              <a:ln w="28575">
+                <a:solidFill>
+                  <a:srgbClr val="FF3300"/>
+                </a:solidFill>
+                <a:tailEnd type="triangle"/>
+              </a:ln>
+            </p:spPr>
+            <p:style>
+              <a:lnRef idx="1">
+                <a:schemeClr val="accent1"/>
+              </a:lnRef>
+              <a:fillRef idx="0">
+                <a:schemeClr val="accent1"/>
+              </a:fillRef>
+              <a:effectRef idx="0">
+                <a:schemeClr val="accent1"/>
+              </a:effectRef>
+              <a:fontRef idx="minor">
+                <a:schemeClr val="tx1"/>
+              </a:fontRef>
+            </p:style>
+          </p:cxnSp>
+          <p:sp>
+            <p:nvSpPr>
+              <p:cNvPr id="33" name="Textfeld 32">
+                <a:extLst>
+                  <a:ext uri="{FF2B5EF4-FFF2-40B4-BE49-F238E27FC236}">
+                    <a16:creationId xmlns:a16="http://schemas.microsoft.com/office/drawing/2014/main" id="{4DAA3EB4-23C6-4E25-BA80-FB89E0069037}"/>
+                  </a:ext>
+                </a:extLst>
+              </p:cNvPr>
+              <p:cNvSpPr txBox="1"/>
+              <p:nvPr/>
+            </p:nvSpPr>
+            <p:spPr>
+              <a:xfrm>
+                <a:off x="7500731" y="1099282"/>
+                <a:ext cx="345955" cy="370524"/>
+              </a:xfrm>
+              <a:prstGeom prst="rect">
+                <a:avLst/>
+              </a:prstGeom>
+              <a:noFill/>
+              <a:ln>
+                <a:noFill/>
+              </a:ln>
+            </p:spPr>
+            <p:txBody>
+              <a:bodyPr wrap="square" rtlCol="0">
+                <a:spAutoFit/>
+              </a:bodyPr>
+              <a:lstStyle/>
+              <a:p>
+                <a:r>
+                  <a:rPr lang="en-AU" dirty="0">
+                    <a:latin typeface="+mj-lt"/>
+                    <a:cs typeface="Calibri" panose="020F0502020204030204" pitchFamily="34" charset="0"/>
+                  </a:rPr>
+                  <a:t>A</a:t>
+                </a:r>
+              </a:p>
+            </p:txBody>
+          </p:sp>
+          <p:sp>
+            <p:nvSpPr>
+              <p:cNvPr id="34" name="Textfeld 33">
+                <a:extLst>
+                  <a:ext uri="{FF2B5EF4-FFF2-40B4-BE49-F238E27FC236}">
+                    <a16:creationId xmlns:a16="http://schemas.microsoft.com/office/drawing/2014/main" id="{5AF78348-89EE-4908-B34A-79EC7E72EA63}"/>
+                  </a:ext>
+                </a:extLst>
+              </p:cNvPr>
+              <p:cNvSpPr txBox="1"/>
+              <p:nvPr/>
+            </p:nvSpPr>
+            <p:spPr>
+              <a:xfrm>
+                <a:off x="6392776" y="2324290"/>
+                <a:ext cx="345955" cy="370524"/>
+              </a:xfrm>
+              <a:prstGeom prst="rect">
+                <a:avLst/>
+              </a:prstGeom>
+              <a:noFill/>
+              <a:ln>
+                <a:noFill/>
+              </a:ln>
+            </p:spPr>
+            <p:txBody>
+              <a:bodyPr wrap="square" rtlCol="0">
+                <a:spAutoFit/>
+              </a:bodyPr>
+              <a:lstStyle/>
+              <a:p>
+                <a:r>
+                  <a:rPr lang="en-AU" dirty="0">
+                    <a:latin typeface="+mj-lt"/>
+                    <a:cs typeface="Calibri" panose="020F0502020204030204" pitchFamily="34" charset="0"/>
+                  </a:rPr>
+                  <a:t>R</a:t>
+                </a:r>
+              </a:p>
+            </p:txBody>
+          </p:sp>
+        </p:grpSp>
+      </p:grpSp>
     </p:spTree>
     <p:extLst>
       <p:ext uri="{BB962C8B-B14F-4D97-AF65-F5344CB8AC3E}">
@@ -39304,7 +39907,17 @@
                 <a:latin typeface="+mj-lt"/>
                 <a:cs typeface="Calibri" panose="020F0502020204030204" pitchFamily="34" charset="0"/>
               </a:rPr>
-              <a:t>Probability of problems with the recording app (A) increased by observing R = 0</a:t>
+              <a:t>The probability of problems with the recording app (A) increases </a:t>
+            </a:r>
+            <a:r>
+              <a:rPr lang="en-GB" dirty="0">
+                <a:solidFill>
+                  <a:srgbClr val="000000"/>
+                </a:solidFill>
+                <a:latin typeface="+mj-lt"/>
+                <a:cs typeface="Calibri" panose="020F0502020204030204" pitchFamily="34" charset="0"/>
+              </a:rPr>
+              <a:t>with the observation of R = 0.</a:t>
             </a:r>
           </a:p>
           <a:p>
@@ -39322,10 +39935,11 @@
                 <a:solidFill>
                   <a:srgbClr val="000000"/>
                 </a:solidFill>
-                <a:latin typeface="+mj-lt"/>
+                <a:latin typeface="Cambria Math" panose="02040503050406030204" pitchFamily="18" charset="0"/>
+                <a:ea typeface="Cambria Math" panose="02040503050406030204" pitchFamily="18" charset="0"/>
                 <a:cs typeface="Calibri" panose="020F0502020204030204" pitchFamily="34" charset="0"/>
               </a:rPr>
-              <a:t>p(A = 0|R = 0) &gt; p(A = 0)</a:t>
+              <a:t>P(A = 0|R = 0) &gt; P(A = 0)</a:t>
             </a:r>
           </a:p>
           <a:p>
@@ -39346,7 +39960,7 @@
                 <a:latin typeface="+mj-lt"/>
                 <a:cs typeface="Calibri" panose="020F0502020204030204" pitchFamily="34" charset="0"/>
               </a:rPr>
-              <a:t>Thus knowing that the recording wasn´t successful, makes it more likely that the recording functionality wasn´t working properly. -&gt; Simply common sense displayed in a mathematical manner.</a:t>
+              <a:t>Thus, knowing that the recording was not successful, it is more likely that the recording app did not work properly. - Common sense expressed mathematically.</a:t>
             </a:r>
             <a:endParaRPr lang="de-DE" dirty="0">
               <a:solidFill>
@@ -39414,8 +40028,8 @@
           </a:p>
         </p:txBody>
       </p:sp>
-      <mc:AlternateContent xmlns:mc="http://schemas.openxmlformats.org/markup-compatibility/2006" xmlns:a14="http://schemas.microsoft.com/office/drawing/2010/main">
-        <mc:Choice Requires="a14">
+      <mc:AlternateContent xmlns:mc="http://schemas.openxmlformats.org/markup-compatibility/2006">
+        <mc:Choice xmlns:a14="http://schemas.microsoft.com/office/drawing/2010/main" Requires="a14">
           <p:sp>
             <p:nvSpPr>
               <p:cNvPr id="2" name="Textfeld 1">
@@ -39452,7 +40066,7 @@
                     <a:latin typeface="+mj-lt"/>
                     <a:cs typeface="Calibri" panose="020F0502020204030204" pitchFamily="34" charset="0"/>
                   </a:rPr>
-                  <a:t>1. From now on P(R) is given, so we plug this in:</a:t>
+                  <a:t>1. From now on P(R) is given, so we insert it:</a:t>
                 </a:r>
               </a:p>
               <a:p>
@@ -39557,7 +40171,7 @@
                               <m:ctrlPr>
                                 <a:rPr lang="ar-AE" i="1" smtClean="0">
                                   <a:solidFill>
-                                    <a:srgbClr val="238D46"/>
+                                    <a:schemeClr val="tx1"/>
                                   </a:solidFill>
                                   <a:latin typeface="Cambria Math" panose="02040503050406030204" pitchFamily="18" charset="0"/>
                                 </a:rPr>
@@ -39567,7 +40181,7 @@
                               <m:r>
                                 <a:rPr lang="ar-AE">
                                   <a:solidFill>
-                                    <a:srgbClr val="238D46"/>
+                                    <a:schemeClr val="tx1"/>
                                   </a:solidFill>
                                   <a:latin typeface="Cambria Math" panose="02040503050406030204" pitchFamily="18" charset="0"/>
                                 </a:rPr>
@@ -39578,7 +40192,7 @@
                                   <m:ctrlPr>
                                     <a:rPr lang="ar-AE" i="1">
                                       <a:solidFill>
-                                        <a:srgbClr val="238D46"/>
+                                        <a:schemeClr val="tx1"/>
                                       </a:solidFill>
                                       <a:latin typeface="Cambria Math" panose="02040503050406030204" pitchFamily="18" charset="0"/>
                                     </a:rPr>
@@ -39588,7 +40202,7 @@
                                   <m:r>
                                     <a:rPr lang="ar-AE">
                                       <a:solidFill>
-                                        <a:srgbClr val="238D46"/>
+                                        <a:schemeClr val="tx1"/>
                                       </a:solidFill>
                                       <a:latin typeface="Cambria Math" panose="02040503050406030204" pitchFamily="18" charset="0"/>
                                     </a:rPr>
@@ -39599,7 +40213,7 @@
                               <m:r>
                                 <a:rPr lang="ar-AE">
                                   <a:solidFill>
-                                    <a:srgbClr val="238D46"/>
+                                    <a:schemeClr val="tx1"/>
                                   </a:solidFill>
                                   <a:latin typeface="Cambria Math" panose="02040503050406030204" pitchFamily="18" charset="0"/>
                                 </a:rPr>
@@ -39608,7 +40222,7 @@
                               <m:r>
                                 <a:rPr lang="ar-AE">
                                   <a:solidFill>
-                                    <a:srgbClr val="238D46"/>
+                                    <a:schemeClr val="tx1"/>
                                   </a:solidFill>
                                   <a:latin typeface="Cambria Math" panose="02040503050406030204" pitchFamily="18" charset="0"/>
                                 </a:rPr>
@@ -39619,7 +40233,7 @@
                                   <m:ctrlPr>
                                     <a:rPr lang="ar-AE" i="1">
                                       <a:solidFill>
-                                        <a:srgbClr val="238D46"/>
+                                        <a:schemeClr val="tx1"/>
                                       </a:solidFill>
                                       <a:latin typeface="Cambria Math" panose="02040503050406030204" pitchFamily="18" charset="0"/>
                                     </a:rPr>
@@ -39629,7 +40243,7 @@
                                   <m:r>
                                     <a:rPr lang="de-DE" b="0" i="1" smtClean="0">
                                       <a:solidFill>
-                                        <a:srgbClr val="238D46"/>
+                                        <a:schemeClr val="tx1"/>
                                       </a:solidFill>
                                       <a:latin typeface="Cambria Math" panose="02040503050406030204" pitchFamily="18" charset="0"/>
                                     </a:rPr>
@@ -39640,7 +40254,7 @@
                               <m:r>
                                 <a:rPr lang="ar-AE">
                                   <a:solidFill>
-                                    <a:srgbClr val="238D46"/>
+                                    <a:schemeClr val="tx1"/>
                                   </a:solidFill>
                                   <a:latin typeface="Cambria Math" panose="02040503050406030204" pitchFamily="18" charset="0"/>
                                 </a:rPr>
@@ -39649,7 +40263,7 @@
                               <m:r>
                                 <a:rPr lang="ar-AE">
                                   <a:solidFill>
-                                    <a:srgbClr val="238D46"/>
+                                    <a:schemeClr val="tx1"/>
                                   </a:solidFill>
                                   <a:latin typeface="Cambria Math" panose="02040503050406030204" pitchFamily="18" charset="0"/>
                                 </a:rPr>
@@ -39660,7 +40274,7 @@
                                   <m:ctrlPr>
                                     <a:rPr lang="ar-AE" i="1">
                                       <a:solidFill>
-                                        <a:srgbClr val="238D46"/>
+                                        <a:schemeClr val="tx1"/>
                                       </a:solidFill>
                                       <a:latin typeface="Cambria Math" panose="02040503050406030204" pitchFamily="18" charset="0"/>
                                     </a:rPr>
@@ -39670,7 +40284,7 @@
                                   <m:r>
                                     <a:rPr lang="de-DE" b="0" i="1" smtClean="0">
                                       <a:solidFill>
-                                        <a:srgbClr val="238D46"/>
+                                        <a:schemeClr val="tx1"/>
                                       </a:solidFill>
                                       <a:latin typeface="Cambria Math" panose="02040503050406030204" pitchFamily="18" charset="0"/>
                                     </a:rPr>
@@ -39681,7 +40295,7 @@
                                   <m:r>
                                     <a:rPr lang="ar-AE">
                                       <a:solidFill>
-                                        <a:srgbClr val="238D46"/>
+                                        <a:schemeClr val="tx1"/>
                                       </a:solidFill>
                                       <a:latin typeface="Cambria Math" panose="02040503050406030204" pitchFamily="18" charset="0"/>
                                     </a:rPr>
@@ -39690,7 +40304,7 @@
                                   <m:r>
                                     <a:rPr lang="ar-AE">
                                       <a:solidFill>
-                                        <a:srgbClr val="238D46"/>
+                                        <a:schemeClr val="tx1"/>
                                       </a:solidFill>
                                       <a:latin typeface="Cambria Math" panose="02040503050406030204" pitchFamily="18" charset="0"/>
                                     </a:rPr>
@@ -39699,7 +40313,7 @@
                                   <m:r>
                                     <a:rPr lang="de-DE" b="0" i="1" smtClean="0">
                                       <a:solidFill>
-                                        <a:srgbClr val="238D46"/>
+                                        <a:schemeClr val="tx1"/>
                                       </a:solidFill>
                                       <a:latin typeface="Cambria Math" panose="02040503050406030204" pitchFamily="18" charset="0"/>
                                     </a:rPr>
@@ -39712,7 +40326,7 @@
                               <m:r>
                                 <a:rPr lang="de-DE" b="0" i="1" smtClean="0">
                                   <a:solidFill>
-                                    <a:srgbClr val="238D46"/>
+                                    <a:schemeClr val="tx1"/>
                                   </a:solidFill>
                                   <a:latin typeface="Cambria Math" panose="02040503050406030204" pitchFamily="18" charset="0"/>
                                 </a:rPr>
@@ -39721,7 +40335,7 @@
                               <m:r>
                                 <a:rPr lang="de-DE" b="0" i="1" smtClean="0">
                                   <a:solidFill>
-                                    <a:srgbClr val="238D46"/>
+                                    <a:schemeClr val="tx1"/>
                                   </a:solidFill>
                                   <a:latin typeface="Cambria Math" panose="02040503050406030204" pitchFamily="18" charset="0"/>
                                 </a:rPr>
@@ -39730,7 +40344,7 @@
                               <m:r>
                                 <a:rPr lang="de-DE" b="0" i="1" smtClean="0">
                                   <a:solidFill>
-                                    <a:srgbClr val="238D46"/>
+                                    <a:schemeClr val="tx1"/>
                                   </a:solidFill>
                                   <a:latin typeface="Cambria Math" panose="02040503050406030204" pitchFamily="18" charset="0"/>
                                 </a:rPr>
@@ -39739,7 +40353,7 @@
                               <m:r>
                                 <a:rPr lang="de-DE" b="0" i="1" smtClean="0">
                                   <a:solidFill>
-                                    <a:srgbClr val="238D46"/>
+                                    <a:schemeClr val="tx1"/>
                                   </a:solidFill>
                                   <a:latin typeface="Cambria Math" panose="02040503050406030204" pitchFamily="18" charset="0"/>
                                 </a:rPr>
@@ -39791,7 +40405,7 @@
                               <m:ctrlPr>
                                 <a:rPr lang="ar-AE" i="1" smtClean="0">
                                   <a:solidFill>
-                                    <a:srgbClr val="238D46"/>
+                                    <a:schemeClr val="tx1"/>
                                   </a:solidFill>
                                   <a:latin typeface="Cambria Math" panose="02040503050406030204" pitchFamily="18" charset="0"/>
                                 </a:rPr>
@@ -39801,7 +40415,7 @@
                               <m:r>
                                 <a:rPr lang="ar-AE">
                                   <a:solidFill>
-                                    <a:srgbClr val="238D46"/>
+                                    <a:schemeClr val="tx1"/>
                                   </a:solidFill>
                                   <a:latin typeface="Cambria Math" panose="02040503050406030204" pitchFamily="18" charset="0"/>
                                 </a:rPr>
@@ -39812,7 +40426,7 @@
                                   <m:ctrlPr>
                                     <a:rPr lang="ar-AE" i="1">
                                       <a:solidFill>
-                                        <a:srgbClr val="238D46"/>
+                                        <a:schemeClr val="tx1"/>
                                       </a:solidFill>
                                       <a:latin typeface="Cambria Math" panose="02040503050406030204" pitchFamily="18" charset="0"/>
                                     </a:rPr>
@@ -39822,7 +40436,7 @@
                                   <m:r>
                                     <a:rPr lang="ar-AE">
                                       <a:solidFill>
-                                        <a:srgbClr val="238D46"/>
+                                        <a:schemeClr val="tx1"/>
                                       </a:solidFill>
                                       <a:latin typeface="Cambria Math" panose="02040503050406030204" pitchFamily="18" charset="0"/>
                                     </a:rPr>
@@ -39833,7 +40447,7 @@
                               <m:r>
                                 <a:rPr lang="ar-AE">
                                   <a:solidFill>
-                                    <a:srgbClr val="238D46"/>
+                                    <a:schemeClr val="tx1"/>
                                   </a:solidFill>
                                   <a:latin typeface="Cambria Math" panose="02040503050406030204" pitchFamily="18" charset="0"/>
                                 </a:rPr>
@@ -39842,7 +40456,7 @@
                               <m:r>
                                 <a:rPr lang="ar-AE">
                                   <a:solidFill>
-                                    <a:srgbClr val="238D46"/>
+                                    <a:schemeClr val="tx1"/>
                                   </a:solidFill>
                                   <a:latin typeface="Cambria Math" panose="02040503050406030204" pitchFamily="18" charset="0"/>
                                 </a:rPr>
@@ -39853,7 +40467,7 @@
                                   <m:ctrlPr>
                                     <a:rPr lang="ar-AE" i="1">
                                       <a:solidFill>
-                                        <a:srgbClr val="238D46"/>
+                                        <a:schemeClr val="tx1"/>
                                       </a:solidFill>
                                       <a:latin typeface="Cambria Math" panose="02040503050406030204" pitchFamily="18" charset="0"/>
                                     </a:rPr>
@@ -39863,7 +40477,7 @@
                                   <m:r>
                                     <a:rPr lang="de-DE" b="0" i="1" smtClean="0">
                                       <a:solidFill>
-                                        <a:srgbClr val="238D46"/>
+                                        <a:schemeClr val="tx1"/>
                                       </a:solidFill>
                                       <a:latin typeface="Cambria Math" panose="02040503050406030204" pitchFamily="18" charset="0"/>
                                     </a:rPr>
@@ -39874,7 +40488,7 @@
                               <m:r>
                                 <a:rPr lang="ar-AE">
                                   <a:solidFill>
-                                    <a:srgbClr val="238D46"/>
+                                    <a:schemeClr val="tx1"/>
                                   </a:solidFill>
                                   <a:latin typeface="Cambria Math" panose="02040503050406030204" pitchFamily="18" charset="0"/>
                                 </a:rPr>
@@ -39883,7 +40497,7 @@
                               <m:r>
                                 <a:rPr lang="ar-AE">
                                   <a:solidFill>
-                                    <a:srgbClr val="238D46"/>
+                                    <a:schemeClr val="tx1"/>
                                   </a:solidFill>
                                   <a:latin typeface="Cambria Math" panose="02040503050406030204" pitchFamily="18" charset="0"/>
                                 </a:rPr>
@@ -39892,7 +40506,7 @@
                               <m:r>
                                 <a:rPr lang="ar-AE">
                                   <a:solidFill>
-                                    <a:srgbClr val="238D46"/>
+                                    <a:schemeClr val="tx1"/>
                                   </a:solidFill>
                                   <a:latin typeface="Cambria Math" panose="02040503050406030204" pitchFamily="18" charset="0"/>
                                 </a:rPr>
@@ -39904,7 +40518,7 @@
                                 </m:rPr>
                                 <a:rPr lang="de-DE" b="0" i="0" smtClean="0">
                                   <a:solidFill>
-                                    <a:srgbClr val="238D46"/>
+                                    <a:schemeClr val="tx1"/>
                                   </a:solidFill>
                                   <a:latin typeface="Cambria Math" panose="02040503050406030204" pitchFamily="18" charset="0"/>
                                 </a:rPr>
@@ -39913,7 +40527,7 @@
                               <m:r>
                                 <a:rPr lang="ar-AE">
                                   <a:solidFill>
-                                    <a:srgbClr val="238D46"/>
+                                    <a:schemeClr val="tx1"/>
                                   </a:solidFill>
                                   <a:latin typeface="Cambria Math" panose="02040503050406030204" pitchFamily="18" charset="0"/>
                                 </a:rPr>
@@ -39922,7 +40536,7 @@
                               <m:r>
                                 <a:rPr lang="ar-AE">
                                   <a:solidFill>
-                                    <a:srgbClr val="238D46"/>
+                                    <a:schemeClr val="tx1"/>
                                   </a:solidFill>
                                   <a:latin typeface="Cambria Math" panose="02040503050406030204" pitchFamily="18" charset="0"/>
                                 </a:rPr>
@@ -39931,7 +40545,7 @@
                               <m:r>
                                 <a:rPr lang="ar-AE">
                                   <a:solidFill>
-                                    <a:srgbClr val="238D46"/>
+                                    <a:schemeClr val="tx1"/>
                                   </a:solidFill>
                                   <a:latin typeface="Cambria Math" panose="02040503050406030204" pitchFamily="18" charset="0"/>
                                 </a:rPr>
@@ -39943,7 +40557,7 @@
                                 </m:rPr>
                                 <a:rPr lang="de-DE" b="0" i="0" smtClean="0">
                                   <a:solidFill>
-                                    <a:srgbClr val="238D46"/>
+                                    <a:schemeClr val="tx1"/>
                                   </a:solidFill>
                                   <a:latin typeface="Cambria Math" panose="02040503050406030204" pitchFamily="18" charset="0"/>
                                 </a:rPr>
@@ -39952,7 +40566,7 @@
                               <m:r>
                                 <a:rPr lang="ar-AE">
                                   <a:solidFill>
-                                    <a:srgbClr val="238D46"/>
+                                    <a:schemeClr val="tx1"/>
                                   </a:solidFill>
                                   <a:latin typeface="Cambria Math" panose="02040503050406030204" pitchFamily="18" charset="0"/>
                                 </a:rPr>
@@ -39969,7 +40583,7 @@
                                   <m:ctrlPr>
                                     <a:rPr lang="ar-AE" i="1">
                                       <a:solidFill>
-                                        <a:srgbClr val="238D46"/>
+                                        <a:schemeClr val="tx1"/>
                                       </a:solidFill>
                                       <a:latin typeface="Cambria Math" panose="02040503050406030204" pitchFamily="18" charset="0"/>
                                     </a:rPr>
@@ -39979,7 +40593,7 @@
                                   <m:r>
                                     <a:rPr lang="de-DE">
                                       <a:solidFill>
-                                        <a:srgbClr val="238D46"/>
+                                        <a:schemeClr val="tx1"/>
                                       </a:solidFill>
                                       <a:latin typeface="Cambria Math" panose="02040503050406030204" pitchFamily="18" charset="0"/>
                                     </a:rPr>
@@ -39988,7 +40602,7 @@
                                   <m:r>
                                     <a:rPr lang="de-DE">
                                       <a:solidFill>
-                                        <a:srgbClr val="238D46"/>
+                                        <a:schemeClr val="tx1"/>
                                       </a:solidFill>
                                       <a:latin typeface="Cambria Math" panose="02040503050406030204" pitchFamily="18" charset="0"/>
                                     </a:rPr>
@@ -39997,7 +40611,7 @@
                                   <m:r>
                                     <a:rPr lang="de-DE" b="0" i="1" smtClean="0">
                                       <a:solidFill>
-                                        <a:srgbClr val="238D46"/>
+                                        <a:schemeClr val="tx1"/>
                                       </a:solidFill>
                                       <a:latin typeface="Cambria Math" panose="02040503050406030204" pitchFamily="18" charset="0"/>
                                     </a:rPr>
@@ -40009,7 +40623,7 @@
                                   <m:r>
                                     <a:rPr lang="ar-AE">
                                       <a:solidFill>
-                                        <a:srgbClr val="238D46"/>
+                                        <a:schemeClr val="tx1"/>
                                       </a:solidFill>
                                       <a:latin typeface="Cambria Math" panose="02040503050406030204" pitchFamily="18" charset="0"/>
                                     </a:rPr>
@@ -40020,7 +40634,7 @@
                                       <m:ctrlPr>
                                         <a:rPr lang="ar-AE" i="1">
                                           <a:solidFill>
-                                            <a:srgbClr val="238D46"/>
+                                            <a:schemeClr val="tx1"/>
                                           </a:solidFill>
                                           <a:latin typeface="Cambria Math" panose="02040503050406030204" pitchFamily="18" charset="0"/>
                                         </a:rPr>
@@ -40030,7 +40644,7 @@
                                       <m:r>
                                         <a:rPr lang="ar-AE">
                                           <a:solidFill>
-                                            <a:srgbClr val="238D46"/>
+                                            <a:schemeClr val="tx1"/>
                                           </a:solidFill>
                                           <a:latin typeface="Cambria Math" panose="02040503050406030204" pitchFamily="18" charset="0"/>
                                         </a:rPr>
@@ -40041,7 +40655,7 @@
                                   <m:r>
                                     <a:rPr lang="ar-AE">
                                       <a:solidFill>
-                                        <a:srgbClr val="238D46"/>
+                                        <a:schemeClr val="tx1"/>
                                       </a:solidFill>
                                       <a:latin typeface="Cambria Math" panose="02040503050406030204" pitchFamily="18" charset="0"/>
                                     </a:rPr>
@@ -40050,7 +40664,7 @@
                                   <m:r>
                                     <a:rPr lang="ar-AE">
                                       <a:solidFill>
-                                        <a:srgbClr val="238D46"/>
+                                        <a:schemeClr val="tx1"/>
                                       </a:solidFill>
                                       <a:latin typeface="Cambria Math" panose="02040503050406030204" pitchFamily="18" charset="0"/>
                                     </a:rPr>
@@ -40061,7 +40675,7 @@
                                       <m:ctrlPr>
                                         <a:rPr lang="ar-AE" i="1">
                                           <a:solidFill>
-                                            <a:srgbClr val="238D46"/>
+                                            <a:schemeClr val="tx1"/>
                                           </a:solidFill>
                                           <a:latin typeface="Cambria Math" panose="02040503050406030204" pitchFamily="18" charset="0"/>
                                         </a:rPr>
@@ -40071,7 +40685,7 @@
                                       <m:r>
                                         <a:rPr lang="de-DE" b="0" i="1" smtClean="0">
                                           <a:solidFill>
-                                            <a:srgbClr val="238D46"/>
+                                            <a:schemeClr val="tx1"/>
                                           </a:solidFill>
                                           <a:latin typeface="Cambria Math" panose="02040503050406030204" pitchFamily="18" charset="0"/>
                                         </a:rPr>
@@ -40082,7 +40696,7 @@
                                   <m:r>
                                     <a:rPr lang="ar-AE">
                                       <a:solidFill>
-                                        <a:srgbClr val="238D46"/>
+                                        <a:schemeClr val="tx1"/>
                                       </a:solidFill>
                                       <a:latin typeface="Cambria Math" panose="02040503050406030204" pitchFamily="18" charset="0"/>
                                     </a:rPr>
@@ -40091,7 +40705,7 @@
                                   <m:r>
                                     <a:rPr lang="ar-AE">
                                       <a:solidFill>
-                                        <a:srgbClr val="238D46"/>
+                                        <a:schemeClr val="tx1"/>
                                       </a:solidFill>
                                       <a:latin typeface="Cambria Math" panose="02040503050406030204" pitchFamily="18" charset="0"/>
                                     </a:rPr>
@@ -40100,7 +40714,7 @@
                                   <m:r>
                                     <a:rPr lang="ar-AE">
                                       <a:solidFill>
-                                        <a:srgbClr val="238D46"/>
+                                        <a:schemeClr val="tx1"/>
                                       </a:solidFill>
                                       <a:latin typeface="Cambria Math" panose="02040503050406030204" pitchFamily="18" charset="0"/>
                                     </a:rPr>
@@ -40112,7 +40726,7 @@
                                     </m:rPr>
                                     <a:rPr lang="de-DE" b="0" i="0" smtClean="0">
                                       <a:solidFill>
-                                        <a:srgbClr val="238D46"/>
+                                        <a:schemeClr val="tx1"/>
                                       </a:solidFill>
                                       <a:latin typeface="Cambria Math" panose="02040503050406030204" pitchFamily="18" charset="0"/>
                                     </a:rPr>
@@ -40121,7 +40735,7 @@
                                   <m:r>
                                     <a:rPr lang="ar-AE">
                                       <a:solidFill>
-                                        <a:srgbClr val="238D46"/>
+                                        <a:schemeClr val="tx1"/>
                                       </a:solidFill>
                                       <a:latin typeface="Cambria Math" panose="02040503050406030204" pitchFamily="18" charset="0"/>
                                     </a:rPr>
@@ -40130,7 +40744,7 @@
                                   <m:r>
                                     <a:rPr lang="ar-AE">
                                       <a:solidFill>
-                                        <a:srgbClr val="238D46"/>
+                                        <a:schemeClr val="tx1"/>
                                       </a:solidFill>
                                       <a:latin typeface="Cambria Math" panose="02040503050406030204" pitchFamily="18" charset="0"/>
                                     </a:rPr>
@@ -40139,7 +40753,7 @@
                                   <m:r>
                                     <a:rPr lang="ar-AE">
                                       <a:solidFill>
-                                        <a:srgbClr val="238D46"/>
+                                        <a:schemeClr val="tx1"/>
                                       </a:solidFill>
                                       <a:latin typeface="Cambria Math" panose="02040503050406030204" pitchFamily="18" charset="0"/>
                                     </a:rPr>
@@ -40151,7 +40765,7 @@
                                     </m:rPr>
                                     <a:rPr lang="de-DE" b="0" i="0" smtClean="0">
                                       <a:solidFill>
-                                        <a:srgbClr val="238D46"/>
+                                        <a:schemeClr val="tx1"/>
                                       </a:solidFill>
                                       <a:latin typeface="Cambria Math" panose="02040503050406030204" pitchFamily="18" charset="0"/>
                                     </a:rPr>
@@ -40160,7 +40774,7 @@
                                   <m:r>
                                     <a:rPr lang="ar-AE">
                                       <a:solidFill>
-                                        <a:srgbClr val="238D46"/>
+                                        <a:schemeClr val="tx1"/>
                                       </a:solidFill>
                                       <a:latin typeface="Cambria Math" panose="02040503050406030204" pitchFamily="18" charset="0"/>
                                     </a:rPr>
@@ -40186,7 +40800,7 @@
             </p:txBody>
           </p:sp>
         </mc:Choice>
-        <mc:Fallback xmlns="">
+        <mc:Fallback>
           <p:sp>
             <p:nvSpPr>
               <p:cNvPr id="2" name="Textfeld 1">
@@ -40269,7 +40883,7 @@
                     <a:latin typeface="+mj-lt"/>
                     <a:cs typeface="Calibri" panose="020F0502020204030204" pitchFamily="34" charset="0"/>
                   </a:rPr>
-                  <a:t>2. Plug in Values:</a:t>
+                  <a:t>2. Insert values:</a:t>
                 </a:r>
               </a:p>
               <a:p>
